--- a/Project management/APM_Week_15_CAMS_Quality & Testing.pptx
+++ b/Project management/APM_Week_15_CAMS_Quality & Testing.pptx
@@ -5,7 +5,7 @@
     <p:sldMasterId id="2147483648" r:id="rId1"/>
   </p:sldMasterIdLst>
   <p:notesMasterIdLst>
-    <p:notesMasterId r:id="rId19"/>
+    <p:notesMasterId r:id="rId25"/>
   </p:notesMasterIdLst>
   <p:sldIdLst>
     <p:sldId id="386" r:id="rId2"/>
@@ -20,11 +20,17 @@
     <p:sldId id="378" r:id="rId11"/>
     <p:sldId id="379" r:id="rId12"/>
     <p:sldId id="380" r:id="rId13"/>
-    <p:sldId id="361" r:id="rId14"/>
-    <p:sldId id="362" r:id="rId15"/>
-    <p:sldId id="353" r:id="rId16"/>
-    <p:sldId id="352" r:id="rId17"/>
-    <p:sldId id="270" r:id="rId18"/>
+    <p:sldId id="388" r:id="rId14"/>
+    <p:sldId id="393" r:id="rId15"/>
+    <p:sldId id="389" r:id="rId16"/>
+    <p:sldId id="392" r:id="rId17"/>
+    <p:sldId id="390" r:id="rId18"/>
+    <p:sldId id="391" r:id="rId19"/>
+    <p:sldId id="361" r:id="rId20"/>
+    <p:sldId id="362" r:id="rId21"/>
+    <p:sldId id="353" r:id="rId22"/>
+    <p:sldId id="352" r:id="rId23"/>
+    <p:sldId id="270" r:id="rId24"/>
   </p:sldIdLst>
   <p:sldSz cx="9144000" cy="6858000" type="screen4x3"/>
   <p:notesSz cx="6858000" cy="9144000"/>
@@ -3311,6 +3317,1560 @@
 </file>
 
 <file path=ppt/diagrams/colors5.xml><?xml version="1.0" encoding="utf-8"?>
+<dgm:colorsDef xmlns:dgm="http://schemas.openxmlformats.org/drawingml/2006/diagram" xmlns:a="http://schemas.openxmlformats.org/drawingml/2006/main" uniqueId="urn:microsoft.com/office/officeart/2005/8/colors/accent1_2">
+  <dgm:title val=""/>
+  <dgm:desc val=""/>
+  <dgm:catLst>
+    <dgm:cat type="accent1" pri="11200"/>
+  </dgm:catLst>
+  <dgm:styleLbl name="node0">
+    <dgm:fillClrLst meth="repeat">
+      <a:schemeClr val="accent1"/>
+    </dgm:fillClrLst>
+    <dgm:linClrLst meth="repeat">
+      <a:schemeClr val="lt1"/>
+    </dgm:linClrLst>
+    <dgm:effectClrLst/>
+    <dgm:txLinClrLst/>
+    <dgm:txFillClrLst/>
+    <dgm:txEffectClrLst/>
+  </dgm:styleLbl>
+  <dgm:styleLbl name="alignNode1">
+    <dgm:fillClrLst meth="repeat">
+      <a:schemeClr val="accent1"/>
+    </dgm:fillClrLst>
+    <dgm:linClrLst meth="repeat">
+      <a:schemeClr val="accent1"/>
+    </dgm:linClrLst>
+    <dgm:effectClrLst/>
+    <dgm:txLinClrLst/>
+    <dgm:txFillClrLst/>
+    <dgm:txEffectClrLst/>
+  </dgm:styleLbl>
+  <dgm:styleLbl name="node1">
+    <dgm:fillClrLst meth="repeat">
+      <a:schemeClr val="accent1"/>
+    </dgm:fillClrLst>
+    <dgm:linClrLst meth="repeat">
+      <a:schemeClr val="lt1"/>
+    </dgm:linClrLst>
+    <dgm:effectClrLst/>
+    <dgm:txLinClrLst/>
+    <dgm:txFillClrLst/>
+    <dgm:txEffectClrLst/>
+  </dgm:styleLbl>
+  <dgm:styleLbl name="lnNode1">
+    <dgm:fillClrLst meth="repeat">
+      <a:schemeClr val="accent1"/>
+    </dgm:fillClrLst>
+    <dgm:linClrLst meth="repeat">
+      <a:schemeClr val="lt1"/>
+    </dgm:linClrLst>
+    <dgm:effectClrLst/>
+    <dgm:txLinClrLst/>
+    <dgm:txFillClrLst/>
+    <dgm:txEffectClrLst/>
+  </dgm:styleLbl>
+  <dgm:styleLbl name="vennNode1">
+    <dgm:fillClrLst meth="repeat">
+      <a:schemeClr val="accent1">
+        <a:alpha val="50000"/>
+      </a:schemeClr>
+    </dgm:fillClrLst>
+    <dgm:linClrLst meth="repeat">
+      <a:schemeClr val="lt1"/>
+    </dgm:linClrLst>
+    <dgm:effectClrLst/>
+    <dgm:txLinClrLst/>
+    <dgm:txFillClrLst/>
+    <dgm:txEffectClrLst/>
+  </dgm:styleLbl>
+  <dgm:styleLbl name="node2">
+    <dgm:fillClrLst meth="repeat">
+      <a:schemeClr val="accent1"/>
+    </dgm:fillClrLst>
+    <dgm:linClrLst meth="repeat">
+      <a:schemeClr val="lt1"/>
+    </dgm:linClrLst>
+    <dgm:effectClrLst/>
+    <dgm:txLinClrLst/>
+    <dgm:txFillClrLst/>
+    <dgm:txEffectClrLst/>
+  </dgm:styleLbl>
+  <dgm:styleLbl name="node3">
+    <dgm:fillClrLst meth="repeat">
+      <a:schemeClr val="accent1"/>
+    </dgm:fillClrLst>
+    <dgm:linClrLst meth="repeat">
+      <a:schemeClr val="lt1"/>
+    </dgm:linClrLst>
+    <dgm:effectClrLst/>
+    <dgm:txLinClrLst/>
+    <dgm:txFillClrLst/>
+    <dgm:txEffectClrLst/>
+  </dgm:styleLbl>
+  <dgm:styleLbl name="node4">
+    <dgm:fillClrLst meth="repeat">
+      <a:schemeClr val="accent1"/>
+    </dgm:fillClrLst>
+    <dgm:linClrLst meth="repeat">
+      <a:schemeClr val="lt1"/>
+    </dgm:linClrLst>
+    <dgm:effectClrLst/>
+    <dgm:txLinClrLst/>
+    <dgm:txFillClrLst/>
+    <dgm:txEffectClrLst/>
+  </dgm:styleLbl>
+  <dgm:styleLbl name="fgImgPlace1">
+    <dgm:fillClrLst meth="repeat">
+      <a:schemeClr val="accent1">
+        <a:tint val="50000"/>
+      </a:schemeClr>
+    </dgm:fillClrLst>
+    <dgm:linClrLst meth="repeat">
+      <a:schemeClr val="lt1"/>
+    </dgm:linClrLst>
+    <dgm:effectClrLst/>
+    <dgm:txLinClrLst/>
+    <dgm:txFillClrLst meth="repeat">
+      <a:schemeClr val="lt1"/>
+    </dgm:txFillClrLst>
+    <dgm:txEffectClrLst/>
+  </dgm:styleLbl>
+  <dgm:styleLbl name="alignImgPlace1">
+    <dgm:fillClrLst meth="repeat">
+      <a:schemeClr val="accent1">
+        <a:tint val="50000"/>
+      </a:schemeClr>
+    </dgm:fillClrLst>
+    <dgm:linClrLst meth="repeat">
+      <a:schemeClr val="lt1"/>
+    </dgm:linClrLst>
+    <dgm:effectClrLst/>
+    <dgm:txLinClrLst/>
+    <dgm:txFillClrLst meth="repeat">
+      <a:schemeClr val="lt1"/>
+    </dgm:txFillClrLst>
+    <dgm:txEffectClrLst/>
+  </dgm:styleLbl>
+  <dgm:styleLbl name="bgImgPlace1">
+    <dgm:fillClrLst meth="repeat">
+      <a:schemeClr val="accent1">
+        <a:tint val="50000"/>
+      </a:schemeClr>
+    </dgm:fillClrLst>
+    <dgm:linClrLst meth="repeat">
+      <a:schemeClr val="lt1"/>
+    </dgm:linClrLst>
+    <dgm:effectClrLst/>
+    <dgm:txLinClrLst/>
+    <dgm:txFillClrLst meth="repeat">
+      <a:schemeClr val="lt1"/>
+    </dgm:txFillClrLst>
+    <dgm:txEffectClrLst/>
+  </dgm:styleLbl>
+  <dgm:styleLbl name="sibTrans2D1">
+    <dgm:fillClrLst meth="repeat">
+      <a:schemeClr val="accent1">
+        <a:tint val="60000"/>
+      </a:schemeClr>
+    </dgm:fillClrLst>
+    <dgm:linClrLst meth="repeat">
+      <a:schemeClr val="accent1">
+        <a:tint val="60000"/>
+      </a:schemeClr>
+    </dgm:linClrLst>
+    <dgm:effectClrLst/>
+    <dgm:txLinClrLst/>
+    <dgm:txFillClrLst/>
+    <dgm:txEffectClrLst/>
+  </dgm:styleLbl>
+  <dgm:styleLbl name="fgSibTrans2D1">
+    <dgm:fillClrLst meth="repeat">
+      <a:schemeClr val="accent1">
+        <a:tint val="60000"/>
+      </a:schemeClr>
+    </dgm:fillClrLst>
+    <dgm:linClrLst meth="repeat">
+      <a:schemeClr val="accent1">
+        <a:tint val="60000"/>
+      </a:schemeClr>
+    </dgm:linClrLst>
+    <dgm:effectClrLst/>
+    <dgm:txLinClrLst/>
+    <dgm:txFillClrLst/>
+    <dgm:txEffectClrLst/>
+  </dgm:styleLbl>
+  <dgm:styleLbl name="bgSibTrans2D1">
+    <dgm:fillClrLst meth="repeat">
+      <a:schemeClr val="accent1">
+        <a:tint val="60000"/>
+      </a:schemeClr>
+    </dgm:fillClrLst>
+    <dgm:linClrLst meth="repeat">
+      <a:schemeClr val="accent1">
+        <a:tint val="60000"/>
+      </a:schemeClr>
+    </dgm:linClrLst>
+    <dgm:effectClrLst/>
+    <dgm:txLinClrLst/>
+    <dgm:txFillClrLst/>
+    <dgm:txEffectClrLst/>
+  </dgm:styleLbl>
+  <dgm:styleLbl name="sibTrans1D1">
+    <dgm:fillClrLst meth="repeat">
+      <a:schemeClr val="accent1"/>
+    </dgm:fillClrLst>
+    <dgm:linClrLst meth="repeat">
+      <a:schemeClr val="accent1"/>
+    </dgm:linClrLst>
+    <dgm:effectClrLst/>
+    <dgm:txLinClrLst/>
+    <dgm:txFillClrLst meth="repeat">
+      <a:schemeClr val="tx1"/>
+    </dgm:txFillClrLst>
+    <dgm:txEffectClrLst/>
+  </dgm:styleLbl>
+  <dgm:styleLbl name="callout">
+    <dgm:fillClrLst meth="repeat">
+      <a:schemeClr val="accent1"/>
+    </dgm:fillClrLst>
+    <dgm:linClrLst meth="repeat">
+      <a:schemeClr val="accent1">
+        <a:tint val="50000"/>
+      </a:schemeClr>
+    </dgm:linClrLst>
+    <dgm:effectClrLst/>
+    <dgm:txLinClrLst/>
+    <dgm:txFillClrLst meth="repeat">
+      <a:schemeClr val="tx1"/>
+    </dgm:txFillClrLst>
+    <dgm:txEffectClrLst/>
+  </dgm:styleLbl>
+  <dgm:styleLbl name="asst0">
+    <dgm:fillClrLst meth="repeat">
+      <a:schemeClr val="accent1"/>
+    </dgm:fillClrLst>
+    <dgm:linClrLst meth="repeat">
+      <a:schemeClr val="lt1"/>
+    </dgm:linClrLst>
+    <dgm:effectClrLst/>
+    <dgm:txLinClrLst/>
+    <dgm:txFillClrLst/>
+    <dgm:txEffectClrLst/>
+  </dgm:styleLbl>
+  <dgm:styleLbl name="asst1">
+    <dgm:fillClrLst meth="repeat">
+      <a:schemeClr val="accent1"/>
+    </dgm:fillClrLst>
+    <dgm:linClrLst meth="repeat">
+      <a:schemeClr val="lt1"/>
+    </dgm:linClrLst>
+    <dgm:effectClrLst/>
+    <dgm:txLinClrLst/>
+    <dgm:txFillClrLst/>
+    <dgm:txEffectClrLst/>
+  </dgm:styleLbl>
+  <dgm:styleLbl name="asst2">
+    <dgm:fillClrLst meth="repeat">
+      <a:schemeClr val="accent1"/>
+    </dgm:fillClrLst>
+    <dgm:linClrLst meth="repeat">
+      <a:schemeClr val="lt1"/>
+    </dgm:linClrLst>
+    <dgm:effectClrLst/>
+    <dgm:txLinClrLst/>
+    <dgm:txFillClrLst/>
+    <dgm:txEffectClrLst/>
+  </dgm:styleLbl>
+  <dgm:styleLbl name="asst3">
+    <dgm:fillClrLst meth="repeat">
+      <a:schemeClr val="accent1"/>
+    </dgm:fillClrLst>
+    <dgm:linClrLst meth="repeat">
+      <a:schemeClr val="lt1"/>
+    </dgm:linClrLst>
+    <dgm:effectClrLst/>
+    <dgm:txLinClrLst/>
+    <dgm:txFillClrLst/>
+    <dgm:txEffectClrLst/>
+  </dgm:styleLbl>
+  <dgm:styleLbl name="asst4">
+    <dgm:fillClrLst meth="repeat">
+      <a:schemeClr val="accent1"/>
+    </dgm:fillClrLst>
+    <dgm:linClrLst meth="repeat">
+      <a:schemeClr val="lt1"/>
+    </dgm:linClrLst>
+    <dgm:effectClrLst/>
+    <dgm:txLinClrLst/>
+    <dgm:txFillClrLst/>
+    <dgm:txEffectClrLst/>
+  </dgm:styleLbl>
+  <dgm:styleLbl name="parChTrans2D1">
+    <dgm:fillClrLst meth="repeat">
+      <a:schemeClr val="accent1">
+        <a:tint val="60000"/>
+      </a:schemeClr>
+    </dgm:fillClrLst>
+    <dgm:linClrLst meth="repeat">
+      <a:schemeClr val="accent1">
+        <a:tint val="60000"/>
+      </a:schemeClr>
+    </dgm:linClrLst>
+    <dgm:effectClrLst/>
+    <dgm:txLinClrLst/>
+    <dgm:txFillClrLst meth="repeat">
+      <a:schemeClr val="lt1"/>
+    </dgm:txFillClrLst>
+    <dgm:txEffectClrLst/>
+  </dgm:styleLbl>
+  <dgm:styleLbl name="parChTrans2D2">
+    <dgm:fillClrLst meth="repeat">
+      <a:schemeClr val="accent1"/>
+    </dgm:fillClrLst>
+    <dgm:linClrLst meth="repeat">
+      <a:schemeClr val="accent1"/>
+    </dgm:linClrLst>
+    <dgm:effectClrLst/>
+    <dgm:txLinClrLst/>
+    <dgm:txFillClrLst meth="repeat">
+      <a:schemeClr val="lt1"/>
+    </dgm:txFillClrLst>
+    <dgm:txEffectClrLst/>
+  </dgm:styleLbl>
+  <dgm:styleLbl name="parChTrans2D3">
+    <dgm:fillClrLst meth="repeat">
+      <a:schemeClr val="accent1"/>
+    </dgm:fillClrLst>
+    <dgm:linClrLst meth="repeat">
+      <a:schemeClr val="accent1"/>
+    </dgm:linClrLst>
+    <dgm:effectClrLst/>
+    <dgm:txLinClrLst/>
+    <dgm:txFillClrLst meth="repeat">
+      <a:schemeClr val="lt1"/>
+    </dgm:txFillClrLst>
+    <dgm:txEffectClrLst/>
+  </dgm:styleLbl>
+  <dgm:styleLbl name="parChTrans2D4">
+    <dgm:fillClrLst meth="repeat">
+      <a:schemeClr val="accent1"/>
+    </dgm:fillClrLst>
+    <dgm:linClrLst meth="repeat">
+      <a:schemeClr val="accent1"/>
+    </dgm:linClrLst>
+    <dgm:effectClrLst/>
+    <dgm:txLinClrLst/>
+    <dgm:txFillClrLst meth="repeat">
+      <a:schemeClr val="lt1"/>
+    </dgm:txFillClrLst>
+    <dgm:txEffectClrLst/>
+  </dgm:styleLbl>
+  <dgm:styleLbl name="parChTrans1D1">
+    <dgm:fillClrLst meth="repeat">
+      <a:schemeClr val="accent1"/>
+    </dgm:fillClrLst>
+    <dgm:linClrLst meth="repeat">
+      <a:schemeClr val="accent1">
+        <a:shade val="60000"/>
+      </a:schemeClr>
+    </dgm:linClrLst>
+    <dgm:effectClrLst/>
+    <dgm:txLinClrLst/>
+    <dgm:txFillClrLst meth="repeat">
+      <a:schemeClr val="tx1"/>
+    </dgm:txFillClrLst>
+    <dgm:txEffectClrLst/>
+  </dgm:styleLbl>
+  <dgm:styleLbl name="parChTrans1D2">
+    <dgm:fillClrLst meth="repeat">
+      <a:schemeClr val="accent1"/>
+    </dgm:fillClrLst>
+    <dgm:linClrLst meth="repeat">
+      <a:schemeClr val="accent1">
+        <a:shade val="60000"/>
+      </a:schemeClr>
+    </dgm:linClrLst>
+    <dgm:effectClrLst/>
+    <dgm:txLinClrLst/>
+    <dgm:txFillClrLst meth="repeat">
+      <a:schemeClr val="tx1"/>
+    </dgm:txFillClrLst>
+    <dgm:txEffectClrLst/>
+  </dgm:styleLbl>
+  <dgm:styleLbl name="parChTrans1D3">
+    <dgm:fillClrLst meth="repeat">
+      <a:schemeClr val="accent1"/>
+    </dgm:fillClrLst>
+    <dgm:linClrLst meth="repeat">
+      <a:schemeClr val="accent1">
+        <a:shade val="80000"/>
+      </a:schemeClr>
+    </dgm:linClrLst>
+    <dgm:effectClrLst/>
+    <dgm:txLinClrLst/>
+    <dgm:txFillClrLst meth="repeat">
+      <a:schemeClr val="tx1"/>
+    </dgm:txFillClrLst>
+    <dgm:txEffectClrLst/>
+  </dgm:styleLbl>
+  <dgm:styleLbl name="parChTrans1D4">
+    <dgm:fillClrLst meth="repeat">
+      <a:schemeClr val="accent1"/>
+    </dgm:fillClrLst>
+    <dgm:linClrLst meth="repeat">
+      <a:schemeClr val="accent1">
+        <a:shade val="80000"/>
+      </a:schemeClr>
+    </dgm:linClrLst>
+    <dgm:effectClrLst/>
+    <dgm:txLinClrLst/>
+    <dgm:txFillClrLst meth="repeat">
+      <a:schemeClr val="tx1"/>
+    </dgm:txFillClrLst>
+    <dgm:txEffectClrLst/>
+  </dgm:styleLbl>
+  <dgm:styleLbl name="fgAcc1">
+    <dgm:fillClrLst meth="repeat">
+      <a:schemeClr val="lt1">
+        <a:alpha val="90000"/>
+      </a:schemeClr>
+    </dgm:fillClrLst>
+    <dgm:linClrLst meth="repeat">
+      <a:schemeClr val="accent1"/>
+    </dgm:linClrLst>
+    <dgm:effectClrLst/>
+    <dgm:txLinClrLst/>
+    <dgm:txFillClrLst meth="repeat">
+      <a:schemeClr val="dk1"/>
+    </dgm:txFillClrLst>
+    <dgm:txEffectClrLst/>
+  </dgm:styleLbl>
+  <dgm:styleLbl name="conFgAcc1">
+    <dgm:fillClrLst meth="repeat">
+      <a:schemeClr val="lt1">
+        <a:alpha val="90000"/>
+      </a:schemeClr>
+    </dgm:fillClrLst>
+    <dgm:linClrLst meth="repeat">
+      <a:schemeClr val="accent1"/>
+    </dgm:linClrLst>
+    <dgm:effectClrLst/>
+    <dgm:txLinClrLst/>
+    <dgm:txFillClrLst meth="repeat">
+      <a:schemeClr val="dk1"/>
+    </dgm:txFillClrLst>
+    <dgm:txEffectClrLst/>
+  </dgm:styleLbl>
+  <dgm:styleLbl name="alignAcc1">
+    <dgm:fillClrLst meth="repeat">
+      <a:schemeClr val="lt1">
+        <a:alpha val="90000"/>
+      </a:schemeClr>
+    </dgm:fillClrLst>
+    <dgm:linClrLst meth="repeat">
+      <a:schemeClr val="accent1"/>
+    </dgm:linClrLst>
+    <dgm:effectClrLst/>
+    <dgm:txLinClrLst/>
+    <dgm:txFillClrLst meth="repeat">
+      <a:schemeClr val="dk1"/>
+    </dgm:txFillClrLst>
+    <dgm:txEffectClrLst/>
+  </dgm:styleLbl>
+  <dgm:styleLbl name="trAlignAcc1">
+    <dgm:fillClrLst meth="repeat">
+      <a:schemeClr val="lt1">
+        <a:alpha val="40000"/>
+      </a:schemeClr>
+    </dgm:fillClrLst>
+    <dgm:linClrLst meth="repeat">
+      <a:schemeClr val="accent1"/>
+    </dgm:linClrLst>
+    <dgm:effectClrLst/>
+    <dgm:txLinClrLst/>
+    <dgm:txFillClrLst meth="repeat">
+      <a:schemeClr val="dk1"/>
+    </dgm:txFillClrLst>
+    <dgm:txEffectClrLst/>
+  </dgm:styleLbl>
+  <dgm:styleLbl name="bgAcc1">
+    <dgm:fillClrLst meth="repeat">
+      <a:schemeClr val="lt1">
+        <a:alpha val="90000"/>
+      </a:schemeClr>
+    </dgm:fillClrLst>
+    <dgm:linClrLst meth="repeat">
+      <a:schemeClr val="accent1"/>
+    </dgm:linClrLst>
+    <dgm:effectClrLst/>
+    <dgm:txLinClrLst/>
+    <dgm:txFillClrLst meth="repeat">
+      <a:schemeClr val="dk1"/>
+    </dgm:txFillClrLst>
+    <dgm:txEffectClrLst/>
+  </dgm:styleLbl>
+  <dgm:styleLbl name="solidFgAcc1">
+    <dgm:fillClrLst meth="repeat">
+      <a:schemeClr val="lt1"/>
+    </dgm:fillClrLst>
+    <dgm:linClrLst meth="repeat">
+      <a:schemeClr val="accent1"/>
+    </dgm:linClrLst>
+    <dgm:effectClrLst/>
+    <dgm:txLinClrLst/>
+    <dgm:txFillClrLst meth="repeat">
+      <a:schemeClr val="dk1"/>
+    </dgm:txFillClrLst>
+    <dgm:txEffectClrLst/>
+  </dgm:styleLbl>
+  <dgm:styleLbl name="solidAlignAcc1">
+    <dgm:fillClrLst meth="repeat">
+      <a:schemeClr val="lt1"/>
+    </dgm:fillClrLst>
+    <dgm:linClrLst meth="repeat">
+      <a:schemeClr val="accent1"/>
+    </dgm:linClrLst>
+    <dgm:effectClrLst/>
+    <dgm:txLinClrLst/>
+    <dgm:txFillClrLst meth="repeat">
+      <a:schemeClr val="dk1"/>
+    </dgm:txFillClrLst>
+    <dgm:txEffectClrLst/>
+  </dgm:styleLbl>
+  <dgm:styleLbl name="solidBgAcc1">
+    <dgm:fillClrLst meth="repeat">
+      <a:schemeClr val="lt1"/>
+    </dgm:fillClrLst>
+    <dgm:linClrLst meth="repeat">
+      <a:schemeClr val="accent1"/>
+    </dgm:linClrLst>
+    <dgm:effectClrLst/>
+    <dgm:txLinClrLst/>
+    <dgm:txFillClrLst meth="repeat">
+      <a:schemeClr val="dk1"/>
+    </dgm:txFillClrLst>
+    <dgm:txEffectClrLst/>
+  </dgm:styleLbl>
+  <dgm:styleLbl name="fgAccFollowNode1">
+    <dgm:fillClrLst meth="repeat">
+      <a:schemeClr val="accent1">
+        <a:alpha val="90000"/>
+        <a:tint val="40000"/>
+      </a:schemeClr>
+    </dgm:fillClrLst>
+    <dgm:linClrLst meth="repeat">
+      <a:schemeClr val="accent1">
+        <a:alpha val="90000"/>
+        <a:tint val="40000"/>
+      </a:schemeClr>
+    </dgm:linClrLst>
+    <dgm:effectClrLst/>
+    <dgm:txLinClrLst/>
+    <dgm:txFillClrLst meth="repeat">
+      <a:schemeClr val="dk1"/>
+    </dgm:txFillClrLst>
+    <dgm:txEffectClrLst/>
+  </dgm:styleLbl>
+  <dgm:styleLbl name="alignAccFollowNode1">
+    <dgm:fillClrLst meth="repeat">
+      <a:schemeClr val="accent1">
+        <a:alpha val="90000"/>
+        <a:tint val="40000"/>
+      </a:schemeClr>
+    </dgm:fillClrLst>
+    <dgm:linClrLst meth="repeat">
+      <a:schemeClr val="accent1">
+        <a:alpha val="90000"/>
+        <a:tint val="40000"/>
+      </a:schemeClr>
+    </dgm:linClrLst>
+    <dgm:effectClrLst/>
+    <dgm:txLinClrLst/>
+    <dgm:txFillClrLst meth="repeat">
+      <a:schemeClr val="dk1"/>
+    </dgm:txFillClrLst>
+    <dgm:txEffectClrLst/>
+  </dgm:styleLbl>
+  <dgm:styleLbl name="bgAccFollowNode1">
+    <dgm:fillClrLst meth="repeat">
+      <a:schemeClr val="accent1">
+        <a:alpha val="90000"/>
+        <a:tint val="40000"/>
+      </a:schemeClr>
+    </dgm:fillClrLst>
+    <dgm:linClrLst meth="repeat">
+      <a:schemeClr val="accent1">
+        <a:alpha val="90000"/>
+        <a:tint val="40000"/>
+      </a:schemeClr>
+    </dgm:linClrLst>
+    <dgm:effectClrLst/>
+    <dgm:txLinClrLst/>
+    <dgm:txFillClrLst meth="repeat">
+      <a:schemeClr val="dk1"/>
+    </dgm:txFillClrLst>
+    <dgm:txEffectClrLst/>
+  </dgm:styleLbl>
+  <dgm:styleLbl name="fgAcc0">
+    <dgm:fillClrLst meth="repeat">
+      <a:schemeClr val="lt1">
+        <a:alpha val="90000"/>
+      </a:schemeClr>
+    </dgm:fillClrLst>
+    <dgm:linClrLst meth="repeat">
+      <a:schemeClr val="accent1"/>
+    </dgm:linClrLst>
+    <dgm:effectClrLst/>
+    <dgm:txLinClrLst/>
+    <dgm:txFillClrLst meth="repeat">
+      <a:schemeClr val="dk1"/>
+    </dgm:txFillClrLst>
+    <dgm:txEffectClrLst/>
+  </dgm:styleLbl>
+  <dgm:styleLbl name="fgAcc2">
+    <dgm:fillClrLst meth="repeat">
+      <a:schemeClr val="lt1">
+        <a:alpha val="90000"/>
+      </a:schemeClr>
+    </dgm:fillClrLst>
+    <dgm:linClrLst meth="repeat">
+      <a:schemeClr val="accent1"/>
+    </dgm:linClrLst>
+    <dgm:effectClrLst/>
+    <dgm:txLinClrLst/>
+    <dgm:txFillClrLst meth="repeat">
+      <a:schemeClr val="dk1"/>
+    </dgm:txFillClrLst>
+    <dgm:txEffectClrLst/>
+  </dgm:styleLbl>
+  <dgm:styleLbl name="fgAcc3">
+    <dgm:fillClrLst meth="repeat">
+      <a:schemeClr val="lt1">
+        <a:alpha val="90000"/>
+      </a:schemeClr>
+    </dgm:fillClrLst>
+    <dgm:linClrLst meth="repeat">
+      <a:schemeClr val="accent1"/>
+    </dgm:linClrLst>
+    <dgm:effectClrLst/>
+    <dgm:txLinClrLst/>
+    <dgm:txFillClrLst meth="repeat">
+      <a:schemeClr val="dk1"/>
+    </dgm:txFillClrLst>
+    <dgm:txEffectClrLst/>
+  </dgm:styleLbl>
+  <dgm:styleLbl name="fgAcc4">
+    <dgm:fillClrLst meth="repeat">
+      <a:schemeClr val="lt1">
+        <a:alpha val="90000"/>
+      </a:schemeClr>
+    </dgm:fillClrLst>
+    <dgm:linClrLst meth="repeat">
+      <a:schemeClr val="accent1"/>
+    </dgm:linClrLst>
+    <dgm:effectClrLst/>
+    <dgm:txLinClrLst/>
+    <dgm:txFillClrLst meth="repeat">
+      <a:schemeClr val="dk1"/>
+    </dgm:txFillClrLst>
+    <dgm:txEffectClrLst/>
+  </dgm:styleLbl>
+  <dgm:styleLbl name="bgShp">
+    <dgm:fillClrLst meth="repeat">
+      <a:schemeClr val="accent1">
+        <a:tint val="40000"/>
+      </a:schemeClr>
+    </dgm:fillClrLst>
+    <dgm:linClrLst meth="repeat">
+      <a:schemeClr val="accent1"/>
+    </dgm:linClrLst>
+    <dgm:effectClrLst/>
+    <dgm:txLinClrLst/>
+    <dgm:txFillClrLst meth="repeat">
+      <a:schemeClr val="dk1"/>
+    </dgm:txFillClrLst>
+    <dgm:txEffectClrLst/>
+  </dgm:styleLbl>
+  <dgm:styleLbl name="dkBgShp">
+    <dgm:fillClrLst meth="repeat">
+      <a:schemeClr val="accent1">
+        <a:shade val="80000"/>
+      </a:schemeClr>
+    </dgm:fillClrLst>
+    <dgm:linClrLst meth="repeat">
+      <a:schemeClr val="accent1"/>
+    </dgm:linClrLst>
+    <dgm:effectClrLst/>
+    <dgm:txLinClrLst/>
+    <dgm:txFillClrLst meth="repeat">
+      <a:schemeClr val="lt1"/>
+    </dgm:txFillClrLst>
+    <dgm:txEffectClrLst/>
+  </dgm:styleLbl>
+  <dgm:styleLbl name="trBgShp">
+    <dgm:fillClrLst meth="repeat">
+      <a:schemeClr val="accent1">
+        <a:tint val="50000"/>
+        <a:alpha val="40000"/>
+      </a:schemeClr>
+    </dgm:fillClrLst>
+    <dgm:linClrLst meth="repeat">
+      <a:schemeClr val="accent1"/>
+    </dgm:linClrLst>
+    <dgm:effectClrLst/>
+    <dgm:txLinClrLst/>
+    <dgm:txFillClrLst meth="repeat">
+      <a:schemeClr val="lt1"/>
+    </dgm:txFillClrLst>
+    <dgm:txEffectClrLst/>
+  </dgm:styleLbl>
+  <dgm:styleLbl name="fgShp">
+    <dgm:fillClrLst meth="repeat">
+      <a:schemeClr val="accent1">
+        <a:tint val="60000"/>
+      </a:schemeClr>
+    </dgm:fillClrLst>
+    <dgm:linClrLst meth="repeat">
+      <a:schemeClr val="lt1"/>
+    </dgm:linClrLst>
+    <dgm:effectClrLst/>
+    <dgm:txLinClrLst/>
+    <dgm:txFillClrLst meth="repeat">
+      <a:schemeClr val="dk1"/>
+    </dgm:txFillClrLst>
+    <dgm:txEffectClrLst/>
+  </dgm:styleLbl>
+  <dgm:styleLbl name="revTx">
+    <dgm:fillClrLst meth="repeat">
+      <a:schemeClr val="lt1">
+        <a:alpha val="0"/>
+      </a:schemeClr>
+    </dgm:fillClrLst>
+    <dgm:linClrLst meth="repeat">
+      <a:schemeClr val="dk1">
+        <a:alpha val="0"/>
+      </a:schemeClr>
+    </dgm:linClrLst>
+    <dgm:effectClrLst/>
+    <dgm:txLinClrLst/>
+    <dgm:txFillClrLst meth="repeat">
+      <a:schemeClr val="tx1"/>
+    </dgm:txFillClrLst>
+    <dgm:txEffectClrLst/>
+  </dgm:styleLbl>
+</dgm:colorsDef>
+</file>
+
+<file path=ppt/diagrams/colors6.xml><?xml version="1.0" encoding="utf-8"?>
+<dgm:colorsDef xmlns:dgm="http://schemas.openxmlformats.org/drawingml/2006/diagram" xmlns:a="http://schemas.openxmlformats.org/drawingml/2006/main" uniqueId="urn:microsoft.com/office/officeart/2005/8/colors/accent2_1">
+  <dgm:title val=""/>
+  <dgm:desc val=""/>
+  <dgm:catLst>
+    <dgm:cat type="accent2" pri="11100"/>
+  </dgm:catLst>
+  <dgm:styleLbl name="node0">
+    <dgm:fillClrLst meth="repeat">
+      <a:schemeClr val="lt1"/>
+    </dgm:fillClrLst>
+    <dgm:linClrLst meth="repeat">
+      <a:schemeClr val="accent2">
+        <a:shade val="80000"/>
+      </a:schemeClr>
+    </dgm:linClrLst>
+    <dgm:effectClrLst/>
+    <dgm:txLinClrLst/>
+    <dgm:txFillClrLst meth="repeat">
+      <a:schemeClr val="dk1"/>
+    </dgm:txFillClrLst>
+    <dgm:txEffectClrLst/>
+  </dgm:styleLbl>
+  <dgm:styleLbl name="node1">
+    <dgm:fillClrLst meth="repeat">
+      <a:schemeClr val="lt1"/>
+    </dgm:fillClrLst>
+    <dgm:linClrLst meth="repeat">
+      <a:schemeClr val="accent2">
+        <a:shade val="80000"/>
+      </a:schemeClr>
+    </dgm:linClrLst>
+    <dgm:effectClrLst/>
+    <dgm:txLinClrLst/>
+    <dgm:txFillClrLst meth="repeat">
+      <a:schemeClr val="dk1"/>
+    </dgm:txFillClrLst>
+    <dgm:txEffectClrLst/>
+  </dgm:styleLbl>
+  <dgm:styleLbl name="alignNode1">
+    <dgm:fillClrLst meth="repeat">
+      <a:schemeClr val="lt1"/>
+    </dgm:fillClrLst>
+    <dgm:linClrLst meth="repeat">
+      <a:schemeClr val="accent2">
+        <a:shade val="80000"/>
+      </a:schemeClr>
+    </dgm:linClrLst>
+    <dgm:effectClrLst/>
+    <dgm:txLinClrLst/>
+    <dgm:txFillClrLst meth="repeat">
+      <a:schemeClr val="dk1"/>
+    </dgm:txFillClrLst>
+    <dgm:txEffectClrLst/>
+  </dgm:styleLbl>
+  <dgm:styleLbl name="lnNode1">
+    <dgm:fillClrLst meth="repeat">
+      <a:schemeClr val="lt1"/>
+    </dgm:fillClrLst>
+    <dgm:linClrLst meth="repeat">
+      <a:schemeClr val="accent2">
+        <a:shade val="80000"/>
+      </a:schemeClr>
+    </dgm:linClrLst>
+    <dgm:effectClrLst/>
+    <dgm:txLinClrLst/>
+    <dgm:txFillClrLst meth="repeat">
+      <a:schemeClr val="dk1"/>
+    </dgm:txFillClrLst>
+    <dgm:txEffectClrLst/>
+  </dgm:styleLbl>
+  <dgm:styleLbl name="vennNode1">
+    <dgm:fillClrLst meth="repeat">
+      <a:schemeClr val="lt1">
+        <a:alpha val="50000"/>
+      </a:schemeClr>
+    </dgm:fillClrLst>
+    <dgm:linClrLst meth="repeat">
+      <a:schemeClr val="accent2">
+        <a:shade val="80000"/>
+      </a:schemeClr>
+    </dgm:linClrLst>
+    <dgm:effectClrLst/>
+    <dgm:txLinClrLst/>
+    <dgm:txFillClrLst/>
+    <dgm:txEffectClrLst/>
+  </dgm:styleLbl>
+  <dgm:styleLbl name="node2">
+    <dgm:fillClrLst meth="repeat">
+      <a:schemeClr val="lt1"/>
+    </dgm:fillClrLst>
+    <dgm:linClrLst meth="repeat">
+      <a:schemeClr val="accent2">
+        <a:shade val="80000"/>
+      </a:schemeClr>
+    </dgm:linClrLst>
+    <dgm:effectClrLst/>
+    <dgm:txLinClrLst/>
+    <dgm:txFillClrLst meth="repeat">
+      <a:schemeClr val="dk1"/>
+    </dgm:txFillClrLst>
+    <dgm:txEffectClrLst/>
+  </dgm:styleLbl>
+  <dgm:styleLbl name="node3">
+    <dgm:fillClrLst meth="repeat">
+      <a:schemeClr val="lt1"/>
+    </dgm:fillClrLst>
+    <dgm:linClrLst meth="repeat">
+      <a:schemeClr val="accent2">
+        <a:shade val="80000"/>
+      </a:schemeClr>
+    </dgm:linClrLst>
+    <dgm:effectClrLst/>
+    <dgm:txLinClrLst/>
+    <dgm:txFillClrLst meth="repeat">
+      <a:schemeClr val="dk1"/>
+    </dgm:txFillClrLst>
+    <dgm:txEffectClrLst/>
+  </dgm:styleLbl>
+  <dgm:styleLbl name="node4">
+    <dgm:fillClrLst meth="repeat">
+      <a:schemeClr val="lt1"/>
+    </dgm:fillClrLst>
+    <dgm:linClrLst meth="repeat">
+      <a:schemeClr val="accent2">
+        <a:shade val="80000"/>
+      </a:schemeClr>
+    </dgm:linClrLst>
+    <dgm:effectClrLst/>
+    <dgm:txLinClrLst/>
+    <dgm:txFillClrLst meth="repeat">
+      <a:schemeClr val="dk1"/>
+    </dgm:txFillClrLst>
+    <dgm:txEffectClrLst/>
+  </dgm:styleLbl>
+  <dgm:styleLbl name="fgImgPlace1">
+    <dgm:fillClrLst meth="repeat">
+      <a:schemeClr val="accent2">
+        <a:tint val="40000"/>
+      </a:schemeClr>
+    </dgm:fillClrLst>
+    <dgm:linClrLst meth="repeat">
+      <a:schemeClr val="accent2">
+        <a:shade val="80000"/>
+      </a:schemeClr>
+    </dgm:linClrLst>
+    <dgm:effectClrLst/>
+    <dgm:txLinClrLst/>
+    <dgm:txFillClrLst meth="repeat">
+      <a:schemeClr val="lt1"/>
+    </dgm:txFillClrLst>
+    <dgm:txEffectClrLst/>
+  </dgm:styleLbl>
+  <dgm:styleLbl name="alignImgPlace1">
+    <dgm:fillClrLst meth="repeat">
+      <a:schemeClr val="accent2">
+        <a:tint val="40000"/>
+      </a:schemeClr>
+    </dgm:fillClrLst>
+    <dgm:linClrLst meth="repeat">
+      <a:schemeClr val="accent2">
+        <a:shade val="80000"/>
+      </a:schemeClr>
+    </dgm:linClrLst>
+    <dgm:effectClrLst/>
+    <dgm:txLinClrLst/>
+    <dgm:txFillClrLst meth="repeat">
+      <a:schemeClr val="lt1"/>
+    </dgm:txFillClrLst>
+    <dgm:txEffectClrLst/>
+  </dgm:styleLbl>
+  <dgm:styleLbl name="bgImgPlace1">
+    <dgm:fillClrLst meth="repeat">
+      <a:schemeClr val="accent2">
+        <a:tint val="40000"/>
+      </a:schemeClr>
+    </dgm:fillClrLst>
+    <dgm:linClrLst meth="repeat">
+      <a:schemeClr val="accent2">
+        <a:shade val="80000"/>
+      </a:schemeClr>
+    </dgm:linClrLst>
+    <dgm:effectClrLst/>
+    <dgm:txLinClrLst/>
+    <dgm:txFillClrLst meth="repeat">
+      <a:schemeClr val="lt1"/>
+    </dgm:txFillClrLst>
+    <dgm:txEffectClrLst/>
+  </dgm:styleLbl>
+  <dgm:styleLbl name="sibTrans2D1">
+    <dgm:fillClrLst meth="repeat">
+      <a:schemeClr val="accent2">
+        <a:tint val="60000"/>
+      </a:schemeClr>
+    </dgm:fillClrLst>
+    <dgm:linClrLst meth="repeat">
+      <a:schemeClr val="accent2">
+        <a:tint val="60000"/>
+      </a:schemeClr>
+    </dgm:linClrLst>
+    <dgm:effectClrLst/>
+    <dgm:txLinClrLst/>
+    <dgm:txFillClrLst meth="repeat">
+      <a:schemeClr val="dk1"/>
+    </dgm:txFillClrLst>
+    <dgm:txEffectClrLst/>
+  </dgm:styleLbl>
+  <dgm:styleLbl name="fgSibTrans2D1">
+    <dgm:fillClrLst meth="repeat">
+      <a:schemeClr val="accent2">
+        <a:tint val="60000"/>
+      </a:schemeClr>
+    </dgm:fillClrLst>
+    <dgm:linClrLst meth="repeat">
+      <a:schemeClr val="accent2">
+        <a:tint val="60000"/>
+      </a:schemeClr>
+    </dgm:linClrLst>
+    <dgm:effectClrLst/>
+    <dgm:txLinClrLst/>
+    <dgm:txFillClrLst meth="repeat">
+      <a:schemeClr val="dk1"/>
+    </dgm:txFillClrLst>
+    <dgm:txEffectClrLst/>
+  </dgm:styleLbl>
+  <dgm:styleLbl name="bgSibTrans2D1">
+    <dgm:fillClrLst meth="repeat">
+      <a:schemeClr val="accent2">
+        <a:tint val="60000"/>
+      </a:schemeClr>
+    </dgm:fillClrLst>
+    <dgm:linClrLst meth="repeat">
+      <a:schemeClr val="accent2">
+        <a:tint val="60000"/>
+      </a:schemeClr>
+    </dgm:linClrLst>
+    <dgm:effectClrLst/>
+    <dgm:txLinClrLst/>
+    <dgm:txFillClrLst meth="repeat">
+      <a:schemeClr val="dk1"/>
+    </dgm:txFillClrLst>
+    <dgm:txEffectClrLst/>
+  </dgm:styleLbl>
+  <dgm:styleLbl name="sibTrans1D1">
+    <dgm:fillClrLst meth="repeat">
+      <a:schemeClr val="accent2"/>
+    </dgm:fillClrLst>
+    <dgm:linClrLst meth="repeat">
+      <a:schemeClr val="accent2"/>
+    </dgm:linClrLst>
+    <dgm:effectClrLst/>
+    <dgm:txLinClrLst/>
+    <dgm:txFillClrLst meth="repeat">
+      <a:schemeClr val="tx1"/>
+    </dgm:txFillClrLst>
+    <dgm:txEffectClrLst/>
+  </dgm:styleLbl>
+  <dgm:styleLbl name="callout">
+    <dgm:fillClrLst meth="repeat">
+      <a:schemeClr val="accent2"/>
+    </dgm:fillClrLst>
+    <dgm:linClrLst meth="repeat">
+      <a:schemeClr val="accent2"/>
+    </dgm:linClrLst>
+    <dgm:effectClrLst/>
+    <dgm:txLinClrLst/>
+    <dgm:txFillClrLst meth="repeat">
+      <a:schemeClr val="tx1"/>
+    </dgm:txFillClrLst>
+    <dgm:txEffectClrLst/>
+  </dgm:styleLbl>
+  <dgm:styleLbl name="asst0">
+    <dgm:fillClrLst meth="repeat">
+      <a:schemeClr val="lt1"/>
+    </dgm:fillClrLst>
+    <dgm:linClrLst meth="repeat">
+      <a:schemeClr val="accent2">
+        <a:shade val="80000"/>
+      </a:schemeClr>
+    </dgm:linClrLst>
+    <dgm:effectClrLst/>
+    <dgm:txLinClrLst/>
+    <dgm:txFillClrLst meth="repeat">
+      <a:schemeClr val="dk1"/>
+    </dgm:txFillClrLst>
+    <dgm:txEffectClrLst/>
+  </dgm:styleLbl>
+  <dgm:styleLbl name="asst1">
+    <dgm:fillClrLst meth="repeat">
+      <a:schemeClr val="lt1"/>
+    </dgm:fillClrLst>
+    <dgm:linClrLst meth="repeat">
+      <a:schemeClr val="accent2">
+        <a:shade val="80000"/>
+      </a:schemeClr>
+    </dgm:linClrLst>
+    <dgm:effectClrLst/>
+    <dgm:txLinClrLst/>
+    <dgm:txFillClrLst meth="repeat">
+      <a:schemeClr val="dk1"/>
+    </dgm:txFillClrLst>
+    <dgm:txEffectClrLst/>
+  </dgm:styleLbl>
+  <dgm:styleLbl name="asst2">
+    <dgm:fillClrLst meth="repeat">
+      <a:schemeClr val="lt1"/>
+    </dgm:fillClrLst>
+    <dgm:linClrLst meth="repeat">
+      <a:schemeClr val="accent2">
+        <a:shade val="80000"/>
+      </a:schemeClr>
+    </dgm:linClrLst>
+    <dgm:effectClrLst/>
+    <dgm:txLinClrLst/>
+    <dgm:txFillClrLst meth="repeat">
+      <a:schemeClr val="dk1"/>
+    </dgm:txFillClrLst>
+    <dgm:txEffectClrLst/>
+  </dgm:styleLbl>
+  <dgm:styleLbl name="asst3">
+    <dgm:fillClrLst meth="repeat">
+      <a:schemeClr val="lt1"/>
+    </dgm:fillClrLst>
+    <dgm:linClrLst meth="repeat">
+      <a:schemeClr val="accent2">
+        <a:shade val="80000"/>
+      </a:schemeClr>
+    </dgm:linClrLst>
+    <dgm:effectClrLst/>
+    <dgm:txLinClrLst/>
+    <dgm:txFillClrLst meth="repeat">
+      <a:schemeClr val="dk1"/>
+    </dgm:txFillClrLst>
+    <dgm:txEffectClrLst/>
+  </dgm:styleLbl>
+  <dgm:styleLbl name="asst4">
+    <dgm:fillClrLst meth="repeat">
+      <a:schemeClr val="lt1"/>
+    </dgm:fillClrLst>
+    <dgm:linClrLst meth="repeat">
+      <a:schemeClr val="accent2">
+        <a:shade val="80000"/>
+      </a:schemeClr>
+    </dgm:linClrLst>
+    <dgm:effectClrLst/>
+    <dgm:txLinClrLst/>
+    <dgm:txFillClrLst meth="repeat">
+      <a:schemeClr val="dk1"/>
+    </dgm:txFillClrLst>
+    <dgm:txEffectClrLst/>
+  </dgm:styleLbl>
+  <dgm:styleLbl name="parChTrans2D1">
+    <dgm:fillClrLst meth="repeat">
+      <a:schemeClr val="accent2">
+        <a:tint val="60000"/>
+      </a:schemeClr>
+    </dgm:fillClrLst>
+    <dgm:linClrLst meth="repeat">
+      <a:schemeClr val="accent2">
+        <a:tint val="60000"/>
+      </a:schemeClr>
+    </dgm:linClrLst>
+    <dgm:effectClrLst/>
+    <dgm:txLinClrLst/>
+    <dgm:txFillClrLst/>
+    <dgm:txEffectClrLst/>
+  </dgm:styleLbl>
+  <dgm:styleLbl name="parChTrans2D2">
+    <dgm:fillClrLst meth="repeat">
+      <a:schemeClr val="accent2"/>
+    </dgm:fillClrLst>
+    <dgm:linClrLst meth="repeat">
+      <a:schemeClr val="accent2"/>
+    </dgm:linClrLst>
+    <dgm:effectClrLst/>
+    <dgm:txLinClrLst/>
+    <dgm:txFillClrLst/>
+    <dgm:txEffectClrLst/>
+  </dgm:styleLbl>
+  <dgm:styleLbl name="parChTrans2D3">
+    <dgm:fillClrLst meth="repeat">
+      <a:schemeClr val="accent2"/>
+    </dgm:fillClrLst>
+    <dgm:linClrLst meth="repeat">
+      <a:schemeClr val="accent2"/>
+    </dgm:linClrLst>
+    <dgm:effectClrLst/>
+    <dgm:txLinClrLst/>
+    <dgm:txFillClrLst/>
+    <dgm:txEffectClrLst/>
+  </dgm:styleLbl>
+  <dgm:styleLbl name="parChTrans2D4">
+    <dgm:fillClrLst meth="repeat">
+      <a:schemeClr val="accent2"/>
+    </dgm:fillClrLst>
+    <dgm:linClrLst meth="repeat">
+      <a:schemeClr val="accent2"/>
+    </dgm:linClrLst>
+    <dgm:effectClrLst/>
+    <dgm:txLinClrLst/>
+    <dgm:txFillClrLst meth="repeat">
+      <a:schemeClr val="lt1"/>
+    </dgm:txFillClrLst>
+    <dgm:txEffectClrLst/>
+  </dgm:styleLbl>
+  <dgm:styleLbl name="parChTrans1D1">
+    <dgm:fillClrLst meth="repeat">
+      <a:schemeClr val="accent2"/>
+    </dgm:fillClrLst>
+    <dgm:linClrLst meth="repeat">
+      <a:schemeClr val="accent2">
+        <a:shade val="60000"/>
+      </a:schemeClr>
+    </dgm:linClrLst>
+    <dgm:effectClrLst/>
+    <dgm:txLinClrLst/>
+    <dgm:txFillClrLst meth="repeat">
+      <a:schemeClr val="tx1"/>
+    </dgm:txFillClrLst>
+    <dgm:txEffectClrLst/>
+  </dgm:styleLbl>
+  <dgm:styleLbl name="parChTrans1D2">
+    <dgm:fillClrLst meth="repeat">
+      <a:schemeClr val="accent2"/>
+    </dgm:fillClrLst>
+    <dgm:linClrLst meth="repeat">
+      <a:schemeClr val="accent2">
+        <a:shade val="60000"/>
+      </a:schemeClr>
+    </dgm:linClrLst>
+    <dgm:effectClrLst/>
+    <dgm:txLinClrLst/>
+    <dgm:txFillClrLst meth="repeat">
+      <a:schemeClr val="tx1"/>
+    </dgm:txFillClrLst>
+    <dgm:txEffectClrLst/>
+  </dgm:styleLbl>
+  <dgm:styleLbl name="parChTrans1D3">
+    <dgm:fillClrLst meth="repeat">
+      <a:schemeClr val="accent2"/>
+    </dgm:fillClrLst>
+    <dgm:linClrLst meth="repeat">
+      <a:schemeClr val="accent2">
+        <a:shade val="80000"/>
+      </a:schemeClr>
+    </dgm:linClrLst>
+    <dgm:effectClrLst/>
+    <dgm:txLinClrLst/>
+    <dgm:txFillClrLst meth="repeat">
+      <a:schemeClr val="tx1"/>
+    </dgm:txFillClrLst>
+    <dgm:txEffectClrLst/>
+  </dgm:styleLbl>
+  <dgm:styleLbl name="parChTrans1D4">
+    <dgm:fillClrLst meth="repeat">
+      <a:schemeClr val="accent2"/>
+    </dgm:fillClrLst>
+    <dgm:linClrLst meth="repeat">
+      <a:schemeClr val="accent2">
+        <a:shade val="80000"/>
+      </a:schemeClr>
+    </dgm:linClrLst>
+    <dgm:effectClrLst/>
+    <dgm:txLinClrLst/>
+    <dgm:txFillClrLst meth="repeat">
+      <a:schemeClr val="tx1"/>
+    </dgm:txFillClrLst>
+    <dgm:txEffectClrLst/>
+  </dgm:styleLbl>
+  <dgm:styleLbl name="fgAcc1">
+    <dgm:fillClrLst meth="repeat">
+      <a:schemeClr val="accent2">
+        <a:alpha val="90000"/>
+        <a:tint val="40000"/>
+      </a:schemeClr>
+    </dgm:fillClrLst>
+    <dgm:linClrLst meth="repeat">
+      <a:schemeClr val="accent2"/>
+    </dgm:linClrLst>
+    <dgm:effectClrLst/>
+    <dgm:txLinClrLst/>
+    <dgm:txFillClrLst meth="repeat">
+      <a:schemeClr val="dk1"/>
+    </dgm:txFillClrLst>
+    <dgm:txEffectClrLst/>
+  </dgm:styleLbl>
+  <dgm:styleLbl name="conFgAcc1">
+    <dgm:fillClrLst meth="repeat">
+      <a:schemeClr val="accent2">
+        <a:alpha val="90000"/>
+        <a:tint val="40000"/>
+      </a:schemeClr>
+    </dgm:fillClrLst>
+    <dgm:linClrLst meth="repeat">
+      <a:schemeClr val="accent2"/>
+    </dgm:linClrLst>
+    <dgm:effectClrLst/>
+    <dgm:txLinClrLst/>
+    <dgm:txFillClrLst meth="repeat">
+      <a:schemeClr val="dk1"/>
+    </dgm:txFillClrLst>
+    <dgm:txEffectClrLst/>
+  </dgm:styleLbl>
+  <dgm:styleLbl name="alignAcc1">
+    <dgm:fillClrLst meth="repeat">
+      <a:schemeClr val="accent2">
+        <a:alpha val="90000"/>
+        <a:tint val="40000"/>
+      </a:schemeClr>
+    </dgm:fillClrLst>
+    <dgm:linClrLst meth="repeat">
+      <a:schemeClr val="accent2"/>
+    </dgm:linClrLst>
+    <dgm:effectClrLst/>
+    <dgm:txLinClrLst/>
+    <dgm:txFillClrLst meth="repeat">
+      <a:schemeClr val="dk1"/>
+    </dgm:txFillClrLst>
+    <dgm:txEffectClrLst/>
+  </dgm:styleLbl>
+  <dgm:styleLbl name="trAlignAcc1">
+    <dgm:fillClrLst meth="repeat">
+      <a:schemeClr val="accent2">
+        <a:alpha val="40000"/>
+        <a:tint val="40000"/>
+      </a:schemeClr>
+    </dgm:fillClrLst>
+    <dgm:linClrLst meth="repeat">
+      <a:schemeClr val="accent2"/>
+    </dgm:linClrLst>
+    <dgm:effectClrLst/>
+    <dgm:txLinClrLst/>
+    <dgm:txFillClrLst meth="repeat">
+      <a:schemeClr val="dk1"/>
+    </dgm:txFillClrLst>
+    <dgm:txEffectClrLst/>
+  </dgm:styleLbl>
+  <dgm:styleLbl name="bgAcc1">
+    <dgm:fillClrLst meth="repeat">
+      <a:schemeClr val="accent2">
+        <a:alpha val="90000"/>
+        <a:tint val="40000"/>
+      </a:schemeClr>
+    </dgm:fillClrLst>
+    <dgm:linClrLst meth="repeat">
+      <a:schemeClr val="accent2"/>
+    </dgm:linClrLst>
+    <dgm:effectClrLst/>
+    <dgm:txLinClrLst/>
+    <dgm:txFillClrLst meth="repeat">
+      <a:schemeClr val="dk1"/>
+    </dgm:txFillClrLst>
+    <dgm:txEffectClrLst/>
+  </dgm:styleLbl>
+  <dgm:styleLbl name="solidFgAcc1">
+    <dgm:fillClrLst meth="repeat">
+      <a:schemeClr val="lt1"/>
+    </dgm:fillClrLst>
+    <dgm:linClrLst meth="repeat">
+      <a:schemeClr val="accent2"/>
+    </dgm:linClrLst>
+    <dgm:effectClrLst/>
+    <dgm:txLinClrLst/>
+    <dgm:txFillClrLst meth="repeat">
+      <a:schemeClr val="dk1"/>
+    </dgm:txFillClrLst>
+    <dgm:txEffectClrLst/>
+  </dgm:styleLbl>
+  <dgm:styleLbl name="solidAlignAcc1">
+    <dgm:fillClrLst meth="repeat">
+      <a:schemeClr val="lt1"/>
+    </dgm:fillClrLst>
+    <dgm:linClrLst meth="repeat">
+      <a:schemeClr val="accent2"/>
+    </dgm:linClrLst>
+    <dgm:effectClrLst/>
+    <dgm:txLinClrLst/>
+    <dgm:txFillClrLst meth="repeat">
+      <a:schemeClr val="dk1"/>
+    </dgm:txFillClrLst>
+    <dgm:txEffectClrLst/>
+  </dgm:styleLbl>
+  <dgm:styleLbl name="solidBgAcc1">
+    <dgm:fillClrLst meth="repeat">
+      <a:schemeClr val="lt1"/>
+    </dgm:fillClrLst>
+    <dgm:linClrLst meth="repeat">
+      <a:schemeClr val="accent2"/>
+    </dgm:linClrLst>
+    <dgm:effectClrLst/>
+    <dgm:txLinClrLst/>
+    <dgm:txFillClrLst meth="repeat">
+      <a:schemeClr val="dk1"/>
+    </dgm:txFillClrLst>
+    <dgm:txEffectClrLst/>
+  </dgm:styleLbl>
+  <dgm:styleLbl name="fgAccFollowNode1">
+    <dgm:fillClrLst meth="repeat">
+      <a:schemeClr val="lt1">
+        <a:alpha val="90000"/>
+        <a:tint val="40000"/>
+      </a:schemeClr>
+    </dgm:fillClrLst>
+    <dgm:linClrLst meth="repeat">
+      <a:schemeClr val="accent2">
+        <a:alpha val="90000"/>
+      </a:schemeClr>
+    </dgm:linClrLst>
+    <dgm:effectClrLst/>
+    <dgm:txLinClrLst/>
+    <dgm:txFillClrLst meth="repeat">
+      <a:schemeClr val="dk1"/>
+    </dgm:txFillClrLst>
+    <dgm:txEffectClrLst/>
+  </dgm:styleLbl>
+  <dgm:styleLbl name="alignAccFollowNode1">
+    <dgm:fillClrLst meth="repeat">
+      <a:schemeClr val="lt1">
+        <a:alpha val="90000"/>
+        <a:tint val="40000"/>
+      </a:schemeClr>
+    </dgm:fillClrLst>
+    <dgm:linClrLst meth="repeat">
+      <a:schemeClr val="accent2">
+        <a:alpha val="90000"/>
+      </a:schemeClr>
+    </dgm:linClrLst>
+    <dgm:effectClrLst/>
+    <dgm:txLinClrLst/>
+    <dgm:txFillClrLst meth="repeat">
+      <a:schemeClr val="dk1"/>
+    </dgm:txFillClrLst>
+    <dgm:txEffectClrLst/>
+  </dgm:styleLbl>
+  <dgm:styleLbl name="bgAccFollowNode1">
+    <dgm:fillClrLst meth="repeat">
+      <a:schemeClr val="lt1">
+        <a:alpha val="90000"/>
+        <a:tint val="40000"/>
+      </a:schemeClr>
+    </dgm:fillClrLst>
+    <dgm:linClrLst meth="repeat">
+      <a:schemeClr val="accent2">
+        <a:alpha val="90000"/>
+      </a:schemeClr>
+    </dgm:linClrLst>
+    <dgm:effectClrLst/>
+    <dgm:txLinClrLst/>
+    <dgm:txFillClrLst meth="repeat">
+      <a:schemeClr val="dk1"/>
+    </dgm:txFillClrLst>
+    <dgm:txEffectClrLst/>
+  </dgm:styleLbl>
+  <dgm:styleLbl name="fgAcc0">
+    <dgm:fillClrLst meth="repeat">
+      <a:schemeClr val="accent2">
+        <a:alpha val="90000"/>
+        <a:tint val="40000"/>
+      </a:schemeClr>
+    </dgm:fillClrLst>
+    <dgm:linClrLst meth="repeat">
+      <a:schemeClr val="accent2"/>
+    </dgm:linClrLst>
+    <dgm:effectClrLst/>
+    <dgm:txLinClrLst/>
+    <dgm:txFillClrLst meth="repeat">
+      <a:schemeClr val="dk1"/>
+    </dgm:txFillClrLst>
+    <dgm:txEffectClrLst/>
+  </dgm:styleLbl>
+  <dgm:styleLbl name="fgAcc2">
+    <dgm:fillClrLst meth="repeat">
+      <a:schemeClr val="accent2">
+        <a:alpha val="90000"/>
+        <a:tint val="40000"/>
+      </a:schemeClr>
+    </dgm:fillClrLst>
+    <dgm:linClrLst meth="repeat">
+      <a:schemeClr val="accent2"/>
+    </dgm:linClrLst>
+    <dgm:effectClrLst/>
+    <dgm:txLinClrLst/>
+    <dgm:txFillClrLst meth="repeat">
+      <a:schemeClr val="dk1"/>
+    </dgm:txFillClrLst>
+    <dgm:txEffectClrLst/>
+  </dgm:styleLbl>
+  <dgm:styleLbl name="fgAcc3">
+    <dgm:fillClrLst meth="repeat">
+      <a:schemeClr val="accent2">
+        <a:alpha val="90000"/>
+        <a:tint val="40000"/>
+      </a:schemeClr>
+    </dgm:fillClrLst>
+    <dgm:linClrLst meth="repeat">
+      <a:schemeClr val="accent2"/>
+    </dgm:linClrLst>
+    <dgm:effectClrLst/>
+    <dgm:txLinClrLst/>
+    <dgm:txFillClrLst meth="repeat">
+      <a:schemeClr val="dk1"/>
+    </dgm:txFillClrLst>
+    <dgm:txEffectClrLst/>
+  </dgm:styleLbl>
+  <dgm:styleLbl name="fgAcc4">
+    <dgm:fillClrLst meth="repeat">
+      <a:schemeClr val="accent2">
+        <a:alpha val="90000"/>
+        <a:tint val="40000"/>
+      </a:schemeClr>
+    </dgm:fillClrLst>
+    <dgm:linClrLst meth="repeat">
+      <a:schemeClr val="accent2"/>
+    </dgm:linClrLst>
+    <dgm:effectClrLst/>
+    <dgm:txLinClrLst/>
+    <dgm:txFillClrLst meth="repeat">
+      <a:schemeClr val="dk1"/>
+    </dgm:txFillClrLst>
+    <dgm:txEffectClrLst/>
+  </dgm:styleLbl>
+  <dgm:styleLbl name="bgShp">
+    <dgm:fillClrLst meth="repeat">
+      <a:schemeClr val="accent2">
+        <a:tint val="40000"/>
+      </a:schemeClr>
+    </dgm:fillClrLst>
+    <dgm:linClrLst meth="repeat">
+      <a:schemeClr val="accent2"/>
+    </dgm:linClrLst>
+    <dgm:effectClrLst/>
+    <dgm:txLinClrLst/>
+    <dgm:txFillClrLst meth="repeat">
+      <a:schemeClr val="dk1"/>
+    </dgm:txFillClrLst>
+    <dgm:txEffectClrLst/>
+  </dgm:styleLbl>
+  <dgm:styleLbl name="dkBgShp">
+    <dgm:fillClrLst meth="repeat">
+      <a:schemeClr val="accent2">
+        <a:shade val="80000"/>
+      </a:schemeClr>
+    </dgm:fillClrLst>
+    <dgm:linClrLst meth="repeat">
+      <a:schemeClr val="accent2"/>
+    </dgm:linClrLst>
+    <dgm:effectClrLst/>
+    <dgm:txLinClrLst/>
+    <dgm:txFillClrLst meth="repeat">
+      <a:schemeClr val="lt1"/>
+    </dgm:txFillClrLst>
+    <dgm:txEffectClrLst/>
+  </dgm:styleLbl>
+  <dgm:styleLbl name="trBgShp">
+    <dgm:fillClrLst meth="repeat">
+      <a:schemeClr val="accent2">
+        <a:tint val="50000"/>
+        <a:alpha val="40000"/>
+      </a:schemeClr>
+    </dgm:fillClrLst>
+    <dgm:linClrLst meth="repeat">
+      <a:schemeClr val="accent2"/>
+    </dgm:linClrLst>
+    <dgm:effectClrLst/>
+    <dgm:txLinClrLst/>
+    <dgm:txFillClrLst meth="repeat">
+      <a:schemeClr val="lt1"/>
+    </dgm:txFillClrLst>
+    <dgm:txEffectClrLst/>
+  </dgm:styleLbl>
+  <dgm:styleLbl name="fgShp">
+    <dgm:fillClrLst meth="repeat">
+      <a:schemeClr val="accent2">
+        <a:tint val="60000"/>
+      </a:schemeClr>
+    </dgm:fillClrLst>
+    <dgm:linClrLst meth="repeat">
+      <a:schemeClr val="lt1"/>
+    </dgm:linClrLst>
+    <dgm:effectClrLst/>
+    <dgm:txLinClrLst/>
+    <dgm:txFillClrLst meth="repeat">
+      <a:schemeClr val="dk1"/>
+    </dgm:txFillClrLst>
+    <dgm:txEffectClrLst/>
+  </dgm:styleLbl>
+  <dgm:styleLbl name="revTx">
+    <dgm:fillClrLst meth="repeat">
+      <a:schemeClr val="lt1">
+        <a:alpha val="0"/>
+      </a:schemeClr>
+    </dgm:fillClrLst>
+    <dgm:linClrLst meth="repeat">
+      <a:schemeClr val="dk1">
+        <a:alpha val="0"/>
+      </a:schemeClr>
+    </dgm:linClrLst>
+    <dgm:effectClrLst/>
+    <dgm:txLinClrLst/>
+    <dgm:txFillClrLst meth="repeat">
+      <a:schemeClr val="tx1"/>
+    </dgm:txFillClrLst>
+    <dgm:txEffectClrLst/>
+  </dgm:styleLbl>
+</dgm:colorsDef>
+</file>
+
+<file path=ppt/diagrams/colors7.xml><?xml version="1.0" encoding="utf-8"?>
 <dgm:colorsDef xmlns:dgm="http://schemas.openxmlformats.org/drawingml/2006/diagram" xmlns:a="http://schemas.openxmlformats.org/drawingml/2006/main" uniqueId="urn:microsoft.com/office/officeart/2005/8/colors/accent2_1">
   <dgm:title val=""/>
   <dgm:desc val=""/>
@@ -4908,6 +6468,512 @@
 </file>
 
 <file path=ppt/diagrams/data5.xml><?xml version="1.0" encoding="utf-8"?>
+<dgm:dataModel xmlns:dgm="http://schemas.openxmlformats.org/drawingml/2006/diagram" xmlns:a="http://schemas.openxmlformats.org/drawingml/2006/main">
+  <dgm:ptLst>
+    <dgm:pt modelId="{B9920C6A-0CAB-4721-80AC-86006F340431}" type="doc">
+      <dgm:prSet loTypeId="urn:microsoft.com/office/officeart/2005/8/layout/vProcess5" loCatId="process" qsTypeId="urn:microsoft.com/office/officeart/2005/8/quickstyle/simple3" qsCatId="simple" csTypeId="urn:microsoft.com/office/officeart/2005/8/colors/accent1_2" csCatId="accent1" phldr="1"/>
+      <dgm:spPr/>
+      <dgm:t>
+        <a:bodyPr/>
+        <a:lstStyle/>
+        <a:p>
+          <a:endParaRPr lang="en-US"/>
+        </a:p>
+      </dgm:t>
+    </dgm:pt>
+    <dgm:pt modelId="{6FBEE481-8C80-4688-B28A-43647AFCE0C4}">
+      <dgm:prSet phldrT="[Text]"/>
+      <dgm:spPr/>
+      <dgm:t>
+        <a:bodyPr/>
+        <a:lstStyle/>
+        <a:p>
+          <a:r>
+            <a:rPr lang="en-US" dirty="0" smtClean="0"/>
+            <a:t>Write a Test Case</a:t>
+          </a:r>
+          <a:endParaRPr lang="en-US" dirty="0"/>
+        </a:p>
+      </dgm:t>
+    </dgm:pt>
+    <dgm:pt modelId="{D8ECDB27-C4C6-4D59-A212-DBE8AE233973}" type="parTrans" cxnId="{F7EBB79D-BBD4-48EA-8AED-A4B65DFCC2E6}">
+      <dgm:prSet/>
+      <dgm:spPr/>
+      <dgm:t>
+        <a:bodyPr/>
+        <a:lstStyle/>
+        <a:p>
+          <a:endParaRPr lang="en-US"/>
+        </a:p>
+      </dgm:t>
+    </dgm:pt>
+    <dgm:pt modelId="{A72B2C88-A5E1-4E4C-85A7-93271C3A17F5}" type="sibTrans" cxnId="{F7EBB79D-BBD4-48EA-8AED-A4B65DFCC2E6}">
+      <dgm:prSet/>
+      <dgm:spPr/>
+      <dgm:t>
+        <a:bodyPr/>
+        <a:lstStyle/>
+        <a:p>
+          <a:endParaRPr lang="en-US"/>
+        </a:p>
+      </dgm:t>
+    </dgm:pt>
+    <dgm:pt modelId="{62D20DAE-E24A-4FE0-840D-3E5B05763EB3}">
+      <dgm:prSet phldrT="[Text]"/>
+      <dgm:spPr/>
+      <dgm:t>
+        <a:bodyPr/>
+        <a:lstStyle/>
+        <a:p>
+          <a:r>
+            <a:rPr lang="en-US" dirty="0" smtClean="0"/>
+            <a:t>Develop a Feature Corresponding to the Test (Code)</a:t>
+          </a:r>
+          <a:endParaRPr lang="en-US" dirty="0"/>
+        </a:p>
+      </dgm:t>
+    </dgm:pt>
+    <dgm:pt modelId="{8126DA5F-F351-432F-A118-F1377FB1C469}" type="parTrans" cxnId="{64E00778-A90B-42B5-B4AE-4B7FF36E9896}">
+      <dgm:prSet/>
+      <dgm:spPr/>
+      <dgm:t>
+        <a:bodyPr/>
+        <a:lstStyle/>
+        <a:p>
+          <a:endParaRPr lang="en-US"/>
+        </a:p>
+      </dgm:t>
+    </dgm:pt>
+    <dgm:pt modelId="{9BACD068-FACC-4072-90ED-28B88B6D6437}" type="sibTrans" cxnId="{64E00778-A90B-42B5-B4AE-4B7FF36E9896}">
+      <dgm:prSet/>
+      <dgm:spPr/>
+      <dgm:t>
+        <a:bodyPr/>
+        <a:lstStyle/>
+        <a:p>
+          <a:endParaRPr lang="en-US"/>
+        </a:p>
+      </dgm:t>
+    </dgm:pt>
+    <dgm:pt modelId="{22BF3B22-61D4-4C34-9C6A-4099DD324CE2}">
+      <dgm:prSet phldrT="[Text]"/>
+      <dgm:spPr/>
+      <dgm:t>
+        <a:bodyPr/>
+        <a:lstStyle/>
+        <a:p>
+          <a:r>
+            <a:rPr lang="en-US" dirty="0" smtClean="0"/>
+            <a:t>Run the Test Case</a:t>
+          </a:r>
+          <a:endParaRPr lang="en-US" dirty="0"/>
+        </a:p>
+      </dgm:t>
+    </dgm:pt>
+    <dgm:pt modelId="{5CA13724-F1D9-4A7C-A887-FF37A5084309}" type="parTrans" cxnId="{40FB19FE-9E38-44A5-9A4A-5404C89108FE}">
+      <dgm:prSet/>
+      <dgm:spPr/>
+      <dgm:t>
+        <a:bodyPr/>
+        <a:lstStyle/>
+        <a:p>
+          <a:endParaRPr lang="en-US"/>
+        </a:p>
+      </dgm:t>
+    </dgm:pt>
+    <dgm:pt modelId="{7E3C0124-4E6B-4127-8DAA-D560B8E7BDD0}" type="sibTrans" cxnId="{40FB19FE-9E38-44A5-9A4A-5404C89108FE}">
+      <dgm:prSet/>
+      <dgm:spPr/>
+      <dgm:t>
+        <a:bodyPr/>
+        <a:lstStyle/>
+        <a:p>
+          <a:endParaRPr lang="en-US"/>
+        </a:p>
+      </dgm:t>
+    </dgm:pt>
+    <dgm:pt modelId="{532042D3-32A5-43CD-8A86-3916D066CA9A}">
+      <dgm:prSet phldrT="[Text]"/>
+      <dgm:spPr/>
+      <dgm:t>
+        <a:bodyPr/>
+        <a:lstStyle/>
+        <a:p>
+          <a:r>
+            <a:rPr lang="en-US" dirty="0" smtClean="0"/>
+            <a:t>Regression Testing</a:t>
+          </a:r>
+        </a:p>
+        <a:p>
+          <a:r>
+            <a:rPr lang="en-US" dirty="0" err="1" smtClean="0"/>
+            <a:t>Refactor</a:t>
+          </a:r>
+          <a:r>
+            <a:rPr lang="en-US" dirty="0" smtClean="0"/>
+            <a:t> Code</a:t>
+          </a:r>
+          <a:endParaRPr lang="en-US" dirty="0"/>
+        </a:p>
+      </dgm:t>
+    </dgm:pt>
+    <dgm:pt modelId="{AB3AEC70-080D-4772-8BED-70E330FD6780}" type="parTrans" cxnId="{52EC7FE5-9D97-41D7-B314-E36D6899F6D1}">
+      <dgm:prSet/>
+      <dgm:spPr/>
+      <dgm:t>
+        <a:bodyPr/>
+        <a:lstStyle/>
+        <a:p>
+          <a:endParaRPr lang="en-US"/>
+        </a:p>
+      </dgm:t>
+    </dgm:pt>
+    <dgm:pt modelId="{9420F44E-73CE-4939-980E-C18592271519}" type="sibTrans" cxnId="{52EC7FE5-9D97-41D7-B314-E36D6899F6D1}">
+      <dgm:prSet/>
+      <dgm:spPr/>
+      <dgm:t>
+        <a:bodyPr/>
+        <a:lstStyle/>
+        <a:p>
+          <a:endParaRPr lang="en-US"/>
+        </a:p>
+      </dgm:t>
+    </dgm:pt>
+    <dgm:pt modelId="{5D39F1C2-5AD6-4966-96B5-F98D7CEF49D4}" type="pres">
+      <dgm:prSet presAssocID="{B9920C6A-0CAB-4721-80AC-86006F340431}" presName="outerComposite" presStyleCnt="0">
+        <dgm:presLayoutVars>
+          <dgm:chMax val="5"/>
+          <dgm:dir/>
+          <dgm:resizeHandles val="exact"/>
+        </dgm:presLayoutVars>
+      </dgm:prSet>
+      <dgm:spPr/>
+      <dgm:t>
+        <a:bodyPr/>
+        <a:lstStyle/>
+        <a:p>
+          <a:endParaRPr lang="en-US"/>
+        </a:p>
+      </dgm:t>
+    </dgm:pt>
+    <dgm:pt modelId="{1B19D8ED-3715-4073-A36D-2304D53A8782}" type="pres">
+      <dgm:prSet presAssocID="{B9920C6A-0CAB-4721-80AC-86006F340431}" presName="dummyMaxCanvas" presStyleCnt="0">
+        <dgm:presLayoutVars/>
+      </dgm:prSet>
+      <dgm:spPr/>
+    </dgm:pt>
+    <dgm:pt modelId="{F2C41172-83F8-4C7B-8506-2C4B60EC5ACE}" type="pres">
+      <dgm:prSet presAssocID="{B9920C6A-0CAB-4721-80AC-86006F340431}" presName="FourNodes_1" presStyleLbl="node1" presStyleIdx="0" presStyleCnt="4">
+        <dgm:presLayoutVars>
+          <dgm:bulletEnabled val="1"/>
+        </dgm:presLayoutVars>
+      </dgm:prSet>
+      <dgm:spPr/>
+      <dgm:t>
+        <a:bodyPr/>
+        <a:lstStyle/>
+        <a:p>
+          <a:endParaRPr lang="en-US"/>
+        </a:p>
+      </dgm:t>
+    </dgm:pt>
+    <dgm:pt modelId="{C96439D8-0919-4743-92B6-3113B748B5C3}" type="pres">
+      <dgm:prSet presAssocID="{B9920C6A-0CAB-4721-80AC-86006F340431}" presName="FourNodes_2" presStyleLbl="node1" presStyleIdx="1" presStyleCnt="4">
+        <dgm:presLayoutVars>
+          <dgm:bulletEnabled val="1"/>
+        </dgm:presLayoutVars>
+      </dgm:prSet>
+      <dgm:spPr/>
+      <dgm:t>
+        <a:bodyPr/>
+        <a:lstStyle/>
+        <a:p>
+          <a:endParaRPr lang="en-US"/>
+        </a:p>
+      </dgm:t>
+    </dgm:pt>
+    <dgm:pt modelId="{513D735D-060C-4F6B-9757-4B9B57CCEF3C}" type="pres">
+      <dgm:prSet presAssocID="{B9920C6A-0CAB-4721-80AC-86006F340431}" presName="FourNodes_3" presStyleLbl="node1" presStyleIdx="2" presStyleCnt="4">
+        <dgm:presLayoutVars>
+          <dgm:bulletEnabled val="1"/>
+        </dgm:presLayoutVars>
+      </dgm:prSet>
+      <dgm:spPr/>
+      <dgm:t>
+        <a:bodyPr/>
+        <a:lstStyle/>
+        <a:p>
+          <a:endParaRPr lang="en-US"/>
+        </a:p>
+      </dgm:t>
+    </dgm:pt>
+    <dgm:pt modelId="{9F2B0DC5-F0D6-43D5-A934-029FD91B39E7}" type="pres">
+      <dgm:prSet presAssocID="{B9920C6A-0CAB-4721-80AC-86006F340431}" presName="FourNodes_4" presStyleLbl="node1" presStyleIdx="3" presStyleCnt="4">
+        <dgm:presLayoutVars>
+          <dgm:bulletEnabled val="1"/>
+        </dgm:presLayoutVars>
+      </dgm:prSet>
+      <dgm:spPr/>
+      <dgm:t>
+        <a:bodyPr/>
+        <a:lstStyle/>
+        <a:p>
+          <a:endParaRPr lang="en-US"/>
+        </a:p>
+      </dgm:t>
+    </dgm:pt>
+    <dgm:pt modelId="{9EF3F84A-5980-4D09-816A-A88C4476208C}" type="pres">
+      <dgm:prSet presAssocID="{B9920C6A-0CAB-4721-80AC-86006F340431}" presName="FourConn_1-2" presStyleLbl="fgAccFollowNode1" presStyleIdx="0" presStyleCnt="3">
+        <dgm:presLayoutVars>
+          <dgm:bulletEnabled val="1"/>
+        </dgm:presLayoutVars>
+      </dgm:prSet>
+      <dgm:spPr/>
+      <dgm:t>
+        <a:bodyPr/>
+        <a:lstStyle/>
+        <a:p>
+          <a:endParaRPr lang="en-US"/>
+        </a:p>
+      </dgm:t>
+    </dgm:pt>
+    <dgm:pt modelId="{C4B1F78C-8B9B-4743-A136-2309E5CE0DBF}" type="pres">
+      <dgm:prSet presAssocID="{B9920C6A-0CAB-4721-80AC-86006F340431}" presName="FourConn_2-3" presStyleLbl="fgAccFollowNode1" presStyleIdx="1" presStyleCnt="3">
+        <dgm:presLayoutVars>
+          <dgm:bulletEnabled val="1"/>
+        </dgm:presLayoutVars>
+      </dgm:prSet>
+      <dgm:spPr/>
+      <dgm:t>
+        <a:bodyPr/>
+        <a:lstStyle/>
+        <a:p>
+          <a:endParaRPr lang="en-US"/>
+        </a:p>
+      </dgm:t>
+    </dgm:pt>
+    <dgm:pt modelId="{4D4211AF-23F9-41B8-BA22-A9EA4DF0A78C}" type="pres">
+      <dgm:prSet presAssocID="{B9920C6A-0CAB-4721-80AC-86006F340431}" presName="FourConn_3-4" presStyleLbl="fgAccFollowNode1" presStyleIdx="2" presStyleCnt="3">
+        <dgm:presLayoutVars>
+          <dgm:bulletEnabled val="1"/>
+        </dgm:presLayoutVars>
+      </dgm:prSet>
+      <dgm:spPr/>
+      <dgm:t>
+        <a:bodyPr/>
+        <a:lstStyle/>
+        <a:p>
+          <a:endParaRPr lang="en-US"/>
+        </a:p>
+      </dgm:t>
+    </dgm:pt>
+    <dgm:pt modelId="{0F94115A-EB7F-4C9C-A23E-9DDAA100A1F3}" type="pres">
+      <dgm:prSet presAssocID="{B9920C6A-0CAB-4721-80AC-86006F340431}" presName="FourNodes_1_text" presStyleLbl="node1" presStyleIdx="3" presStyleCnt="4">
+        <dgm:presLayoutVars>
+          <dgm:bulletEnabled val="1"/>
+        </dgm:presLayoutVars>
+      </dgm:prSet>
+      <dgm:spPr/>
+      <dgm:t>
+        <a:bodyPr/>
+        <a:lstStyle/>
+        <a:p>
+          <a:endParaRPr lang="en-US"/>
+        </a:p>
+      </dgm:t>
+    </dgm:pt>
+    <dgm:pt modelId="{795B7499-B43A-48D9-92C7-55E7E256552A}" type="pres">
+      <dgm:prSet presAssocID="{B9920C6A-0CAB-4721-80AC-86006F340431}" presName="FourNodes_2_text" presStyleLbl="node1" presStyleIdx="3" presStyleCnt="4">
+        <dgm:presLayoutVars>
+          <dgm:bulletEnabled val="1"/>
+        </dgm:presLayoutVars>
+      </dgm:prSet>
+      <dgm:spPr/>
+      <dgm:t>
+        <a:bodyPr/>
+        <a:lstStyle/>
+        <a:p>
+          <a:endParaRPr lang="en-US"/>
+        </a:p>
+      </dgm:t>
+    </dgm:pt>
+    <dgm:pt modelId="{893A8A1F-1DC4-4F7D-971D-6F078E3077DE}" type="pres">
+      <dgm:prSet presAssocID="{B9920C6A-0CAB-4721-80AC-86006F340431}" presName="FourNodes_3_text" presStyleLbl="node1" presStyleIdx="3" presStyleCnt="4">
+        <dgm:presLayoutVars>
+          <dgm:bulletEnabled val="1"/>
+        </dgm:presLayoutVars>
+      </dgm:prSet>
+      <dgm:spPr/>
+      <dgm:t>
+        <a:bodyPr/>
+        <a:lstStyle/>
+        <a:p>
+          <a:endParaRPr lang="en-US"/>
+        </a:p>
+      </dgm:t>
+    </dgm:pt>
+    <dgm:pt modelId="{C214A5F0-6D8F-467F-AB77-CBD4AF9CDC67}" type="pres">
+      <dgm:prSet presAssocID="{B9920C6A-0CAB-4721-80AC-86006F340431}" presName="FourNodes_4_text" presStyleLbl="node1" presStyleIdx="3" presStyleCnt="4">
+        <dgm:presLayoutVars>
+          <dgm:bulletEnabled val="1"/>
+        </dgm:presLayoutVars>
+      </dgm:prSet>
+      <dgm:spPr/>
+      <dgm:t>
+        <a:bodyPr/>
+        <a:lstStyle/>
+        <a:p>
+          <a:endParaRPr lang="en-US"/>
+        </a:p>
+      </dgm:t>
+    </dgm:pt>
+  </dgm:ptLst>
+  <dgm:cxnLst>
+    <dgm:cxn modelId="{F7EBB79D-BBD4-48EA-8AED-A4B65DFCC2E6}" srcId="{B9920C6A-0CAB-4721-80AC-86006F340431}" destId="{6FBEE481-8C80-4688-B28A-43647AFCE0C4}" srcOrd="0" destOrd="0" parTransId="{D8ECDB27-C4C6-4D59-A212-DBE8AE233973}" sibTransId="{A72B2C88-A5E1-4E4C-85A7-93271C3A17F5}"/>
+    <dgm:cxn modelId="{27722F28-D620-401C-9D3A-11FE2EE74D98}" type="presOf" srcId="{532042D3-32A5-43CD-8A86-3916D066CA9A}" destId="{9F2B0DC5-F0D6-43D5-A934-029FD91B39E7}" srcOrd="0" destOrd="0" presId="urn:microsoft.com/office/officeart/2005/8/layout/vProcess5"/>
+    <dgm:cxn modelId="{C2E0392B-0862-4803-B16E-260D241254D0}" type="presOf" srcId="{22BF3B22-61D4-4C34-9C6A-4099DD324CE2}" destId="{513D735D-060C-4F6B-9757-4B9B57CCEF3C}" srcOrd="0" destOrd="0" presId="urn:microsoft.com/office/officeart/2005/8/layout/vProcess5"/>
+    <dgm:cxn modelId="{52EC7FE5-9D97-41D7-B314-E36D6899F6D1}" srcId="{B9920C6A-0CAB-4721-80AC-86006F340431}" destId="{532042D3-32A5-43CD-8A86-3916D066CA9A}" srcOrd="3" destOrd="0" parTransId="{AB3AEC70-080D-4772-8BED-70E330FD6780}" sibTransId="{9420F44E-73CE-4939-980E-C18592271519}"/>
+    <dgm:cxn modelId="{904D5E07-F5F4-426E-AB6C-83036EA172F7}" type="presOf" srcId="{6FBEE481-8C80-4688-B28A-43647AFCE0C4}" destId="{F2C41172-83F8-4C7B-8506-2C4B60EC5ACE}" srcOrd="0" destOrd="0" presId="urn:microsoft.com/office/officeart/2005/8/layout/vProcess5"/>
+    <dgm:cxn modelId="{40FB19FE-9E38-44A5-9A4A-5404C89108FE}" srcId="{B9920C6A-0CAB-4721-80AC-86006F340431}" destId="{22BF3B22-61D4-4C34-9C6A-4099DD324CE2}" srcOrd="2" destOrd="0" parTransId="{5CA13724-F1D9-4A7C-A887-FF37A5084309}" sibTransId="{7E3C0124-4E6B-4127-8DAA-D560B8E7BDD0}"/>
+    <dgm:cxn modelId="{0AD2BE69-09DC-4F7F-8EAD-C07F10E4B527}" type="presOf" srcId="{A72B2C88-A5E1-4E4C-85A7-93271C3A17F5}" destId="{9EF3F84A-5980-4D09-816A-A88C4476208C}" srcOrd="0" destOrd="0" presId="urn:microsoft.com/office/officeart/2005/8/layout/vProcess5"/>
+    <dgm:cxn modelId="{8B73CEAE-1F1B-4D43-B4FC-FB1D020E989F}" type="presOf" srcId="{62D20DAE-E24A-4FE0-840D-3E5B05763EB3}" destId="{C96439D8-0919-4743-92B6-3113B748B5C3}" srcOrd="0" destOrd="0" presId="urn:microsoft.com/office/officeart/2005/8/layout/vProcess5"/>
+    <dgm:cxn modelId="{D67C9DAC-3DE4-4896-8A6C-AD0A46E7B3BC}" type="presOf" srcId="{22BF3B22-61D4-4C34-9C6A-4099DD324CE2}" destId="{893A8A1F-1DC4-4F7D-971D-6F078E3077DE}" srcOrd="1" destOrd="0" presId="urn:microsoft.com/office/officeart/2005/8/layout/vProcess5"/>
+    <dgm:cxn modelId="{B2BEAAFA-9435-492B-B638-A05734B5914A}" type="presOf" srcId="{7E3C0124-4E6B-4127-8DAA-D560B8E7BDD0}" destId="{4D4211AF-23F9-41B8-BA22-A9EA4DF0A78C}" srcOrd="0" destOrd="0" presId="urn:microsoft.com/office/officeart/2005/8/layout/vProcess5"/>
+    <dgm:cxn modelId="{3C84FAD8-77ED-4D07-85E1-3636C19FD057}" type="presOf" srcId="{532042D3-32A5-43CD-8A86-3916D066CA9A}" destId="{C214A5F0-6D8F-467F-AB77-CBD4AF9CDC67}" srcOrd="1" destOrd="0" presId="urn:microsoft.com/office/officeart/2005/8/layout/vProcess5"/>
+    <dgm:cxn modelId="{9E212B51-A940-41B4-BC65-E88FF8AC80C4}" type="presOf" srcId="{6FBEE481-8C80-4688-B28A-43647AFCE0C4}" destId="{0F94115A-EB7F-4C9C-A23E-9DDAA100A1F3}" srcOrd="1" destOrd="0" presId="urn:microsoft.com/office/officeart/2005/8/layout/vProcess5"/>
+    <dgm:cxn modelId="{141A7263-DAA2-43F3-ABC6-EF92990AF487}" type="presOf" srcId="{62D20DAE-E24A-4FE0-840D-3E5B05763EB3}" destId="{795B7499-B43A-48D9-92C7-55E7E256552A}" srcOrd="1" destOrd="0" presId="urn:microsoft.com/office/officeart/2005/8/layout/vProcess5"/>
+    <dgm:cxn modelId="{64E00778-A90B-42B5-B4AE-4B7FF36E9896}" srcId="{B9920C6A-0CAB-4721-80AC-86006F340431}" destId="{62D20DAE-E24A-4FE0-840D-3E5B05763EB3}" srcOrd="1" destOrd="0" parTransId="{8126DA5F-F351-432F-A118-F1377FB1C469}" sibTransId="{9BACD068-FACC-4072-90ED-28B88B6D6437}"/>
+    <dgm:cxn modelId="{A8A876A7-EFA6-42DF-96D3-926AA66A120B}" type="presOf" srcId="{9BACD068-FACC-4072-90ED-28B88B6D6437}" destId="{C4B1F78C-8B9B-4743-A136-2309E5CE0DBF}" srcOrd="0" destOrd="0" presId="urn:microsoft.com/office/officeart/2005/8/layout/vProcess5"/>
+    <dgm:cxn modelId="{83A1912E-7C1E-4074-8096-FDBD622306AE}" type="presOf" srcId="{B9920C6A-0CAB-4721-80AC-86006F340431}" destId="{5D39F1C2-5AD6-4966-96B5-F98D7CEF49D4}" srcOrd="0" destOrd="0" presId="urn:microsoft.com/office/officeart/2005/8/layout/vProcess5"/>
+    <dgm:cxn modelId="{28C52DED-D2E6-42F8-8E4E-11051AF3C310}" type="presParOf" srcId="{5D39F1C2-5AD6-4966-96B5-F98D7CEF49D4}" destId="{1B19D8ED-3715-4073-A36D-2304D53A8782}" srcOrd="0" destOrd="0" presId="urn:microsoft.com/office/officeart/2005/8/layout/vProcess5"/>
+    <dgm:cxn modelId="{F5A8C03D-0259-4DBD-A868-4E7DA6C2FDD0}" type="presParOf" srcId="{5D39F1C2-5AD6-4966-96B5-F98D7CEF49D4}" destId="{F2C41172-83F8-4C7B-8506-2C4B60EC5ACE}" srcOrd="1" destOrd="0" presId="urn:microsoft.com/office/officeart/2005/8/layout/vProcess5"/>
+    <dgm:cxn modelId="{5D06118C-3182-48DA-80C4-C02833B53B7D}" type="presParOf" srcId="{5D39F1C2-5AD6-4966-96B5-F98D7CEF49D4}" destId="{C96439D8-0919-4743-92B6-3113B748B5C3}" srcOrd="2" destOrd="0" presId="urn:microsoft.com/office/officeart/2005/8/layout/vProcess5"/>
+    <dgm:cxn modelId="{38C3D79D-1206-4F70-980F-C65E9058B650}" type="presParOf" srcId="{5D39F1C2-5AD6-4966-96B5-F98D7CEF49D4}" destId="{513D735D-060C-4F6B-9757-4B9B57CCEF3C}" srcOrd="3" destOrd="0" presId="urn:microsoft.com/office/officeart/2005/8/layout/vProcess5"/>
+    <dgm:cxn modelId="{B716500D-4880-4711-B60F-052E05CC1AA8}" type="presParOf" srcId="{5D39F1C2-5AD6-4966-96B5-F98D7CEF49D4}" destId="{9F2B0DC5-F0D6-43D5-A934-029FD91B39E7}" srcOrd="4" destOrd="0" presId="urn:microsoft.com/office/officeart/2005/8/layout/vProcess5"/>
+    <dgm:cxn modelId="{80E48560-E892-4C42-9004-D39F43F28484}" type="presParOf" srcId="{5D39F1C2-5AD6-4966-96B5-F98D7CEF49D4}" destId="{9EF3F84A-5980-4D09-816A-A88C4476208C}" srcOrd="5" destOrd="0" presId="urn:microsoft.com/office/officeart/2005/8/layout/vProcess5"/>
+    <dgm:cxn modelId="{76629F50-C423-40AB-86E0-AD3D78C21B72}" type="presParOf" srcId="{5D39F1C2-5AD6-4966-96B5-F98D7CEF49D4}" destId="{C4B1F78C-8B9B-4743-A136-2309E5CE0DBF}" srcOrd="6" destOrd="0" presId="urn:microsoft.com/office/officeart/2005/8/layout/vProcess5"/>
+    <dgm:cxn modelId="{DA448B3A-675F-426D-AD2D-B93A7B1BD6C3}" type="presParOf" srcId="{5D39F1C2-5AD6-4966-96B5-F98D7CEF49D4}" destId="{4D4211AF-23F9-41B8-BA22-A9EA4DF0A78C}" srcOrd="7" destOrd="0" presId="urn:microsoft.com/office/officeart/2005/8/layout/vProcess5"/>
+    <dgm:cxn modelId="{394981F2-D30D-4EB9-9C76-484A6DC511CE}" type="presParOf" srcId="{5D39F1C2-5AD6-4966-96B5-F98D7CEF49D4}" destId="{0F94115A-EB7F-4C9C-A23E-9DDAA100A1F3}" srcOrd="8" destOrd="0" presId="urn:microsoft.com/office/officeart/2005/8/layout/vProcess5"/>
+    <dgm:cxn modelId="{A4864EF8-88D0-4F68-8B02-C8DE4101CF7E}" type="presParOf" srcId="{5D39F1C2-5AD6-4966-96B5-F98D7CEF49D4}" destId="{795B7499-B43A-48D9-92C7-55E7E256552A}" srcOrd="9" destOrd="0" presId="urn:microsoft.com/office/officeart/2005/8/layout/vProcess5"/>
+    <dgm:cxn modelId="{0A34C9E7-B726-4D99-AF06-6AA7AB1A40B8}" type="presParOf" srcId="{5D39F1C2-5AD6-4966-96B5-F98D7CEF49D4}" destId="{893A8A1F-1DC4-4F7D-971D-6F078E3077DE}" srcOrd="10" destOrd="0" presId="urn:microsoft.com/office/officeart/2005/8/layout/vProcess5"/>
+    <dgm:cxn modelId="{A4DAEBD4-0093-4022-8D83-C0D323FF12CC}" type="presParOf" srcId="{5D39F1C2-5AD6-4966-96B5-F98D7CEF49D4}" destId="{C214A5F0-6D8F-467F-AB77-CBD4AF9CDC67}" srcOrd="11" destOrd="0" presId="urn:microsoft.com/office/officeart/2005/8/layout/vProcess5"/>
+  </dgm:cxnLst>
+  <dgm:bg/>
+  <dgm:whole/>
+  <dgm:extLst>
+    <a:ext uri="http://schemas.microsoft.com/office/drawing/2008/diagram">
+      <dsp:dataModelExt xmlns:dsp="http://schemas.microsoft.com/office/drawing/2008/diagram" relId="rId6" minVer="http://schemas.openxmlformats.org/drawingml/2006/diagram"/>
+    </a:ext>
+  </dgm:extLst>
+</dgm:dataModel>
+</file>
+
+<file path=ppt/diagrams/data6.xml><?xml version="1.0" encoding="utf-8"?>
+<dgm:dataModel xmlns:dgm="http://schemas.openxmlformats.org/drawingml/2006/diagram" xmlns:a="http://schemas.openxmlformats.org/drawingml/2006/main">
+  <dgm:ptLst>
+    <dgm:pt modelId="{83473DC7-5CB1-460A-B9B6-23F0C3D74FC0}" type="doc">
+      <dgm:prSet loTypeId="urn:microsoft.com/office/officeart/2005/8/layout/vList2" loCatId="list" qsTypeId="urn:microsoft.com/office/officeart/2005/8/quickstyle/simple3" qsCatId="simple" csTypeId="urn:microsoft.com/office/officeart/2005/8/colors/accent2_1" csCatId="accent2" phldr="1"/>
+      <dgm:spPr/>
+      <dgm:t>
+        <a:bodyPr/>
+        <a:lstStyle/>
+        <a:p>
+          <a:endParaRPr lang="en-US"/>
+        </a:p>
+      </dgm:t>
+    </dgm:pt>
+    <dgm:pt modelId="{394471B4-327A-42D4-9898-0D08B5097B45}">
+      <dgm:prSet/>
+      <dgm:spPr/>
+      <dgm:t>
+        <a:bodyPr/>
+        <a:lstStyle/>
+        <a:p>
+          <a:pPr rtl="0"/>
+          <a:r>
+            <a:rPr lang="en-US" dirty="0" smtClean="0"/>
+            <a:t>© MethodScience; Material Designed and Presented by Dr. B. Unhelkar; drawn from </a:t>
+          </a:r>
+          <a:r>
+            <a:rPr lang="en-US" i="1" dirty="0" smtClean="0"/>
+            <a:t>The Art of Agile Practice</a:t>
+          </a:r>
+          <a:endParaRPr lang="en-US" i="1" dirty="0"/>
+        </a:p>
+      </dgm:t>
+    </dgm:pt>
+    <dgm:pt modelId="{395A176C-9A07-42CA-9295-6A1D33A15BC4}" type="parTrans" cxnId="{589BD9FA-3A9F-483A-80E1-7EA94E8B75D1}">
+      <dgm:prSet/>
+      <dgm:spPr/>
+      <dgm:t>
+        <a:bodyPr/>
+        <a:lstStyle/>
+        <a:p>
+          <a:endParaRPr lang="en-US"/>
+        </a:p>
+      </dgm:t>
+    </dgm:pt>
+    <dgm:pt modelId="{E9BE4963-7667-4BD9-B4B9-859B8F289CE1}" type="sibTrans" cxnId="{589BD9FA-3A9F-483A-80E1-7EA94E8B75D1}">
+      <dgm:prSet/>
+      <dgm:spPr/>
+      <dgm:t>
+        <a:bodyPr/>
+        <a:lstStyle/>
+        <a:p>
+          <a:endParaRPr lang="en-US"/>
+        </a:p>
+      </dgm:t>
+    </dgm:pt>
+    <dgm:pt modelId="{9A3A497F-24C3-4B9A-8E81-F32F66903BD2}" type="pres">
+      <dgm:prSet presAssocID="{83473DC7-5CB1-460A-B9B6-23F0C3D74FC0}" presName="linear" presStyleCnt="0">
+        <dgm:presLayoutVars>
+          <dgm:animLvl val="lvl"/>
+          <dgm:resizeHandles val="exact"/>
+        </dgm:presLayoutVars>
+      </dgm:prSet>
+      <dgm:spPr/>
+      <dgm:t>
+        <a:bodyPr/>
+        <a:lstStyle/>
+        <a:p>
+          <a:endParaRPr lang="en-US"/>
+        </a:p>
+      </dgm:t>
+    </dgm:pt>
+    <dgm:pt modelId="{6D242F04-DB4D-49D3-8CA6-58D8BD67FC04}" type="pres">
+      <dgm:prSet presAssocID="{394471B4-327A-42D4-9898-0D08B5097B45}" presName="parentText" presStyleLbl="node1" presStyleIdx="0" presStyleCnt="1">
+        <dgm:presLayoutVars>
+          <dgm:chMax val="0"/>
+          <dgm:bulletEnabled val="1"/>
+        </dgm:presLayoutVars>
+      </dgm:prSet>
+      <dgm:spPr/>
+      <dgm:t>
+        <a:bodyPr/>
+        <a:lstStyle/>
+        <a:p>
+          <a:endParaRPr lang="en-US"/>
+        </a:p>
+      </dgm:t>
+    </dgm:pt>
+  </dgm:ptLst>
+  <dgm:cxnLst>
+    <dgm:cxn modelId="{396615F3-BCCE-4CE2-A610-91DFBBB00117}" type="presOf" srcId="{83473DC7-5CB1-460A-B9B6-23F0C3D74FC0}" destId="{9A3A497F-24C3-4B9A-8E81-F32F66903BD2}" srcOrd="0" destOrd="0" presId="urn:microsoft.com/office/officeart/2005/8/layout/vList2"/>
+    <dgm:cxn modelId="{B76540F4-4112-4AFB-90F5-E55B63061C5D}" type="presOf" srcId="{394471B4-327A-42D4-9898-0D08B5097B45}" destId="{6D242F04-DB4D-49D3-8CA6-58D8BD67FC04}" srcOrd="0" destOrd="0" presId="urn:microsoft.com/office/officeart/2005/8/layout/vList2"/>
+    <dgm:cxn modelId="{589BD9FA-3A9F-483A-80E1-7EA94E8B75D1}" srcId="{83473DC7-5CB1-460A-B9B6-23F0C3D74FC0}" destId="{394471B4-327A-42D4-9898-0D08B5097B45}" srcOrd="0" destOrd="0" parTransId="{395A176C-9A07-42CA-9295-6A1D33A15BC4}" sibTransId="{E9BE4963-7667-4BD9-B4B9-859B8F289CE1}"/>
+    <dgm:cxn modelId="{2049D496-320D-412E-B22B-DC95691CDE01}" type="presParOf" srcId="{9A3A497F-24C3-4B9A-8E81-F32F66903BD2}" destId="{6D242F04-DB4D-49D3-8CA6-58D8BD67FC04}" srcOrd="0" destOrd="0" presId="urn:microsoft.com/office/officeart/2005/8/layout/vList2"/>
+  </dgm:cxnLst>
+  <dgm:bg/>
+  <dgm:whole/>
+  <dgm:extLst>
+    <a:ext uri="http://schemas.microsoft.com/office/drawing/2008/diagram">
+      <dsp:dataModelExt xmlns:dsp="http://schemas.microsoft.com/office/drawing/2008/diagram" relId="rId8" minVer="http://schemas.openxmlformats.org/drawingml/2006/diagram"/>
+    </a:ext>
+  </dgm:extLst>
+</dgm:dataModel>
+</file>
+
+<file path=ppt/diagrams/data7.xml><?xml version="1.0" encoding="utf-8"?>
 <dgm:dataModel xmlns:dgm="http://schemas.openxmlformats.org/drawingml/2006/diagram" xmlns:a="http://schemas.openxmlformats.org/drawingml/2006/main">
   <dgm:ptLst>
     <dgm:pt modelId="{83473DC7-5CB1-460A-B9B6-23F0C3D74FC0}" type="doc">
@@ -6273,6 +8339,842 @@
       <dsp:cNvGrpSpPr/>
     </dsp:nvGrpSpPr>
     <dsp:grpSpPr/>
+    <dsp:sp modelId="{F2C41172-83F8-4C7B-8506-2C4B60EC5ACE}">
+      <dsp:nvSpPr>
+        <dsp:cNvPr id="0" name=""/>
+        <dsp:cNvSpPr/>
+      </dsp:nvSpPr>
+      <dsp:spPr>
+        <a:xfrm>
+          <a:off x="0" y="0"/>
+          <a:ext cx="4876800" cy="894080"/>
+        </a:xfrm>
+        <a:prstGeom prst="roundRect">
+          <a:avLst>
+            <a:gd name="adj" fmla="val 10000"/>
+          </a:avLst>
+        </a:prstGeom>
+        <a:gradFill rotWithShape="0">
+          <a:gsLst>
+            <a:gs pos="0">
+              <a:schemeClr val="accent1">
+                <a:hueOff val="0"/>
+                <a:satOff val="0"/>
+                <a:lumOff val="0"/>
+                <a:alphaOff val="0"/>
+                <a:tint val="50000"/>
+                <a:satMod val="300000"/>
+              </a:schemeClr>
+            </a:gs>
+            <a:gs pos="35000">
+              <a:schemeClr val="accent1">
+                <a:hueOff val="0"/>
+                <a:satOff val="0"/>
+                <a:lumOff val="0"/>
+                <a:alphaOff val="0"/>
+                <a:tint val="37000"/>
+                <a:satMod val="300000"/>
+              </a:schemeClr>
+            </a:gs>
+            <a:gs pos="100000">
+              <a:schemeClr val="accent1">
+                <a:hueOff val="0"/>
+                <a:satOff val="0"/>
+                <a:lumOff val="0"/>
+                <a:alphaOff val="0"/>
+                <a:tint val="15000"/>
+                <a:satMod val="350000"/>
+              </a:schemeClr>
+            </a:gs>
+          </a:gsLst>
+          <a:lin ang="16200000" scaled="1"/>
+        </a:gradFill>
+        <a:ln>
+          <a:noFill/>
+        </a:ln>
+        <a:effectLst>
+          <a:outerShdw blurRad="40000" dist="20000" dir="5400000" rotWithShape="0">
+            <a:srgbClr val="000000">
+              <a:alpha val="38000"/>
+            </a:srgbClr>
+          </a:outerShdw>
+        </a:effectLst>
+        <a:scene3d>
+          <a:camera prst="orthographicFront"/>
+          <a:lightRig rig="flat" dir="t"/>
+        </a:scene3d>
+        <a:sp3d prstMaterial="dkEdge">
+          <a:bevelT w="8200" h="38100"/>
+        </a:sp3d>
+      </dsp:spPr>
+      <dsp:style>
+        <a:lnRef idx="0">
+          <a:scrgbClr r="0" g="0" b="0"/>
+        </a:lnRef>
+        <a:fillRef idx="2">
+          <a:scrgbClr r="0" g="0" b="0"/>
+        </a:fillRef>
+        <a:effectRef idx="1">
+          <a:scrgbClr r="0" g="0" b="0"/>
+        </a:effectRef>
+        <a:fontRef idx="minor">
+          <a:schemeClr val="dk1"/>
+        </a:fontRef>
+      </dsp:style>
+      <dsp:txBody>
+        <a:bodyPr spcFirstLastPara="0" vert="horz" wrap="square" lIns="76200" tIns="76200" rIns="76200" bIns="76200" numCol="1" spcCol="1270" anchor="ctr" anchorCtr="0">
+          <a:noAutofit/>
+        </a:bodyPr>
+        <a:lstStyle/>
+        <a:p>
+          <a:pPr lvl="0" algn="l" defTabSz="889000">
+            <a:lnSpc>
+              <a:spcPct val="90000"/>
+            </a:lnSpc>
+            <a:spcBef>
+              <a:spcPct val="0"/>
+            </a:spcBef>
+            <a:spcAft>
+              <a:spcPct val="35000"/>
+            </a:spcAft>
+          </a:pPr>
+          <a:r>
+            <a:rPr lang="en-US" sz="2000" kern="1200" dirty="0" smtClean="0"/>
+            <a:t>Write a Test Case</a:t>
+          </a:r>
+          <a:endParaRPr lang="en-US" sz="2000" kern="1200" dirty="0"/>
+        </a:p>
+      </dsp:txBody>
+      <dsp:txXfrm>
+        <a:off x="0" y="0"/>
+        <a:ext cx="3888841" cy="894080"/>
+      </dsp:txXfrm>
+    </dsp:sp>
+    <dsp:sp modelId="{C96439D8-0919-4743-92B6-3113B748B5C3}">
+      <dsp:nvSpPr>
+        <dsp:cNvPr id="0" name=""/>
+        <dsp:cNvSpPr/>
+      </dsp:nvSpPr>
+      <dsp:spPr>
+        <a:xfrm>
+          <a:off x="408432" y="1056640"/>
+          <a:ext cx="4876800" cy="894080"/>
+        </a:xfrm>
+        <a:prstGeom prst="roundRect">
+          <a:avLst>
+            <a:gd name="adj" fmla="val 10000"/>
+          </a:avLst>
+        </a:prstGeom>
+        <a:gradFill rotWithShape="0">
+          <a:gsLst>
+            <a:gs pos="0">
+              <a:schemeClr val="accent1">
+                <a:hueOff val="0"/>
+                <a:satOff val="0"/>
+                <a:lumOff val="0"/>
+                <a:alphaOff val="0"/>
+                <a:tint val="50000"/>
+                <a:satMod val="300000"/>
+              </a:schemeClr>
+            </a:gs>
+            <a:gs pos="35000">
+              <a:schemeClr val="accent1">
+                <a:hueOff val="0"/>
+                <a:satOff val="0"/>
+                <a:lumOff val="0"/>
+                <a:alphaOff val="0"/>
+                <a:tint val="37000"/>
+                <a:satMod val="300000"/>
+              </a:schemeClr>
+            </a:gs>
+            <a:gs pos="100000">
+              <a:schemeClr val="accent1">
+                <a:hueOff val="0"/>
+                <a:satOff val="0"/>
+                <a:lumOff val="0"/>
+                <a:alphaOff val="0"/>
+                <a:tint val="15000"/>
+                <a:satMod val="350000"/>
+              </a:schemeClr>
+            </a:gs>
+          </a:gsLst>
+          <a:lin ang="16200000" scaled="1"/>
+        </a:gradFill>
+        <a:ln>
+          <a:noFill/>
+        </a:ln>
+        <a:effectLst>
+          <a:outerShdw blurRad="40000" dist="20000" dir="5400000" rotWithShape="0">
+            <a:srgbClr val="000000">
+              <a:alpha val="38000"/>
+            </a:srgbClr>
+          </a:outerShdw>
+        </a:effectLst>
+        <a:scene3d>
+          <a:camera prst="orthographicFront"/>
+          <a:lightRig rig="flat" dir="t"/>
+        </a:scene3d>
+        <a:sp3d prstMaterial="dkEdge">
+          <a:bevelT w="8200" h="38100"/>
+        </a:sp3d>
+      </dsp:spPr>
+      <dsp:style>
+        <a:lnRef idx="0">
+          <a:scrgbClr r="0" g="0" b="0"/>
+        </a:lnRef>
+        <a:fillRef idx="2">
+          <a:scrgbClr r="0" g="0" b="0"/>
+        </a:fillRef>
+        <a:effectRef idx="1">
+          <a:scrgbClr r="0" g="0" b="0"/>
+        </a:effectRef>
+        <a:fontRef idx="minor">
+          <a:schemeClr val="dk1"/>
+        </a:fontRef>
+      </dsp:style>
+      <dsp:txBody>
+        <a:bodyPr spcFirstLastPara="0" vert="horz" wrap="square" lIns="76200" tIns="76200" rIns="76200" bIns="76200" numCol="1" spcCol="1270" anchor="ctr" anchorCtr="0">
+          <a:noAutofit/>
+        </a:bodyPr>
+        <a:lstStyle/>
+        <a:p>
+          <a:pPr lvl="0" algn="l" defTabSz="889000">
+            <a:lnSpc>
+              <a:spcPct val="90000"/>
+            </a:lnSpc>
+            <a:spcBef>
+              <a:spcPct val="0"/>
+            </a:spcBef>
+            <a:spcAft>
+              <a:spcPct val="35000"/>
+            </a:spcAft>
+          </a:pPr>
+          <a:r>
+            <a:rPr lang="en-US" sz="2000" kern="1200" dirty="0" smtClean="0"/>
+            <a:t>Develop a Feature Corresponding to the Test (Code)</a:t>
+          </a:r>
+          <a:endParaRPr lang="en-US" sz="2000" kern="1200" dirty="0"/>
+        </a:p>
+      </dsp:txBody>
+      <dsp:txXfrm>
+        <a:off x="408432" y="1056640"/>
+        <a:ext cx="3887215" cy="894080"/>
+      </dsp:txXfrm>
+    </dsp:sp>
+    <dsp:sp modelId="{513D735D-060C-4F6B-9757-4B9B57CCEF3C}">
+      <dsp:nvSpPr>
+        <dsp:cNvPr id="0" name=""/>
+        <dsp:cNvSpPr/>
+      </dsp:nvSpPr>
+      <dsp:spPr>
+        <a:xfrm>
+          <a:off x="810768" y="2113280"/>
+          <a:ext cx="4876800" cy="894080"/>
+        </a:xfrm>
+        <a:prstGeom prst="roundRect">
+          <a:avLst>
+            <a:gd name="adj" fmla="val 10000"/>
+          </a:avLst>
+        </a:prstGeom>
+        <a:gradFill rotWithShape="0">
+          <a:gsLst>
+            <a:gs pos="0">
+              <a:schemeClr val="accent1">
+                <a:hueOff val="0"/>
+                <a:satOff val="0"/>
+                <a:lumOff val="0"/>
+                <a:alphaOff val="0"/>
+                <a:tint val="50000"/>
+                <a:satMod val="300000"/>
+              </a:schemeClr>
+            </a:gs>
+            <a:gs pos="35000">
+              <a:schemeClr val="accent1">
+                <a:hueOff val="0"/>
+                <a:satOff val="0"/>
+                <a:lumOff val="0"/>
+                <a:alphaOff val="0"/>
+                <a:tint val="37000"/>
+                <a:satMod val="300000"/>
+              </a:schemeClr>
+            </a:gs>
+            <a:gs pos="100000">
+              <a:schemeClr val="accent1">
+                <a:hueOff val="0"/>
+                <a:satOff val="0"/>
+                <a:lumOff val="0"/>
+                <a:alphaOff val="0"/>
+                <a:tint val="15000"/>
+                <a:satMod val="350000"/>
+              </a:schemeClr>
+            </a:gs>
+          </a:gsLst>
+          <a:lin ang="16200000" scaled="1"/>
+        </a:gradFill>
+        <a:ln>
+          <a:noFill/>
+        </a:ln>
+        <a:effectLst>
+          <a:outerShdw blurRad="40000" dist="20000" dir="5400000" rotWithShape="0">
+            <a:srgbClr val="000000">
+              <a:alpha val="38000"/>
+            </a:srgbClr>
+          </a:outerShdw>
+        </a:effectLst>
+        <a:scene3d>
+          <a:camera prst="orthographicFront"/>
+          <a:lightRig rig="flat" dir="t"/>
+        </a:scene3d>
+        <a:sp3d prstMaterial="dkEdge">
+          <a:bevelT w="8200" h="38100"/>
+        </a:sp3d>
+      </dsp:spPr>
+      <dsp:style>
+        <a:lnRef idx="0">
+          <a:scrgbClr r="0" g="0" b="0"/>
+        </a:lnRef>
+        <a:fillRef idx="2">
+          <a:scrgbClr r="0" g="0" b="0"/>
+        </a:fillRef>
+        <a:effectRef idx="1">
+          <a:scrgbClr r="0" g="0" b="0"/>
+        </a:effectRef>
+        <a:fontRef idx="minor">
+          <a:schemeClr val="dk1"/>
+        </a:fontRef>
+      </dsp:style>
+      <dsp:txBody>
+        <a:bodyPr spcFirstLastPara="0" vert="horz" wrap="square" lIns="76200" tIns="76200" rIns="76200" bIns="76200" numCol="1" spcCol="1270" anchor="ctr" anchorCtr="0">
+          <a:noAutofit/>
+        </a:bodyPr>
+        <a:lstStyle/>
+        <a:p>
+          <a:pPr lvl="0" algn="l" defTabSz="889000">
+            <a:lnSpc>
+              <a:spcPct val="90000"/>
+            </a:lnSpc>
+            <a:spcBef>
+              <a:spcPct val="0"/>
+            </a:spcBef>
+            <a:spcAft>
+              <a:spcPct val="35000"/>
+            </a:spcAft>
+          </a:pPr>
+          <a:r>
+            <a:rPr lang="en-US" sz="2000" kern="1200" dirty="0" smtClean="0"/>
+            <a:t>Run the Test Case</a:t>
+          </a:r>
+          <a:endParaRPr lang="en-US" sz="2000" kern="1200" dirty="0"/>
+        </a:p>
+      </dsp:txBody>
+      <dsp:txXfrm>
+        <a:off x="810768" y="2113280"/>
+        <a:ext cx="3893311" cy="894080"/>
+      </dsp:txXfrm>
+    </dsp:sp>
+    <dsp:sp modelId="{9F2B0DC5-F0D6-43D5-A934-029FD91B39E7}">
+      <dsp:nvSpPr>
+        <dsp:cNvPr id="0" name=""/>
+        <dsp:cNvSpPr/>
+      </dsp:nvSpPr>
+      <dsp:spPr>
+        <a:xfrm>
+          <a:off x="1219200" y="3169919"/>
+          <a:ext cx="4876800" cy="894080"/>
+        </a:xfrm>
+        <a:prstGeom prst="roundRect">
+          <a:avLst>
+            <a:gd name="adj" fmla="val 10000"/>
+          </a:avLst>
+        </a:prstGeom>
+        <a:gradFill rotWithShape="0">
+          <a:gsLst>
+            <a:gs pos="0">
+              <a:schemeClr val="accent1">
+                <a:hueOff val="0"/>
+                <a:satOff val="0"/>
+                <a:lumOff val="0"/>
+                <a:alphaOff val="0"/>
+                <a:tint val="50000"/>
+                <a:satMod val="300000"/>
+              </a:schemeClr>
+            </a:gs>
+            <a:gs pos="35000">
+              <a:schemeClr val="accent1">
+                <a:hueOff val="0"/>
+                <a:satOff val="0"/>
+                <a:lumOff val="0"/>
+                <a:alphaOff val="0"/>
+                <a:tint val="37000"/>
+                <a:satMod val="300000"/>
+              </a:schemeClr>
+            </a:gs>
+            <a:gs pos="100000">
+              <a:schemeClr val="accent1">
+                <a:hueOff val="0"/>
+                <a:satOff val="0"/>
+                <a:lumOff val="0"/>
+                <a:alphaOff val="0"/>
+                <a:tint val="15000"/>
+                <a:satMod val="350000"/>
+              </a:schemeClr>
+            </a:gs>
+          </a:gsLst>
+          <a:lin ang="16200000" scaled="1"/>
+        </a:gradFill>
+        <a:ln>
+          <a:noFill/>
+        </a:ln>
+        <a:effectLst>
+          <a:outerShdw blurRad="40000" dist="20000" dir="5400000" rotWithShape="0">
+            <a:srgbClr val="000000">
+              <a:alpha val="38000"/>
+            </a:srgbClr>
+          </a:outerShdw>
+        </a:effectLst>
+        <a:scene3d>
+          <a:camera prst="orthographicFront"/>
+          <a:lightRig rig="flat" dir="t"/>
+        </a:scene3d>
+        <a:sp3d prstMaterial="dkEdge">
+          <a:bevelT w="8200" h="38100"/>
+        </a:sp3d>
+      </dsp:spPr>
+      <dsp:style>
+        <a:lnRef idx="0">
+          <a:scrgbClr r="0" g="0" b="0"/>
+        </a:lnRef>
+        <a:fillRef idx="2">
+          <a:scrgbClr r="0" g="0" b="0"/>
+        </a:fillRef>
+        <a:effectRef idx="1">
+          <a:scrgbClr r="0" g="0" b="0"/>
+        </a:effectRef>
+        <a:fontRef idx="minor">
+          <a:schemeClr val="dk1"/>
+        </a:fontRef>
+      </dsp:style>
+      <dsp:txBody>
+        <a:bodyPr spcFirstLastPara="0" vert="horz" wrap="square" lIns="76200" tIns="76200" rIns="76200" bIns="76200" numCol="1" spcCol="1270" anchor="ctr" anchorCtr="0">
+          <a:noAutofit/>
+        </a:bodyPr>
+        <a:lstStyle/>
+        <a:p>
+          <a:pPr lvl="0" algn="l" defTabSz="889000">
+            <a:lnSpc>
+              <a:spcPct val="90000"/>
+            </a:lnSpc>
+            <a:spcBef>
+              <a:spcPct val="0"/>
+            </a:spcBef>
+            <a:spcAft>
+              <a:spcPct val="35000"/>
+            </a:spcAft>
+          </a:pPr>
+          <a:r>
+            <a:rPr lang="en-US" sz="2000" kern="1200" dirty="0" smtClean="0"/>
+            <a:t>Regression Testing</a:t>
+          </a:r>
+        </a:p>
+        <a:p>
+          <a:pPr lvl="0" algn="l" defTabSz="889000">
+            <a:lnSpc>
+              <a:spcPct val="90000"/>
+            </a:lnSpc>
+            <a:spcBef>
+              <a:spcPct val="0"/>
+            </a:spcBef>
+            <a:spcAft>
+              <a:spcPct val="35000"/>
+            </a:spcAft>
+          </a:pPr>
+          <a:r>
+            <a:rPr lang="en-US" sz="2000" kern="1200" dirty="0" err="1" smtClean="0"/>
+            <a:t>Refactor</a:t>
+          </a:r>
+          <a:r>
+            <a:rPr lang="en-US" sz="2000" kern="1200" dirty="0" smtClean="0"/>
+            <a:t> Code</a:t>
+          </a:r>
+          <a:endParaRPr lang="en-US" sz="2000" kern="1200" dirty="0"/>
+        </a:p>
+      </dsp:txBody>
+      <dsp:txXfrm>
+        <a:off x="1219200" y="3169919"/>
+        <a:ext cx="3887215" cy="894080"/>
+      </dsp:txXfrm>
+    </dsp:sp>
+    <dsp:sp modelId="{9EF3F84A-5980-4D09-816A-A88C4476208C}">
+      <dsp:nvSpPr>
+        <dsp:cNvPr id="0" name=""/>
+        <dsp:cNvSpPr/>
+      </dsp:nvSpPr>
+      <dsp:spPr>
+        <a:xfrm>
+          <a:off x="4295647" y="684783"/>
+          <a:ext cx="581152" cy="581152"/>
+        </a:xfrm>
+        <a:prstGeom prst="downArrow">
+          <a:avLst>
+            <a:gd name="adj1" fmla="val 55000"/>
+            <a:gd name="adj2" fmla="val 45000"/>
+          </a:avLst>
+        </a:prstGeom>
+        <a:solidFill>
+          <a:schemeClr val="accent1">
+            <a:alpha val="90000"/>
+            <a:tint val="40000"/>
+            <a:hueOff val="0"/>
+            <a:satOff val="0"/>
+            <a:lumOff val="0"/>
+            <a:alphaOff val="0"/>
+          </a:schemeClr>
+        </a:solidFill>
+        <a:ln w="9525" cap="flat" cmpd="sng" algn="ctr">
+          <a:solidFill>
+            <a:schemeClr val="accent1">
+              <a:alpha val="90000"/>
+              <a:tint val="40000"/>
+              <a:hueOff val="0"/>
+              <a:satOff val="0"/>
+              <a:lumOff val="0"/>
+              <a:alphaOff val="0"/>
+            </a:schemeClr>
+          </a:solidFill>
+          <a:prstDash val="solid"/>
+        </a:ln>
+        <a:effectLst/>
+      </dsp:spPr>
+      <dsp:style>
+        <a:lnRef idx="1">
+          <a:scrgbClr r="0" g="0" b="0"/>
+        </a:lnRef>
+        <a:fillRef idx="1">
+          <a:scrgbClr r="0" g="0" b="0"/>
+        </a:fillRef>
+        <a:effectRef idx="0">
+          <a:scrgbClr r="0" g="0" b="0"/>
+        </a:effectRef>
+        <a:fontRef idx="minor"/>
+      </dsp:style>
+      <dsp:txBody>
+        <a:bodyPr spcFirstLastPara="0" vert="horz" wrap="square" lIns="33020" tIns="33020" rIns="33020" bIns="33020" numCol="1" spcCol="1270" anchor="ctr" anchorCtr="0">
+          <a:noAutofit/>
+        </a:bodyPr>
+        <a:lstStyle/>
+        <a:p>
+          <a:pPr lvl="0" algn="ctr" defTabSz="1155700">
+            <a:lnSpc>
+              <a:spcPct val="90000"/>
+            </a:lnSpc>
+            <a:spcBef>
+              <a:spcPct val="0"/>
+            </a:spcBef>
+            <a:spcAft>
+              <a:spcPct val="35000"/>
+            </a:spcAft>
+          </a:pPr>
+          <a:endParaRPr lang="en-US" sz="2600" kern="1200"/>
+        </a:p>
+      </dsp:txBody>
+      <dsp:txXfrm>
+        <a:off x="4295647" y="684783"/>
+        <a:ext cx="581152" cy="581152"/>
+      </dsp:txXfrm>
+    </dsp:sp>
+    <dsp:sp modelId="{C4B1F78C-8B9B-4743-A136-2309E5CE0DBF}">
+      <dsp:nvSpPr>
+        <dsp:cNvPr id="0" name=""/>
+        <dsp:cNvSpPr/>
+      </dsp:nvSpPr>
+      <dsp:spPr>
+        <a:xfrm>
+          <a:off x="4704080" y="1741423"/>
+          <a:ext cx="581152" cy="581152"/>
+        </a:xfrm>
+        <a:prstGeom prst="downArrow">
+          <a:avLst>
+            <a:gd name="adj1" fmla="val 55000"/>
+            <a:gd name="adj2" fmla="val 45000"/>
+          </a:avLst>
+        </a:prstGeom>
+        <a:solidFill>
+          <a:schemeClr val="accent1">
+            <a:alpha val="90000"/>
+            <a:tint val="40000"/>
+            <a:hueOff val="0"/>
+            <a:satOff val="0"/>
+            <a:lumOff val="0"/>
+            <a:alphaOff val="0"/>
+          </a:schemeClr>
+        </a:solidFill>
+        <a:ln w="9525" cap="flat" cmpd="sng" algn="ctr">
+          <a:solidFill>
+            <a:schemeClr val="accent1">
+              <a:alpha val="90000"/>
+              <a:tint val="40000"/>
+              <a:hueOff val="0"/>
+              <a:satOff val="0"/>
+              <a:lumOff val="0"/>
+              <a:alphaOff val="0"/>
+            </a:schemeClr>
+          </a:solidFill>
+          <a:prstDash val="solid"/>
+        </a:ln>
+        <a:effectLst/>
+      </dsp:spPr>
+      <dsp:style>
+        <a:lnRef idx="1">
+          <a:scrgbClr r="0" g="0" b="0"/>
+        </a:lnRef>
+        <a:fillRef idx="1">
+          <a:scrgbClr r="0" g="0" b="0"/>
+        </a:fillRef>
+        <a:effectRef idx="0">
+          <a:scrgbClr r="0" g="0" b="0"/>
+        </a:effectRef>
+        <a:fontRef idx="minor"/>
+      </dsp:style>
+      <dsp:txBody>
+        <a:bodyPr spcFirstLastPara="0" vert="horz" wrap="square" lIns="33020" tIns="33020" rIns="33020" bIns="33020" numCol="1" spcCol="1270" anchor="ctr" anchorCtr="0">
+          <a:noAutofit/>
+        </a:bodyPr>
+        <a:lstStyle/>
+        <a:p>
+          <a:pPr lvl="0" algn="ctr" defTabSz="1155700">
+            <a:lnSpc>
+              <a:spcPct val="90000"/>
+            </a:lnSpc>
+            <a:spcBef>
+              <a:spcPct val="0"/>
+            </a:spcBef>
+            <a:spcAft>
+              <a:spcPct val="35000"/>
+            </a:spcAft>
+          </a:pPr>
+          <a:endParaRPr lang="en-US" sz="2600" kern="1200"/>
+        </a:p>
+      </dsp:txBody>
+      <dsp:txXfrm>
+        <a:off x="4704080" y="1741423"/>
+        <a:ext cx="581152" cy="581152"/>
+      </dsp:txXfrm>
+    </dsp:sp>
+    <dsp:sp modelId="{4D4211AF-23F9-41B8-BA22-A9EA4DF0A78C}">
+      <dsp:nvSpPr>
+        <dsp:cNvPr id="0" name=""/>
+        <dsp:cNvSpPr/>
+      </dsp:nvSpPr>
+      <dsp:spPr>
+        <a:xfrm>
+          <a:off x="5106415" y="2798064"/>
+          <a:ext cx="581152" cy="581152"/>
+        </a:xfrm>
+        <a:prstGeom prst="downArrow">
+          <a:avLst>
+            <a:gd name="adj1" fmla="val 55000"/>
+            <a:gd name="adj2" fmla="val 45000"/>
+          </a:avLst>
+        </a:prstGeom>
+        <a:solidFill>
+          <a:schemeClr val="accent1">
+            <a:alpha val="90000"/>
+            <a:tint val="40000"/>
+            <a:hueOff val="0"/>
+            <a:satOff val="0"/>
+            <a:lumOff val="0"/>
+            <a:alphaOff val="0"/>
+          </a:schemeClr>
+        </a:solidFill>
+        <a:ln w="9525" cap="flat" cmpd="sng" algn="ctr">
+          <a:solidFill>
+            <a:schemeClr val="accent1">
+              <a:alpha val="90000"/>
+              <a:tint val="40000"/>
+              <a:hueOff val="0"/>
+              <a:satOff val="0"/>
+              <a:lumOff val="0"/>
+              <a:alphaOff val="0"/>
+            </a:schemeClr>
+          </a:solidFill>
+          <a:prstDash val="solid"/>
+        </a:ln>
+        <a:effectLst/>
+      </dsp:spPr>
+      <dsp:style>
+        <a:lnRef idx="1">
+          <a:scrgbClr r="0" g="0" b="0"/>
+        </a:lnRef>
+        <a:fillRef idx="1">
+          <a:scrgbClr r="0" g="0" b="0"/>
+        </a:fillRef>
+        <a:effectRef idx="0">
+          <a:scrgbClr r="0" g="0" b="0"/>
+        </a:effectRef>
+        <a:fontRef idx="minor"/>
+      </dsp:style>
+      <dsp:txBody>
+        <a:bodyPr spcFirstLastPara="0" vert="horz" wrap="square" lIns="33020" tIns="33020" rIns="33020" bIns="33020" numCol="1" spcCol="1270" anchor="ctr" anchorCtr="0">
+          <a:noAutofit/>
+        </a:bodyPr>
+        <a:lstStyle/>
+        <a:p>
+          <a:pPr lvl="0" algn="ctr" defTabSz="1155700">
+            <a:lnSpc>
+              <a:spcPct val="90000"/>
+            </a:lnSpc>
+            <a:spcBef>
+              <a:spcPct val="0"/>
+            </a:spcBef>
+            <a:spcAft>
+              <a:spcPct val="35000"/>
+            </a:spcAft>
+          </a:pPr>
+          <a:endParaRPr lang="en-US" sz="2600" kern="1200"/>
+        </a:p>
+      </dsp:txBody>
+      <dsp:txXfrm>
+        <a:off x="5106415" y="2798064"/>
+        <a:ext cx="581152" cy="581152"/>
+      </dsp:txXfrm>
+    </dsp:sp>
+  </dsp:spTree>
+</dsp:drawing>
+</file>
+
+<file path=ppt/diagrams/drawing6.xml><?xml version="1.0" encoding="utf-8"?>
+<dsp:drawing xmlns:dgm="http://schemas.openxmlformats.org/drawingml/2006/diagram" xmlns:dsp="http://schemas.microsoft.com/office/drawing/2008/diagram" xmlns:a="http://schemas.openxmlformats.org/drawingml/2006/main">
+  <dsp:spTree>
+    <dsp:nvGrpSpPr>
+      <dsp:cNvPr id="0" name=""/>
+      <dsp:cNvGrpSpPr/>
+    </dsp:nvGrpSpPr>
+    <dsp:grpSpPr/>
+    <dsp:sp modelId="{6D242F04-DB4D-49D3-8CA6-58D8BD67FC04}">
+      <dsp:nvSpPr>
+        <dsp:cNvPr id="0" name=""/>
+        <dsp:cNvSpPr/>
+      </dsp:nvSpPr>
+      <dsp:spPr>
+        <a:xfrm>
+          <a:off x="0" y="42559"/>
+          <a:ext cx="4640566" cy="191880"/>
+        </a:xfrm>
+        <a:prstGeom prst="roundRect">
+          <a:avLst/>
+        </a:prstGeom>
+        <a:gradFill rotWithShape="0">
+          <a:gsLst>
+            <a:gs pos="0">
+              <a:schemeClr val="lt1">
+                <a:hueOff val="0"/>
+                <a:satOff val="0"/>
+                <a:lumOff val="0"/>
+                <a:alphaOff val="0"/>
+                <a:tint val="50000"/>
+                <a:satMod val="300000"/>
+              </a:schemeClr>
+            </a:gs>
+            <a:gs pos="35000">
+              <a:schemeClr val="lt1">
+                <a:hueOff val="0"/>
+                <a:satOff val="0"/>
+                <a:lumOff val="0"/>
+                <a:alphaOff val="0"/>
+                <a:tint val="37000"/>
+                <a:satMod val="300000"/>
+              </a:schemeClr>
+            </a:gs>
+            <a:gs pos="100000">
+              <a:schemeClr val="lt1">
+                <a:hueOff val="0"/>
+                <a:satOff val="0"/>
+                <a:lumOff val="0"/>
+                <a:alphaOff val="0"/>
+                <a:tint val="15000"/>
+                <a:satMod val="350000"/>
+              </a:schemeClr>
+            </a:gs>
+          </a:gsLst>
+          <a:lin ang="16200000" scaled="1"/>
+        </a:gradFill>
+        <a:ln>
+          <a:noFill/>
+        </a:ln>
+        <a:effectLst>
+          <a:outerShdw blurRad="40000" dist="20000" dir="5400000" rotWithShape="0">
+            <a:srgbClr val="000000">
+              <a:alpha val="38000"/>
+            </a:srgbClr>
+          </a:outerShdw>
+        </a:effectLst>
+        <a:scene3d>
+          <a:camera prst="orthographicFront"/>
+          <a:lightRig rig="flat" dir="t"/>
+        </a:scene3d>
+        <a:sp3d prstMaterial="dkEdge">
+          <a:bevelT w="8200" h="38100"/>
+        </a:sp3d>
+      </dsp:spPr>
+      <dsp:style>
+        <a:lnRef idx="0">
+          <a:scrgbClr r="0" g="0" b="0"/>
+        </a:lnRef>
+        <a:fillRef idx="2">
+          <a:scrgbClr r="0" g="0" b="0"/>
+        </a:fillRef>
+        <a:effectRef idx="1">
+          <a:scrgbClr r="0" g="0" b="0"/>
+        </a:effectRef>
+        <a:fontRef idx="minor">
+          <a:schemeClr val="dk1"/>
+        </a:fontRef>
+      </dsp:style>
+      <dsp:txBody>
+        <a:bodyPr spcFirstLastPara="0" vert="horz" wrap="square" lIns="30480" tIns="30480" rIns="30480" bIns="30480" numCol="1" spcCol="1270" anchor="ctr" anchorCtr="0">
+          <a:noAutofit/>
+        </a:bodyPr>
+        <a:lstStyle/>
+        <a:p>
+          <a:pPr lvl="0" algn="l" defTabSz="355600" rtl="0">
+            <a:lnSpc>
+              <a:spcPct val="90000"/>
+            </a:lnSpc>
+            <a:spcBef>
+              <a:spcPct val="0"/>
+            </a:spcBef>
+            <a:spcAft>
+              <a:spcPct val="35000"/>
+            </a:spcAft>
+          </a:pPr>
+          <a:r>
+            <a:rPr lang="en-US" sz="800" kern="1200" dirty="0" smtClean="0"/>
+            <a:t>© MethodScience; Material Designed and Presented by Dr. B. Unhelkar; drawn from </a:t>
+          </a:r>
+          <a:r>
+            <a:rPr lang="en-US" sz="800" i="1" kern="1200" dirty="0" smtClean="0"/>
+            <a:t>The Art of Agile Practice</a:t>
+          </a:r>
+          <a:endParaRPr lang="en-US" sz="800" i="1" kern="1200" dirty="0"/>
+        </a:p>
+      </dsp:txBody>
+      <dsp:txXfrm>
+        <a:off x="9367" y="51926"/>
+        <a:ext cx="4621832" cy="173146"/>
+      </dsp:txXfrm>
+    </dsp:sp>
+  </dsp:spTree>
+</dsp:drawing>
+</file>
+
+<file path=ppt/diagrams/drawing7.xml><?xml version="1.0" encoding="utf-8"?>
+<dsp:drawing xmlns:dgm="http://schemas.openxmlformats.org/drawingml/2006/diagram" xmlns:dsp="http://schemas.microsoft.com/office/drawing/2008/diagram" xmlns:a="http://schemas.openxmlformats.org/drawingml/2006/main">
+  <dsp:spTree>
+    <dsp:nvGrpSpPr>
+      <dsp:cNvPr id="0" name=""/>
+      <dsp:cNvGrpSpPr/>
+    </dsp:nvGrpSpPr>
+    <dsp:grpSpPr/>
     <dsp:sp modelId="{6D242F04-DB4D-49D3-8CA6-58D8BD67FC04}">
       <dsp:nvSpPr>
         <dsp:cNvPr id="0" name=""/>
@@ -7090,6 +9992,1399 @@
 </file>
 
 <file path=ppt/diagrams/layout5.xml><?xml version="1.0" encoding="utf-8"?>
+<dgm:layoutDef xmlns:dgm="http://schemas.openxmlformats.org/drawingml/2006/diagram" xmlns:a="http://schemas.openxmlformats.org/drawingml/2006/main" uniqueId="urn:microsoft.com/office/officeart/2005/8/layout/vProcess5">
+  <dgm:title val=""/>
+  <dgm:desc val=""/>
+  <dgm:catLst>
+    <dgm:cat type="process" pri="14000"/>
+  </dgm:catLst>
+  <dgm:sampData>
+    <dgm:dataModel>
+      <dgm:ptLst>
+        <dgm:pt modelId="0" type="doc"/>
+        <dgm:pt modelId="1">
+          <dgm:prSet phldr="1"/>
+        </dgm:pt>
+        <dgm:pt modelId="2">
+          <dgm:prSet phldr="1"/>
+        </dgm:pt>
+        <dgm:pt modelId="3">
+          <dgm:prSet phldr="1"/>
+        </dgm:pt>
+      </dgm:ptLst>
+      <dgm:cxnLst>
+        <dgm:cxn modelId="5" srcId="0" destId="1" srcOrd="0" destOrd="0"/>
+        <dgm:cxn modelId="6" srcId="0" destId="2" srcOrd="1" destOrd="0"/>
+        <dgm:cxn modelId="7" srcId="0" destId="3" srcOrd="2" destOrd="0"/>
+      </dgm:cxnLst>
+      <dgm:bg/>
+      <dgm:whole/>
+    </dgm:dataModel>
+  </dgm:sampData>
+  <dgm:styleData>
+    <dgm:dataModel>
+      <dgm:ptLst>
+        <dgm:pt modelId="0" type="doc"/>
+        <dgm:pt modelId="1"/>
+        <dgm:pt modelId="2"/>
+      </dgm:ptLst>
+      <dgm:cxnLst>
+        <dgm:cxn modelId="3" srcId="0" destId="1" srcOrd="0" destOrd="0"/>
+        <dgm:cxn modelId="4" srcId="0" destId="2" srcOrd="1" destOrd="0"/>
+      </dgm:cxnLst>
+      <dgm:bg/>
+      <dgm:whole/>
+    </dgm:dataModel>
+  </dgm:styleData>
+  <dgm:clrData>
+    <dgm:dataModel>
+      <dgm:ptLst>
+        <dgm:pt modelId="0" type="doc"/>
+        <dgm:pt modelId="1"/>
+        <dgm:pt modelId="2"/>
+        <dgm:pt modelId="3"/>
+        <dgm:pt modelId="4"/>
+      </dgm:ptLst>
+      <dgm:cxnLst>
+        <dgm:cxn modelId="6" srcId="0" destId="1" srcOrd="0" destOrd="0"/>
+        <dgm:cxn modelId="7" srcId="0" destId="2" srcOrd="1" destOrd="0"/>
+        <dgm:cxn modelId="8" srcId="0" destId="3" srcOrd="2" destOrd="0"/>
+        <dgm:cxn modelId="9" srcId="0" destId="4" srcOrd="3" destOrd="0"/>
+      </dgm:cxnLst>
+      <dgm:bg/>
+      <dgm:whole/>
+    </dgm:dataModel>
+  </dgm:clrData>
+  <dgm:layoutNode name="outerComposite">
+    <dgm:varLst>
+      <dgm:chMax val="5"/>
+      <dgm:dir/>
+      <dgm:resizeHandles val="exact"/>
+    </dgm:varLst>
+    <dgm:alg type="composite"/>
+    <dgm:shape xmlns:r="http://schemas.openxmlformats.org/officeDocument/2006/relationships" r:blip="">
+      <dgm:adjLst/>
+    </dgm:shape>
+    <dgm:presOf/>
+    <dgm:choose name="Name0">
+      <dgm:if name="Name1" func="var" arg="dir" op="equ" val="norm">
+        <dgm:constrLst>
+          <dgm:constr type="primFontSz" for="ch" ptType="node" op="equ" val="65"/>
+          <dgm:constr type="w" for="ch" forName="dummyMaxCanvas" refType="w"/>
+          <dgm:constr type="h" for="ch" forName="dummyMaxCanvas" refType="h"/>
+          <dgm:constr type="w" for="ch" forName="OneNode_1" refType="w"/>
+          <dgm:constr type="h" for="ch" forName="OneNode_1" refType="h" fact="0.5"/>
+          <dgm:constr type="ctrY" for="ch" forName="OneNode_1" refType="h" fact="0.5"/>
+          <dgm:constr type="w" for="ch" forName="TwoNodes_1" refType="w" fact="0.85"/>
+          <dgm:constr type="h" for="ch" forName="TwoNodes_1" refType="h" fact="0.45"/>
+          <dgm:constr type="t" for="ch" forName="TwoNodes_1"/>
+          <dgm:constr type="l" for="ch" forName="TwoNodes_1"/>
+          <dgm:constr type="w" for="ch" forName="TwoNodes_2" refType="w" fact="0.85"/>
+          <dgm:constr type="h" for="ch" forName="TwoNodes_2" refType="h" fact="0.45"/>
+          <dgm:constr type="b" for="ch" forName="TwoNodes_2" refType="h"/>
+          <dgm:constr type="r" for="ch" forName="TwoNodes_2" refType="w"/>
+          <dgm:constr type="w" for="ch" forName="TwoConn_1-2" refType="h" refFor="ch" refForName="TwoNodes_1" fact="0.65"/>
+          <dgm:constr type="h" for="ch" forName="TwoConn_1-2" refType="h" refFor="ch" refForName="TwoNodes_1" fact="0.65"/>
+          <dgm:constr type="ctrY" for="ch" forName="TwoConn_1-2" refType="h" fact="0.5"/>
+          <dgm:constr type="r" for="ch" forName="TwoConn_1-2" refType="r" refFor="ch" refForName="TwoNodes_1"/>
+          <dgm:constr type="r" for="ch" forName="TwoNodes_1_text" refType="l" refFor="ch" refForName="TwoConn_1-2"/>
+          <dgm:constr type="rOff" for="ch" forName="TwoNodes_1_text" refType="w" refFor="ch" refForName="TwoConn_1-2" fact="-0.5"/>
+          <dgm:constr type="t" for="ch" forName="TwoNodes_1_text" refType="t" refFor="ch" refForName="TwoNodes_1"/>
+          <dgm:constr type="b" for="ch" forName="TwoNodes_1_text" refType="b" refFor="ch" refForName="TwoNodes_1"/>
+          <dgm:constr type="l" for="ch" forName="TwoNodes_1_text" refType="l" refFor="ch" refForName="TwoNodes_1"/>
+          <dgm:constr type="r" for="ch" forName="TwoNodes_2_text" refType="l" refFor="ch" refForName="TwoConn_1-2"/>
+          <dgm:constr type="t" for="ch" forName="TwoNodes_2_text" refType="t" refFor="ch" refForName="TwoNodes_2"/>
+          <dgm:constr type="b" for="ch" forName="TwoNodes_2_text" refType="b" refFor="ch" refForName="TwoNodes_2"/>
+          <dgm:constr type="l" for="ch" forName="TwoNodes_2_text" refType="l" refFor="ch" refForName="TwoNodes_2"/>
+          <dgm:constr type="w" for="ch" forName="ThreeNodes_1" refType="w" fact="0.85"/>
+          <dgm:constr type="h" for="ch" forName="ThreeNodes_1" refType="h" fact="0.3"/>
+          <dgm:constr type="t" for="ch" forName="ThreeNodes_1"/>
+          <dgm:constr type="l" for="ch" forName="ThreeNodes_1"/>
+          <dgm:constr type="w" for="ch" forName="ThreeNodes_2" refType="w" fact="0.85"/>
+          <dgm:constr type="h" for="ch" forName="ThreeNodes_2" refType="h" fact="0.3"/>
+          <dgm:constr type="ctrY" for="ch" forName="ThreeNodes_2" refType="h" fact="0.5"/>
+          <dgm:constr type="ctrX" for="ch" forName="ThreeNodes_2" refType="w" fact="0.5"/>
+          <dgm:constr type="w" for="ch" forName="ThreeNodes_3" refType="w" fact="0.85"/>
+          <dgm:constr type="h" for="ch" forName="ThreeNodes_3" refType="h" fact="0.3"/>
+          <dgm:constr type="b" for="ch" forName="ThreeNodes_3" refType="h"/>
+          <dgm:constr type="r" for="ch" forName="ThreeNodes_3" refType="w"/>
+          <dgm:constr type="w" for="ch" forName="ThreeConn_1-2" refType="h" refFor="ch" refForName="ThreeNodes_1" fact="0.65"/>
+          <dgm:constr type="h" for="ch" forName="ThreeConn_1-2" refType="h" refFor="ch" refForName="ThreeNodes_1" fact="0.65"/>
+          <dgm:constr type="ctrY" for="ch" forName="ThreeConn_1-2" refType="h" fact="0.325"/>
+          <dgm:constr type="r" for="ch" forName="ThreeConn_1-2" refType="r" refFor="ch" refForName="ThreeNodes_1"/>
+          <dgm:constr type="w" for="ch" forName="ThreeConn_2-3" refType="h" refFor="ch" refForName="ThreeNodes_2" fact="0.65"/>
+          <dgm:constr type="h" for="ch" forName="ThreeConn_2-3" refType="h" refFor="ch" refForName="ThreeNodes_2" fact="0.65"/>
+          <dgm:constr type="ctrY" for="ch" forName="ThreeConn_2-3" refType="h" fact="0.673"/>
+          <dgm:constr type="r" for="ch" forName="ThreeConn_2-3" refType="r" refFor="ch" refForName="ThreeNodes_2"/>
+          <dgm:constr type="r" for="ch" forName="ThreeNodes_1_text" refType="l" refFor="ch" refForName="ThreeConn_1-2"/>
+          <dgm:constr type="rOff" for="ch" forName="ThreeNodes_1_text" refType="w" refFor="ch" refForName="ThreeConn_1-2" fact="-0.57"/>
+          <dgm:constr type="t" for="ch" forName="ThreeNodes_1_text" refType="t" refFor="ch" refForName="ThreeNodes_1"/>
+          <dgm:constr type="b" for="ch" forName="ThreeNodes_1_text" refType="b" refFor="ch" refForName="ThreeNodes_1"/>
+          <dgm:constr type="l" for="ch" forName="ThreeNodes_1_text" refType="l" refFor="ch" refForName="ThreeNodes_1"/>
+          <dgm:constr type="r" for="ch" forName="ThreeNodes_2_text" refType="l" refFor="ch" refForName="ThreeConn_1-2"/>
+          <dgm:constr type="t" for="ch" forName="ThreeNodes_2_text" refType="t" refFor="ch" refForName="ThreeNodes_2"/>
+          <dgm:constr type="b" for="ch" forName="ThreeNodes_2_text" refType="b" refFor="ch" refForName="ThreeNodes_2"/>
+          <dgm:constr type="l" for="ch" forName="ThreeNodes_2_text" refType="l" refFor="ch" refForName="ThreeNodes_2"/>
+          <dgm:constr type="r" for="ch" forName="ThreeNodes_3_text" refType="l" refFor="ch" refForName="ThreeConn_2-3"/>
+          <dgm:constr type="t" for="ch" forName="ThreeNodes_3_text" refType="t" refFor="ch" refForName="ThreeNodes_3"/>
+          <dgm:constr type="b" for="ch" forName="ThreeNodes_3_text" refType="b" refFor="ch" refForName="ThreeNodes_3"/>
+          <dgm:constr type="l" for="ch" forName="ThreeNodes_3_text" refType="l" refFor="ch" refForName="ThreeNodes_3"/>
+          <dgm:constr type="w" for="ch" forName="FourNodes_1" refType="w" fact="0.8"/>
+          <dgm:constr type="h" for="ch" forName="FourNodes_1" refType="h" fact="0.22"/>
+          <dgm:constr type="t" for="ch" forName="FourNodes_1"/>
+          <dgm:constr type="l" for="ch" forName="FourNodes_1"/>
+          <dgm:constr type="w" for="ch" forName="FourNodes_2" refType="w" fact="0.8"/>
+          <dgm:constr type="h" for="ch" forName="FourNodes_2" refType="h" fact="0.22"/>
+          <dgm:constr type="ctrY" for="ch" forName="FourNodes_2" refType="h" fact="0.37"/>
+          <dgm:constr type="ctrX" for="ch" forName="FourNodes_2" refType="w" fact="0.467"/>
+          <dgm:constr type="w" for="ch" forName="FourNodes_3" refType="w" fact="0.8"/>
+          <dgm:constr type="h" for="ch" forName="FourNodes_3" refType="h" fact="0.22"/>
+          <dgm:constr type="ctrY" for="ch" forName="FourNodes_3" refType="h" fact="0.63"/>
+          <dgm:constr type="ctrX" for="ch" forName="FourNodes_3" refType="w" fact="0.533"/>
+          <dgm:constr type="w" for="ch" forName="FourNodes_4" refType="w" fact="0.8"/>
+          <dgm:constr type="h" for="ch" forName="FourNodes_4" refType="h" fact="0.22"/>
+          <dgm:constr type="b" for="ch" forName="FourNodes_4" refType="h"/>
+          <dgm:constr type="r" for="ch" forName="FourNodes_4" refType="w"/>
+          <dgm:constr type="w" for="ch" forName="FourConn_1-2" refType="h" refFor="ch" refForName="FourNodes_1" fact="0.65"/>
+          <dgm:constr type="h" for="ch" forName="FourConn_1-2" refType="h" refFor="ch" refForName="FourNodes_1" fact="0.65"/>
+          <dgm:constr type="ctrY" for="ch" forName="FourConn_1-2" refType="h" fact="0.24"/>
+          <dgm:constr type="r" for="ch" forName="FourConn_1-2" refType="r" refFor="ch" refForName="FourNodes_1"/>
+          <dgm:constr type="w" for="ch" forName="FourConn_2-3" refType="h" refFor="ch" refForName="FourNodes_2" fact="0.65"/>
+          <dgm:constr type="h" for="ch" forName="FourConn_2-3" refType="h" refFor="ch" refForName="FourNodes_2" fact="0.65"/>
+          <dgm:constr type="ctrY" for="ch" forName="FourConn_2-3" refType="h" fact="0.5"/>
+          <dgm:constr type="r" for="ch" forName="FourConn_2-3" refType="r" refFor="ch" refForName="FourNodes_2"/>
+          <dgm:constr type="w" for="ch" forName="FourConn_3-4" refType="h" refFor="ch" refForName="FourNodes_3" fact="0.65"/>
+          <dgm:constr type="h" for="ch" forName="FourConn_3-4" refType="h" refFor="ch" refForName="FourNodes_3" fact="0.65"/>
+          <dgm:constr type="ctrY" for="ch" forName="FourConn_3-4" refType="h" fact="0.76"/>
+          <dgm:constr type="r" for="ch" forName="FourConn_3-4" refType="r" refFor="ch" refForName="FourNodes_3"/>
+          <dgm:constr type="r" for="ch" forName="FourNodes_1_text" refType="l" refFor="ch" refForName="FourConn_1-2"/>
+          <dgm:constr type="rOff" for="ch" forName="FourNodes_1_text" refType="w" refFor="ch" refForName="FourConn_1-2" fact="-0.7"/>
+          <dgm:constr type="t" for="ch" forName="FourNodes_1_text" refType="t" refFor="ch" refForName="FourNodes_1"/>
+          <dgm:constr type="b" for="ch" forName="FourNodes_1_text" refType="b" refFor="ch" refForName="FourNodes_1"/>
+          <dgm:constr type="l" for="ch" forName="FourNodes_1_text" refType="l" refFor="ch" refForName="FourNodes_1"/>
+          <dgm:constr type="r" for="ch" forName="FourNodes_2_text" refType="l" refFor="ch" refForName="FourConn_1-2"/>
+          <dgm:constr type="t" for="ch" forName="FourNodes_2_text" refType="t" refFor="ch" refForName="FourNodes_2"/>
+          <dgm:constr type="b" for="ch" forName="FourNodes_2_text" refType="b" refFor="ch" refForName="FourNodes_2"/>
+          <dgm:constr type="l" for="ch" forName="FourNodes_2_text" refType="l" refFor="ch" refForName="FourNodes_2"/>
+          <dgm:constr type="r" for="ch" forName="FourNodes_3_text" refType="l" refFor="ch" refForName="FourConn_2-3"/>
+          <dgm:constr type="t" for="ch" forName="FourNodes_3_text" refType="t" refFor="ch" refForName="FourNodes_3"/>
+          <dgm:constr type="b" for="ch" forName="FourNodes_3_text" refType="b" refFor="ch" refForName="FourNodes_3"/>
+          <dgm:constr type="l" for="ch" forName="FourNodes_3_text" refType="l" refFor="ch" refForName="FourNodes_3"/>
+          <dgm:constr type="r" for="ch" forName="FourNodes_4_text" refType="l" refFor="ch" refForName="FourConn_3-4"/>
+          <dgm:constr type="t" for="ch" forName="FourNodes_4_text" refType="t" refFor="ch" refForName="FourNodes_4"/>
+          <dgm:constr type="b" for="ch" forName="FourNodes_4_text" refType="b" refFor="ch" refForName="FourNodes_4"/>
+          <dgm:constr type="l" for="ch" forName="FourNodes_4_text" refType="l" refFor="ch" refForName="FourNodes_4"/>
+          <dgm:constr type="w" for="ch" forName="FiveNodes_1" refType="w" fact="0.77"/>
+          <dgm:constr type="h" for="ch" forName="FiveNodes_1" refType="h" fact="0.18"/>
+          <dgm:constr type="t" for="ch" forName="FiveNodes_1"/>
+          <dgm:constr type="l" for="ch" forName="FiveNodes_1"/>
+          <dgm:constr type="w" for="ch" forName="FiveNodes_2" refType="w" fact="0.77"/>
+          <dgm:constr type="h" for="ch" forName="FiveNodes_2" refType="h" fact="0.18"/>
+          <dgm:constr type="ctrY" for="ch" forName="FiveNodes_2" refType="h" fact="0.295"/>
+          <dgm:constr type="ctrX" for="ch" forName="FiveNodes_2" refType="w" fact="0.4425"/>
+          <dgm:constr type="w" for="ch" forName="FiveNodes_3" refType="w" fact="0.77"/>
+          <dgm:constr type="h" for="ch" forName="FiveNodes_3" refType="h" fact="0.18"/>
+          <dgm:constr type="ctrY" for="ch" forName="FiveNodes_3" refType="h" fact="0.5"/>
+          <dgm:constr type="ctrX" for="ch" forName="FiveNodes_3" refType="w" fact="0.5"/>
+          <dgm:constr type="w" for="ch" forName="FiveNodes_4" refType="w" fact="0.77"/>
+          <dgm:constr type="h" for="ch" forName="FiveNodes_4" refType="h" fact="0.18"/>
+          <dgm:constr type="ctrY" for="ch" forName="FiveNodes_4" refType="h" fact="0.705"/>
+          <dgm:constr type="ctrX" for="ch" forName="FiveNodes_4" refType="w" fact="0.5575"/>
+          <dgm:constr type="w" for="ch" forName="FiveNodes_5" refType="w" fact="0.77"/>
+          <dgm:constr type="h" for="ch" forName="FiveNodes_5" refType="h" fact="0.18"/>
+          <dgm:constr type="b" for="ch" forName="FiveNodes_5" refType="h"/>
+          <dgm:constr type="r" for="ch" forName="FiveNodes_5" refType="w"/>
+          <dgm:constr type="w" for="ch" forName="FiveConn_1-2" refType="h" refFor="ch" refForName="FiveNodes_1" fact="0.65"/>
+          <dgm:constr type="h" for="ch" forName="FiveConn_1-2" refType="h" refFor="ch" refForName="FiveNodes_1" fact="0.65"/>
+          <dgm:constr type="ctrY" for="ch" forName="FiveConn_1-2" refType="h" fact="0.19"/>
+          <dgm:constr type="r" for="ch" forName="FiveConn_1-2" refType="r" refFor="ch" refForName="FiveNodes_1"/>
+          <dgm:constr type="w" for="ch" forName="FiveConn_2-3" refType="h" refFor="ch" refForName="FiveNodes_2" fact="0.65"/>
+          <dgm:constr type="h" for="ch" forName="FiveConn_2-3" refType="h" refFor="ch" refForName="FiveNodes_2" fact="0.65"/>
+          <dgm:constr type="ctrY" for="ch" forName="FiveConn_2-3" refType="h" fact="0.395"/>
+          <dgm:constr type="r" for="ch" forName="FiveConn_2-3" refType="r" refFor="ch" refForName="FiveNodes_2"/>
+          <dgm:constr type="w" for="ch" forName="FiveConn_3-4" refType="h" refFor="ch" refForName="FiveNodes_3" fact="0.65"/>
+          <dgm:constr type="h" for="ch" forName="FiveConn_3-4" refType="h" refFor="ch" refForName="FiveNodes_3" fact="0.65"/>
+          <dgm:constr type="ctrY" for="ch" forName="FiveConn_3-4" refType="h" fact="0.597"/>
+          <dgm:constr type="r" for="ch" forName="FiveConn_3-4" refType="r" refFor="ch" refForName="FiveNodes_3"/>
+          <dgm:constr type="w" for="ch" forName="FiveConn_4-5" refType="h" refFor="ch" refForName="FiveNodes_4" fact="0.65"/>
+          <dgm:constr type="h" for="ch" forName="FiveConn_4-5" refType="h" refFor="ch" refForName="FiveNodes_4" fact="0.65"/>
+          <dgm:constr type="ctrY" for="ch" forName="FiveConn_4-5" refType="h" fact="0.804"/>
+          <dgm:constr type="r" for="ch" forName="FiveConn_4-5" refType="r" refFor="ch" refForName="FiveNodes_4"/>
+          <dgm:constr type="r" for="ch" forName="FiveNodes_1_text" refType="l" refFor="ch" refForName="FiveConn_1-2"/>
+          <dgm:constr type="rOff" for="ch" forName="FiveNodes_1_text" refType="w" refFor="ch" refForName="FiveConn_1-2" fact="-0.75"/>
+          <dgm:constr type="t" for="ch" forName="FiveNodes_1_text" refType="t" refFor="ch" refForName="FiveNodes_1"/>
+          <dgm:constr type="b" for="ch" forName="FiveNodes_1_text" refType="b" refFor="ch" refForName="FiveNodes_1"/>
+          <dgm:constr type="l" for="ch" forName="FiveNodes_1_text" refType="l" refFor="ch" refForName="FiveNodes_1"/>
+          <dgm:constr type="r" for="ch" forName="FiveNodes_2_text" refType="l" refFor="ch" refForName="FiveConn_1-2"/>
+          <dgm:constr type="t" for="ch" forName="FiveNodes_2_text" refType="t" refFor="ch" refForName="FiveNodes_2"/>
+          <dgm:constr type="b" for="ch" forName="FiveNodes_2_text" refType="b" refFor="ch" refForName="FiveNodes_2"/>
+          <dgm:constr type="l" for="ch" forName="FiveNodes_2_text" refType="l" refFor="ch" refForName="FiveNodes_2"/>
+          <dgm:constr type="r" for="ch" forName="FiveNodes_3_text" refType="l" refFor="ch" refForName="FiveConn_2-3"/>
+          <dgm:constr type="t" for="ch" forName="FiveNodes_3_text" refType="t" refFor="ch" refForName="FiveNodes_3"/>
+          <dgm:constr type="b" for="ch" forName="FiveNodes_3_text" refType="b" refFor="ch" refForName="FiveNodes_3"/>
+          <dgm:constr type="l" for="ch" forName="FiveNodes_3_text" refType="l" refFor="ch" refForName="FiveNodes_3"/>
+          <dgm:constr type="r" for="ch" forName="FiveNodes_4_text" refType="l" refFor="ch" refForName="FiveConn_3-4"/>
+          <dgm:constr type="t" for="ch" forName="FiveNodes_4_text" refType="t" refFor="ch" refForName="FiveNodes_4"/>
+          <dgm:constr type="b" for="ch" forName="FiveNodes_4_text" refType="b" refFor="ch" refForName="FiveNodes_4"/>
+          <dgm:constr type="l" for="ch" forName="FiveNodes_4_text" refType="l" refFor="ch" refForName="FiveNodes_4"/>
+          <dgm:constr type="r" for="ch" forName="FiveNodes_5_text" refType="l" refFor="ch" refForName="FiveConn_4-5"/>
+          <dgm:constr type="t" for="ch" forName="FiveNodes_5_text" refType="t" refFor="ch" refForName="FiveNodes_5"/>
+          <dgm:constr type="b" for="ch" forName="FiveNodes_5_text" refType="b" refFor="ch" refForName="FiveNodes_5"/>
+          <dgm:constr type="l" for="ch" forName="FiveNodes_5_text" refType="l" refFor="ch" refForName="FiveNodes_5"/>
+        </dgm:constrLst>
+      </dgm:if>
+      <dgm:else name="Name2">
+        <dgm:constrLst>
+          <dgm:constr type="primFontSz" for="ch" ptType="node" op="equ" val="65"/>
+          <dgm:constr type="w" for="ch" forName="dummyMaxCanvas" refType="w"/>
+          <dgm:constr type="h" for="ch" forName="dummyMaxCanvas" refType="h"/>
+          <dgm:constr type="w" for="ch" forName="OneNode_1" refType="w"/>
+          <dgm:constr type="h" for="ch" forName="OneNode_1" refType="h" fact="0.5"/>
+          <dgm:constr type="ctrY" for="ch" forName="OneNode_1" refType="h" fact="0.5"/>
+          <dgm:constr type="w" for="ch" forName="TwoNodes_1" refType="w" fact="0.85"/>
+          <dgm:constr type="h" for="ch" forName="TwoNodes_1" refType="h" fact="0.45"/>
+          <dgm:constr type="t" for="ch" forName="TwoNodes_1"/>
+          <dgm:constr type="r" for="ch" forName="TwoNodes_1" refType="w"/>
+          <dgm:constr type="w" for="ch" forName="TwoNodes_2" refType="w" fact="0.85"/>
+          <dgm:constr type="h" for="ch" forName="TwoNodes_2" refType="h" fact="0.45"/>
+          <dgm:constr type="b" for="ch" forName="TwoNodes_2" refType="h"/>
+          <dgm:constr type="l" for="ch" forName="TwoNodes_2"/>
+          <dgm:constr type="w" for="ch" forName="TwoConn_1-2" refType="h" refFor="ch" refForName="TwoNodes_1" fact="0.65"/>
+          <dgm:constr type="h" for="ch" forName="TwoConn_1-2" refType="h" refFor="ch" refForName="TwoNodes_1" fact="0.65"/>
+          <dgm:constr type="ctrY" for="ch" forName="TwoConn_1-2" refType="h" fact="0.5"/>
+          <dgm:constr type="l" for="ch" forName="TwoConn_1-2" refType="l" refFor="ch" refForName="TwoNodes_1"/>
+          <dgm:constr type="l" for="ch" forName="TwoNodes_1_text" refType="r" refFor="ch" refForName="TwoConn_1-2"/>
+          <dgm:constr type="lOff" for="ch" forName="TwoNodes_1_text" refType="w" refFor="ch" refForName="TwoConn_1-2" fact="0.5"/>
+          <dgm:constr type="t" for="ch" forName="TwoNodes_1_text" refType="t" refFor="ch" refForName="TwoNodes_1"/>
+          <dgm:constr type="b" for="ch" forName="TwoNodes_1_text" refType="b" refFor="ch" refForName="TwoNodes_1"/>
+          <dgm:constr type="r" for="ch" forName="TwoNodes_1_text" refType="r" refFor="ch" refForName="TwoNodes_1"/>
+          <dgm:constr type="l" for="ch" forName="TwoNodes_2_text" refType="r" refFor="ch" refForName="TwoConn_1-2"/>
+          <dgm:constr type="t" for="ch" forName="TwoNodes_2_text" refType="t" refFor="ch" refForName="TwoNodes_2"/>
+          <dgm:constr type="b" for="ch" forName="TwoNodes_2_text" refType="b" refFor="ch" refForName="TwoNodes_2"/>
+          <dgm:constr type="r" for="ch" forName="TwoNodes_2_text" refType="r" refFor="ch" refForName="TwoNodes_2"/>
+          <dgm:constr type="w" for="ch" forName="ThreeNodes_1" refType="w" fact="0.85"/>
+          <dgm:constr type="h" for="ch" forName="ThreeNodes_1" refType="h" fact="0.3"/>
+          <dgm:constr type="t" for="ch" forName="ThreeNodes_1"/>
+          <dgm:constr type="r" for="ch" forName="ThreeNodes_1" refType="w"/>
+          <dgm:constr type="w" for="ch" forName="ThreeNodes_2" refType="w" fact="0.85"/>
+          <dgm:constr type="h" for="ch" forName="ThreeNodes_2" refType="h" fact="0.3"/>
+          <dgm:constr type="ctrY" for="ch" forName="ThreeNodes_2" refType="h" fact="0.5"/>
+          <dgm:constr type="ctrX" for="ch" forName="ThreeNodes_2" refType="w" fact="0.5"/>
+          <dgm:constr type="w" for="ch" forName="ThreeNodes_3" refType="w" fact="0.85"/>
+          <dgm:constr type="h" for="ch" forName="ThreeNodes_3" refType="h" fact="0.3"/>
+          <dgm:constr type="b" for="ch" forName="ThreeNodes_3" refType="h"/>
+          <dgm:constr type="l" for="ch" forName="ThreeNodes_3"/>
+          <dgm:constr type="w" for="ch" forName="ThreeConn_1-2" refType="h" refFor="ch" refForName="ThreeNodes_1" fact="0.65"/>
+          <dgm:constr type="h" for="ch" forName="ThreeConn_1-2" refType="h" refFor="ch" refForName="ThreeNodes_1" fact="0.65"/>
+          <dgm:constr type="ctrY" for="ch" forName="ThreeConn_1-2" refType="h" fact="0.325"/>
+          <dgm:constr type="l" for="ch" forName="ThreeConn_1-2" refType="l" refFor="ch" refForName="ThreeNodes_1"/>
+          <dgm:constr type="w" for="ch" forName="ThreeConn_2-3" refType="h" refFor="ch" refForName="ThreeNodes_2" fact="0.65"/>
+          <dgm:constr type="h" for="ch" forName="ThreeConn_2-3" refType="h" refFor="ch" refForName="ThreeNodes_2" fact="0.65"/>
+          <dgm:constr type="ctrY" for="ch" forName="ThreeConn_2-3" refType="h" fact="0.673"/>
+          <dgm:constr type="l" for="ch" forName="ThreeConn_2-3" refType="l" refFor="ch" refForName="ThreeNodes_2"/>
+          <dgm:constr type="l" for="ch" forName="ThreeNodes_1_text" refType="r" refFor="ch" refForName="ThreeConn_1-2"/>
+          <dgm:constr type="lOff" for="ch" forName="ThreeNodes_1_text" refType="w" refFor="ch" refForName="ThreeConn_1-2" fact="0.55"/>
+          <dgm:constr type="t" for="ch" forName="ThreeNodes_1_text" refType="t" refFor="ch" refForName="ThreeNodes_1"/>
+          <dgm:constr type="b" for="ch" forName="ThreeNodes_1_text" refType="b" refFor="ch" refForName="ThreeNodes_1"/>
+          <dgm:constr type="r" for="ch" forName="ThreeNodes_1_text" refType="r" refFor="ch" refForName="ThreeNodes_1"/>
+          <dgm:constr type="l" for="ch" forName="ThreeNodes_2_text" refType="r" refFor="ch" refForName="ThreeConn_1-2"/>
+          <dgm:constr type="t" for="ch" forName="ThreeNodes_2_text" refType="t" refFor="ch" refForName="ThreeNodes_2"/>
+          <dgm:constr type="b" for="ch" forName="ThreeNodes_2_text" refType="b" refFor="ch" refForName="ThreeNodes_2"/>
+          <dgm:constr type="r" for="ch" forName="ThreeNodes_2_text" refType="r" refFor="ch" refForName="ThreeNodes_2"/>
+          <dgm:constr type="l" for="ch" forName="ThreeNodes_3_text" refType="r" refFor="ch" refForName="ThreeConn_2-3"/>
+          <dgm:constr type="t" for="ch" forName="ThreeNodes_3_text" refType="t" refFor="ch" refForName="ThreeNodes_3"/>
+          <dgm:constr type="b" for="ch" forName="ThreeNodes_3_text" refType="b" refFor="ch" refForName="ThreeNodes_3"/>
+          <dgm:constr type="r" for="ch" forName="ThreeNodes_3_text" refType="r" refFor="ch" refForName="ThreeNodes_3"/>
+          <dgm:constr type="w" for="ch" forName="FourNodes_1" refType="w" fact="0.8"/>
+          <dgm:constr type="h" for="ch" forName="FourNodes_1" refType="h" fact="0.22"/>
+          <dgm:constr type="t" for="ch" forName="FourNodes_1"/>
+          <dgm:constr type="r" for="ch" forName="FourNodes_1" refType="w"/>
+          <dgm:constr type="w" for="ch" forName="FourNodes_2" refType="w" fact="0.8"/>
+          <dgm:constr type="h" for="ch" forName="FourNodes_2" refType="h" fact="0.22"/>
+          <dgm:constr type="ctrY" for="ch" forName="FourNodes_2" refType="h" fact="0.37"/>
+          <dgm:constr type="ctrX" for="ch" forName="FourNodes_2" refType="w" fact="0.533"/>
+          <dgm:constr type="w" for="ch" forName="FourNodes_3" refType="w" fact="0.8"/>
+          <dgm:constr type="h" for="ch" forName="FourNodes_3" refType="h" fact="0.22"/>
+          <dgm:constr type="ctrY" for="ch" forName="FourNodes_3" refType="h" fact="0.63"/>
+          <dgm:constr type="ctrX" for="ch" forName="FourNodes_3" refType="w" fact="0.467"/>
+          <dgm:constr type="w" for="ch" forName="FourNodes_4" refType="w" fact="0.8"/>
+          <dgm:constr type="h" for="ch" forName="FourNodes_4" refType="h" fact="0.22"/>
+          <dgm:constr type="b" for="ch" forName="FourNodes_4" refType="h"/>
+          <dgm:constr type="l" for="ch" forName="FourNodes_4"/>
+          <dgm:constr type="w" for="ch" forName="FourConn_1-2" refType="h" refFor="ch" refForName="FourNodes_1" fact="0.65"/>
+          <dgm:constr type="h" for="ch" forName="FourConn_1-2" refType="h" refFor="ch" refForName="FourNodes_1" fact="0.65"/>
+          <dgm:constr type="ctrY" for="ch" forName="FourConn_1-2" refType="h" fact="0.24"/>
+          <dgm:constr type="l" for="ch" forName="FourConn_1-2" refType="l" refFor="ch" refForName="FourNodes_1"/>
+          <dgm:constr type="w" for="ch" forName="FourConn_2-3" refType="h" refFor="ch" refForName="FourNodes_2" fact="0.65"/>
+          <dgm:constr type="h" for="ch" forName="FourConn_2-3" refType="h" refFor="ch" refForName="FourNodes_2" fact="0.65"/>
+          <dgm:constr type="ctrY" for="ch" forName="FourConn_2-3" refType="h" fact="0.5"/>
+          <dgm:constr type="l" for="ch" forName="FourConn_2-3" refType="l" refFor="ch" refForName="FourNodes_2"/>
+          <dgm:constr type="w" for="ch" forName="FourConn_3-4" refType="h" refFor="ch" refForName="FourNodes_3" fact="0.65"/>
+          <dgm:constr type="h" for="ch" forName="FourConn_3-4" refType="h" refFor="ch" refForName="FourNodes_3" fact="0.65"/>
+          <dgm:constr type="ctrY" for="ch" forName="FourConn_3-4" refType="h" fact="0.76"/>
+          <dgm:constr type="l" for="ch" forName="FourConn_3-4" refType="l" refFor="ch" refForName="FourNodes_3"/>
+          <dgm:constr type="l" for="ch" forName="FourNodes_1_text" refType="r" refFor="ch" refForName="FourConn_1-2"/>
+          <dgm:constr type="lOff" for="ch" forName="FourNodes_1_text" refType="w" refFor="ch" refForName="FourConn_1-2" fact="0.69"/>
+          <dgm:constr type="t" for="ch" forName="FourNodes_1_text" refType="t" refFor="ch" refForName="FourNodes_1"/>
+          <dgm:constr type="b" for="ch" forName="FourNodes_1_text" refType="b" refFor="ch" refForName="FourNodes_1"/>
+          <dgm:constr type="r" for="ch" forName="FourNodes_1_text" refType="r" refFor="ch" refForName="FourNodes_1"/>
+          <dgm:constr type="l" for="ch" forName="FourNodes_2_text" refType="r" refFor="ch" refForName="FourConn_1-2"/>
+          <dgm:constr type="t" for="ch" forName="FourNodes_2_text" refType="t" refFor="ch" refForName="FourNodes_2"/>
+          <dgm:constr type="b" for="ch" forName="FourNodes_2_text" refType="b" refFor="ch" refForName="FourNodes_2"/>
+          <dgm:constr type="r" for="ch" forName="FourNodes_2_text" refType="r" refFor="ch" refForName="FourNodes_2"/>
+          <dgm:constr type="l" for="ch" forName="FourNodes_3_text" refType="r" refFor="ch" refForName="FourConn_2-3"/>
+          <dgm:constr type="t" for="ch" forName="FourNodes_3_text" refType="t" refFor="ch" refForName="FourNodes_3"/>
+          <dgm:constr type="b" for="ch" forName="FourNodes_3_text" refType="b" refFor="ch" refForName="FourNodes_3"/>
+          <dgm:constr type="r" for="ch" forName="FourNodes_3_text" refType="r" refFor="ch" refForName="FourNodes_3"/>
+          <dgm:constr type="l" for="ch" forName="FourNodes_4_text" refType="r" refFor="ch" refForName="FourConn_3-4"/>
+          <dgm:constr type="t" for="ch" forName="FourNodes_4_text" refType="t" refFor="ch" refForName="FourNodes_4"/>
+          <dgm:constr type="b" for="ch" forName="FourNodes_4_text" refType="b" refFor="ch" refForName="FourNodes_4"/>
+          <dgm:constr type="r" for="ch" forName="FourNodes_4_text" refType="r" refFor="ch" refForName="FourNodes_4"/>
+          <dgm:constr type="w" for="ch" forName="FiveNodes_1" refType="w" fact="0.77"/>
+          <dgm:constr type="h" for="ch" forName="FiveNodes_1" refType="h" fact="0.18"/>
+          <dgm:constr type="t" for="ch" forName="FiveNodes_1"/>
+          <dgm:constr type="r" for="ch" forName="FiveNodes_1" refType="w"/>
+          <dgm:constr type="w" for="ch" forName="FiveNodes_2" refType="w" fact="0.77"/>
+          <dgm:constr type="h" for="ch" forName="FiveNodes_2" refType="h" fact="0.18"/>
+          <dgm:constr type="ctrY" for="ch" forName="FiveNodes_2" refType="h" fact="0.295"/>
+          <dgm:constr type="ctrX" for="ch" forName="FiveNodes_2" refType="w" fact="0.5575"/>
+          <dgm:constr type="w" for="ch" forName="FiveNodes_3" refType="w" fact="0.77"/>
+          <dgm:constr type="h" for="ch" forName="FiveNodes_3" refType="h" fact="0.18"/>
+          <dgm:constr type="ctrY" for="ch" forName="FiveNodes_3" refType="h" fact="0.5"/>
+          <dgm:constr type="ctrX" for="ch" forName="FiveNodes_3" refType="w" fact="0.5"/>
+          <dgm:constr type="w" for="ch" forName="FiveNodes_4" refType="w" fact="0.77"/>
+          <dgm:constr type="h" for="ch" forName="FiveNodes_4" refType="h" fact="0.18"/>
+          <dgm:constr type="ctrY" for="ch" forName="FiveNodes_4" refType="h" fact="0.705"/>
+          <dgm:constr type="ctrX" for="ch" forName="FiveNodes_4" refType="w" fact="0.4425"/>
+          <dgm:constr type="w" for="ch" forName="FiveNodes_5" refType="w" fact="0.77"/>
+          <dgm:constr type="h" for="ch" forName="FiveNodes_5" refType="h" fact="0.18"/>
+          <dgm:constr type="b" for="ch" forName="FiveNodes_5" refType="h"/>
+          <dgm:constr type="l" for="ch" forName="FiveNodes_5"/>
+          <dgm:constr type="w" for="ch" forName="FiveConn_1-2" refType="h" refFor="ch" refForName="FiveNodes_1" fact="0.65"/>
+          <dgm:constr type="h" for="ch" forName="FiveConn_1-2" refType="h" refFor="ch" refForName="FiveNodes_1" fact="0.65"/>
+          <dgm:constr type="ctrY" for="ch" forName="FiveConn_1-2" refType="h" fact="0.19"/>
+          <dgm:constr type="l" for="ch" forName="FiveConn_1-2" refType="l" refFor="ch" refForName="FiveNodes_1"/>
+          <dgm:constr type="w" for="ch" forName="FiveConn_2-3" refType="h" refFor="ch" refForName="FiveNodes_2" fact="0.65"/>
+          <dgm:constr type="h" for="ch" forName="FiveConn_2-3" refType="h" refFor="ch" refForName="FiveNodes_2" fact="0.65"/>
+          <dgm:constr type="ctrY" for="ch" forName="FiveConn_2-3" refType="h" fact="0.395"/>
+          <dgm:constr type="l" for="ch" forName="FiveConn_2-3" refType="l" refFor="ch" refForName="FiveNodes_2"/>
+          <dgm:constr type="w" for="ch" forName="FiveConn_3-4" refType="h" refFor="ch" refForName="FiveNodes_3" fact="0.65"/>
+          <dgm:constr type="h" for="ch" forName="FiveConn_3-4" refType="h" refFor="ch" refForName="FiveNodes_3" fact="0.65"/>
+          <dgm:constr type="ctrY" for="ch" forName="FiveConn_3-4" refType="h" fact="0.597"/>
+          <dgm:constr type="l" for="ch" forName="FiveConn_3-4" refType="l" refFor="ch" refForName="FiveNodes_3"/>
+          <dgm:constr type="w" for="ch" forName="FiveConn_4-5" refType="h" refFor="ch" refForName="FiveNodes_4" fact="0.65"/>
+          <dgm:constr type="h" for="ch" forName="FiveConn_4-5" refType="h" refFor="ch" refForName="FiveNodes_4" fact="0.65"/>
+          <dgm:constr type="ctrY" for="ch" forName="FiveConn_4-5" refType="h" fact="0.804"/>
+          <dgm:constr type="l" for="ch" forName="FiveConn_4-5" refType="l" refFor="ch" refForName="FiveNodes_4"/>
+          <dgm:constr type="l" for="ch" forName="FiveNodes_1_text" refType="r" refFor="ch" refForName="FiveConn_1-2"/>
+          <dgm:constr type="lOff" for="ch" forName="FiveNodes_1_text" refType="w" refFor="ch" refForName="FiveConn_1-2" fact="0.73"/>
+          <dgm:constr type="t" for="ch" forName="FiveNodes_1_text" refType="t" refFor="ch" refForName="FiveNodes_1"/>
+          <dgm:constr type="b" for="ch" forName="FiveNodes_1_text" refType="b" refFor="ch" refForName="FiveNodes_1"/>
+          <dgm:constr type="r" for="ch" forName="FiveNodes_1_text" refType="r" refFor="ch" refForName="FiveNodes_1"/>
+          <dgm:constr type="l" for="ch" forName="FiveNodes_2_text" refType="r" refFor="ch" refForName="FiveConn_1-2"/>
+          <dgm:constr type="t" for="ch" forName="FiveNodes_2_text" refType="t" refFor="ch" refForName="FiveNodes_2"/>
+          <dgm:constr type="b" for="ch" forName="FiveNodes_2_text" refType="b" refFor="ch" refForName="FiveNodes_2"/>
+          <dgm:constr type="r" for="ch" forName="FiveNodes_2_text" refType="r" refFor="ch" refForName="FiveNodes_2"/>
+          <dgm:constr type="l" for="ch" forName="FiveNodes_3_text" refType="r" refFor="ch" refForName="FiveConn_2-3"/>
+          <dgm:constr type="t" for="ch" forName="FiveNodes_3_text" refType="t" refFor="ch" refForName="FiveNodes_3"/>
+          <dgm:constr type="b" for="ch" forName="FiveNodes_3_text" refType="b" refFor="ch" refForName="FiveNodes_3"/>
+          <dgm:constr type="r" for="ch" forName="FiveNodes_3_text" refType="r" refFor="ch" refForName="FiveNodes_3"/>
+          <dgm:constr type="l" for="ch" forName="FiveNodes_4_text" refType="r" refFor="ch" refForName="FiveConn_3-4"/>
+          <dgm:constr type="t" for="ch" forName="FiveNodes_4_text" refType="t" refFor="ch" refForName="FiveNodes_4"/>
+          <dgm:constr type="b" for="ch" forName="FiveNodes_4_text" refType="b" refFor="ch" refForName="FiveNodes_4"/>
+          <dgm:constr type="r" for="ch" forName="FiveNodes_4_text" refType="r" refFor="ch" refForName="FiveNodes_4"/>
+          <dgm:constr type="l" for="ch" forName="FiveNodes_5_text" refType="r" refFor="ch" refForName="FiveConn_4-5"/>
+          <dgm:constr type="t" for="ch" forName="FiveNodes_5_text" refType="t" refFor="ch" refForName="FiveNodes_5"/>
+          <dgm:constr type="b" for="ch" forName="FiveNodes_5_text" refType="b" refFor="ch" refForName="FiveNodes_5"/>
+          <dgm:constr type="r" for="ch" forName="FiveNodes_5_text" refType="r" refFor="ch" refForName="FiveNodes_5"/>
+        </dgm:constrLst>
+      </dgm:else>
+    </dgm:choose>
+    <dgm:ruleLst/>
+    <dgm:layoutNode name="dummyMaxCanvas">
+      <dgm:varLst/>
+      <dgm:alg type="sp"/>
+      <dgm:shape xmlns:r="http://schemas.openxmlformats.org/officeDocument/2006/relationships" r:blip="">
+        <dgm:adjLst/>
+      </dgm:shape>
+      <dgm:presOf/>
+      <dgm:constrLst/>
+      <dgm:ruleLst/>
+    </dgm:layoutNode>
+    <dgm:choose name="Name3">
+      <dgm:if name="Name4" axis="ch" ptType="node" func="cnt" op="equ" val="1">
+        <dgm:layoutNode name="OneNode_1">
+          <dgm:varLst>
+            <dgm:bulletEnabled val="1"/>
+          </dgm:varLst>
+          <dgm:alg type="tx"/>
+          <dgm:shape xmlns:r="http://schemas.openxmlformats.org/officeDocument/2006/relationships" type="roundRect" r:blip="">
+            <dgm:adjLst>
+              <dgm:adj idx="1" val="0.1"/>
+            </dgm:adjLst>
+          </dgm:shape>
+          <dgm:presOf axis="ch desOrSelf" ptType="node node" st="1 1" cnt="1 0"/>
+          <dgm:constrLst>
+            <dgm:constr type="lMarg" refType="primFontSz" fact="0.3"/>
+            <dgm:constr type="rMarg" refType="primFontSz" fact="0.3"/>
+            <dgm:constr type="tMarg" refType="primFontSz" fact="0.3"/>
+            <dgm:constr type="bMarg" refType="primFontSz" fact="0.3"/>
+          </dgm:constrLst>
+          <dgm:ruleLst>
+            <dgm:rule type="primFontSz" val="5" fact="NaN" max="NaN"/>
+          </dgm:ruleLst>
+        </dgm:layoutNode>
+      </dgm:if>
+      <dgm:else name="Name5">
+        <dgm:choose name="Name6">
+          <dgm:if name="Name7" axis="ch" ptType="node" func="cnt" op="equ" val="2">
+            <dgm:layoutNode name="TwoNodes_1">
+              <dgm:varLst>
+                <dgm:bulletEnabled val="1"/>
+              </dgm:varLst>
+              <dgm:alg type="sp"/>
+              <dgm:shape xmlns:r="http://schemas.openxmlformats.org/officeDocument/2006/relationships" type="roundRect" r:blip="">
+                <dgm:adjLst>
+                  <dgm:adj idx="1" val="0.1"/>
+                </dgm:adjLst>
+              </dgm:shape>
+              <dgm:presOf axis="ch desOrSelf" ptType="node node" st="1 1" cnt="1 0"/>
+              <dgm:constrLst/>
+              <dgm:ruleLst/>
+            </dgm:layoutNode>
+            <dgm:layoutNode name="TwoNodes_2">
+              <dgm:varLst>
+                <dgm:bulletEnabled val="1"/>
+              </dgm:varLst>
+              <dgm:alg type="sp"/>
+              <dgm:shape xmlns:r="http://schemas.openxmlformats.org/officeDocument/2006/relationships" type="roundRect" r:blip="">
+                <dgm:adjLst>
+                  <dgm:adj idx="1" val="0.1"/>
+                </dgm:adjLst>
+              </dgm:shape>
+              <dgm:presOf axis="ch desOrSelf" ptType="node node" st="2 1" cnt="1 0"/>
+              <dgm:constrLst/>
+              <dgm:ruleLst/>
+            </dgm:layoutNode>
+            <dgm:layoutNode name="TwoConn_1-2" styleLbl="fgAccFollowNode1">
+              <dgm:varLst>
+                <dgm:bulletEnabled val="1"/>
+              </dgm:varLst>
+              <dgm:alg type="tx"/>
+              <dgm:shape xmlns:r="http://schemas.openxmlformats.org/officeDocument/2006/relationships" type="downArrow" r:blip="">
+                <dgm:adjLst>
+                  <dgm:adj idx="1" val="0.55"/>
+                  <dgm:adj idx="2" val="0.45"/>
+                </dgm:adjLst>
+              </dgm:shape>
+              <dgm:presOf axis="ch" ptType="sibTrans" cnt="1"/>
+              <dgm:constrLst>
+                <dgm:constr type="lMarg" refType="primFontSz" fact="0.1"/>
+                <dgm:constr type="rMarg" refType="primFontSz" fact="0.1"/>
+                <dgm:constr type="tMarg" refType="primFontSz" fact="0.1"/>
+                <dgm:constr type="bMarg" refType="primFontSz" fact="0.1"/>
+              </dgm:constrLst>
+              <dgm:ruleLst>
+                <dgm:rule type="primFontSz" val="5" fact="NaN" max="NaN"/>
+              </dgm:ruleLst>
+            </dgm:layoutNode>
+            <dgm:layoutNode name="TwoNodes_1_text">
+              <dgm:varLst>
+                <dgm:bulletEnabled val="1"/>
+              </dgm:varLst>
+              <dgm:alg type="tx">
+                <dgm:param type="parTxLTRAlign" val="l"/>
+                <dgm:param type="txAnchorVertCh" val="mid"/>
+              </dgm:alg>
+              <dgm:shape xmlns:r="http://schemas.openxmlformats.org/officeDocument/2006/relationships" type="roundRect" r:blip="" hideGeom="1">
+                <dgm:adjLst>
+                  <dgm:adj idx="1" val="0.1"/>
+                </dgm:adjLst>
+              </dgm:shape>
+              <dgm:presOf axis="ch desOrSelf" ptType="node node" st="1 1" cnt="1 0"/>
+              <dgm:constrLst>
+                <dgm:constr type="lMarg" refType="primFontSz" fact="0.3"/>
+                <dgm:constr type="rMarg" refType="primFontSz" fact="0.3"/>
+                <dgm:constr type="tMarg" refType="primFontSz" fact="0.3"/>
+                <dgm:constr type="bMarg" refType="primFontSz" fact="0.3"/>
+              </dgm:constrLst>
+              <dgm:ruleLst>
+                <dgm:rule type="primFontSz" val="5" fact="NaN" max="NaN"/>
+              </dgm:ruleLst>
+            </dgm:layoutNode>
+            <dgm:layoutNode name="TwoNodes_2_text">
+              <dgm:varLst>
+                <dgm:bulletEnabled val="1"/>
+              </dgm:varLst>
+              <dgm:alg type="tx">
+                <dgm:param type="parTxLTRAlign" val="l"/>
+                <dgm:param type="txAnchorVertCh" val="mid"/>
+              </dgm:alg>
+              <dgm:shape xmlns:r="http://schemas.openxmlformats.org/officeDocument/2006/relationships" type="roundRect" r:blip="" hideGeom="1">
+                <dgm:adjLst>
+                  <dgm:adj idx="1" val="0.1"/>
+                </dgm:adjLst>
+              </dgm:shape>
+              <dgm:presOf axis="ch desOrSelf" ptType="node node" st="2 1" cnt="1 0"/>
+              <dgm:constrLst>
+                <dgm:constr type="lMarg" refType="primFontSz" fact="0.3"/>
+                <dgm:constr type="rMarg" refType="primFontSz" fact="0.3"/>
+                <dgm:constr type="tMarg" refType="primFontSz" fact="0.3"/>
+                <dgm:constr type="bMarg" refType="primFontSz" fact="0.3"/>
+              </dgm:constrLst>
+              <dgm:ruleLst>
+                <dgm:rule type="primFontSz" val="5" fact="NaN" max="NaN"/>
+              </dgm:ruleLst>
+            </dgm:layoutNode>
+          </dgm:if>
+          <dgm:else name="Name8">
+            <dgm:choose name="Name9">
+              <dgm:if name="Name10" axis="ch" ptType="node" func="cnt" op="equ" val="3">
+                <dgm:layoutNode name="ThreeNodes_1">
+                  <dgm:varLst>
+                    <dgm:bulletEnabled val="1"/>
+                  </dgm:varLst>
+                  <dgm:alg type="sp"/>
+                  <dgm:shape xmlns:r="http://schemas.openxmlformats.org/officeDocument/2006/relationships" type="roundRect" r:blip="">
+                    <dgm:adjLst>
+                      <dgm:adj idx="1" val="0.1"/>
+                    </dgm:adjLst>
+                  </dgm:shape>
+                  <dgm:presOf axis="ch desOrSelf" ptType="node node" st="1 1" cnt="1 0"/>
+                  <dgm:constrLst/>
+                  <dgm:ruleLst/>
+                </dgm:layoutNode>
+                <dgm:layoutNode name="ThreeNodes_2">
+                  <dgm:varLst>
+                    <dgm:bulletEnabled val="1"/>
+                  </dgm:varLst>
+                  <dgm:alg type="sp"/>
+                  <dgm:shape xmlns:r="http://schemas.openxmlformats.org/officeDocument/2006/relationships" type="roundRect" r:blip="">
+                    <dgm:adjLst>
+                      <dgm:adj idx="1" val="0.1"/>
+                    </dgm:adjLst>
+                  </dgm:shape>
+                  <dgm:presOf axis="ch desOrSelf" ptType="node node" st="2 1" cnt="1 0"/>
+                  <dgm:constrLst/>
+                  <dgm:ruleLst/>
+                </dgm:layoutNode>
+                <dgm:layoutNode name="ThreeNodes_3">
+                  <dgm:varLst>
+                    <dgm:bulletEnabled val="1"/>
+                  </dgm:varLst>
+                  <dgm:alg type="sp"/>
+                  <dgm:shape xmlns:r="http://schemas.openxmlformats.org/officeDocument/2006/relationships" type="roundRect" r:blip="">
+                    <dgm:adjLst>
+                      <dgm:adj idx="1" val="0.1"/>
+                    </dgm:adjLst>
+                  </dgm:shape>
+                  <dgm:presOf axis="ch desOrSelf" ptType="node node" st="3 1" cnt="1 0"/>
+                  <dgm:constrLst/>
+                  <dgm:ruleLst/>
+                </dgm:layoutNode>
+                <dgm:layoutNode name="ThreeConn_1-2" styleLbl="fgAccFollowNode1">
+                  <dgm:varLst>
+                    <dgm:bulletEnabled val="1"/>
+                  </dgm:varLst>
+                  <dgm:alg type="tx"/>
+                  <dgm:shape xmlns:r="http://schemas.openxmlformats.org/officeDocument/2006/relationships" type="downArrow" r:blip="">
+                    <dgm:adjLst>
+                      <dgm:adj idx="1" val="0.55"/>
+                      <dgm:adj idx="2" val="0.45"/>
+                    </dgm:adjLst>
+                  </dgm:shape>
+                  <dgm:presOf axis="ch" ptType="sibTrans" cnt="1"/>
+                  <dgm:constrLst>
+                    <dgm:constr type="lMarg" refType="primFontSz" fact="0.1"/>
+                    <dgm:constr type="rMarg" refType="primFontSz" fact="0.1"/>
+                    <dgm:constr type="tMarg" refType="primFontSz" fact="0.1"/>
+                    <dgm:constr type="bMarg" refType="primFontSz" fact="0.1"/>
+                  </dgm:constrLst>
+                  <dgm:ruleLst>
+                    <dgm:rule type="primFontSz" val="5" fact="NaN" max="NaN"/>
+                  </dgm:ruleLst>
+                </dgm:layoutNode>
+                <dgm:layoutNode name="ThreeConn_2-3" styleLbl="fgAccFollowNode1">
+                  <dgm:varLst>
+                    <dgm:bulletEnabled val="1"/>
+                  </dgm:varLst>
+                  <dgm:alg type="tx"/>
+                  <dgm:shape xmlns:r="http://schemas.openxmlformats.org/officeDocument/2006/relationships" type="downArrow" r:blip="">
+                    <dgm:adjLst>
+                      <dgm:adj idx="1" val="0.55"/>
+                      <dgm:adj idx="2" val="0.45"/>
+                    </dgm:adjLst>
+                  </dgm:shape>
+                  <dgm:presOf axis="ch" ptType="sibTrans" st="2" cnt="1"/>
+                  <dgm:constrLst>
+                    <dgm:constr type="lMarg" refType="primFontSz" fact="0.1"/>
+                    <dgm:constr type="rMarg" refType="primFontSz" fact="0.1"/>
+                    <dgm:constr type="tMarg" refType="primFontSz" fact="0.1"/>
+                    <dgm:constr type="bMarg" refType="primFontSz" fact="0.1"/>
+                  </dgm:constrLst>
+                  <dgm:ruleLst>
+                    <dgm:rule type="primFontSz" val="5" fact="NaN" max="NaN"/>
+                  </dgm:ruleLst>
+                </dgm:layoutNode>
+                <dgm:layoutNode name="ThreeNodes_1_text">
+                  <dgm:varLst>
+                    <dgm:bulletEnabled val="1"/>
+                  </dgm:varLst>
+                  <dgm:alg type="tx">
+                    <dgm:param type="parTxLTRAlign" val="l"/>
+                    <dgm:param type="txAnchorVertCh" val="mid"/>
+                  </dgm:alg>
+                  <dgm:shape xmlns:r="http://schemas.openxmlformats.org/officeDocument/2006/relationships" type="roundRect" r:blip="" hideGeom="1">
+                    <dgm:adjLst>
+                      <dgm:adj idx="1" val="0.1"/>
+                    </dgm:adjLst>
+                  </dgm:shape>
+                  <dgm:presOf axis="ch desOrSelf" ptType="node node" st="1 1" cnt="1 0"/>
+                  <dgm:constrLst>
+                    <dgm:constr type="lMarg" refType="primFontSz" fact="0.3"/>
+                    <dgm:constr type="rMarg" refType="primFontSz" fact="0.3"/>
+                    <dgm:constr type="tMarg" refType="primFontSz" fact="0.3"/>
+                    <dgm:constr type="bMarg" refType="primFontSz" fact="0.3"/>
+                  </dgm:constrLst>
+                  <dgm:ruleLst>
+                    <dgm:rule type="primFontSz" val="5" fact="NaN" max="NaN"/>
+                  </dgm:ruleLst>
+                </dgm:layoutNode>
+                <dgm:layoutNode name="ThreeNodes_2_text">
+                  <dgm:varLst>
+                    <dgm:bulletEnabled val="1"/>
+                  </dgm:varLst>
+                  <dgm:alg type="tx">
+                    <dgm:param type="parTxLTRAlign" val="l"/>
+                    <dgm:param type="txAnchorVertCh" val="mid"/>
+                  </dgm:alg>
+                  <dgm:shape xmlns:r="http://schemas.openxmlformats.org/officeDocument/2006/relationships" type="roundRect" r:blip="" hideGeom="1">
+                    <dgm:adjLst>
+                      <dgm:adj idx="1" val="0.1"/>
+                    </dgm:adjLst>
+                  </dgm:shape>
+                  <dgm:presOf axis="ch desOrSelf" ptType="node node" st="2 1" cnt="1 0"/>
+                  <dgm:constrLst>
+                    <dgm:constr type="lMarg" refType="primFontSz" fact="0.3"/>
+                    <dgm:constr type="rMarg" refType="primFontSz" fact="0.3"/>
+                    <dgm:constr type="tMarg" refType="primFontSz" fact="0.3"/>
+                    <dgm:constr type="bMarg" refType="primFontSz" fact="0.3"/>
+                  </dgm:constrLst>
+                  <dgm:ruleLst>
+                    <dgm:rule type="primFontSz" val="5" fact="NaN" max="NaN"/>
+                  </dgm:ruleLst>
+                </dgm:layoutNode>
+                <dgm:layoutNode name="ThreeNodes_3_text">
+                  <dgm:varLst>
+                    <dgm:bulletEnabled val="1"/>
+                  </dgm:varLst>
+                  <dgm:alg type="tx">
+                    <dgm:param type="parTxLTRAlign" val="l"/>
+                    <dgm:param type="txAnchorVertCh" val="mid"/>
+                  </dgm:alg>
+                  <dgm:shape xmlns:r="http://schemas.openxmlformats.org/officeDocument/2006/relationships" type="roundRect" r:blip="" hideGeom="1">
+                    <dgm:adjLst>
+                      <dgm:adj idx="1" val="0.1"/>
+                    </dgm:adjLst>
+                  </dgm:shape>
+                  <dgm:presOf axis="ch desOrSelf" ptType="node node" st="3 1" cnt="1 0"/>
+                  <dgm:constrLst>
+                    <dgm:constr type="lMarg" refType="primFontSz" fact="0.3"/>
+                    <dgm:constr type="rMarg" refType="primFontSz" fact="0.3"/>
+                    <dgm:constr type="tMarg" refType="primFontSz" fact="0.3"/>
+                    <dgm:constr type="bMarg" refType="primFontSz" fact="0.3"/>
+                  </dgm:constrLst>
+                  <dgm:ruleLst>
+                    <dgm:rule type="primFontSz" val="5" fact="NaN" max="NaN"/>
+                  </dgm:ruleLst>
+                </dgm:layoutNode>
+              </dgm:if>
+              <dgm:else name="Name11">
+                <dgm:choose name="Name12">
+                  <dgm:if name="Name13" axis="ch" ptType="node" func="cnt" op="equ" val="4">
+                    <dgm:layoutNode name="FourNodes_1">
+                      <dgm:varLst>
+                        <dgm:bulletEnabled val="1"/>
+                      </dgm:varLst>
+                      <dgm:alg type="sp"/>
+                      <dgm:shape xmlns:r="http://schemas.openxmlformats.org/officeDocument/2006/relationships" type="roundRect" r:blip="">
+                        <dgm:adjLst>
+                          <dgm:adj idx="1" val="0.1"/>
+                        </dgm:adjLst>
+                      </dgm:shape>
+                      <dgm:presOf axis="ch desOrSelf" ptType="node node" st="1 1" cnt="1 0"/>
+                      <dgm:constrLst/>
+                      <dgm:ruleLst/>
+                    </dgm:layoutNode>
+                    <dgm:layoutNode name="FourNodes_2">
+                      <dgm:varLst>
+                        <dgm:bulletEnabled val="1"/>
+                      </dgm:varLst>
+                      <dgm:alg type="sp"/>
+                      <dgm:shape xmlns:r="http://schemas.openxmlformats.org/officeDocument/2006/relationships" type="roundRect" r:blip="">
+                        <dgm:adjLst>
+                          <dgm:adj idx="1" val="0.1"/>
+                        </dgm:adjLst>
+                      </dgm:shape>
+                      <dgm:presOf axis="ch desOrSelf" ptType="node node" st="2 1" cnt="1 0"/>
+                      <dgm:constrLst/>
+                      <dgm:ruleLst/>
+                    </dgm:layoutNode>
+                    <dgm:layoutNode name="FourNodes_3">
+                      <dgm:varLst>
+                        <dgm:bulletEnabled val="1"/>
+                      </dgm:varLst>
+                      <dgm:alg type="sp"/>
+                      <dgm:shape xmlns:r="http://schemas.openxmlformats.org/officeDocument/2006/relationships" type="roundRect" r:blip="">
+                        <dgm:adjLst>
+                          <dgm:adj idx="1" val="0.1"/>
+                        </dgm:adjLst>
+                      </dgm:shape>
+                      <dgm:presOf axis="ch desOrSelf" ptType="node node" st="3 1" cnt="1 0"/>
+                      <dgm:constrLst/>
+                      <dgm:ruleLst/>
+                    </dgm:layoutNode>
+                    <dgm:layoutNode name="FourNodes_4">
+                      <dgm:varLst>
+                        <dgm:bulletEnabled val="1"/>
+                      </dgm:varLst>
+                      <dgm:alg type="sp"/>
+                      <dgm:shape xmlns:r="http://schemas.openxmlformats.org/officeDocument/2006/relationships" type="roundRect" r:blip="">
+                        <dgm:adjLst>
+                          <dgm:adj idx="1" val="0.1"/>
+                        </dgm:adjLst>
+                      </dgm:shape>
+                      <dgm:presOf axis="ch desOrSelf" ptType="node node" st="4 1" cnt="1 0"/>
+                      <dgm:constrLst/>
+                      <dgm:ruleLst/>
+                    </dgm:layoutNode>
+                    <dgm:layoutNode name="FourConn_1-2" styleLbl="fgAccFollowNode1">
+                      <dgm:varLst>
+                        <dgm:bulletEnabled val="1"/>
+                      </dgm:varLst>
+                      <dgm:alg type="tx"/>
+                      <dgm:shape xmlns:r="http://schemas.openxmlformats.org/officeDocument/2006/relationships" type="downArrow" r:blip="">
+                        <dgm:adjLst>
+                          <dgm:adj idx="1" val="0.55"/>
+                          <dgm:adj idx="2" val="0.45"/>
+                        </dgm:adjLst>
+                      </dgm:shape>
+                      <dgm:presOf axis="ch" ptType="sibTrans" cnt="1"/>
+                      <dgm:constrLst>
+                        <dgm:constr type="lMarg" refType="primFontSz" fact="0.1"/>
+                        <dgm:constr type="rMarg" refType="primFontSz" fact="0.1"/>
+                        <dgm:constr type="tMarg" refType="primFontSz" fact="0.1"/>
+                        <dgm:constr type="bMarg" refType="primFontSz" fact="0.1"/>
+                      </dgm:constrLst>
+                      <dgm:ruleLst>
+                        <dgm:rule type="primFontSz" val="5" fact="NaN" max="NaN"/>
+                      </dgm:ruleLst>
+                    </dgm:layoutNode>
+                    <dgm:layoutNode name="FourConn_2-3" styleLbl="fgAccFollowNode1">
+                      <dgm:varLst>
+                        <dgm:bulletEnabled val="1"/>
+                      </dgm:varLst>
+                      <dgm:alg type="tx"/>
+                      <dgm:shape xmlns:r="http://schemas.openxmlformats.org/officeDocument/2006/relationships" type="downArrow" r:blip="">
+                        <dgm:adjLst>
+                          <dgm:adj idx="1" val="0.55"/>
+                          <dgm:adj idx="2" val="0.45"/>
+                        </dgm:adjLst>
+                      </dgm:shape>
+                      <dgm:presOf axis="ch" ptType="sibTrans" st="2" cnt="1"/>
+                      <dgm:constrLst>
+                        <dgm:constr type="lMarg" refType="primFontSz" fact="0.1"/>
+                        <dgm:constr type="rMarg" refType="primFontSz" fact="0.1"/>
+                        <dgm:constr type="tMarg" refType="primFontSz" fact="0.1"/>
+                        <dgm:constr type="bMarg" refType="primFontSz" fact="0.1"/>
+                      </dgm:constrLst>
+                      <dgm:ruleLst>
+                        <dgm:rule type="primFontSz" val="5" fact="NaN" max="NaN"/>
+                      </dgm:ruleLst>
+                    </dgm:layoutNode>
+                    <dgm:layoutNode name="FourConn_3-4" styleLbl="fgAccFollowNode1">
+                      <dgm:varLst>
+                        <dgm:bulletEnabled val="1"/>
+                      </dgm:varLst>
+                      <dgm:alg type="tx"/>
+                      <dgm:shape xmlns:r="http://schemas.openxmlformats.org/officeDocument/2006/relationships" type="downArrow" r:blip="">
+                        <dgm:adjLst>
+                          <dgm:adj idx="1" val="0.55"/>
+                          <dgm:adj idx="2" val="0.45"/>
+                        </dgm:adjLst>
+                      </dgm:shape>
+                      <dgm:presOf axis="ch" ptType="sibTrans" st="3" cnt="1"/>
+                      <dgm:constrLst>
+                        <dgm:constr type="lMarg" refType="primFontSz" fact="0.1"/>
+                        <dgm:constr type="rMarg" refType="primFontSz" fact="0.1"/>
+                        <dgm:constr type="tMarg" refType="primFontSz" fact="0.1"/>
+                        <dgm:constr type="bMarg" refType="primFontSz" fact="0.1"/>
+                      </dgm:constrLst>
+                      <dgm:ruleLst>
+                        <dgm:rule type="primFontSz" val="5" fact="NaN" max="NaN"/>
+                      </dgm:ruleLst>
+                    </dgm:layoutNode>
+                    <dgm:layoutNode name="FourNodes_1_text">
+                      <dgm:varLst>
+                        <dgm:bulletEnabled val="1"/>
+                      </dgm:varLst>
+                      <dgm:alg type="tx">
+                        <dgm:param type="parTxLTRAlign" val="l"/>
+                        <dgm:param type="txAnchorVertCh" val="mid"/>
+                      </dgm:alg>
+                      <dgm:shape xmlns:r="http://schemas.openxmlformats.org/officeDocument/2006/relationships" type="roundRect" r:blip="" hideGeom="1">
+                        <dgm:adjLst>
+                          <dgm:adj idx="1" val="0.1"/>
+                        </dgm:adjLst>
+                      </dgm:shape>
+                      <dgm:presOf axis="ch desOrSelf" ptType="node node" st="1 1" cnt="1 0"/>
+                      <dgm:constrLst>
+                        <dgm:constr type="lMarg" refType="primFontSz" fact="0.3"/>
+                        <dgm:constr type="rMarg" refType="primFontSz" fact="0.3"/>
+                        <dgm:constr type="tMarg" refType="primFontSz" fact="0.3"/>
+                        <dgm:constr type="bMarg" refType="primFontSz" fact="0.3"/>
+                      </dgm:constrLst>
+                      <dgm:ruleLst>
+                        <dgm:rule type="primFontSz" val="5" fact="NaN" max="NaN"/>
+                      </dgm:ruleLst>
+                    </dgm:layoutNode>
+                    <dgm:layoutNode name="FourNodes_2_text">
+                      <dgm:varLst>
+                        <dgm:bulletEnabled val="1"/>
+                      </dgm:varLst>
+                      <dgm:alg type="tx">
+                        <dgm:param type="parTxLTRAlign" val="l"/>
+                        <dgm:param type="txAnchorVertCh" val="mid"/>
+                      </dgm:alg>
+                      <dgm:shape xmlns:r="http://schemas.openxmlformats.org/officeDocument/2006/relationships" type="roundRect" r:blip="" hideGeom="1">
+                        <dgm:adjLst>
+                          <dgm:adj idx="1" val="0.1"/>
+                        </dgm:adjLst>
+                      </dgm:shape>
+                      <dgm:presOf axis="ch desOrSelf" ptType="node node" st="2 1" cnt="1 0"/>
+                      <dgm:constrLst>
+                        <dgm:constr type="lMarg" refType="primFontSz" fact="0.3"/>
+                        <dgm:constr type="rMarg" refType="primFontSz" fact="0.3"/>
+                        <dgm:constr type="tMarg" refType="primFontSz" fact="0.3"/>
+                        <dgm:constr type="bMarg" refType="primFontSz" fact="0.3"/>
+                      </dgm:constrLst>
+                      <dgm:ruleLst>
+                        <dgm:rule type="primFontSz" val="5" fact="NaN" max="NaN"/>
+                      </dgm:ruleLst>
+                    </dgm:layoutNode>
+                    <dgm:layoutNode name="FourNodes_3_text">
+                      <dgm:varLst>
+                        <dgm:bulletEnabled val="1"/>
+                      </dgm:varLst>
+                      <dgm:alg type="tx">
+                        <dgm:param type="parTxLTRAlign" val="l"/>
+                        <dgm:param type="txAnchorVertCh" val="mid"/>
+                      </dgm:alg>
+                      <dgm:shape xmlns:r="http://schemas.openxmlformats.org/officeDocument/2006/relationships" type="roundRect" r:blip="" hideGeom="1">
+                        <dgm:adjLst>
+                          <dgm:adj idx="1" val="0.1"/>
+                        </dgm:adjLst>
+                      </dgm:shape>
+                      <dgm:presOf axis="ch desOrSelf" ptType="node node" st="3 1" cnt="1 0"/>
+                      <dgm:constrLst>
+                        <dgm:constr type="lMarg" refType="primFontSz" fact="0.3"/>
+                        <dgm:constr type="rMarg" refType="primFontSz" fact="0.3"/>
+                        <dgm:constr type="tMarg" refType="primFontSz" fact="0.3"/>
+                        <dgm:constr type="bMarg" refType="primFontSz" fact="0.3"/>
+                      </dgm:constrLst>
+                      <dgm:ruleLst>
+                        <dgm:rule type="primFontSz" val="5" fact="NaN" max="NaN"/>
+                      </dgm:ruleLst>
+                    </dgm:layoutNode>
+                    <dgm:layoutNode name="FourNodes_4_text">
+                      <dgm:varLst>
+                        <dgm:bulletEnabled val="1"/>
+                      </dgm:varLst>
+                      <dgm:alg type="tx">
+                        <dgm:param type="parTxLTRAlign" val="l"/>
+                        <dgm:param type="txAnchorVertCh" val="mid"/>
+                      </dgm:alg>
+                      <dgm:shape xmlns:r="http://schemas.openxmlformats.org/officeDocument/2006/relationships" type="roundRect" r:blip="" hideGeom="1">
+                        <dgm:adjLst>
+                          <dgm:adj idx="1" val="0.1"/>
+                        </dgm:adjLst>
+                      </dgm:shape>
+                      <dgm:presOf axis="ch desOrSelf" ptType="node node" st="4 1" cnt="1 0"/>
+                      <dgm:constrLst>
+                        <dgm:constr type="lMarg" refType="primFontSz" fact="0.3"/>
+                        <dgm:constr type="rMarg" refType="primFontSz" fact="0.3"/>
+                        <dgm:constr type="tMarg" refType="primFontSz" fact="0.3"/>
+                        <dgm:constr type="bMarg" refType="primFontSz" fact="0.3"/>
+                      </dgm:constrLst>
+                      <dgm:ruleLst>
+                        <dgm:rule type="primFontSz" val="5" fact="NaN" max="NaN"/>
+                      </dgm:ruleLst>
+                    </dgm:layoutNode>
+                  </dgm:if>
+                  <dgm:else name="Name14">
+                    <dgm:choose name="Name15">
+                      <dgm:if name="Name16" axis="ch" ptType="node" func="cnt" op="gte" val="5">
+                        <dgm:layoutNode name="FiveNodes_1">
+                          <dgm:varLst>
+                            <dgm:bulletEnabled val="1"/>
+                          </dgm:varLst>
+                          <dgm:alg type="sp"/>
+                          <dgm:shape xmlns:r="http://schemas.openxmlformats.org/officeDocument/2006/relationships" type="roundRect" r:blip="">
+                            <dgm:adjLst>
+                              <dgm:adj idx="1" val="0.1"/>
+                            </dgm:adjLst>
+                          </dgm:shape>
+                          <dgm:presOf axis="ch desOrSelf" ptType="node node" st="1 1" cnt="1 0"/>
+                          <dgm:constrLst/>
+                          <dgm:ruleLst/>
+                        </dgm:layoutNode>
+                        <dgm:layoutNode name="FiveNodes_2">
+                          <dgm:varLst>
+                            <dgm:bulletEnabled val="1"/>
+                          </dgm:varLst>
+                          <dgm:alg type="sp"/>
+                          <dgm:shape xmlns:r="http://schemas.openxmlformats.org/officeDocument/2006/relationships" type="roundRect" r:blip="">
+                            <dgm:adjLst>
+                              <dgm:adj idx="1" val="0.1"/>
+                            </dgm:adjLst>
+                          </dgm:shape>
+                          <dgm:presOf axis="ch desOrSelf" ptType="node node" st="2 1" cnt="1 0"/>
+                          <dgm:constrLst/>
+                          <dgm:ruleLst/>
+                        </dgm:layoutNode>
+                        <dgm:layoutNode name="FiveNodes_3">
+                          <dgm:varLst>
+                            <dgm:bulletEnabled val="1"/>
+                          </dgm:varLst>
+                          <dgm:alg type="sp"/>
+                          <dgm:shape xmlns:r="http://schemas.openxmlformats.org/officeDocument/2006/relationships" type="roundRect" r:blip="">
+                            <dgm:adjLst>
+                              <dgm:adj idx="1" val="0.1"/>
+                            </dgm:adjLst>
+                          </dgm:shape>
+                          <dgm:presOf axis="ch desOrSelf" ptType="node node" st="3 1" cnt="1 0"/>
+                          <dgm:constrLst/>
+                          <dgm:ruleLst/>
+                        </dgm:layoutNode>
+                        <dgm:layoutNode name="FiveNodes_4">
+                          <dgm:varLst>
+                            <dgm:bulletEnabled val="1"/>
+                          </dgm:varLst>
+                          <dgm:alg type="sp"/>
+                          <dgm:shape xmlns:r="http://schemas.openxmlformats.org/officeDocument/2006/relationships" type="roundRect" r:blip="">
+                            <dgm:adjLst>
+                              <dgm:adj idx="1" val="0.1"/>
+                            </dgm:adjLst>
+                          </dgm:shape>
+                          <dgm:presOf axis="ch desOrSelf" ptType="node node" st="4 1" cnt="1 0"/>
+                          <dgm:constrLst/>
+                          <dgm:ruleLst/>
+                        </dgm:layoutNode>
+                        <dgm:layoutNode name="FiveNodes_5">
+                          <dgm:varLst>
+                            <dgm:bulletEnabled val="1"/>
+                          </dgm:varLst>
+                          <dgm:alg type="sp"/>
+                          <dgm:shape xmlns:r="http://schemas.openxmlformats.org/officeDocument/2006/relationships" type="roundRect" r:blip="">
+                            <dgm:adjLst>
+                              <dgm:adj idx="1" val="0.1"/>
+                            </dgm:adjLst>
+                          </dgm:shape>
+                          <dgm:presOf axis="ch desOrSelf" ptType="node node" st="5 1" cnt="1 0"/>
+                          <dgm:constrLst/>
+                          <dgm:ruleLst/>
+                        </dgm:layoutNode>
+                        <dgm:layoutNode name="FiveConn_1-2" styleLbl="fgAccFollowNode1">
+                          <dgm:varLst>
+                            <dgm:bulletEnabled val="1"/>
+                          </dgm:varLst>
+                          <dgm:alg type="tx"/>
+                          <dgm:shape xmlns:r="http://schemas.openxmlformats.org/officeDocument/2006/relationships" type="downArrow" r:blip="">
+                            <dgm:adjLst>
+                              <dgm:adj idx="1" val="0.55"/>
+                              <dgm:adj idx="2" val="0.45"/>
+                            </dgm:adjLst>
+                          </dgm:shape>
+                          <dgm:presOf axis="ch" ptType="sibTrans" cnt="1"/>
+                          <dgm:constrLst>
+                            <dgm:constr type="lMarg" refType="primFontSz" fact="0.1"/>
+                            <dgm:constr type="rMarg" refType="primFontSz" fact="0.1"/>
+                            <dgm:constr type="tMarg" refType="primFontSz" fact="0.1"/>
+                            <dgm:constr type="bMarg" refType="primFontSz" fact="0.1"/>
+                          </dgm:constrLst>
+                          <dgm:ruleLst>
+                            <dgm:rule type="primFontSz" val="5" fact="NaN" max="NaN"/>
+                          </dgm:ruleLst>
+                        </dgm:layoutNode>
+                        <dgm:layoutNode name="FiveConn_2-3" styleLbl="fgAccFollowNode1">
+                          <dgm:varLst>
+                            <dgm:bulletEnabled val="1"/>
+                          </dgm:varLst>
+                          <dgm:alg type="tx"/>
+                          <dgm:shape xmlns:r="http://schemas.openxmlformats.org/officeDocument/2006/relationships" type="downArrow" r:blip="">
+                            <dgm:adjLst>
+                              <dgm:adj idx="1" val="0.55"/>
+                              <dgm:adj idx="2" val="0.45"/>
+                            </dgm:adjLst>
+                          </dgm:shape>
+                          <dgm:presOf axis="ch" ptType="sibTrans" st="2" cnt="1"/>
+                          <dgm:constrLst>
+                            <dgm:constr type="lMarg" refType="primFontSz" fact="0.1"/>
+                            <dgm:constr type="rMarg" refType="primFontSz" fact="0.1"/>
+                            <dgm:constr type="tMarg" refType="primFontSz" fact="0.1"/>
+                            <dgm:constr type="bMarg" refType="primFontSz" fact="0.1"/>
+                          </dgm:constrLst>
+                          <dgm:ruleLst>
+                            <dgm:rule type="primFontSz" val="5" fact="NaN" max="NaN"/>
+                          </dgm:ruleLst>
+                        </dgm:layoutNode>
+                        <dgm:layoutNode name="FiveConn_3-4" styleLbl="fgAccFollowNode1">
+                          <dgm:varLst>
+                            <dgm:bulletEnabled val="1"/>
+                          </dgm:varLst>
+                          <dgm:alg type="tx"/>
+                          <dgm:shape xmlns:r="http://schemas.openxmlformats.org/officeDocument/2006/relationships" type="downArrow" r:blip="">
+                            <dgm:adjLst>
+                              <dgm:adj idx="1" val="0.55"/>
+                              <dgm:adj idx="2" val="0.45"/>
+                            </dgm:adjLst>
+                          </dgm:shape>
+                          <dgm:presOf axis="ch" ptType="sibTrans" st="3" cnt="1"/>
+                          <dgm:constrLst>
+                            <dgm:constr type="lMarg" refType="primFontSz" fact="0.1"/>
+                            <dgm:constr type="rMarg" refType="primFontSz" fact="0.1"/>
+                            <dgm:constr type="tMarg" refType="primFontSz" fact="0.1"/>
+                            <dgm:constr type="bMarg" refType="primFontSz" fact="0.1"/>
+                          </dgm:constrLst>
+                          <dgm:ruleLst>
+                            <dgm:rule type="primFontSz" val="5" fact="NaN" max="NaN"/>
+                          </dgm:ruleLst>
+                        </dgm:layoutNode>
+                        <dgm:layoutNode name="FiveConn_4-5" styleLbl="fgAccFollowNode1">
+                          <dgm:varLst>
+                            <dgm:bulletEnabled val="1"/>
+                          </dgm:varLst>
+                          <dgm:alg type="tx"/>
+                          <dgm:shape xmlns:r="http://schemas.openxmlformats.org/officeDocument/2006/relationships" type="downArrow" r:blip="">
+                            <dgm:adjLst>
+                              <dgm:adj idx="1" val="0.55"/>
+                              <dgm:adj idx="2" val="0.45"/>
+                            </dgm:adjLst>
+                          </dgm:shape>
+                          <dgm:presOf axis="ch" ptType="sibTrans" st="4" cnt="1"/>
+                          <dgm:constrLst>
+                            <dgm:constr type="lMarg" refType="primFontSz" fact="0.1"/>
+                            <dgm:constr type="rMarg" refType="primFontSz" fact="0.1"/>
+                            <dgm:constr type="tMarg" refType="primFontSz" fact="0.1"/>
+                            <dgm:constr type="bMarg" refType="primFontSz" fact="0.1"/>
+                          </dgm:constrLst>
+                          <dgm:ruleLst>
+                            <dgm:rule type="primFontSz" val="5" fact="NaN" max="NaN"/>
+                          </dgm:ruleLst>
+                        </dgm:layoutNode>
+                        <dgm:layoutNode name="FiveNodes_1_text">
+                          <dgm:varLst>
+                            <dgm:bulletEnabled val="1"/>
+                          </dgm:varLst>
+                          <dgm:alg type="tx">
+                            <dgm:param type="parTxLTRAlign" val="l"/>
+                            <dgm:param type="txAnchorVertCh" val="mid"/>
+                          </dgm:alg>
+                          <dgm:shape xmlns:r="http://schemas.openxmlformats.org/officeDocument/2006/relationships" type="roundRect" r:blip="" hideGeom="1">
+                            <dgm:adjLst>
+                              <dgm:adj idx="1" val="0.1"/>
+                            </dgm:adjLst>
+                          </dgm:shape>
+                          <dgm:presOf axis="ch desOrSelf" ptType="node node" st="1 1" cnt="1 0"/>
+                          <dgm:constrLst>
+                            <dgm:constr type="lMarg" refType="primFontSz" fact="0.3"/>
+                            <dgm:constr type="rMarg" refType="primFontSz" fact="0.3"/>
+                            <dgm:constr type="tMarg" refType="primFontSz" fact="0.3"/>
+                            <dgm:constr type="bMarg" refType="primFontSz" fact="0.3"/>
+                          </dgm:constrLst>
+                          <dgm:ruleLst>
+                            <dgm:rule type="primFontSz" val="5" fact="NaN" max="NaN"/>
+                          </dgm:ruleLst>
+                        </dgm:layoutNode>
+                        <dgm:layoutNode name="FiveNodes_2_text">
+                          <dgm:varLst>
+                            <dgm:bulletEnabled val="1"/>
+                          </dgm:varLst>
+                          <dgm:alg type="tx">
+                            <dgm:param type="parTxLTRAlign" val="l"/>
+                            <dgm:param type="txAnchorVertCh" val="mid"/>
+                          </dgm:alg>
+                          <dgm:shape xmlns:r="http://schemas.openxmlformats.org/officeDocument/2006/relationships" type="roundRect" r:blip="" hideGeom="1">
+                            <dgm:adjLst>
+                              <dgm:adj idx="1" val="0.1"/>
+                            </dgm:adjLst>
+                          </dgm:shape>
+                          <dgm:presOf axis="ch desOrSelf" ptType="node node" st="2 1" cnt="1 0"/>
+                          <dgm:constrLst>
+                            <dgm:constr type="lMarg" refType="primFontSz" fact="0.3"/>
+                            <dgm:constr type="rMarg" refType="primFontSz" fact="0.3"/>
+                            <dgm:constr type="tMarg" refType="primFontSz" fact="0.3"/>
+                            <dgm:constr type="bMarg" refType="primFontSz" fact="0.3"/>
+                          </dgm:constrLst>
+                          <dgm:ruleLst>
+                            <dgm:rule type="primFontSz" val="5" fact="NaN" max="NaN"/>
+                          </dgm:ruleLst>
+                        </dgm:layoutNode>
+                        <dgm:layoutNode name="FiveNodes_3_text">
+                          <dgm:varLst>
+                            <dgm:bulletEnabled val="1"/>
+                          </dgm:varLst>
+                          <dgm:alg type="tx">
+                            <dgm:param type="parTxLTRAlign" val="l"/>
+                            <dgm:param type="txAnchorVertCh" val="mid"/>
+                          </dgm:alg>
+                          <dgm:shape xmlns:r="http://schemas.openxmlformats.org/officeDocument/2006/relationships" type="roundRect" r:blip="" hideGeom="1">
+                            <dgm:adjLst>
+                              <dgm:adj idx="1" val="0.1"/>
+                            </dgm:adjLst>
+                          </dgm:shape>
+                          <dgm:presOf axis="ch desOrSelf" ptType="node node" st="3 1" cnt="1 0"/>
+                          <dgm:constrLst>
+                            <dgm:constr type="lMarg" refType="primFontSz" fact="0.3"/>
+                            <dgm:constr type="rMarg" refType="primFontSz" fact="0.3"/>
+                            <dgm:constr type="tMarg" refType="primFontSz" fact="0.3"/>
+                            <dgm:constr type="bMarg" refType="primFontSz" fact="0.3"/>
+                          </dgm:constrLst>
+                          <dgm:ruleLst>
+                            <dgm:rule type="primFontSz" val="5" fact="NaN" max="NaN"/>
+                          </dgm:ruleLst>
+                        </dgm:layoutNode>
+                        <dgm:layoutNode name="FiveNodes_4_text">
+                          <dgm:varLst>
+                            <dgm:bulletEnabled val="1"/>
+                          </dgm:varLst>
+                          <dgm:alg type="tx">
+                            <dgm:param type="parTxLTRAlign" val="l"/>
+                            <dgm:param type="txAnchorVertCh" val="mid"/>
+                          </dgm:alg>
+                          <dgm:shape xmlns:r="http://schemas.openxmlformats.org/officeDocument/2006/relationships" type="roundRect" r:blip="" hideGeom="1">
+                            <dgm:adjLst>
+                              <dgm:adj idx="1" val="0.1"/>
+                            </dgm:adjLst>
+                          </dgm:shape>
+                          <dgm:presOf axis="ch desOrSelf" ptType="node node" st="4 1" cnt="1 0"/>
+                          <dgm:constrLst>
+                            <dgm:constr type="lMarg" refType="primFontSz" fact="0.3"/>
+                            <dgm:constr type="rMarg" refType="primFontSz" fact="0.3"/>
+                            <dgm:constr type="tMarg" refType="primFontSz" fact="0.3"/>
+                            <dgm:constr type="bMarg" refType="primFontSz" fact="0.3"/>
+                          </dgm:constrLst>
+                          <dgm:ruleLst>
+                            <dgm:rule type="primFontSz" val="5" fact="NaN" max="NaN"/>
+                          </dgm:ruleLst>
+                        </dgm:layoutNode>
+                        <dgm:layoutNode name="FiveNodes_5_text">
+                          <dgm:varLst>
+                            <dgm:bulletEnabled val="1"/>
+                          </dgm:varLst>
+                          <dgm:alg type="tx">
+                            <dgm:param type="parTxLTRAlign" val="l"/>
+                            <dgm:param type="txAnchorVertCh" val="mid"/>
+                          </dgm:alg>
+                          <dgm:shape xmlns:r="http://schemas.openxmlformats.org/officeDocument/2006/relationships" type="roundRect" r:blip="" hideGeom="1">
+                            <dgm:adjLst>
+                              <dgm:adj idx="1" val="0.1"/>
+                            </dgm:adjLst>
+                          </dgm:shape>
+                          <dgm:presOf axis="ch desOrSelf" ptType="node node" st="5 1" cnt="1 0"/>
+                          <dgm:constrLst>
+                            <dgm:constr type="lMarg" refType="primFontSz" fact="0.3"/>
+                            <dgm:constr type="rMarg" refType="primFontSz" fact="0.3"/>
+                            <dgm:constr type="tMarg" refType="primFontSz" fact="0.3"/>
+                            <dgm:constr type="bMarg" refType="primFontSz" fact="0.3"/>
+                          </dgm:constrLst>
+                          <dgm:ruleLst>
+                            <dgm:rule type="primFontSz" val="5" fact="NaN" max="NaN"/>
+                          </dgm:ruleLst>
+                        </dgm:layoutNode>
+                      </dgm:if>
+                      <dgm:else name="Name17"/>
+                    </dgm:choose>
+                  </dgm:else>
+                </dgm:choose>
+              </dgm:else>
+            </dgm:choose>
+          </dgm:else>
+        </dgm:choose>
+      </dgm:else>
+    </dgm:choose>
+  </dgm:layoutNode>
+</dgm:layoutDef>
+</file>
+
+<file path=ppt/diagrams/layout6.xml><?xml version="1.0" encoding="utf-8"?>
+<dgm:layoutDef xmlns:dgm="http://schemas.openxmlformats.org/drawingml/2006/diagram" xmlns:a="http://schemas.openxmlformats.org/drawingml/2006/main" uniqueId="urn:microsoft.com/office/officeart/2005/8/layout/vList2">
+  <dgm:title val=""/>
+  <dgm:desc val=""/>
+  <dgm:catLst>
+    <dgm:cat type="list" pri="3000"/>
+    <dgm:cat type="convert" pri="1000"/>
+  </dgm:catLst>
+  <dgm:sampData>
+    <dgm:dataModel>
+      <dgm:ptLst>
+        <dgm:pt modelId="0" type="doc"/>
+        <dgm:pt modelId="1">
+          <dgm:prSet phldr="1"/>
+        </dgm:pt>
+        <dgm:pt modelId="11">
+          <dgm:prSet phldr="1"/>
+        </dgm:pt>
+        <dgm:pt modelId="2">
+          <dgm:prSet phldr="1"/>
+        </dgm:pt>
+        <dgm:pt modelId="21">
+          <dgm:prSet phldr="1"/>
+        </dgm:pt>
+      </dgm:ptLst>
+      <dgm:cxnLst>
+        <dgm:cxn modelId="4" srcId="0" destId="1" srcOrd="0" destOrd="0"/>
+        <dgm:cxn modelId="5" srcId="0" destId="2" srcOrd="1" destOrd="0"/>
+        <dgm:cxn modelId="12" srcId="1" destId="11" srcOrd="0" destOrd="0"/>
+        <dgm:cxn modelId="23" srcId="2" destId="21" srcOrd="0" destOrd="0"/>
+      </dgm:cxnLst>
+      <dgm:bg/>
+      <dgm:whole/>
+    </dgm:dataModel>
+  </dgm:sampData>
+  <dgm:styleData>
+    <dgm:dataModel>
+      <dgm:ptLst>
+        <dgm:pt modelId="0" type="doc"/>
+        <dgm:pt modelId="1"/>
+        <dgm:pt modelId="2"/>
+      </dgm:ptLst>
+      <dgm:cxnLst>
+        <dgm:cxn modelId="3" srcId="0" destId="1" srcOrd="0" destOrd="0"/>
+        <dgm:cxn modelId="4" srcId="0" destId="2" srcOrd="1" destOrd="0"/>
+      </dgm:cxnLst>
+      <dgm:bg/>
+      <dgm:whole/>
+    </dgm:dataModel>
+  </dgm:styleData>
+  <dgm:clrData>
+    <dgm:dataModel>
+      <dgm:ptLst>
+        <dgm:pt modelId="0" type="doc"/>
+        <dgm:pt modelId="1"/>
+        <dgm:pt modelId="2"/>
+        <dgm:pt modelId="3"/>
+        <dgm:pt modelId="4"/>
+      </dgm:ptLst>
+      <dgm:cxnLst>
+        <dgm:cxn modelId="5" srcId="0" destId="1" srcOrd="0" destOrd="0"/>
+        <dgm:cxn modelId="6" srcId="0" destId="2" srcOrd="1" destOrd="0"/>
+        <dgm:cxn modelId="7" srcId="0" destId="3" srcOrd="2" destOrd="0"/>
+        <dgm:cxn modelId="8" srcId="0" destId="4" srcOrd="3" destOrd="0"/>
+      </dgm:cxnLst>
+      <dgm:bg/>
+      <dgm:whole/>
+    </dgm:dataModel>
+  </dgm:clrData>
+  <dgm:layoutNode name="linear">
+    <dgm:varLst>
+      <dgm:animLvl val="lvl"/>
+      <dgm:resizeHandles val="exact"/>
+    </dgm:varLst>
+    <dgm:alg type="lin">
+      <dgm:param type="linDir" val="fromT"/>
+      <dgm:param type="vertAlign" val="mid"/>
+    </dgm:alg>
+    <dgm:shape xmlns:r="http://schemas.openxmlformats.org/officeDocument/2006/relationships" r:blip="">
+      <dgm:adjLst/>
+    </dgm:shape>
+    <dgm:presOf/>
+    <dgm:constrLst>
+      <dgm:constr type="w" for="ch" forName="parentText" refType="w"/>
+      <dgm:constr type="h" for="ch" forName="parentText" refType="primFontSz" refFor="ch" refForName="parentText" fact="0.52"/>
+      <dgm:constr type="w" for="ch" forName="childText" refType="w"/>
+      <dgm:constr type="h" for="ch" forName="childText" refType="primFontSz" refFor="ch" refForName="parentText" fact="0.46"/>
+      <dgm:constr type="h" for="ch" forName="parentText" op="equ"/>
+      <dgm:constr type="primFontSz" for="ch" forName="parentText" op="equ" val="65"/>
+      <dgm:constr type="primFontSz" for="ch" forName="childText" refType="primFontSz" refFor="ch" refForName="parentText" op="equ"/>
+      <dgm:constr type="h" for="ch" forName="spacer" refType="primFontSz" refFor="ch" refForName="parentText" fact="0.08"/>
+    </dgm:constrLst>
+    <dgm:ruleLst>
+      <dgm:rule type="primFontSz" for="ch" forName="parentText" val="5" fact="NaN" max="NaN"/>
+    </dgm:ruleLst>
+    <dgm:forEach name="Name0" axis="ch" ptType="node">
+      <dgm:layoutNode name="parentText" styleLbl="node1">
+        <dgm:varLst>
+          <dgm:chMax val="0"/>
+          <dgm:bulletEnabled val="1"/>
+        </dgm:varLst>
+        <dgm:alg type="tx">
+          <dgm:param type="parTxLTRAlign" val="l"/>
+          <dgm:param type="parTxRTLAlign" val="r"/>
+        </dgm:alg>
+        <dgm:shape xmlns:r="http://schemas.openxmlformats.org/officeDocument/2006/relationships" type="roundRect" r:blip="">
+          <dgm:adjLst/>
+        </dgm:shape>
+        <dgm:presOf axis="self"/>
+        <dgm:constrLst>
+          <dgm:constr type="tMarg" refType="primFontSz" fact="0.3"/>
+          <dgm:constr type="bMarg" refType="primFontSz" fact="0.3"/>
+          <dgm:constr type="lMarg" refType="primFontSz" fact="0.3"/>
+          <dgm:constr type="rMarg" refType="primFontSz" fact="0.3"/>
+        </dgm:constrLst>
+        <dgm:ruleLst>
+          <dgm:rule type="h" val="INF" fact="NaN" max="NaN"/>
+        </dgm:ruleLst>
+      </dgm:layoutNode>
+      <dgm:choose name="Name1">
+        <dgm:if name="Name2" axis="ch" ptType="node" func="cnt" op="gte" val="1">
+          <dgm:layoutNode name="childText" styleLbl="revTx">
+            <dgm:varLst>
+              <dgm:bulletEnabled val="1"/>
+            </dgm:varLst>
+            <dgm:alg type="tx">
+              <dgm:param type="stBulletLvl" val="1"/>
+              <dgm:param type="lnSpAfChP" val="20"/>
+            </dgm:alg>
+            <dgm:shape xmlns:r="http://schemas.openxmlformats.org/officeDocument/2006/relationships" type="rect" r:blip="">
+              <dgm:adjLst/>
+            </dgm:shape>
+            <dgm:presOf axis="des" ptType="node"/>
+            <dgm:constrLst>
+              <dgm:constr type="tMarg" refType="primFontSz" fact="0.1"/>
+              <dgm:constr type="bMarg" refType="primFontSz" fact="0.1"/>
+              <dgm:constr type="lMarg" refType="w" fact="0.09"/>
+            </dgm:constrLst>
+            <dgm:ruleLst>
+              <dgm:rule type="h" val="INF" fact="NaN" max="NaN"/>
+            </dgm:ruleLst>
+          </dgm:layoutNode>
+        </dgm:if>
+        <dgm:else name="Name3">
+          <dgm:choose name="Name4">
+            <dgm:if name="Name5" axis="par ch" ptType="doc node" func="cnt" op="gte" val="2">
+              <dgm:forEach name="Name6" axis="followSib" ptType="sibTrans" cnt="1">
+                <dgm:layoutNode name="spacer">
+                  <dgm:alg type="sp"/>
+                  <dgm:shape xmlns:r="http://schemas.openxmlformats.org/officeDocument/2006/relationships" r:blip="">
+                    <dgm:adjLst/>
+                  </dgm:shape>
+                  <dgm:presOf/>
+                  <dgm:constrLst/>
+                  <dgm:ruleLst/>
+                </dgm:layoutNode>
+              </dgm:forEach>
+            </dgm:if>
+            <dgm:else name="Name7"/>
+          </dgm:choose>
+        </dgm:else>
+      </dgm:choose>
+    </dgm:forEach>
+  </dgm:layoutNode>
+</dgm:layoutDef>
+</file>
+
+<file path=ppt/diagrams/layout7.xml><?xml version="1.0" encoding="utf-8"?>
 <dgm:layoutDef xmlns:dgm="http://schemas.openxmlformats.org/drawingml/2006/diagram" xmlns:a="http://schemas.openxmlformats.org/drawingml/2006/main" uniqueId="urn:microsoft.com/office/officeart/2005/8/layout/vList2">
   <dgm:title val=""/>
   <dgm:desc val=""/>
@@ -12556,6 +16851,2126 @@
 </dgm:styleDef>
 </file>
 
+<file path=ppt/diagrams/quickStyle6.xml><?xml version="1.0" encoding="utf-8"?>
+<dgm:styleDef xmlns:dgm="http://schemas.openxmlformats.org/drawingml/2006/diagram" xmlns:a="http://schemas.openxmlformats.org/drawingml/2006/main" uniqueId="urn:microsoft.com/office/officeart/2005/8/quickstyle/simple3">
+  <dgm:title val=""/>
+  <dgm:desc val=""/>
+  <dgm:catLst>
+    <dgm:cat type="simple" pri="10300"/>
+  </dgm:catLst>
+  <dgm:scene3d>
+    <a:camera prst="orthographicFront"/>
+    <a:lightRig rig="threePt" dir="t"/>
+  </dgm:scene3d>
+  <dgm:styleLbl name="node0">
+    <dgm:scene3d>
+      <a:camera prst="orthographicFront"/>
+      <a:lightRig rig="flat" dir="t"/>
+    </dgm:scene3d>
+    <dgm:sp3d prstMaterial="dkEdge">
+      <a:bevelT w="8200" h="38100"/>
+    </dgm:sp3d>
+    <dgm:txPr/>
+    <dgm:style>
+      <a:lnRef idx="0">
+        <a:scrgbClr r="0" g="0" b="0"/>
+      </a:lnRef>
+      <a:fillRef idx="2">
+        <a:scrgbClr r="0" g="0" b="0"/>
+      </a:fillRef>
+      <a:effectRef idx="1">
+        <a:scrgbClr r="0" g="0" b="0"/>
+      </a:effectRef>
+      <a:fontRef idx="minor">
+        <a:schemeClr val="dk1"/>
+      </a:fontRef>
+    </dgm:style>
+  </dgm:styleLbl>
+  <dgm:styleLbl name="lnNode1">
+    <dgm:scene3d>
+      <a:camera prst="orthographicFront"/>
+      <a:lightRig rig="flat" dir="t"/>
+    </dgm:scene3d>
+    <dgm:sp3d prstMaterial="dkEdge">
+      <a:bevelT w="8200" h="38100"/>
+    </dgm:sp3d>
+    <dgm:txPr/>
+    <dgm:style>
+      <a:lnRef idx="1">
+        <a:scrgbClr r="0" g="0" b="0"/>
+      </a:lnRef>
+      <a:fillRef idx="2">
+        <a:scrgbClr r="0" g="0" b="0"/>
+      </a:fillRef>
+      <a:effectRef idx="0">
+        <a:scrgbClr r="0" g="0" b="0"/>
+      </a:effectRef>
+      <a:fontRef idx="minor">
+        <a:schemeClr val="dk1"/>
+      </a:fontRef>
+    </dgm:style>
+  </dgm:styleLbl>
+  <dgm:styleLbl name="vennNode1">
+    <dgm:scene3d>
+      <a:camera prst="orthographicFront"/>
+      <a:lightRig rig="flat" dir="t"/>
+    </dgm:scene3d>
+    <dgm:sp3d prstMaterial="dkEdge">
+      <a:bevelT w="8200" h="38100"/>
+    </dgm:sp3d>
+    <dgm:txPr/>
+    <dgm:style>
+      <a:lnRef idx="0">
+        <a:scrgbClr r="0" g="0" b="0"/>
+      </a:lnRef>
+      <a:fillRef idx="2">
+        <a:scrgbClr r="0" g="0" b="0"/>
+      </a:fillRef>
+      <a:effectRef idx="0">
+        <a:scrgbClr r="0" g="0" b="0"/>
+      </a:effectRef>
+      <a:fontRef idx="minor">
+        <a:schemeClr val="tx1"/>
+      </a:fontRef>
+    </dgm:style>
+  </dgm:styleLbl>
+  <dgm:styleLbl name="alignNode1">
+    <dgm:scene3d>
+      <a:camera prst="orthographicFront"/>
+      <a:lightRig rig="threePt" dir="t"/>
+    </dgm:scene3d>
+    <dgm:sp3d/>
+    <dgm:txPr/>
+    <dgm:style>
+      <a:lnRef idx="1">
+        <a:scrgbClr r="0" g="0" b="0"/>
+      </a:lnRef>
+      <a:fillRef idx="2">
+        <a:scrgbClr r="0" g="0" b="0"/>
+      </a:fillRef>
+      <a:effectRef idx="1">
+        <a:scrgbClr r="0" g="0" b="0"/>
+      </a:effectRef>
+      <a:fontRef idx="minor">
+        <a:schemeClr val="dk1"/>
+      </a:fontRef>
+    </dgm:style>
+  </dgm:styleLbl>
+  <dgm:styleLbl name="node1">
+    <dgm:scene3d>
+      <a:camera prst="orthographicFront"/>
+      <a:lightRig rig="flat" dir="t"/>
+    </dgm:scene3d>
+    <dgm:sp3d prstMaterial="dkEdge">
+      <a:bevelT w="8200" h="38100"/>
+    </dgm:sp3d>
+    <dgm:txPr/>
+    <dgm:style>
+      <a:lnRef idx="0">
+        <a:scrgbClr r="0" g="0" b="0"/>
+      </a:lnRef>
+      <a:fillRef idx="2">
+        <a:scrgbClr r="0" g="0" b="0"/>
+      </a:fillRef>
+      <a:effectRef idx="1">
+        <a:scrgbClr r="0" g="0" b="0"/>
+      </a:effectRef>
+      <a:fontRef idx="minor">
+        <a:schemeClr val="dk1"/>
+      </a:fontRef>
+    </dgm:style>
+  </dgm:styleLbl>
+  <dgm:styleLbl name="node2">
+    <dgm:scene3d>
+      <a:camera prst="orthographicFront"/>
+      <a:lightRig rig="flat" dir="t"/>
+    </dgm:scene3d>
+    <dgm:sp3d prstMaterial="dkEdge">
+      <a:bevelT w="8200" h="38100"/>
+    </dgm:sp3d>
+    <dgm:txPr/>
+    <dgm:style>
+      <a:lnRef idx="0">
+        <a:scrgbClr r="0" g="0" b="0"/>
+      </a:lnRef>
+      <a:fillRef idx="2">
+        <a:scrgbClr r="0" g="0" b="0"/>
+      </a:fillRef>
+      <a:effectRef idx="1">
+        <a:scrgbClr r="0" g="0" b="0"/>
+      </a:effectRef>
+      <a:fontRef idx="minor">
+        <a:schemeClr val="dk1"/>
+      </a:fontRef>
+    </dgm:style>
+  </dgm:styleLbl>
+  <dgm:styleLbl name="node3">
+    <dgm:scene3d>
+      <a:camera prst="orthographicFront"/>
+      <a:lightRig rig="flat" dir="t"/>
+    </dgm:scene3d>
+    <dgm:sp3d prstMaterial="dkEdge">
+      <a:bevelT w="8200" h="38100"/>
+    </dgm:sp3d>
+    <dgm:txPr/>
+    <dgm:style>
+      <a:lnRef idx="0">
+        <a:scrgbClr r="0" g="0" b="0"/>
+      </a:lnRef>
+      <a:fillRef idx="2">
+        <a:scrgbClr r="0" g="0" b="0"/>
+      </a:fillRef>
+      <a:effectRef idx="1">
+        <a:scrgbClr r="0" g="0" b="0"/>
+      </a:effectRef>
+      <a:fontRef idx="minor">
+        <a:schemeClr val="dk1"/>
+      </a:fontRef>
+    </dgm:style>
+  </dgm:styleLbl>
+  <dgm:styleLbl name="node4">
+    <dgm:scene3d>
+      <a:camera prst="orthographicFront"/>
+      <a:lightRig rig="flat" dir="t"/>
+    </dgm:scene3d>
+    <dgm:sp3d prstMaterial="dkEdge">
+      <a:bevelT w="8200" h="38100"/>
+    </dgm:sp3d>
+    <dgm:txPr/>
+    <dgm:style>
+      <a:lnRef idx="0">
+        <a:scrgbClr r="0" g="0" b="0"/>
+      </a:lnRef>
+      <a:fillRef idx="2">
+        <a:scrgbClr r="0" g="0" b="0"/>
+      </a:fillRef>
+      <a:effectRef idx="1">
+        <a:scrgbClr r="0" g="0" b="0"/>
+      </a:effectRef>
+      <a:fontRef idx="minor">
+        <a:schemeClr val="dk1"/>
+      </a:fontRef>
+    </dgm:style>
+  </dgm:styleLbl>
+  <dgm:styleLbl name="fgImgPlace1">
+    <dgm:scene3d>
+      <a:camera prst="orthographicFront"/>
+      <a:lightRig rig="threePt" dir="t"/>
+    </dgm:scene3d>
+    <dgm:sp3d/>
+    <dgm:txPr/>
+    <dgm:style>
+      <a:lnRef idx="1">
+        <a:scrgbClr r="0" g="0" b="0"/>
+      </a:lnRef>
+      <a:fillRef idx="1">
+        <a:scrgbClr r="0" g="0" b="0"/>
+      </a:fillRef>
+      <a:effectRef idx="1">
+        <a:scrgbClr r="0" g="0" b="0"/>
+      </a:effectRef>
+      <a:fontRef idx="minor"/>
+    </dgm:style>
+  </dgm:styleLbl>
+  <dgm:styleLbl name="alignImgPlace1">
+    <dgm:scene3d>
+      <a:camera prst="orthographicFront"/>
+      <a:lightRig rig="threePt" dir="t"/>
+    </dgm:scene3d>
+    <dgm:sp3d/>
+    <dgm:txPr/>
+    <dgm:style>
+      <a:lnRef idx="1">
+        <a:scrgbClr r="0" g="0" b="0"/>
+      </a:lnRef>
+      <a:fillRef idx="1">
+        <a:scrgbClr r="0" g="0" b="0"/>
+      </a:fillRef>
+      <a:effectRef idx="1">
+        <a:scrgbClr r="0" g="0" b="0"/>
+      </a:effectRef>
+      <a:fontRef idx="minor"/>
+    </dgm:style>
+  </dgm:styleLbl>
+  <dgm:styleLbl name="bgImgPlace1">
+    <dgm:scene3d>
+      <a:camera prst="orthographicFront"/>
+      <a:lightRig rig="threePt" dir="t"/>
+    </dgm:scene3d>
+    <dgm:sp3d/>
+    <dgm:txPr/>
+    <dgm:style>
+      <a:lnRef idx="1">
+        <a:scrgbClr r="0" g="0" b="0"/>
+      </a:lnRef>
+      <a:fillRef idx="1">
+        <a:scrgbClr r="0" g="0" b="0"/>
+      </a:fillRef>
+      <a:effectRef idx="1">
+        <a:scrgbClr r="0" g="0" b="0"/>
+      </a:effectRef>
+      <a:fontRef idx="minor"/>
+    </dgm:style>
+  </dgm:styleLbl>
+  <dgm:styleLbl name="sibTrans2D1">
+    <dgm:scene3d>
+      <a:camera prst="orthographicFront"/>
+      <a:lightRig rig="threePt" dir="t"/>
+    </dgm:scene3d>
+    <dgm:sp3d/>
+    <dgm:txPr/>
+    <dgm:style>
+      <a:lnRef idx="0">
+        <a:scrgbClr r="0" g="0" b="0"/>
+      </a:lnRef>
+      <a:fillRef idx="2">
+        <a:scrgbClr r="0" g="0" b="0"/>
+      </a:fillRef>
+      <a:effectRef idx="1">
+        <a:scrgbClr r="0" g="0" b="0"/>
+      </a:effectRef>
+      <a:fontRef idx="minor">
+        <a:schemeClr val="dk1"/>
+      </a:fontRef>
+    </dgm:style>
+  </dgm:styleLbl>
+  <dgm:styleLbl name="fgSibTrans2D1">
+    <dgm:scene3d>
+      <a:camera prst="orthographicFront"/>
+      <a:lightRig rig="threePt" dir="t"/>
+    </dgm:scene3d>
+    <dgm:sp3d/>
+    <dgm:txPr/>
+    <dgm:style>
+      <a:lnRef idx="0">
+        <a:scrgbClr r="0" g="0" b="0"/>
+      </a:lnRef>
+      <a:fillRef idx="2">
+        <a:scrgbClr r="0" g="0" b="0"/>
+      </a:fillRef>
+      <a:effectRef idx="1">
+        <a:scrgbClr r="0" g="0" b="0"/>
+      </a:effectRef>
+      <a:fontRef idx="minor">
+        <a:schemeClr val="dk1"/>
+      </a:fontRef>
+    </dgm:style>
+  </dgm:styleLbl>
+  <dgm:styleLbl name="bgSibTrans2D1">
+    <dgm:scene3d>
+      <a:camera prst="orthographicFront"/>
+      <a:lightRig rig="threePt" dir="t"/>
+    </dgm:scene3d>
+    <dgm:sp3d/>
+    <dgm:txPr/>
+    <dgm:style>
+      <a:lnRef idx="0">
+        <a:scrgbClr r="0" g="0" b="0"/>
+      </a:lnRef>
+      <a:fillRef idx="2">
+        <a:scrgbClr r="0" g="0" b="0"/>
+      </a:fillRef>
+      <a:effectRef idx="1">
+        <a:scrgbClr r="0" g="0" b="0"/>
+      </a:effectRef>
+      <a:fontRef idx="minor">
+        <a:schemeClr val="dk1"/>
+      </a:fontRef>
+    </dgm:style>
+  </dgm:styleLbl>
+  <dgm:styleLbl name="sibTrans1D1">
+    <dgm:scene3d>
+      <a:camera prst="orthographicFront"/>
+      <a:lightRig rig="threePt" dir="t"/>
+    </dgm:scene3d>
+    <dgm:sp3d/>
+    <dgm:txPr/>
+    <dgm:style>
+      <a:lnRef idx="1">
+        <a:scrgbClr r="0" g="0" b="0"/>
+      </a:lnRef>
+      <a:fillRef idx="0">
+        <a:scrgbClr r="0" g="0" b="0"/>
+      </a:fillRef>
+      <a:effectRef idx="0">
+        <a:scrgbClr r="0" g="0" b="0"/>
+      </a:effectRef>
+      <a:fontRef idx="minor"/>
+    </dgm:style>
+  </dgm:styleLbl>
+  <dgm:styleLbl name="callout">
+    <dgm:scene3d>
+      <a:camera prst="orthographicFront"/>
+      <a:lightRig rig="threePt" dir="t"/>
+    </dgm:scene3d>
+    <dgm:sp3d/>
+    <dgm:txPr/>
+    <dgm:style>
+      <a:lnRef idx="1">
+        <a:scrgbClr r="0" g="0" b="0"/>
+      </a:lnRef>
+      <a:fillRef idx="2">
+        <a:scrgbClr r="0" g="0" b="0"/>
+      </a:fillRef>
+      <a:effectRef idx="1">
+        <a:scrgbClr r="0" g="0" b="0"/>
+      </a:effectRef>
+      <a:fontRef idx="minor"/>
+    </dgm:style>
+  </dgm:styleLbl>
+  <dgm:styleLbl name="asst0">
+    <dgm:scene3d>
+      <a:camera prst="orthographicFront"/>
+      <a:lightRig rig="flat" dir="t"/>
+    </dgm:scene3d>
+    <dgm:sp3d prstMaterial="dkEdge">
+      <a:bevelT w="8200" h="38100"/>
+    </dgm:sp3d>
+    <dgm:txPr/>
+    <dgm:style>
+      <a:lnRef idx="0">
+        <a:scrgbClr r="0" g="0" b="0"/>
+      </a:lnRef>
+      <a:fillRef idx="2">
+        <a:scrgbClr r="0" g="0" b="0"/>
+      </a:fillRef>
+      <a:effectRef idx="1">
+        <a:scrgbClr r="0" g="0" b="0"/>
+      </a:effectRef>
+      <a:fontRef idx="minor">
+        <a:schemeClr val="dk1"/>
+      </a:fontRef>
+    </dgm:style>
+  </dgm:styleLbl>
+  <dgm:styleLbl name="asst1">
+    <dgm:scene3d>
+      <a:camera prst="orthographicFront"/>
+      <a:lightRig rig="flat" dir="t"/>
+    </dgm:scene3d>
+    <dgm:sp3d prstMaterial="dkEdge">
+      <a:bevelT w="8200" h="38100"/>
+    </dgm:sp3d>
+    <dgm:txPr/>
+    <dgm:style>
+      <a:lnRef idx="0">
+        <a:scrgbClr r="0" g="0" b="0"/>
+      </a:lnRef>
+      <a:fillRef idx="2">
+        <a:scrgbClr r="0" g="0" b="0"/>
+      </a:fillRef>
+      <a:effectRef idx="1">
+        <a:scrgbClr r="0" g="0" b="0"/>
+      </a:effectRef>
+      <a:fontRef idx="minor">
+        <a:schemeClr val="dk1"/>
+      </a:fontRef>
+    </dgm:style>
+  </dgm:styleLbl>
+  <dgm:styleLbl name="asst2">
+    <dgm:scene3d>
+      <a:camera prst="orthographicFront"/>
+      <a:lightRig rig="flat" dir="t"/>
+    </dgm:scene3d>
+    <dgm:sp3d prstMaterial="dkEdge">
+      <a:bevelT w="8200" h="38100"/>
+    </dgm:sp3d>
+    <dgm:txPr/>
+    <dgm:style>
+      <a:lnRef idx="0">
+        <a:scrgbClr r="0" g="0" b="0"/>
+      </a:lnRef>
+      <a:fillRef idx="2">
+        <a:scrgbClr r="0" g="0" b="0"/>
+      </a:fillRef>
+      <a:effectRef idx="1">
+        <a:scrgbClr r="0" g="0" b="0"/>
+      </a:effectRef>
+      <a:fontRef idx="minor">
+        <a:schemeClr val="dk1"/>
+      </a:fontRef>
+    </dgm:style>
+  </dgm:styleLbl>
+  <dgm:styleLbl name="asst3">
+    <dgm:scene3d>
+      <a:camera prst="orthographicFront"/>
+      <a:lightRig rig="flat" dir="t"/>
+    </dgm:scene3d>
+    <dgm:sp3d prstMaterial="dkEdge">
+      <a:bevelT w="8200" h="38100"/>
+    </dgm:sp3d>
+    <dgm:txPr/>
+    <dgm:style>
+      <a:lnRef idx="0">
+        <a:scrgbClr r="0" g="0" b="0"/>
+      </a:lnRef>
+      <a:fillRef idx="2">
+        <a:scrgbClr r="0" g="0" b="0"/>
+      </a:fillRef>
+      <a:effectRef idx="1">
+        <a:scrgbClr r="0" g="0" b="0"/>
+      </a:effectRef>
+      <a:fontRef idx="minor">
+        <a:schemeClr val="dk1"/>
+      </a:fontRef>
+    </dgm:style>
+  </dgm:styleLbl>
+  <dgm:styleLbl name="asst4">
+    <dgm:scene3d>
+      <a:camera prst="orthographicFront"/>
+      <a:lightRig rig="flat" dir="t"/>
+    </dgm:scene3d>
+    <dgm:sp3d prstMaterial="dkEdge">
+      <a:bevelT w="8200" h="38100"/>
+    </dgm:sp3d>
+    <dgm:txPr/>
+    <dgm:style>
+      <a:lnRef idx="0">
+        <a:scrgbClr r="0" g="0" b="0"/>
+      </a:lnRef>
+      <a:fillRef idx="2">
+        <a:scrgbClr r="0" g="0" b="0"/>
+      </a:fillRef>
+      <a:effectRef idx="1">
+        <a:scrgbClr r="0" g="0" b="0"/>
+      </a:effectRef>
+      <a:fontRef idx="minor">
+        <a:schemeClr val="dk1"/>
+      </a:fontRef>
+    </dgm:style>
+  </dgm:styleLbl>
+  <dgm:styleLbl name="parChTrans2D1">
+    <dgm:scene3d>
+      <a:camera prst="orthographicFront"/>
+      <a:lightRig rig="threePt" dir="t"/>
+    </dgm:scene3d>
+    <dgm:sp3d/>
+    <dgm:txPr/>
+    <dgm:style>
+      <a:lnRef idx="1">
+        <a:scrgbClr r="0" g="0" b="0"/>
+      </a:lnRef>
+      <a:fillRef idx="2">
+        <a:scrgbClr r="0" g="0" b="0"/>
+      </a:fillRef>
+      <a:effectRef idx="1">
+        <a:scrgbClr r="0" g="0" b="0"/>
+      </a:effectRef>
+      <a:fontRef idx="minor">
+        <a:schemeClr val="dk1"/>
+      </a:fontRef>
+    </dgm:style>
+  </dgm:styleLbl>
+  <dgm:styleLbl name="parChTrans2D2">
+    <dgm:scene3d>
+      <a:camera prst="orthographicFront"/>
+      <a:lightRig rig="threePt" dir="t"/>
+    </dgm:scene3d>
+    <dgm:sp3d/>
+    <dgm:txPr/>
+    <dgm:style>
+      <a:lnRef idx="1">
+        <a:scrgbClr r="0" g="0" b="0"/>
+      </a:lnRef>
+      <a:fillRef idx="2">
+        <a:scrgbClr r="0" g="0" b="0"/>
+      </a:fillRef>
+      <a:effectRef idx="1">
+        <a:scrgbClr r="0" g="0" b="0"/>
+      </a:effectRef>
+      <a:fontRef idx="minor">
+        <a:schemeClr val="dk1"/>
+      </a:fontRef>
+    </dgm:style>
+  </dgm:styleLbl>
+  <dgm:styleLbl name="parChTrans2D3">
+    <dgm:scene3d>
+      <a:camera prst="orthographicFront"/>
+      <a:lightRig rig="threePt" dir="t"/>
+    </dgm:scene3d>
+    <dgm:sp3d/>
+    <dgm:txPr/>
+    <dgm:style>
+      <a:lnRef idx="1">
+        <a:scrgbClr r="0" g="0" b="0"/>
+      </a:lnRef>
+      <a:fillRef idx="2">
+        <a:scrgbClr r="0" g="0" b="0"/>
+      </a:fillRef>
+      <a:effectRef idx="1">
+        <a:scrgbClr r="0" g="0" b="0"/>
+      </a:effectRef>
+      <a:fontRef idx="minor">
+        <a:schemeClr val="dk1"/>
+      </a:fontRef>
+    </dgm:style>
+  </dgm:styleLbl>
+  <dgm:styleLbl name="parChTrans2D4">
+    <dgm:scene3d>
+      <a:camera prst="orthographicFront"/>
+      <a:lightRig rig="threePt" dir="t"/>
+    </dgm:scene3d>
+    <dgm:sp3d/>
+    <dgm:txPr/>
+    <dgm:style>
+      <a:lnRef idx="1">
+        <a:scrgbClr r="0" g="0" b="0"/>
+      </a:lnRef>
+      <a:fillRef idx="2">
+        <a:scrgbClr r="0" g="0" b="0"/>
+      </a:fillRef>
+      <a:effectRef idx="1">
+        <a:scrgbClr r="0" g="0" b="0"/>
+      </a:effectRef>
+      <a:fontRef idx="minor">
+        <a:schemeClr val="dk1"/>
+      </a:fontRef>
+    </dgm:style>
+  </dgm:styleLbl>
+  <dgm:styleLbl name="parChTrans1D1">
+    <dgm:scene3d>
+      <a:camera prst="orthographicFront"/>
+      <a:lightRig rig="threePt" dir="t"/>
+    </dgm:scene3d>
+    <dgm:sp3d/>
+    <dgm:txPr/>
+    <dgm:style>
+      <a:lnRef idx="2">
+        <a:scrgbClr r="0" g="0" b="0"/>
+      </a:lnRef>
+      <a:fillRef idx="0">
+        <a:scrgbClr r="0" g="0" b="0"/>
+      </a:fillRef>
+      <a:effectRef idx="0">
+        <a:scrgbClr r="0" g="0" b="0"/>
+      </a:effectRef>
+      <a:fontRef idx="minor"/>
+    </dgm:style>
+  </dgm:styleLbl>
+  <dgm:styleLbl name="parChTrans1D2">
+    <dgm:scene3d>
+      <a:camera prst="orthographicFront"/>
+      <a:lightRig rig="threePt" dir="t"/>
+    </dgm:scene3d>
+    <dgm:sp3d/>
+    <dgm:txPr/>
+    <dgm:style>
+      <a:lnRef idx="2">
+        <a:scrgbClr r="0" g="0" b="0"/>
+      </a:lnRef>
+      <a:fillRef idx="0">
+        <a:scrgbClr r="0" g="0" b="0"/>
+      </a:fillRef>
+      <a:effectRef idx="0">
+        <a:scrgbClr r="0" g="0" b="0"/>
+      </a:effectRef>
+      <a:fontRef idx="minor"/>
+    </dgm:style>
+  </dgm:styleLbl>
+  <dgm:styleLbl name="parChTrans1D3">
+    <dgm:scene3d>
+      <a:camera prst="orthographicFront"/>
+      <a:lightRig rig="threePt" dir="t"/>
+    </dgm:scene3d>
+    <dgm:sp3d/>
+    <dgm:txPr/>
+    <dgm:style>
+      <a:lnRef idx="2">
+        <a:scrgbClr r="0" g="0" b="0"/>
+      </a:lnRef>
+      <a:fillRef idx="0">
+        <a:scrgbClr r="0" g="0" b="0"/>
+      </a:fillRef>
+      <a:effectRef idx="0">
+        <a:scrgbClr r="0" g="0" b="0"/>
+      </a:effectRef>
+      <a:fontRef idx="minor"/>
+    </dgm:style>
+  </dgm:styleLbl>
+  <dgm:styleLbl name="parChTrans1D4">
+    <dgm:scene3d>
+      <a:camera prst="orthographicFront"/>
+      <a:lightRig rig="threePt" dir="t"/>
+    </dgm:scene3d>
+    <dgm:sp3d/>
+    <dgm:txPr/>
+    <dgm:style>
+      <a:lnRef idx="2">
+        <a:scrgbClr r="0" g="0" b="0"/>
+      </a:lnRef>
+      <a:fillRef idx="0">
+        <a:scrgbClr r="0" g="0" b="0"/>
+      </a:fillRef>
+      <a:effectRef idx="0">
+        <a:scrgbClr r="0" g="0" b="0"/>
+      </a:effectRef>
+      <a:fontRef idx="minor"/>
+    </dgm:style>
+  </dgm:styleLbl>
+  <dgm:styleLbl name="fgAcc1">
+    <dgm:scene3d>
+      <a:camera prst="orthographicFront"/>
+      <a:lightRig rig="threePt" dir="t"/>
+    </dgm:scene3d>
+    <dgm:sp3d/>
+    <dgm:txPr/>
+    <dgm:style>
+      <a:lnRef idx="1">
+        <a:scrgbClr r="0" g="0" b="0"/>
+      </a:lnRef>
+      <a:fillRef idx="1">
+        <a:scrgbClr r="0" g="0" b="0"/>
+      </a:fillRef>
+      <a:effectRef idx="0">
+        <a:scrgbClr r="0" g="0" b="0"/>
+      </a:effectRef>
+      <a:fontRef idx="minor"/>
+    </dgm:style>
+  </dgm:styleLbl>
+  <dgm:styleLbl name="conFgAcc1">
+    <dgm:scene3d>
+      <a:camera prst="orthographicFront"/>
+      <a:lightRig rig="threePt" dir="t"/>
+    </dgm:scene3d>
+    <dgm:sp3d/>
+    <dgm:txPr/>
+    <dgm:style>
+      <a:lnRef idx="1">
+        <a:scrgbClr r="0" g="0" b="0"/>
+      </a:lnRef>
+      <a:fillRef idx="1">
+        <a:scrgbClr r="0" g="0" b="0"/>
+      </a:fillRef>
+      <a:effectRef idx="0">
+        <a:scrgbClr r="0" g="0" b="0"/>
+      </a:effectRef>
+      <a:fontRef idx="minor"/>
+    </dgm:style>
+  </dgm:styleLbl>
+  <dgm:styleLbl name="alignAcc1">
+    <dgm:scene3d>
+      <a:camera prst="orthographicFront"/>
+      <a:lightRig rig="threePt" dir="t"/>
+    </dgm:scene3d>
+    <dgm:sp3d/>
+    <dgm:txPr/>
+    <dgm:style>
+      <a:lnRef idx="1">
+        <a:scrgbClr r="0" g="0" b="0"/>
+      </a:lnRef>
+      <a:fillRef idx="1">
+        <a:scrgbClr r="0" g="0" b="0"/>
+      </a:fillRef>
+      <a:effectRef idx="0">
+        <a:scrgbClr r="0" g="0" b="0"/>
+      </a:effectRef>
+      <a:fontRef idx="minor"/>
+    </dgm:style>
+  </dgm:styleLbl>
+  <dgm:styleLbl name="trAlignAcc1">
+    <dgm:scene3d>
+      <a:camera prst="orthographicFront"/>
+      <a:lightRig rig="threePt" dir="t"/>
+    </dgm:scene3d>
+    <dgm:sp3d/>
+    <dgm:txPr/>
+    <dgm:style>
+      <a:lnRef idx="1">
+        <a:scrgbClr r="0" g="0" b="0"/>
+      </a:lnRef>
+      <a:fillRef idx="1">
+        <a:scrgbClr r="0" g="0" b="0"/>
+      </a:fillRef>
+      <a:effectRef idx="0">
+        <a:scrgbClr r="0" g="0" b="0"/>
+      </a:effectRef>
+      <a:fontRef idx="minor"/>
+    </dgm:style>
+  </dgm:styleLbl>
+  <dgm:styleLbl name="bgAcc1">
+    <dgm:scene3d>
+      <a:camera prst="orthographicFront"/>
+      <a:lightRig rig="threePt" dir="t"/>
+    </dgm:scene3d>
+    <dgm:sp3d/>
+    <dgm:txPr/>
+    <dgm:style>
+      <a:lnRef idx="1">
+        <a:scrgbClr r="0" g="0" b="0"/>
+      </a:lnRef>
+      <a:fillRef idx="1">
+        <a:scrgbClr r="0" g="0" b="0"/>
+      </a:fillRef>
+      <a:effectRef idx="0">
+        <a:scrgbClr r="0" g="0" b="0"/>
+      </a:effectRef>
+      <a:fontRef idx="minor"/>
+    </dgm:style>
+  </dgm:styleLbl>
+  <dgm:styleLbl name="solidFgAcc1">
+    <dgm:scene3d>
+      <a:camera prst="orthographicFront"/>
+      <a:lightRig rig="threePt" dir="t"/>
+    </dgm:scene3d>
+    <dgm:sp3d/>
+    <dgm:txPr/>
+    <dgm:style>
+      <a:lnRef idx="1">
+        <a:scrgbClr r="0" g="0" b="0"/>
+      </a:lnRef>
+      <a:fillRef idx="2">
+        <a:scrgbClr r="0" g="0" b="0"/>
+      </a:fillRef>
+      <a:effectRef idx="0">
+        <a:scrgbClr r="0" g="0" b="0"/>
+      </a:effectRef>
+      <a:fontRef idx="minor"/>
+    </dgm:style>
+  </dgm:styleLbl>
+  <dgm:styleLbl name="solidAlignAcc1">
+    <dgm:scene3d>
+      <a:camera prst="orthographicFront"/>
+      <a:lightRig rig="threePt" dir="t"/>
+    </dgm:scene3d>
+    <dgm:sp3d/>
+    <dgm:txPr/>
+    <dgm:style>
+      <a:lnRef idx="1">
+        <a:scrgbClr r="0" g="0" b="0"/>
+      </a:lnRef>
+      <a:fillRef idx="1">
+        <a:scrgbClr r="0" g="0" b="0"/>
+      </a:fillRef>
+      <a:effectRef idx="0">
+        <a:scrgbClr r="0" g="0" b="0"/>
+      </a:effectRef>
+      <a:fontRef idx="minor"/>
+    </dgm:style>
+  </dgm:styleLbl>
+  <dgm:styleLbl name="solidBgAcc1">
+    <dgm:scene3d>
+      <a:camera prst="orthographicFront"/>
+      <a:lightRig rig="threePt" dir="t"/>
+    </dgm:scene3d>
+    <dgm:sp3d/>
+    <dgm:txPr/>
+    <dgm:style>
+      <a:lnRef idx="1">
+        <a:scrgbClr r="0" g="0" b="0"/>
+      </a:lnRef>
+      <a:fillRef idx="1">
+        <a:scrgbClr r="0" g="0" b="0"/>
+      </a:fillRef>
+      <a:effectRef idx="0">
+        <a:scrgbClr r="0" g="0" b="0"/>
+      </a:effectRef>
+      <a:fontRef idx="minor"/>
+    </dgm:style>
+  </dgm:styleLbl>
+  <dgm:styleLbl name="fgAccFollowNode1">
+    <dgm:scene3d>
+      <a:camera prst="orthographicFront"/>
+      <a:lightRig rig="threePt" dir="t"/>
+    </dgm:scene3d>
+    <dgm:sp3d/>
+    <dgm:txPr/>
+    <dgm:style>
+      <a:lnRef idx="1">
+        <a:scrgbClr r="0" g="0" b="0"/>
+      </a:lnRef>
+      <a:fillRef idx="1">
+        <a:scrgbClr r="0" g="0" b="0"/>
+      </a:fillRef>
+      <a:effectRef idx="0">
+        <a:scrgbClr r="0" g="0" b="0"/>
+      </a:effectRef>
+      <a:fontRef idx="minor"/>
+    </dgm:style>
+  </dgm:styleLbl>
+  <dgm:styleLbl name="alignAccFollowNode1">
+    <dgm:scene3d>
+      <a:camera prst="orthographicFront"/>
+      <a:lightRig rig="threePt" dir="t"/>
+    </dgm:scene3d>
+    <dgm:sp3d/>
+    <dgm:txPr/>
+    <dgm:style>
+      <a:lnRef idx="1">
+        <a:scrgbClr r="0" g="0" b="0"/>
+      </a:lnRef>
+      <a:fillRef idx="1">
+        <a:scrgbClr r="0" g="0" b="0"/>
+      </a:fillRef>
+      <a:effectRef idx="0">
+        <a:scrgbClr r="0" g="0" b="0"/>
+      </a:effectRef>
+      <a:fontRef idx="minor"/>
+    </dgm:style>
+  </dgm:styleLbl>
+  <dgm:styleLbl name="bgAccFollowNode1">
+    <dgm:scene3d>
+      <a:camera prst="orthographicFront"/>
+      <a:lightRig rig="threePt" dir="t"/>
+    </dgm:scene3d>
+    <dgm:sp3d/>
+    <dgm:txPr/>
+    <dgm:style>
+      <a:lnRef idx="1">
+        <a:scrgbClr r="0" g="0" b="0"/>
+      </a:lnRef>
+      <a:fillRef idx="1">
+        <a:scrgbClr r="0" g="0" b="0"/>
+      </a:fillRef>
+      <a:effectRef idx="0">
+        <a:scrgbClr r="0" g="0" b="0"/>
+      </a:effectRef>
+      <a:fontRef idx="minor"/>
+    </dgm:style>
+  </dgm:styleLbl>
+  <dgm:styleLbl name="fgAcc0">
+    <dgm:scene3d>
+      <a:camera prst="orthographicFront"/>
+      <a:lightRig rig="threePt" dir="t"/>
+    </dgm:scene3d>
+    <dgm:sp3d/>
+    <dgm:txPr/>
+    <dgm:style>
+      <a:lnRef idx="1">
+        <a:scrgbClr r="0" g="0" b="0"/>
+      </a:lnRef>
+      <a:fillRef idx="1">
+        <a:scrgbClr r="0" g="0" b="0"/>
+      </a:fillRef>
+      <a:effectRef idx="0">
+        <a:scrgbClr r="0" g="0" b="0"/>
+      </a:effectRef>
+      <a:fontRef idx="minor"/>
+    </dgm:style>
+  </dgm:styleLbl>
+  <dgm:styleLbl name="fgAcc2">
+    <dgm:scene3d>
+      <a:camera prst="orthographicFront"/>
+      <a:lightRig rig="threePt" dir="t"/>
+    </dgm:scene3d>
+    <dgm:sp3d/>
+    <dgm:txPr/>
+    <dgm:style>
+      <a:lnRef idx="1">
+        <a:scrgbClr r="0" g="0" b="0"/>
+      </a:lnRef>
+      <a:fillRef idx="1">
+        <a:scrgbClr r="0" g="0" b="0"/>
+      </a:fillRef>
+      <a:effectRef idx="0">
+        <a:scrgbClr r="0" g="0" b="0"/>
+      </a:effectRef>
+      <a:fontRef idx="minor"/>
+    </dgm:style>
+  </dgm:styleLbl>
+  <dgm:styleLbl name="fgAcc3">
+    <dgm:scene3d>
+      <a:camera prst="orthographicFront"/>
+      <a:lightRig rig="threePt" dir="t"/>
+    </dgm:scene3d>
+    <dgm:sp3d/>
+    <dgm:txPr/>
+    <dgm:style>
+      <a:lnRef idx="1">
+        <a:scrgbClr r="0" g="0" b="0"/>
+      </a:lnRef>
+      <a:fillRef idx="1">
+        <a:scrgbClr r="0" g="0" b="0"/>
+      </a:fillRef>
+      <a:effectRef idx="0">
+        <a:scrgbClr r="0" g="0" b="0"/>
+      </a:effectRef>
+      <a:fontRef idx="minor"/>
+    </dgm:style>
+  </dgm:styleLbl>
+  <dgm:styleLbl name="fgAcc4">
+    <dgm:scene3d>
+      <a:camera prst="orthographicFront"/>
+      <a:lightRig rig="threePt" dir="t"/>
+    </dgm:scene3d>
+    <dgm:sp3d/>
+    <dgm:txPr/>
+    <dgm:style>
+      <a:lnRef idx="1">
+        <a:scrgbClr r="0" g="0" b="0"/>
+      </a:lnRef>
+      <a:fillRef idx="1">
+        <a:scrgbClr r="0" g="0" b="0"/>
+      </a:fillRef>
+      <a:effectRef idx="0">
+        <a:scrgbClr r="0" g="0" b="0"/>
+      </a:effectRef>
+      <a:fontRef idx="minor"/>
+    </dgm:style>
+  </dgm:styleLbl>
+  <dgm:styleLbl name="bgShp">
+    <dgm:scene3d>
+      <a:camera prst="orthographicFront"/>
+      <a:lightRig rig="threePt" dir="t"/>
+    </dgm:scene3d>
+    <dgm:sp3d/>
+    <dgm:txPr/>
+    <dgm:style>
+      <a:lnRef idx="0">
+        <a:scrgbClr r="0" g="0" b="0"/>
+      </a:lnRef>
+      <a:fillRef idx="1">
+        <a:scrgbClr r="0" g="0" b="0"/>
+      </a:fillRef>
+      <a:effectRef idx="1">
+        <a:scrgbClr r="0" g="0" b="0"/>
+      </a:effectRef>
+      <a:fontRef idx="minor"/>
+    </dgm:style>
+  </dgm:styleLbl>
+  <dgm:styleLbl name="dkBgShp">
+    <dgm:scene3d>
+      <a:camera prst="orthographicFront"/>
+      <a:lightRig rig="threePt" dir="t"/>
+    </dgm:scene3d>
+    <dgm:sp3d/>
+    <dgm:txPr/>
+    <dgm:style>
+      <a:lnRef idx="0">
+        <a:scrgbClr r="0" g="0" b="0"/>
+      </a:lnRef>
+      <a:fillRef idx="1">
+        <a:scrgbClr r="0" g="0" b="0"/>
+      </a:fillRef>
+      <a:effectRef idx="1">
+        <a:scrgbClr r="0" g="0" b="0"/>
+      </a:effectRef>
+      <a:fontRef idx="minor"/>
+    </dgm:style>
+  </dgm:styleLbl>
+  <dgm:styleLbl name="trBgShp">
+    <dgm:scene3d>
+      <a:camera prst="orthographicFront"/>
+      <a:lightRig rig="threePt" dir="t"/>
+    </dgm:scene3d>
+    <dgm:sp3d/>
+    <dgm:txPr/>
+    <dgm:style>
+      <a:lnRef idx="0">
+        <a:scrgbClr r="0" g="0" b="0"/>
+      </a:lnRef>
+      <a:fillRef idx="1">
+        <a:scrgbClr r="0" g="0" b="0"/>
+      </a:fillRef>
+      <a:effectRef idx="0">
+        <a:scrgbClr r="0" g="0" b="0"/>
+      </a:effectRef>
+      <a:fontRef idx="minor"/>
+    </dgm:style>
+  </dgm:styleLbl>
+  <dgm:styleLbl name="fgShp">
+    <dgm:scene3d>
+      <a:camera prst="orthographicFront"/>
+      <a:lightRig rig="flat" dir="t"/>
+    </dgm:scene3d>
+    <dgm:sp3d prstMaterial="dkEdge">
+      <a:bevelT w="8200" h="38100"/>
+    </dgm:sp3d>
+    <dgm:txPr/>
+    <dgm:style>
+      <a:lnRef idx="1">
+        <a:scrgbClr r="0" g="0" b="0"/>
+      </a:lnRef>
+      <a:fillRef idx="2">
+        <a:scrgbClr r="0" g="0" b="0"/>
+      </a:fillRef>
+      <a:effectRef idx="1">
+        <a:scrgbClr r="0" g="0" b="0"/>
+      </a:effectRef>
+      <a:fontRef idx="minor"/>
+    </dgm:style>
+  </dgm:styleLbl>
+  <dgm:styleLbl name="revTx">
+    <dgm:scene3d>
+      <a:camera prst="orthographicFront"/>
+      <a:lightRig rig="threePt" dir="t"/>
+    </dgm:scene3d>
+    <dgm:sp3d/>
+    <dgm:txPr/>
+    <dgm:style>
+      <a:lnRef idx="0">
+        <a:scrgbClr r="0" g="0" b="0"/>
+      </a:lnRef>
+      <a:fillRef idx="0">
+        <a:scrgbClr r="0" g="0" b="0"/>
+      </a:fillRef>
+      <a:effectRef idx="0">
+        <a:scrgbClr r="0" g="0" b="0"/>
+      </a:effectRef>
+      <a:fontRef idx="minor"/>
+    </dgm:style>
+  </dgm:styleLbl>
+</dgm:styleDef>
+</file>
+
+<file path=ppt/diagrams/quickStyle7.xml><?xml version="1.0" encoding="utf-8"?>
+<dgm:styleDef xmlns:dgm="http://schemas.openxmlformats.org/drawingml/2006/diagram" xmlns:a="http://schemas.openxmlformats.org/drawingml/2006/main" uniqueId="urn:microsoft.com/office/officeart/2005/8/quickstyle/simple3">
+  <dgm:title val=""/>
+  <dgm:desc val=""/>
+  <dgm:catLst>
+    <dgm:cat type="simple" pri="10300"/>
+  </dgm:catLst>
+  <dgm:scene3d>
+    <a:camera prst="orthographicFront"/>
+    <a:lightRig rig="threePt" dir="t"/>
+  </dgm:scene3d>
+  <dgm:styleLbl name="node0">
+    <dgm:scene3d>
+      <a:camera prst="orthographicFront"/>
+      <a:lightRig rig="flat" dir="t"/>
+    </dgm:scene3d>
+    <dgm:sp3d prstMaterial="dkEdge">
+      <a:bevelT w="8200" h="38100"/>
+    </dgm:sp3d>
+    <dgm:txPr/>
+    <dgm:style>
+      <a:lnRef idx="0">
+        <a:scrgbClr r="0" g="0" b="0"/>
+      </a:lnRef>
+      <a:fillRef idx="2">
+        <a:scrgbClr r="0" g="0" b="0"/>
+      </a:fillRef>
+      <a:effectRef idx="1">
+        <a:scrgbClr r="0" g="0" b="0"/>
+      </a:effectRef>
+      <a:fontRef idx="minor">
+        <a:schemeClr val="dk1"/>
+      </a:fontRef>
+    </dgm:style>
+  </dgm:styleLbl>
+  <dgm:styleLbl name="lnNode1">
+    <dgm:scene3d>
+      <a:camera prst="orthographicFront"/>
+      <a:lightRig rig="flat" dir="t"/>
+    </dgm:scene3d>
+    <dgm:sp3d prstMaterial="dkEdge">
+      <a:bevelT w="8200" h="38100"/>
+    </dgm:sp3d>
+    <dgm:txPr/>
+    <dgm:style>
+      <a:lnRef idx="1">
+        <a:scrgbClr r="0" g="0" b="0"/>
+      </a:lnRef>
+      <a:fillRef idx="2">
+        <a:scrgbClr r="0" g="0" b="0"/>
+      </a:fillRef>
+      <a:effectRef idx="0">
+        <a:scrgbClr r="0" g="0" b="0"/>
+      </a:effectRef>
+      <a:fontRef idx="minor">
+        <a:schemeClr val="dk1"/>
+      </a:fontRef>
+    </dgm:style>
+  </dgm:styleLbl>
+  <dgm:styleLbl name="vennNode1">
+    <dgm:scene3d>
+      <a:camera prst="orthographicFront"/>
+      <a:lightRig rig="flat" dir="t"/>
+    </dgm:scene3d>
+    <dgm:sp3d prstMaterial="dkEdge">
+      <a:bevelT w="8200" h="38100"/>
+    </dgm:sp3d>
+    <dgm:txPr/>
+    <dgm:style>
+      <a:lnRef idx="0">
+        <a:scrgbClr r="0" g="0" b="0"/>
+      </a:lnRef>
+      <a:fillRef idx="2">
+        <a:scrgbClr r="0" g="0" b="0"/>
+      </a:fillRef>
+      <a:effectRef idx="0">
+        <a:scrgbClr r="0" g="0" b="0"/>
+      </a:effectRef>
+      <a:fontRef idx="minor">
+        <a:schemeClr val="tx1"/>
+      </a:fontRef>
+    </dgm:style>
+  </dgm:styleLbl>
+  <dgm:styleLbl name="alignNode1">
+    <dgm:scene3d>
+      <a:camera prst="orthographicFront"/>
+      <a:lightRig rig="threePt" dir="t"/>
+    </dgm:scene3d>
+    <dgm:sp3d/>
+    <dgm:txPr/>
+    <dgm:style>
+      <a:lnRef idx="1">
+        <a:scrgbClr r="0" g="0" b="0"/>
+      </a:lnRef>
+      <a:fillRef idx="2">
+        <a:scrgbClr r="0" g="0" b="0"/>
+      </a:fillRef>
+      <a:effectRef idx="1">
+        <a:scrgbClr r="0" g="0" b="0"/>
+      </a:effectRef>
+      <a:fontRef idx="minor">
+        <a:schemeClr val="dk1"/>
+      </a:fontRef>
+    </dgm:style>
+  </dgm:styleLbl>
+  <dgm:styleLbl name="node1">
+    <dgm:scene3d>
+      <a:camera prst="orthographicFront"/>
+      <a:lightRig rig="flat" dir="t"/>
+    </dgm:scene3d>
+    <dgm:sp3d prstMaterial="dkEdge">
+      <a:bevelT w="8200" h="38100"/>
+    </dgm:sp3d>
+    <dgm:txPr/>
+    <dgm:style>
+      <a:lnRef idx="0">
+        <a:scrgbClr r="0" g="0" b="0"/>
+      </a:lnRef>
+      <a:fillRef idx="2">
+        <a:scrgbClr r="0" g="0" b="0"/>
+      </a:fillRef>
+      <a:effectRef idx="1">
+        <a:scrgbClr r="0" g="0" b="0"/>
+      </a:effectRef>
+      <a:fontRef idx="minor">
+        <a:schemeClr val="dk1"/>
+      </a:fontRef>
+    </dgm:style>
+  </dgm:styleLbl>
+  <dgm:styleLbl name="node2">
+    <dgm:scene3d>
+      <a:camera prst="orthographicFront"/>
+      <a:lightRig rig="flat" dir="t"/>
+    </dgm:scene3d>
+    <dgm:sp3d prstMaterial="dkEdge">
+      <a:bevelT w="8200" h="38100"/>
+    </dgm:sp3d>
+    <dgm:txPr/>
+    <dgm:style>
+      <a:lnRef idx="0">
+        <a:scrgbClr r="0" g="0" b="0"/>
+      </a:lnRef>
+      <a:fillRef idx="2">
+        <a:scrgbClr r="0" g="0" b="0"/>
+      </a:fillRef>
+      <a:effectRef idx="1">
+        <a:scrgbClr r="0" g="0" b="0"/>
+      </a:effectRef>
+      <a:fontRef idx="minor">
+        <a:schemeClr val="dk1"/>
+      </a:fontRef>
+    </dgm:style>
+  </dgm:styleLbl>
+  <dgm:styleLbl name="node3">
+    <dgm:scene3d>
+      <a:camera prst="orthographicFront"/>
+      <a:lightRig rig="flat" dir="t"/>
+    </dgm:scene3d>
+    <dgm:sp3d prstMaterial="dkEdge">
+      <a:bevelT w="8200" h="38100"/>
+    </dgm:sp3d>
+    <dgm:txPr/>
+    <dgm:style>
+      <a:lnRef idx="0">
+        <a:scrgbClr r="0" g="0" b="0"/>
+      </a:lnRef>
+      <a:fillRef idx="2">
+        <a:scrgbClr r="0" g="0" b="0"/>
+      </a:fillRef>
+      <a:effectRef idx="1">
+        <a:scrgbClr r="0" g="0" b="0"/>
+      </a:effectRef>
+      <a:fontRef idx="minor">
+        <a:schemeClr val="dk1"/>
+      </a:fontRef>
+    </dgm:style>
+  </dgm:styleLbl>
+  <dgm:styleLbl name="node4">
+    <dgm:scene3d>
+      <a:camera prst="orthographicFront"/>
+      <a:lightRig rig="flat" dir="t"/>
+    </dgm:scene3d>
+    <dgm:sp3d prstMaterial="dkEdge">
+      <a:bevelT w="8200" h="38100"/>
+    </dgm:sp3d>
+    <dgm:txPr/>
+    <dgm:style>
+      <a:lnRef idx="0">
+        <a:scrgbClr r="0" g="0" b="0"/>
+      </a:lnRef>
+      <a:fillRef idx="2">
+        <a:scrgbClr r="0" g="0" b="0"/>
+      </a:fillRef>
+      <a:effectRef idx="1">
+        <a:scrgbClr r="0" g="0" b="0"/>
+      </a:effectRef>
+      <a:fontRef idx="minor">
+        <a:schemeClr val="dk1"/>
+      </a:fontRef>
+    </dgm:style>
+  </dgm:styleLbl>
+  <dgm:styleLbl name="fgImgPlace1">
+    <dgm:scene3d>
+      <a:camera prst="orthographicFront"/>
+      <a:lightRig rig="threePt" dir="t"/>
+    </dgm:scene3d>
+    <dgm:sp3d/>
+    <dgm:txPr/>
+    <dgm:style>
+      <a:lnRef idx="1">
+        <a:scrgbClr r="0" g="0" b="0"/>
+      </a:lnRef>
+      <a:fillRef idx="1">
+        <a:scrgbClr r="0" g="0" b="0"/>
+      </a:fillRef>
+      <a:effectRef idx="1">
+        <a:scrgbClr r="0" g="0" b="0"/>
+      </a:effectRef>
+      <a:fontRef idx="minor"/>
+    </dgm:style>
+  </dgm:styleLbl>
+  <dgm:styleLbl name="alignImgPlace1">
+    <dgm:scene3d>
+      <a:camera prst="orthographicFront"/>
+      <a:lightRig rig="threePt" dir="t"/>
+    </dgm:scene3d>
+    <dgm:sp3d/>
+    <dgm:txPr/>
+    <dgm:style>
+      <a:lnRef idx="1">
+        <a:scrgbClr r="0" g="0" b="0"/>
+      </a:lnRef>
+      <a:fillRef idx="1">
+        <a:scrgbClr r="0" g="0" b="0"/>
+      </a:fillRef>
+      <a:effectRef idx="1">
+        <a:scrgbClr r="0" g="0" b="0"/>
+      </a:effectRef>
+      <a:fontRef idx="minor"/>
+    </dgm:style>
+  </dgm:styleLbl>
+  <dgm:styleLbl name="bgImgPlace1">
+    <dgm:scene3d>
+      <a:camera prst="orthographicFront"/>
+      <a:lightRig rig="threePt" dir="t"/>
+    </dgm:scene3d>
+    <dgm:sp3d/>
+    <dgm:txPr/>
+    <dgm:style>
+      <a:lnRef idx="1">
+        <a:scrgbClr r="0" g="0" b="0"/>
+      </a:lnRef>
+      <a:fillRef idx="1">
+        <a:scrgbClr r="0" g="0" b="0"/>
+      </a:fillRef>
+      <a:effectRef idx="1">
+        <a:scrgbClr r="0" g="0" b="0"/>
+      </a:effectRef>
+      <a:fontRef idx="minor"/>
+    </dgm:style>
+  </dgm:styleLbl>
+  <dgm:styleLbl name="sibTrans2D1">
+    <dgm:scene3d>
+      <a:camera prst="orthographicFront"/>
+      <a:lightRig rig="threePt" dir="t"/>
+    </dgm:scene3d>
+    <dgm:sp3d/>
+    <dgm:txPr/>
+    <dgm:style>
+      <a:lnRef idx="0">
+        <a:scrgbClr r="0" g="0" b="0"/>
+      </a:lnRef>
+      <a:fillRef idx="2">
+        <a:scrgbClr r="0" g="0" b="0"/>
+      </a:fillRef>
+      <a:effectRef idx="1">
+        <a:scrgbClr r="0" g="0" b="0"/>
+      </a:effectRef>
+      <a:fontRef idx="minor">
+        <a:schemeClr val="dk1"/>
+      </a:fontRef>
+    </dgm:style>
+  </dgm:styleLbl>
+  <dgm:styleLbl name="fgSibTrans2D1">
+    <dgm:scene3d>
+      <a:camera prst="orthographicFront"/>
+      <a:lightRig rig="threePt" dir="t"/>
+    </dgm:scene3d>
+    <dgm:sp3d/>
+    <dgm:txPr/>
+    <dgm:style>
+      <a:lnRef idx="0">
+        <a:scrgbClr r="0" g="0" b="0"/>
+      </a:lnRef>
+      <a:fillRef idx="2">
+        <a:scrgbClr r="0" g="0" b="0"/>
+      </a:fillRef>
+      <a:effectRef idx="1">
+        <a:scrgbClr r="0" g="0" b="0"/>
+      </a:effectRef>
+      <a:fontRef idx="minor">
+        <a:schemeClr val="dk1"/>
+      </a:fontRef>
+    </dgm:style>
+  </dgm:styleLbl>
+  <dgm:styleLbl name="bgSibTrans2D1">
+    <dgm:scene3d>
+      <a:camera prst="orthographicFront"/>
+      <a:lightRig rig="threePt" dir="t"/>
+    </dgm:scene3d>
+    <dgm:sp3d/>
+    <dgm:txPr/>
+    <dgm:style>
+      <a:lnRef idx="0">
+        <a:scrgbClr r="0" g="0" b="0"/>
+      </a:lnRef>
+      <a:fillRef idx="2">
+        <a:scrgbClr r="0" g="0" b="0"/>
+      </a:fillRef>
+      <a:effectRef idx="1">
+        <a:scrgbClr r="0" g="0" b="0"/>
+      </a:effectRef>
+      <a:fontRef idx="minor">
+        <a:schemeClr val="dk1"/>
+      </a:fontRef>
+    </dgm:style>
+  </dgm:styleLbl>
+  <dgm:styleLbl name="sibTrans1D1">
+    <dgm:scene3d>
+      <a:camera prst="orthographicFront"/>
+      <a:lightRig rig="threePt" dir="t"/>
+    </dgm:scene3d>
+    <dgm:sp3d/>
+    <dgm:txPr/>
+    <dgm:style>
+      <a:lnRef idx="1">
+        <a:scrgbClr r="0" g="0" b="0"/>
+      </a:lnRef>
+      <a:fillRef idx="0">
+        <a:scrgbClr r="0" g="0" b="0"/>
+      </a:fillRef>
+      <a:effectRef idx="0">
+        <a:scrgbClr r="0" g="0" b="0"/>
+      </a:effectRef>
+      <a:fontRef idx="minor"/>
+    </dgm:style>
+  </dgm:styleLbl>
+  <dgm:styleLbl name="callout">
+    <dgm:scene3d>
+      <a:camera prst="orthographicFront"/>
+      <a:lightRig rig="threePt" dir="t"/>
+    </dgm:scene3d>
+    <dgm:sp3d/>
+    <dgm:txPr/>
+    <dgm:style>
+      <a:lnRef idx="1">
+        <a:scrgbClr r="0" g="0" b="0"/>
+      </a:lnRef>
+      <a:fillRef idx="2">
+        <a:scrgbClr r="0" g="0" b="0"/>
+      </a:fillRef>
+      <a:effectRef idx="1">
+        <a:scrgbClr r="0" g="0" b="0"/>
+      </a:effectRef>
+      <a:fontRef idx="minor"/>
+    </dgm:style>
+  </dgm:styleLbl>
+  <dgm:styleLbl name="asst0">
+    <dgm:scene3d>
+      <a:camera prst="orthographicFront"/>
+      <a:lightRig rig="flat" dir="t"/>
+    </dgm:scene3d>
+    <dgm:sp3d prstMaterial="dkEdge">
+      <a:bevelT w="8200" h="38100"/>
+    </dgm:sp3d>
+    <dgm:txPr/>
+    <dgm:style>
+      <a:lnRef idx="0">
+        <a:scrgbClr r="0" g="0" b="0"/>
+      </a:lnRef>
+      <a:fillRef idx="2">
+        <a:scrgbClr r="0" g="0" b="0"/>
+      </a:fillRef>
+      <a:effectRef idx="1">
+        <a:scrgbClr r="0" g="0" b="0"/>
+      </a:effectRef>
+      <a:fontRef idx="minor">
+        <a:schemeClr val="dk1"/>
+      </a:fontRef>
+    </dgm:style>
+  </dgm:styleLbl>
+  <dgm:styleLbl name="asst1">
+    <dgm:scene3d>
+      <a:camera prst="orthographicFront"/>
+      <a:lightRig rig="flat" dir="t"/>
+    </dgm:scene3d>
+    <dgm:sp3d prstMaterial="dkEdge">
+      <a:bevelT w="8200" h="38100"/>
+    </dgm:sp3d>
+    <dgm:txPr/>
+    <dgm:style>
+      <a:lnRef idx="0">
+        <a:scrgbClr r="0" g="0" b="0"/>
+      </a:lnRef>
+      <a:fillRef idx="2">
+        <a:scrgbClr r="0" g="0" b="0"/>
+      </a:fillRef>
+      <a:effectRef idx="1">
+        <a:scrgbClr r="0" g="0" b="0"/>
+      </a:effectRef>
+      <a:fontRef idx="minor">
+        <a:schemeClr val="dk1"/>
+      </a:fontRef>
+    </dgm:style>
+  </dgm:styleLbl>
+  <dgm:styleLbl name="asst2">
+    <dgm:scene3d>
+      <a:camera prst="orthographicFront"/>
+      <a:lightRig rig="flat" dir="t"/>
+    </dgm:scene3d>
+    <dgm:sp3d prstMaterial="dkEdge">
+      <a:bevelT w="8200" h="38100"/>
+    </dgm:sp3d>
+    <dgm:txPr/>
+    <dgm:style>
+      <a:lnRef idx="0">
+        <a:scrgbClr r="0" g="0" b="0"/>
+      </a:lnRef>
+      <a:fillRef idx="2">
+        <a:scrgbClr r="0" g="0" b="0"/>
+      </a:fillRef>
+      <a:effectRef idx="1">
+        <a:scrgbClr r="0" g="0" b="0"/>
+      </a:effectRef>
+      <a:fontRef idx="minor">
+        <a:schemeClr val="dk1"/>
+      </a:fontRef>
+    </dgm:style>
+  </dgm:styleLbl>
+  <dgm:styleLbl name="asst3">
+    <dgm:scene3d>
+      <a:camera prst="orthographicFront"/>
+      <a:lightRig rig="flat" dir="t"/>
+    </dgm:scene3d>
+    <dgm:sp3d prstMaterial="dkEdge">
+      <a:bevelT w="8200" h="38100"/>
+    </dgm:sp3d>
+    <dgm:txPr/>
+    <dgm:style>
+      <a:lnRef idx="0">
+        <a:scrgbClr r="0" g="0" b="0"/>
+      </a:lnRef>
+      <a:fillRef idx="2">
+        <a:scrgbClr r="0" g="0" b="0"/>
+      </a:fillRef>
+      <a:effectRef idx="1">
+        <a:scrgbClr r="0" g="0" b="0"/>
+      </a:effectRef>
+      <a:fontRef idx="minor">
+        <a:schemeClr val="dk1"/>
+      </a:fontRef>
+    </dgm:style>
+  </dgm:styleLbl>
+  <dgm:styleLbl name="asst4">
+    <dgm:scene3d>
+      <a:camera prst="orthographicFront"/>
+      <a:lightRig rig="flat" dir="t"/>
+    </dgm:scene3d>
+    <dgm:sp3d prstMaterial="dkEdge">
+      <a:bevelT w="8200" h="38100"/>
+    </dgm:sp3d>
+    <dgm:txPr/>
+    <dgm:style>
+      <a:lnRef idx="0">
+        <a:scrgbClr r="0" g="0" b="0"/>
+      </a:lnRef>
+      <a:fillRef idx="2">
+        <a:scrgbClr r="0" g="0" b="0"/>
+      </a:fillRef>
+      <a:effectRef idx="1">
+        <a:scrgbClr r="0" g="0" b="0"/>
+      </a:effectRef>
+      <a:fontRef idx="minor">
+        <a:schemeClr val="dk1"/>
+      </a:fontRef>
+    </dgm:style>
+  </dgm:styleLbl>
+  <dgm:styleLbl name="parChTrans2D1">
+    <dgm:scene3d>
+      <a:camera prst="orthographicFront"/>
+      <a:lightRig rig="threePt" dir="t"/>
+    </dgm:scene3d>
+    <dgm:sp3d/>
+    <dgm:txPr/>
+    <dgm:style>
+      <a:lnRef idx="1">
+        <a:scrgbClr r="0" g="0" b="0"/>
+      </a:lnRef>
+      <a:fillRef idx="2">
+        <a:scrgbClr r="0" g="0" b="0"/>
+      </a:fillRef>
+      <a:effectRef idx="1">
+        <a:scrgbClr r="0" g="0" b="0"/>
+      </a:effectRef>
+      <a:fontRef idx="minor">
+        <a:schemeClr val="dk1"/>
+      </a:fontRef>
+    </dgm:style>
+  </dgm:styleLbl>
+  <dgm:styleLbl name="parChTrans2D2">
+    <dgm:scene3d>
+      <a:camera prst="orthographicFront"/>
+      <a:lightRig rig="threePt" dir="t"/>
+    </dgm:scene3d>
+    <dgm:sp3d/>
+    <dgm:txPr/>
+    <dgm:style>
+      <a:lnRef idx="1">
+        <a:scrgbClr r="0" g="0" b="0"/>
+      </a:lnRef>
+      <a:fillRef idx="2">
+        <a:scrgbClr r="0" g="0" b="0"/>
+      </a:fillRef>
+      <a:effectRef idx="1">
+        <a:scrgbClr r="0" g="0" b="0"/>
+      </a:effectRef>
+      <a:fontRef idx="minor">
+        <a:schemeClr val="dk1"/>
+      </a:fontRef>
+    </dgm:style>
+  </dgm:styleLbl>
+  <dgm:styleLbl name="parChTrans2D3">
+    <dgm:scene3d>
+      <a:camera prst="orthographicFront"/>
+      <a:lightRig rig="threePt" dir="t"/>
+    </dgm:scene3d>
+    <dgm:sp3d/>
+    <dgm:txPr/>
+    <dgm:style>
+      <a:lnRef idx="1">
+        <a:scrgbClr r="0" g="0" b="0"/>
+      </a:lnRef>
+      <a:fillRef idx="2">
+        <a:scrgbClr r="0" g="0" b="0"/>
+      </a:fillRef>
+      <a:effectRef idx="1">
+        <a:scrgbClr r="0" g="0" b="0"/>
+      </a:effectRef>
+      <a:fontRef idx="minor">
+        <a:schemeClr val="dk1"/>
+      </a:fontRef>
+    </dgm:style>
+  </dgm:styleLbl>
+  <dgm:styleLbl name="parChTrans2D4">
+    <dgm:scene3d>
+      <a:camera prst="orthographicFront"/>
+      <a:lightRig rig="threePt" dir="t"/>
+    </dgm:scene3d>
+    <dgm:sp3d/>
+    <dgm:txPr/>
+    <dgm:style>
+      <a:lnRef idx="1">
+        <a:scrgbClr r="0" g="0" b="0"/>
+      </a:lnRef>
+      <a:fillRef idx="2">
+        <a:scrgbClr r="0" g="0" b="0"/>
+      </a:fillRef>
+      <a:effectRef idx="1">
+        <a:scrgbClr r="0" g="0" b="0"/>
+      </a:effectRef>
+      <a:fontRef idx="minor">
+        <a:schemeClr val="dk1"/>
+      </a:fontRef>
+    </dgm:style>
+  </dgm:styleLbl>
+  <dgm:styleLbl name="parChTrans1D1">
+    <dgm:scene3d>
+      <a:camera prst="orthographicFront"/>
+      <a:lightRig rig="threePt" dir="t"/>
+    </dgm:scene3d>
+    <dgm:sp3d/>
+    <dgm:txPr/>
+    <dgm:style>
+      <a:lnRef idx="2">
+        <a:scrgbClr r="0" g="0" b="0"/>
+      </a:lnRef>
+      <a:fillRef idx="0">
+        <a:scrgbClr r="0" g="0" b="0"/>
+      </a:fillRef>
+      <a:effectRef idx="0">
+        <a:scrgbClr r="0" g="0" b="0"/>
+      </a:effectRef>
+      <a:fontRef idx="minor"/>
+    </dgm:style>
+  </dgm:styleLbl>
+  <dgm:styleLbl name="parChTrans1D2">
+    <dgm:scene3d>
+      <a:camera prst="orthographicFront"/>
+      <a:lightRig rig="threePt" dir="t"/>
+    </dgm:scene3d>
+    <dgm:sp3d/>
+    <dgm:txPr/>
+    <dgm:style>
+      <a:lnRef idx="2">
+        <a:scrgbClr r="0" g="0" b="0"/>
+      </a:lnRef>
+      <a:fillRef idx="0">
+        <a:scrgbClr r="0" g="0" b="0"/>
+      </a:fillRef>
+      <a:effectRef idx="0">
+        <a:scrgbClr r="0" g="0" b="0"/>
+      </a:effectRef>
+      <a:fontRef idx="minor"/>
+    </dgm:style>
+  </dgm:styleLbl>
+  <dgm:styleLbl name="parChTrans1D3">
+    <dgm:scene3d>
+      <a:camera prst="orthographicFront"/>
+      <a:lightRig rig="threePt" dir="t"/>
+    </dgm:scene3d>
+    <dgm:sp3d/>
+    <dgm:txPr/>
+    <dgm:style>
+      <a:lnRef idx="2">
+        <a:scrgbClr r="0" g="0" b="0"/>
+      </a:lnRef>
+      <a:fillRef idx="0">
+        <a:scrgbClr r="0" g="0" b="0"/>
+      </a:fillRef>
+      <a:effectRef idx="0">
+        <a:scrgbClr r="0" g="0" b="0"/>
+      </a:effectRef>
+      <a:fontRef idx="minor"/>
+    </dgm:style>
+  </dgm:styleLbl>
+  <dgm:styleLbl name="parChTrans1D4">
+    <dgm:scene3d>
+      <a:camera prst="orthographicFront"/>
+      <a:lightRig rig="threePt" dir="t"/>
+    </dgm:scene3d>
+    <dgm:sp3d/>
+    <dgm:txPr/>
+    <dgm:style>
+      <a:lnRef idx="2">
+        <a:scrgbClr r="0" g="0" b="0"/>
+      </a:lnRef>
+      <a:fillRef idx="0">
+        <a:scrgbClr r="0" g="0" b="0"/>
+      </a:fillRef>
+      <a:effectRef idx="0">
+        <a:scrgbClr r="0" g="0" b="0"/>
+      </a:effectRef>
+      <a:fontRef idx="minor"/>
+    </dgm:style>
+  </dgm:styleLbl>
+  <dgm:styleLbl name="fgAcc1">
+    <dgm:scene3d>
+      <a:camera prst="orthographicFront"/>
+      <a:lightRig rig="threePt" dir="t"/>
+    </dgm:scene3d>
+    <dgm:sp3d/>
+    <dgm:txPr/>
+    <dgm:style>
+      <a:lnRef idx="1">
+        <a:scrgbClr r="0" g="0" b="0"/>
+      </a:lnRef>
+      <a:fillRef idx="1">
+        <a:scrgbClr r="0" g="0" b="0"/>
+      </a:fillRef>
+      <a:effectRef idx="0">
+        <a:scrgbClr r="0" g="0" b="0"/>
+      </a:effectRef>
+      <a:fontRef idx="minor"/>
+    </dgm:style>
+  </dgm:styleLbl>
+  <dgm:styleLbl name="conFgAcc1">
+    <dgm:scene3d>
+      <a:camera prst="orthographicFront"/>
+      <a:lightRig rig="threePt" dir="t"/>
+    </dgm:scene3d>
+    <dgm:sp3d/>
+    <dgm:txPr/>
+    <dgm:style>
+      <a:lnRef idx="1">
+        <a:scrgbClr r="0" g="0" b="0"/>
+      </a:lnRef>
+      <a:fillRef idx="1">
+        <a:scrgbClr r="0" g="0" b="0"/>
+      </a:fillRef>
+      <a:effectRef idx="0">
+        <a:scrgbClr r="0" g="0" b="0"/>
+      </a:effectRef>
+      <a:fontRef idx="minor"/>
+    </dgm:style>
+  </dgm:styleLbl>
+  <dgm:styleLbl name="alignAcc1">
+    <dgm:scene3d>
+      <a:camera prst="orthographicFront"/>
+      <a:lightRig rig="threePt" dir="t"/>
+    </dgm:scene3d>
+    <dgm:sp3d/>
+    <dgm:txPr/>
+    <dgm:style>
+      <a:lnRef idx="1">
+        <a:scrgbClr r="0" g="0" b="0"/>
+      </a:lnRef>
+      <a:fillRef idx="1">
+        <a:scrgbClr r="0" g="0" b="0"/>
+      </a:fillRef>
+      <a:effectRef idx="0">
+        <a:scrgbClr r="0" g="0" b="0"/>
+      </a:effectRef>
+      <a:fontRef idx="minor"/>
+    </dgm:style>
+  </dgm:styleLbl>
+  <dgm:styleLbl name="trAlignAcc1">
+    <dgm:scene3d>
+      <a:camera prst="orthographicFront"/>
+      <a:lightRig rig="threePt" dir="t"/>
+    </dgm:scene3d>
+    <dgm:sp3d/>
+    <dgm:txPr/>
+    <dgm:style>
+      <a:lnRef idx="1">
+        <a:scrgbClr r="0" g="0" b="0"/>
+      </a:lnRef>
+      <a:fillRef idx="1">
+        <a:scrgbClr r="0" g="0" b="0"/>
+      </a:fillRef>
+      <a:effectRef idx="0">
+        <a:scrgbClr r="0" g="0" b="0"/>
+      </a:effectRef>
+      <a:fontRef idx="minor"/>
+    </dgm:style>
+  </dgm:styleLbl>
+  <dgm:styleLbl name="bgAcc1">
+    <dgm:scene3d>
+      <a:camera prst="orthographicFront"/>
+      <a:lightRig rig="threePt" dir="t"/>
+    </dgm:scene3d>
+    <dgm:sp3d/>
+    <dgm:txPr/>
+    <dgm:style>
+      <a:lnRef idx="1">
+        <a:scrgbClr r="0" g="0" b="0"/>
+      </a:lnRef>
+      <a:fillRef idx="1">
+        <a:scrgbClr r="0" g="0" b="0"/>
+      </a:fillRef>
+      <a:effectRef idx="0">
+        <a:scrgbClr r="0" g="0" b="0"/>
+      </a:effectRef>
+      <a:fontRef idx="minor"/>
+    </dgm:style>
+  </dgm:styleLbl>
+  <dgm:styleLbl name="solidFgAcc1">
+    <dgm:scene3d>
+      <a:camera prst="orthographicFront"/>
+      <a:lightRig rig="threePt" dir="t"/>
+    </dgm:scene3d>
+    <dgm:sp3d/>
+    <dgm:txPr/>
+    <dgm:style>
+      <a:lnRef idx="1">
+        <a:scrgbClr r="0" g="0" b="0"/>
+      </a:lnRef>
+      <a:fillRef idx="2">
+        <a:scrgbClr r="0" g="0" b="0"/>
+      </a:fillRef>
+      <a:effectRef idx="0">
+        <a:scrgbClr r="0" g="0" b="0"/>
+      </a:effectRef>
+      <a:fontRef idx="minor"/>
+    </dgm:style>
+  </dgm:styleLbl>
+  <dgm:styleLbl name="solidAlignAcc1">
+    <dgm:scene3d>
+      <a:camera prst="orthographicFront"/>
+      <a:lightRig rig="threePt" dir="t"/>
+    </dgm:scene3d>
+    <dgm:sp3d/>
+    <dgm:txPr/>
+    <dgm:style>
+      <a:lnRef idx="1">
+        <a:scrgbClr r="0" g="0" b="0"/>
+      </a:lnRef>
+      <a:fillRef idx="1">
+        <a:scrgbClr r="0" g="0" b="0"/>
+      </a:fillRef>
+      <a:effectRef idx="0">
+        <a:scrgbClr r="0" g="0" b="0"/>
+      </a:effectRef>
+      <a:fontRef idx="minor"/>
+    </dgm:style>
+  </dgm:styleLbl>
+  <dgm:styleLbl name="solidBgAcc1">
+    <dgm:scene3d>
+      <a:camera prst="orthographicFront"/>
+      <a:lightRig rig="threePt" dir="t"/>
+    </dgm:scene3d>
+    <dgm:sp3d/>
+    <dgm:txPr/>
+    <dgm:style>
+      <a:lnRef idx="1">
+        <a:scrgbClr r="0" g="0" b="0"/>
+      </a:lnRef>
+      <a:fillRef idx="1">
+        <a:scrgbClr r="0" g="0" b="0"/>
+      </a:fillRef>
+      <a:effectRef idx="0">
+        <a:scrgbClr r="0" g="0" b="0"/>
+      </a:effectRef>
+      <a:fontRef idx="minor"/>
+    </dgm:style>
+  </dgm:styleLbl>
+  <dgm:styleLbl name="fgAccFollowNode1">
+    <dgm:scene3d>
+      <a:camera prst="orthographicFront"/>
+      <a:lightRig rig="threePt" dir="t"/>
+    </dgm:scene3d>
+    <dgm:sp3d/>
+    <dgm:txPr/>
+    <dgm:style>
+      <a:lnRef idx="1">
+        <a:scrgbClr r="0" g="0" b="0"/>
+      </a:lnRef>
+      <a:fillRef idx="1">
+        <a:scrgbClr r="0" g="0" b="0"/>
+      </a:fillRef>
+      <a:effectRef idx="0">
+        <a:scrgbClr r="0" g="0" b="0"/>
+      </a:effectRef>
+      <a:fontRef idx="minor"/>
+    </dgm:style>
+  </dgm:styleLbl>
+  <dgm:styleLbl name="alignAccFollowNode1">
+    <dgm:scene3d>
+      <a:camera prst="orthographicFront"/>
+      <a:lightRig rig="threePt" dir="t"/>
+    </dgm:scene3d>
+    <dgm:sp3d/>
+    <dgm:txPr/>
+    <dgm:style>
+      <a:lnRef idx="1">
+        <a:scrgbClr r="0" g="0" b="0"/>
+      </a:lnRef>
+      <a:fillRef idx="1">
+        <a:scrgbClr r="0" g="0" b="0"/>
+      </a:fillRef>
+      <a:effectRef idx="0">
+        <a:scrgbClr r="0" g="0" b="0"/>
+      </a:effectRef>
+      <a:fontRef idx="minor"/>
+    </dgm:style>
+  </dgm:styleLbl>
+  <dgm:styleLbl name="bgAccFollowNode1">
+    <dgm:scene3d>
+      <a:camera prst="orthographicFront"/>
+      <a:lightRig rig="threePt" dir="t"/>
+    </dgm:scene3d>
+    <dgm:sp3d/>
+    <dgm:txPr/>
+    <dgm:style>
+      <a:lnRef idx="1">
+        <a:scrgbClr r="0" g="0" b="0"/>
+      </a:lnRef>
+      <a:fillRef idx="1">
+        <a:scrgbClr r="0" g="0" b="0"/>
+      </a:fillRef>
+      <a:effectRef idx="0">
+        <a:scrgbClr r="0" g="0" b="0"/>
+      </a:effectRef>
+      <a:fontRef idx="minor"/>
+    </dgm:style>
+  </dgm:styleLbl>
+  <dgm:styleLbl name="fgAcc0">
+    <dgm:scene3d>
+      <a:camera prst="orthographicFront"/>
+      <a:lightRig rig="threePt" dir="t"/>
+    </dgm:scene3d>
+    <dgm:sp3d/>
+    <dgm:txPr/>
+    <dgm:style>
+      <a:lnRef idx="1">
+        <a:scrgbClr r="0" g="0" b="0"/>
+      </a:lnRef>
+      <a:fillRef idx="1">
+        <a:scrgbClr r="0" g="0" b="0"/>
+      </a:fillRef>
+      <a:effectRef idx="0">
+        <a:scrgbClr r="0" g="0" b="0"/>
+      </a:effectRef>
+      <a:fontRef idx="minor"/>
+    </dgm:style>
+  </dgm:styleLbl>
+  <dgm:styleLbl name="fgAcc2">
+    <dgm:scene3d>
+      <a:camera prst="orthographicFront"/>
+      <a:lightRig rig="threePt" dir="t"/>
+    </dgm:scene3d>
+    <dgm:sp3d/>
+    <dgm:txPr/>
+    <dgm:style>
+      <a:lnRef idx="1">
+        <a:scrgbClr r="0" g="0" b="0"/>
+      </a:lnRef>
+      <a:fillRef idx="1">
+        <a:scrgbClr r="0" g="0" b="0"/>
+      </a:fillRef>
+      <a:effectRef idx="0">
+        <a:scrgbClr r="0" g="0" b="0"/>
+      </a:effectRef>
+      <a:fontRef idx="minor"/>
+    </dgm:style>
+  </dgm:styleLbl>
+  <dgm:styleLbl name="fgAcc3">
+    <dgm:scene3d>
+      <a:camera prst="orthographicFront"/>
+      <a:lightRig rig="threePt" dir="t"/>
+    </dgm:scene3d>
+    <dgm:sp3d/>
+    <dgm:txPr/>
+    <dgm:style>
+      <a:lnRef idx="1">
+        <a:scrgbClr r="0" g="0" b="0"/>
+      </a:lnRef>
+      <a:fillRef idx="1">
+        <a:scrgbClr r="0" g="0" b="0"/>
+      </a:fillRef>
+      <a:effectRef idx="0">
+        <a:scrgbClr r="0" g="0" b="0"/>
+      </a:effectRef>
+      <a:fontRef idx="minor"/>
+    </dgm:style>
+  </dgm:styleLbl>
+  <dgm:styleLbl name="fgAcc4">
+    <dgm:scene3d>
+      <a:camera prst="orthographicFront"/>
+      <a:lightRig rig="threePt" dir="t"/>
+    </dgm:scene3d>
+    <dgm:sp3d/>
+    <dgm:txPr/>
+    <dgm:style>
+      <a:lnRef idx="1">
+        <a:scrgbClr r="0" g="0" b="0"/>
+      </a:lnRef>
+      <a:fillRef idx="1">
+        <a:scrgbClr r="0" g="0" b="0"/>
+      </a:fillRef>
+      <a:effectRef idx="0">
+        <a:scrgbClr r="0" g="0" b="0"/>
+      </a:effectRef>
+      <a:fontRef idx="minor"/>
+    </dgm:style>
+  </dgm:styleLbl>
+  <dgm:styleLbl name="bgShp">
+    <dgm:scene3d>
+      <a:camera prst="orthographicFront"/>
+      <a:lightRig rig="threePt" dir="t"/>
+    </dgm:scene3d>
+    <dgm:sp3d/>
+    <dgm:txPr/>
+    <dgm:style>
+      <a:lnRef idx="0">
+        <a:scrgbClr r="0" g="0" b="0"/>
+      </a:lnRef>
+      <a:fillRef idx="1">
+        <a:scrgbClr r="0" g="0" b="0"/>
+      </a:fillRef>
+      <a:effectRef idx="1">
+        <a:scrgbClr r="0" g="0" b="0"/>
+      </a:effectRef>
+      <a:fontRef idx="minor"/>
+    </dgm:style>
+  </dgm:styleLbl>
+  <dgm:styleLbl name="dkBgShp">
+    <dgm:scene3d>
+      <a:camera prst="orthographicFront"/>
+      <a:lightRig rig="threePt" dir="t"/>
+    </dgm:scene3d>
+    <dgm:sp3d/>
+    <dgm:txPr/>
+    <dgm:style>
+      <a:lnRef idx="0">
+        <a:scrgbClr r="0" g="0" b="0"/>
+      </a:lnRef>
+      <a:fillRef idx="1">
+        <a:scrgbClr r="0" g="0" b="0"/>
+      </a:fillRef>
+      <a:effectRef idx="1">
+        <a:scrgbClr r="0" g="0" b="0"/>
+      </a:effectRef>
+      <a:fontRef idx="minor"/>
+    </dgm:style>
+  </dgm:styleLbl>
+  <dgm:styleLbl name="trBgShp">
+    <dgm:scene3d>
+      <a:camera prst="orthographicFront"/>
+      <a:lightRig rig="threePt" dir="t"/>
+    </dgm:scene3d>
+    <dgm:sp3d/>
+    <dgm:txPr/>
+    <dgm:style>
+      <a:lnRef idx="0">
+        <a:scrgbClr r="0" g="0" b="0"/>
+      </a:lnRef>
+      <a:fillRef idx="1">
+        <a:scrgbClr r="0" g="0" b="0"/>
+      </a:fillRef>
+      <a:effectRef idx="0">
+        <a:scrgbClr r="0" g="0" b="0"/>
+      </a:effectRef>
+      <a:fontRef idx="minor"/>
+    </dgm:style>
+  </dgm:styleLbl>
+  <dgm:styleLbl name="fgShp">
+    <dgm:scene3d>
+      <a:camera prst="orthographicFront"/>
+      <a:lightRig rig="flat" dir="t"/>
+    </dgm:scene3d>
+    <dgm:sp3d prstMaterial="dkEdge">
+      <a:bevelT w="8200" h="38100"/>
+    </dgm:sp3d>
+    <dgm:txPr/>
+    <dgm:style>
+      <a:lnRef idx="1">
+        <a:scrgbClr r="0" g="0" b="0"/>
+      </a:lnRef>
+      <a:fillRef idx="2">
+        <a:scrgbClr r="0" g="0" b="0"/>
+      </a:fillRef>
+      <a:effectRef idx="1">
+        <a:scrgbClr r="0" g="0" b="0"/>
+      </a:effectRef>
+      <a:fontRef idx="minor"/>
+    </dgm:style>
+  </dgm:styleLbl>
+  <dgm:styleLbl name="revTx">
+    <dgm:scene3d>
+      <a:camera prst="orthographicFront"/>
+      <a:lightRig rig="threePt" dir="t"/>
+    </dgm:scene3d>
+    <dgm:sp3d/>
+    <dgm:txPr/>
+    <dgm:style>
+      <a:lnRef idx="0">
+        <a:scrgbClr r="0" g="0" b="0"/>
+      </a:lnRef>
+      <a:fillRef idx="0">
+        <a:scrgbClr r="0" g="0" b="0"/>
+      </a:fillRef>
+      <a:effectRef idx="0">
+        <a:scrgbClr r="0" g="0" b="0"/>
+      </a:effectRef>
+      <a:fontRef idx="minor"/>
+    </dgm:style>
+  </dgm:styleLbl>
+</dgm:styleDef>
+</file>
+
 <file path=ppt/notesMasters/notesMaster1.xml><?xml version="1.0" encoding="utf-8"?>
 <p:notesMaster xmlns:a="http://schemas.openxmlformats.org/drawingml/2006/main" xmlns:r="http://schemas.openxmlformats.org/officeDocument/2006/relationships" xmlns:p="http://schemas.openxmlformats.org/presentationml/2006/main">
   <p:cSld>
@@ -12638,7 +19053,7 @@
           <a:p>
             <a:fld id="{FF2EBB1F-98F1-4701-8722-B010FB9A7F01}" type="datetimeFigureOut">
               <a:rPr lang="en-US" smtClean="0"/>
-              <a:t>9/19/2018</a:t>
+              <a:t>9/28/2018</a:t>
             </a:fld>
             <a:endParaRPr lang="en-US"/>
           </a:p>
@@ -12990,6 +19405,157 @@
 </p:notes>
 </file>
 
+<file path=ppt/notesSlides/notesSlide10.xml><?xml version="1.0" encoding="utf-8"?>
+<p:notes xmlns:a="http://schemas.openxmlformats.org/drawingml/2006/main" xmlns:r="http://schemas.openxmlformats.org/officeDocument/2006/relationships" xmlns:p="http://schemas.openxmlformats.org/presentationml/2006/main">
+  <p:cSld>
+    <p:spTree>
+      <p:nvGrpSpPr>
+        <p:cNvPr id="1" name=""/>
+        <p:cNvGrpSpPr/>
+        <p:nvPr/>
+      </p:nvGrpSpPr>
+      <p:grpSpPr>
+        <a:xfrm>
+          <a:off x="0" y="0"/>
+          <a:ext cx="0" cy="0"/>
+          <a:chOff x="0" y="0"/>
+          <a:chExt cx="0" cy="0"/>
+        </a:xfrm>
+      </p:grpSpPr>
+      <p:sp>
+        <p:nvSpPr>
+          <p:cNvPr id="4" name="Rectangle 3"/>
+          <p:cNvSpPr>
+            <a:spLocks noGrp="1" noChangeArrowheads="1"/>
+          </p:cNvSpPr>
+          <p:nvPr>
+            <p:ph type="dt" idx="1"/>
+          </p:nvPr>
+        </p:nvSpPr>
+        <p:spPr>
+          <a:ln/>
+        </p:spPr>
+        <p:txBody>
+          <a:bodyPr/>
+          <a:lstStyle/>
+          <a:p>
+            <a:fld id="{4CA16099-8EF6-4640-9138-FCBE055A5BE9}" type="datetime4">
+              <a:rPr lang="en-US" sz="1000"/>
+              <a:pPr/>
+              <a:t>September 28, 2018</a:t>
+            </a:fld>
+            <a:endParaRPr lang="en-US" sz="1000"/>
+          </a:p>
+        </p:txBody>
+      </p:sp>
+      <p:sp>
+        <p:nvSpPr>
+          <p:cNvPr id="5" name="Rectangle 6"/>
+          <p:cNvSpPr>
+            <a:spLocks noGrp="1" noChangeArrowheads="1"/>
+          </p:cNvSpPr>
+          <p:nvPr>
+            <p:ph type="ftr" sz="quarter" idx="4"/>
+          </p:nvPr>
+        </p:nvSpPr>
+        <p:spPr>
+          <a:ln/>
+        </p:spPr>
+        <p:txBody>
+          <a:bodyPr/>
+          <a:lstStyle/>
+          <a:p>
+            <a:r>
+              <a:rPr lang="en-US" smtClean="0"/>
+              <a:t>(c) www.MethodScience.com; 1998-2011</a:t>
+            </a:r>
+            <a:endParaRPr lang="en-US" b="1"/>
+          </a:p>
+        </p:txBody>
+      </p:sp>
+      <p:sp>
+        <p:nvSpPr>
+          <p:cNvPr id="6" name="Rectangle 7"/>
+          <p:cNvSpPr>
+            <a:spLocks noGrp="1" noChangeArrowheads="1"/>
+          </p:cNvSpPr>
+          <p:nvPr>
+            <p:ph type="sldNum" sz="quarter" idx="5"/>
+          </p:nvPr>
+        </p:nvSpPr>
+        <p:spPr>
+          <a:ln/>
+        </p:spPr>
+        <p:txBody>
+          <a:bodyPr/>
+          <a:lstStyle/>
+          <a:p>
+            <a:r>
+              <a:rPr lang="en-US"/>
+              <a:t>Page: </a:t>
+            </a:r>
+            <a:fld id="{36015F51-F31E-49F0-BFA7-D6F97483C640}" type="slidenum">
+              <a:rPr lang="en-US"/>
+              <a:pPr/>
+              <a:t>23</a:t>
+            </a:fld>
+            <a:r>
+              <a:rPr lang="en-US"/>
+              <a:t> </a:t>
+            </a:r>
+          </a:p>
+        </p:txBody>
+      </p:sp>
+      <p:sp>
+        <p:nvSpPr>
+          <p:cNvPr id="5345282" name="Rectangle 2"/>
+          <p:cNvSpPr>
+            <a:spLocks noGrp="1" noRot="1" noChangeAspect="1" noChangeArrowheads="1" noTextEdit="1"/>
+          </p:cNvSpPr>
+          <p:nvPr>
+            <p:ph type="sldImg"/>
+          </p:nvPr>
+        </p:nvSpPr>
+        <p:spPr>
+          <a:xfrm>
+            <a:off x="673100" y="684213"/>
+            <a:ext cx="5591175" cy="4194175"/>
+          </a:xfrm>
+          <a:ln/>
+        </p:spPr>
+      </p:sp>
+      <p:sp>
+        <p:nvSpPr>
+          <p:cNvPr id="5345283" name="Rectangle 3"/>
+          <p:cNvSpPr>
+            <a:spLocks noGrp="1" noChangeArrowheads="1"/>
+          </p:cNvSpPr>
+          <p:nvPr>
+            <p:ph type="body" idx="1"/>
+          </p:nvPr>
+        </p:nvSpPr>
+        <p:spPr/>
+        <p:txBody>
+          <a:bodyPr lIns="88407" tIns="44203" rIns="88407" bIns="44203"/>
+          <a:lstStyle/>
+          <a:p>
+            <a:endParaRPr lang="en-AU"/>
+          </a:p>
+        </p:txBody>
+      </p:sp>
+    </p:spTree>
+    <p:extLst>
+      <p:ext uri="{BB962C8B-B14F-4D97-AF65-F5344CB8AC3E}">
+        <p14:creationId xmlns:p14="http://schemas.microsoft.com/office/powerpoint/2010/main" val="3166540531"/>
+      </p:ext>
+    </p:extLst>
+  </p:cSld>
+  <p:clrMapOvr>
+    <a:masterClrMapping/>
+  </p:clrMapOvr>
+</p:notes>
+</file>
+
 <file path=ppt/notesSlides/notesSlide2.xml><?xml version="1.0" encoding="utf-8"?>
 <p:notes xmlns:a="http://schemas.openxmlformats.org/drawingml/2006/main" xmlns:r="http://schemas.openxmlformats.org/officeDocument/2006/relationships" xmlns:p="http://schemas.openxmlformats.org/presentationml/2006/main">
   <p:cSld>
@@ -13169,7 +19735,7 @@
             <a:fld id="{2F7467DB-D0C3-47D3-A96E-4828BAA9E26A}" type="datetime4">
               <a:rPr lang="en-US" sz="1000" smtClean="0"/>
               <a:pPr/>
-              <a:t>September 19, 2018</a:t>
+              <a:t>September 28, 2018</a:t>
             </a:fld>
             <a:endParaRPr lang="en-US" sz="1000"/>
           </a:p>
@@ -13498,7 +20064,7 @@
             <a:fld id="{F8226336-6458-47E0-BCD3-0C520592AF7A}" type="datetime4">
               <a:rPr lang="en-US" sz="1000" smtClean="0"/>
               <a:pPr/>
-              <a:t>September 19, 2018</a:t>
+              <a:t>September 28, 2018</a:t>
             </a:fld>
             <a:endParaRPr lang="en-US" sz="1000" dirty="0"/>
           </a:p>
@@ -13640,7 +20206,7 @@
             <a:fld id="{F8226336-6458-47E0-BCD3-0C520592AF7A}" type="datetime4">
               <a:rPr lang="en-US" sz="1000" smtClean="0"/>
               <a:pPr/>
-              <a:t>September 19, 2018</a:t>
+              <a:t>September 28, 2018</a:t>
             </a:fld>
             <a:endParaRPr lang="en-US" sz="1000" dirty="0"/>
           </a:p>
@@ -13846,7 +20412,7 @@
     </p:spTree>
     <p:extLst>
       <p:ext uri="{BB962C8B-B14F-4D97-AF65-F5344CB8AC3E}">
-        <p14:creationId xmlns:p14="http://schemas.microsoft.com/office/powerpoint/2010/main" val="1651516845"/>
+        <p14:creationId xmlns:p14="http://schemas.microsoft.com/office/powerpoint/2010/main" val="291907476"/>
       </p:ext>
     </p:extLst>
   </p:cSld>
@@ -13896,7 +20462,7 @@
                 <a:ea typeface="MS PGothic" pitchFamily="34" charset="-128"/>
               </a:rPr>
               <a:pPr/>
-              <a:t>15</a:t>
+              <a:t>19</a:t>
             </a:fld>
             <a:endParaRPr lang="en-US" smtClean="0">
               <a:latin typeface="Times New Roman" pitchFamily="18" charset="0"/>
@@ -13988,7 +20554,7 @@
     </p:spTree>
     <p:extLst>
       <p:ext uri="{BB962C8B-B14F-4D97-AF65-F5344CB8AC3E}">
-        <p14:creationId xmlns:p14="http://schemas.microsoft.com/office/powerpoint/2010/main" val="1259570809"/>
+        <p14:creationId xmlns:p14="http://schemas.microsoft.com/office/powerpoint/2010/main" val="1651516845"/>
       </p:ext>
     </p:extLst>
   </p:cSld>
@@ -14017,58 +20583,7 @@
       </p:grpSpPr>
       <p:sp>
         <p:nvSpPr>
-          <p:cNvPr id="4" name="Rectangle 3"/>
-          <p:cNvSpPr>
-            <a:spLocks noGrp="1" noChangeArrowheads="1"/>
-          </p:cNvSpPr>
-          <p:nvPr>
-            <p:ph type="dt" idx="1"/>
-          </p:nvPr>
-        </p:nvSpPr>
-        <p:spPr>
-          <a:ln/>
-        </p:spPr>
-        <p:txBody>
-          <a:bodyPr/>
-          <a:lstStyle/>
-          <a:p>
-            <a:fld id="{4CA16099-8EF6-4640-9138-FCBE055A5BE9}" type="datetime4">
-              <a:rPr lang="en-US" sz="1000"/>
-              <a:pPr/>
-              <a:t>September 19, 2018</a:t>
-            </a:fld>
-            <a:endParaRPr lang="en-US" sz="1000"/>
-          </a:p>
-        </p:txBody>
-      </p:sp>
-      <p:sp>
-        <p:nvSpPr>
-          <p:cNvPr id="5" name="Rectangle 6"/>
-          <p:cNvSpPr>
-            <a:spLocks noGrp="1" noChangeArrowheads="1"/>
-          </p:cNvSpPr>
-          <p:nvPr>
-            <p:ph type="ftr" sz="quarter" idx="4"/>
-          </p:nvPr>
-        </p:nvSpPr>
-        <p:spPr>
-          <a:ln/>
-        </p:spPr>
-        <p:txBody>
-          <a:bodyPr/>
-          <a:lstStyle/>
-          <a:p>
-            <a:r>
-              <a:rPr lang="en-US" smtClean="0"/>
-              <a:t>(c) www.MethodScience.com; 1998-2011</a:t>
-            </a:r>
-            <a:endParaRPr lang="en-US" b="1"/>
-          </a:p>
-        </p:txBody>
-      </p:sp>
-      <p:sp>
-        <p:nvSpPr>
-          <p:cNvPr id="6" name="Rectangle 7"/>
+          <p:cNvPr id="64514" name="Rectangle 7"/>
           <p:cNvSpPr>
             <a:spLocks noGrp="1" noChangeArrowheads="1"/>
           </p:cNvSpPr>
@@ -14077,31 +20592,30 @@
           </p:nvPr>
         </p:nvSpPr>
         <p:spPr>
-          <a:ln/>
+          <a:noFill/>
         </p:spPr>
         <p:txBody>
           <a:bodyPr/>
           <a:lstStyle/>
           <a:p>
-            <a:r>
-              <a:rPr lang="en-US"/>
-              <a:t>Page: </a:t>
-            </a:r>
-            <a:fld id="{36015F51-F31E-49F0-BFA7-D6F97483C640}" type="slidenum">
-              <a:rPr lang="en-US"/>
+            <a:fld id="{9F30490C-CB76-4E13-A52D-291C9E51B93D}" type="slidenum">
+              <a:rPr lang="en-US" smtClean="0">
+                <a:latin typeface="Times New Roman" pitchFamily="18" charset="0"/>
+                <a:ea typeface="MS PGothic" pitchFamily="34" charset="-128"/>
+              </a:rPr>
               <a:pPr/>
-              <a:t>17</a:t>
+              <a:t>21</a:t>
             </a:fld>
-            <a:r>
-              <a:rPr lang="en-US"/>
-              <a:t> </a:t>
-            </a:r>
+            <a:endParaRPr lang="en-US" smtClean="0">
+              <a:latin typeface="Times New Roman" pitchFamily="18" charset="0"/>
+              <a:ea typeface="MS PGothic" pitchFamily="34" charset="-128"/>
+            </a:endParaRPr>
           </a:p>
         </p:txBody>
       </p:sp>
       <p:sp>
         <p:nvSpPr>
-          <p:cNvPr id="5345282" name="Rectangle 2"/>
+          <p:cNvPr id="64515" name="Rectangle 2"/>
           <p:cNvSpPr>
             <a:spLocks noGrp="1" noRot="1" noChangeAspect="1" noChangeArrowheads="1" noTextEdit="1"/>
           </p:cNvSpPr>
@@ -14111,15 +20625,18 @@
         </p:nvSpPr>
         <p:spPr>
           <a:xfrm>
-            <a:off x="673100" y="684213"/>
-            <a:ext cx="5591175" cy="4194175"/>
+            <a:off x="457200" y="720725"/>
+            <a:ext cx="6400800" cy="4800600"/>
           </a:xfrm>
+          <a:solidFill>
+            <a:srgbClr val="FFFFFF"/>
+          </a:solidFill>
           <a:ln/>
         </p:spPr>
       </p:sp>
       <p:sp>
         <p:nvSpPr>
-          <p:cNvPr id="5345283" name="Rectangle 3"/>
+          <p:cNvPr id="64516" name="Rectangle 3"/>
           <p:cNvSpPr>
             <a:spLocks noGrp="1" noChangeArrowheads="1"/>
           </p:cNvSpPr>
@@ -14127,19 +20644,59 @@
             <p:ph type="body" idx="1"/>
           </p:nvPr>
         </p:nvSpPr>
-        <p:spPr/>
+        <p:spPr>
+          <a:xfrm>
+            <a:off x="974726" y="5840413"/>
+            <a:ext cx="5365750" cy="3040062"/>
+          </a:xfrm>
+          <a:solidFill>
+            <a:srgbClr val="FFFFFF"/>
+          </a:solidFill>
+          <a:ln>
+            <a:solidFill>
+              <a:srgbClr val="000000"/>
+            </a:solidFill>
+          </a:ln>
+        </p:spPr>
         <p:txBody>
-          <a:bodyPr lIns="88407" tIns="44203" rIns="88407" bIns="44203"/>
+          <a:bodyPr/>
           <a:lstStyle/>
           <a:p>
-            <a:endParaRPr lang="en-AU"/>
+            <a:endParaRPr lang="en-AU" smtClean="0"/>
+          </a:p>
+        </p:txBody>
+      </p:sp>
+      <p:sp>
+        <p:nvSpPr>
+          <p:cNvPr id="64517" name="Footer Placeholder 4"/>
+          <p:cNvSpPr>
+            <a:spLocks noGrp="1"/>
+          </p:cNvSpPr>
+          <p:nvPr>
+            <p:ph type="ftr" sz="quarter" idx="4"/>
+          </p:nvPr>
+        </p:nvSpPr>
+        <p:spPr>
+          <a:noFill/>
+        </p:spPr>
+        <p:txBody>
+          <a:bodyPr/>
+          <a:lstStyle/>
+          <a:p>
+            <a:r>
+              <a:rPr lang="en-US">
+                <a:latin typeface="Times New Roman" pitchFamily="18" charset="0"/>
+                <a:ea typeface="MS PGothic" pitchFamily="34" charset="-128"/>
+              </a:rPr>
+              <a:t>(c) B. Unhelkar and B. Henderson-Sellers, 2008-2011</a:t>
+            </a:r>
           </a:p>
         </p:txBody>
       </p:sp>
     </p:spTree>
     <p:extLst>
       <p:ext uri="{BB962C8B-B14F-4D97-AF65-F5344CB8AC3E}">
-        <p14:creationId xmlns:p14="http://schemas.microsoft.com/office/powerpoint/2010/main" val="3166540531"/>
+        <p14:creationId xmlns:p14="http://schemas.microsoft.com/office/powerpoint/2010/main" val="1259570809"/>
       </p:ext>
     </p:extLst>
   </p:cSld>
@@ -14330,7 +20887,7 @@
           <a:p>
             <a:fld id="{022776B6-60D1-40CA-9ACD-5A0F12BEBC76}" type="datetimeFigureOut">
               <a:rPr lang="en-US" smtClean="0"/>
-              <a:t>9/19/2018</a:t>
+              <a:t>9/28/2018</a:t>
             </a:fld>
             <a:endParaRPr lang="en-US"/>
           </a:p>
@@ -14500,7 +21057,7 @@
           <a:p>
             <a:fld id="{022776B6-60D1-40CA-9ACD-5A0F12BEBC76}" type="datetimeFigureOut">
               <a:rPr lang="en-US" smtClean="0"/>
-              <a:t>9/19/2018</a:t>
+              <a:t>9/28/2018</a:t>
             </a:fld>
             <a:endParaRPr lang="en-US"/>
           </a:p>
@@ -14680,7 +21237,7 @@
           <a:p>
             <a:fld id="{022776B6-60D1-40CA-9ACD-5A0F12BEBC76}" type="datetimeFigureOut">
               <a:rPr lang="en-US" smtClean="0"/>
-              <a:t>9/19/2018</a:t>
+              <a:t>9/28/2018</a:t>
             </a:fld>
             <a:endParaRPr lang="en-US"/>
           </a:p>
@@ -14850,7 +21407,7 @@
           <a:p>
             <a:fld id="{022776B6-60D1-40CA-9ACD-5A0F12BEBC76}" type="datetimeFigureOut">
               <a:rPr lang="en-US" smtClean="0"/>
-              <a:t>9/19/2018</a:t>
+              <a:t>9/28/2018</a:t>
             </a:fld>
             <a:endParaRPr lang="en-US"/>
           </a:p>
@@ -15096,7 +21653,7 @@
           <a:p>
             <a:fld id="{022776B6-60D1-40CA-9ACD-5A0F12BEBC76}" type="datetimeFigureOut">
               <a:rPr lang="en-US" smtClean="0"/>
-              <a:t>9/19/2018</a:t>
+              <a:t>9/28/2018</a:t>
             </a:fld>
             <a:endParaRPr lang="en-US"/>
           </a:p>
@@ -15384,7 +21941,7 @@
           <a:p>
             <a:fld id="{022776B6-60D1-40CA-9ACD-5A0F12BEBC76}" type="datetimeFigureOut">
               <a:rPr lang="en-US" smtClean="0"/>
-              <a:t>9/19/2018</a:t>
+              <a:t>9/28/2018</a:t>
             </a:fld>
             <a:endParaRPr lang="en-US"/>
           </a:p>
@@ -15806,7 +22363,7 @@
           <a:p>
             <a:fld id="{022776B6-60D1-40CA-9ACD-5A0F12BEBC76}" type="datetimeFigureOut">
               <a:rPr lang="en-US" smtClean="0"/>
-              <a:t>9/19/2018</a:t>
+              <a:t>9/28/2018</a:t>
             </a:fld>
             <a:endParaRPr lang="en-US"/>
           </a:p>
@@ -15924,7 +22481,7 @@
           <a:p>
             <a:fld id="{022776B6-60D1-40CA-9ACD-5A0F12BEBC76}" type="datetimeFigureOut">
               <a:rPr lang="en-US" smtClean="0"/>
-              <a:t>9/19/2018</a:t>
+              <a:t>9/28/2018</a:t>
             </a:fld>
             <a:endParaRPr lang="en-US"/>
           </a:p>
@@ -16019,7 +22576,7 @@
           <a:p>
             <a:fld id="{022776B6-60D1-40CA-9ACD-5A0F12BEBC76}" type="datetimeFigureOut">
               <a:rPr lang="en-US" smtClean="0"/>
-              <a:t>9/19/2018</a:t>
+              <a:t>9/28/2018</a:t>
             </a:fld>
             <a:endParaRPr lang="en-US"/>
           </a:p>
@@ -16296,7 +22853,7 @@
           <a:p>
             <a:fld id="{022776B6-60D1-40CA-9ACD-5A0F12BEBC76}" type="datetimeFigureOut">
               <a:rPr lang="en-US" smtClean="0"/>
-              <a:t>9/19/2018</a:t>
+              <a:t>9/28/2018</a:t>
             </a:fld>
             <a:endParaRPr lang="en-US"/>
           </a:p>
@@ -16549,7 +23106,7 @@
           <a:p>
             <a:fld id="{022776B6-60D1-40CA-9ACD-5A0F12BEBC76}" type="datetimeFigureOut">
               <a:rPr lang="en-US" smtClean="0"/>
-              <a:t>9/19/2018</a:t>
+              <a:t>9/28/2018</a:t>
             </a:fld>
             <a:endParaRPr lang="en-US"/>
           </a:p>
@@ -16762,7 +23319,7 @@
           <a:p>
             <a:fld id="{022776B6-60D1-40CA-9ACD-5A0F12BEBC76}" type="datetimeFigureOut">
               <a:rPr lang="en-US" smtClean="0"/>
-              <a:t>9/19/2018</a:t>
+              <a:t>9/28/2018</a:t>
             </a:fld>
             <a:endParaRPr lang="en-US"/>
           </a:p>
@@ -17174,27 +23731,7 @@
                 <a:latin typeface="Arial" panose="020B0604020202020204" pitchFamily="34" charset="0"/>
                 <a:cs typeface="Arial" panose="020B0604020202020204" pitchFamily="34" charset="0"/>
               </a:rPr>
-              <a:t>Week- </a:t>
-            </a:r>
-            <a:r>
-              <a:rPr lang="en-US" sz="2800" b="1" dirty="0" smtClean="0">
-                <a:solidFill>
-                  <a:schemeClr val="bg1"/>
-                </a:solidFill>
-                <a:latin typeface="Arial" panose="020B0604020202020204" pitchFamily="34" charset="0"/>
-                <a:cs typeface="Arial" panose="020B0604020202020204" pitchFamily="34" charset="0"/>
-              </a:rPr>
-              <a:t>15</a:t>
-            </a:r>
-            <a:r>
-              <a:rPr lang="en-US" sz="2800" b="1" dirty="0" smtClean="0">
-                <a:solidFill>
-                  <a:schemeClr val="bg1"/>
-                </a:solidFill>
-                <a:latin typeface="Arial" panose="020B0604020202020204" pitchFamily="34" charset="0"/>
-                <a:cs typeface="Arial" panose="020B0604020202020204" pitchFamily="34" charset="0"/>
-              </a:rPr>
-              <a:t/>
+              <a:t>Week- 15</a:t>
             </a:r>
             <a:br>
               <a:rPr lang="en-US" sz="2800" b="1" dirty="0" smtClean="0">
@@ -17233,16 +23770,6 @@
                 <a:cs typeface="Arial" panose="020B0604020202020204" pitchFamily="34" charset="0"/>
               </a:rPr>
               <a:t>CAMS – Quality and Testing</a:t>
-            </a:r>
-            <a:r>
-              <a:rPr lang="en-US" sz="2800" b="1" dirty="0" smtClean="0">
-                <a:solidFill>
-                  <a:schemeClr val="bg1"/>
-                </a:solidFill>
-                <a:latin typeface="Arial" panose="020B0604020202020204" pitchFamily="34" charset="0"/>
-                <a:cs typeface="Arial" panose="020B0604020202020204" pitchFamily="34" charset="0"/>
-              </a:rPr>
-              <a:t/>
             </a:r>
             <a:br>
               <a:rPr lang="en-US" sz="2800" b="1" dirty="0" smtClean="0">
@@ -21583,6 +28110,1207 @@
                 </a:solidFill>
                 <a:latin typeface="Copperplate Gothic Bold" pitchFamily="34" charset="0"/>
               </a:rPr>
+              <a:t>Development through Testing – TDD (Test Driven Development)</a:t>
+            </a:r>
+            <a:endParaRPr lang="en-US" dirty="0" smtClean="0">
+              <a:solidFill>
+                <a:srgbClr val="990000"/>
+              </a:solidFill>
+            </a:endParaRPr>
+          </a:p>
+        </p:txBody>
+      </p:sp>
+      <p:sp>
+        <p:nvSpPr>
+          <p:cNvPr id="23555" name="Rectangle 3"/>
+          <p:cNvSpPr>
+            <a:spLocks noGrp="1" noChangeArrowheads="1"/>
+          </p:cNvSpPr>
+          <p:nvPr>
+            <p:ph type="subTitle" idx="1"/>
+          </p:nvPr>
+        </p:nvSpPr>
+        <p:spPr>
+          <a:xfrm>
+            <a:off x="1371600" y="4267200"/>
+            <a:ext cx="6400800" cy="1752600"/>
+          </a:xfrm>
+          <a:noFill/>
+          <a:ln w="1270" cap="rnd">
+            <a:solidFill>
+              <a:srgbClr val="993366"/>
+            </a:solidFill>
+            <a:prstDash val="sysDot"/>
+          </a:ln>
+        </p:spPr>
+        <p:txBody>
+          <a:bodyPr/>
+          <a:lstStyle/>
+          <a:p>
+            <a:r>
+              <a:rPr lang="en-US" sz="2800" dirty="0" smtClean="0">
+                <a:solidFill>
+                  <a:schemeClr val="tx1">
+                    <a:lumMod val="50000"/>
+                  </a:schemeClr>
+                </a:solidFill>
+              </a:rPr>
+              <a:t>Based on Principles of Agile</a:t>
+            </a:r>
+            <a:endParaRPr lang="en-US" sz="2800" dirty="0" smtClean="0">
+              <a:solidFill>
+                <a:schemeClr val="tx1">
+                  <a:lumMod val="50000"/>
+                </a:schemeClr>
+              </a:solidFill>
+            </a:endParaRPr>
+          </a:p>
+        </p:txBody>
+      </p:sp>
+      <p:graphicFrame>
+        <p:nvGraphicFramePr>
+          <p:cNvPr id="5" name="Diagram 4"/>
+          <p:cNvGraphicFramePr/>
+          <p:nvPr/>
+        </p:nvGraphicFramePr>
+        <p:xfrm>
+          <a:off x="2362200" y="6581001"/>
+          <a:ext cx="4640566" cy="276999"/>
+        </p:xfrm>
+        <a:graphic>
+          <a:graphicData uri="http://schemas.openxmlformats.org/drawingml/2006/diagram">
+            <dgm:relIds xmlns:dgm="http://schemas.openxmlformats.org/drawingml/2006/diagram" xmlns:r="http://schemas.openxmlformats.org/officeDocument/2006/relationships" r:dm="rId4" r:lo="rId5" r:qs="rId6" r:cs="rId7"/>
+          </a:graphicData>
+        </a:graphic>
+      </p:graphicFrame>
+      <p:pic>
+        <p:nvPicPr>
+          <p:cNvPr id="2" name="Picture 1"/>
+          <p:cNvPicPr>
+            <a:picLocks noChangeAspect="1"/>
+          </p:cNvPicPr>
+          <p:nvPr/>
+        </p:nvPicPr>
+        <p:blipFill>
+          <a:blip r:embed="rId9" cstate="print">
+            <a:extLst>
+              <a:ext uri="{28A0092B-C50C-407E-A947-70E740481C1C}">
+                <a14:useLocalDpi xmlns:a14="http://schemas.microsoft.com/office/drawing/2010/main" val="0"/>
+              </a:ext>
+            </a:extLst>
+          </a:blip>
+          <a:stretch>
+            <a:fillRect/>
+          </a:stretch>
+        </p:blipFill>
+        <p:spPr>
+          <a:xfrm>
+            <a:off x="7881602" y="0"/>
+            <a:ext cx="1246632" cy="1975104"/>
+          </a:xfrm>
+          <a:prstGeom prst="rect">
+            <a:avLst/>
+          </a:prstGeom>
+          <a:ln>
+            <a:noFill/>
+          </a:ln>
+          <a:effectLst>
+            <a:outerShdw blurRad="44450" dist="27940" dir="5400000" algn="ctr">
+              <a:srgbClr val="000000">
+                <a:alpha val="32000"/>
+              </a:srgbClr>
+            </a:outerShdw>
+          </a:effectLst>
+          <a:scene3d>
+            <a:camera prst="orthographicFront">
+              <a:rot lat="0" lon="0" rev="0"/>
+            </a:camera>
+            <a:lightRig rig="balanced" dir="t">
+              <a:rot lat="0" lon="0" rev="8700000"/>
+            </a:lightRig>
+          </a:scene3d>
+          <a:sp3d>
+            <a:bevelT w="190500" h="38100"/>
+          </a:sp3d>
+        </p:spPr>
+      </p:pic>
+    </p:spTree>
+    <p:extLst>
+      <p:ext uri="{BB962C8B-B14F-4D97-AF65-F5344CB8AC3E}">
+        <p14:creationId xmlns:p14="http://schemas.microsoft.com/office/powerpoint/2010/main" val="2072910401"/>
+      </p:ext>
+    </p:extLst>
+  </p:cSld>
+  <p:clrMapOvr>
+    <a:masterClrMapping/>
+  </p:clrMapOvr>
+  <p:transition spd="med">
+    <p:random/>
+    <p:sndAc>
+      <p:stSnd>
+        <p:snd r:embed="rId3" name="click.wav"/>
+      </p:stSnd>
+    </p:sndAc>
+  </p:transition>
+  <p:timing>
+    <p:tnLst>
+      <p:par>
+        <p:cTn id="1" dur="indefinite" restart="never" nodeType="tmRoot"/>
+      </p:par>
+    </p:tnLst>
+  </p:timing>
+</p:sld>
+</file>
+
+<file path=ppt/slides/slide14.xml><?xml version="1.0" encoding="utf-8"?>
+<p:sld xmlns:a="http://schemas.openxmlformats.org/drawingml/2006/main" xmlns:r="http://schemas.openxmlformats.org/officeDocument/2006/relationships" xmlns:p="http://schemas.openxmlformats.org/presentationml/2006/main">
+  <p:cSld>
+    <p:spTree>
+      <p:nvGrpSpPr>
+        <p:cNvPr id="1" name=""/>
+        <p:cNvGrpSpPr/>
+        <p:nvPr/>
+      </p:nvGrpSpPr>
+      <p:grpSpPr>
+        <a:xfrm>
+          <a:off x="0" y="0"/>
+          <a:ext cx="0" cy="0"/>
+          <a:chOff x="0" y="0"/>
+          <a:chExt cx="0" cy="0"/>
+        </a:xfrm>
+      </p:grpSpPr>
+      <p:sp>
+        <p:nvSpPr>
+          <p:cNvPr id="2" name="Slide Number Placeholder 1"/>
+          <p:cNvSpPr>
+            <a:spLocks noGrp="1"/>
+          </p:cNvSpPr>
+          <p:nvPr>
+            <p:ph type="sldNum" sz="quarter" idx="10"/>
+          </p:nvPr>
+        </p:nvSpPr>
+        <p:spPr/>
+        <p:txBody>
+          <a:bodyPr/>
+          <a:lstStyle/>
+          <a:p>
+            <a:pPr>
+              <a:defRPr/>
+            </a:pPr>
+            <a:r>
+              <a:rPr lang="en-US" altLang="zh-TW" smtClean="0"/>
+              <a:t>© Bhuvan Unhelkar, PhD    </a:t>
+            </a:r>
+            <a:fld id="{029A7A8B-C135-4B28-9659-83E8A05AE313}" type="slidenum">
+              <a:rPr lang="en-US" altLang="zh-TW" i="0" smtClean="0"/>
+              <a:pPr>
+                <a:defRPr/>
+              </a:pPr>
+              <a:t>14</a:t>
+            </a:fld>
+            <a:endParaRPr lang="en-US" altLang="zh-TW" i="0"/>
+          </a:p>
+        </p:txBody>
+      </p:sp>
+      <p:graphicFrame>
+        <p:nvGraphicFramePr>
+          <p:cNvPr id="3" name="Diagram 2"/>
+          <p:cNvGraphicFramePr/>
+          <p:nvPr/>
+        </p:nvGraphicFramePr>
+        <p:xfrm>
+          <a:off x="1524000" y="1397000"/>
+          <a:ext cx="6096000" cy="4064000"/>
+        </p:xfrm>
+        <a:graphic>
+          <a:graphicData uri="http://schemas.openxmlformats.org/drawingml/2006/diagram">
+            <dgm:relIds xmlns:dgm="http://schemas.openxmlformats.org/drawingml/2006/diagram" xmlns:r="http://schemas.openxmlformats.org/officeDocument/2006/relationships" r:dm="rId2" r:lo="rId3" r:qs="rId4" r:cs="rId5"/>
+          </a:graphicData>
+        </a:graphic>
+      </p:graphicFrame>
+      <p:sp>
+        <p:nvSpPr>
+          <p:cNvPr id="4" name="Title 3"/>
+          <p:cNvSpPr>
+            <a:spLocks noGrp="1"/>
+          </p:cNvSpPr>
+          <p:nvPr>
+            <p:ph type="title" idx="4294967295"/>
+          </p:nvPr>
+        </p:nvSpPr>
+        <p:spPr/>
+        <p:txBody>
+          <a:bodyPr>
+            <a:normAutofit fontScale="90000"/>
+          </a:bodyPr>
+          <a:lstStyle/>
+          <a:p>
+            <a:r>
+              <a:rPr lang="en-US" dirty="0" smtClean="0"/>
+              <a:t>Figure 2.10: Test Driven Development</a:t>
+            </a:r>
+            <a:endParaRPr lang="en-US" dirty="0"/>
+          </a:p>
+        </p:txBody>
+      </p:sp>
+      <p:cxnSp>
+        <p:nvCxnSpPr>
+          <p:cNvPr id="12" name="Straight Connector 11"/>
+          <p:cNvCxnSpPr/>
+          <p:nvPr/>
+        </p:nvCxnSpPr>
+        <p:spPr bwMode="auto">
+          <a:xfrm rot="5400000" flipH="1" flipV="1">
+            <a:off x="6608777" y="3107529"/>
+            <a:ext cx="785818" cy="1588"/>
+          </a:xfrm>
+          <a:prstGeom prst="line">
+            <a:avLst/>
+          </a:prstGeom>
+          <a:solidFill>
+            <a:srgbClr val="FFFF99">
+              <a:alpha val="50000"/>
+            </a:srgbClr>
+          </a:solidFill>
+          <a:ln w="9525" cap="flat" cmpd="sng" algn="ctr">
+            <a:solidFill>
+              <a:srgbClr val="0000FF"/>
+            </a:solidFill>
+            <a:prstDash val="dash"/>
+            <a:round/>
+            <a:headEnd type="none" w="med" len="med"/>
+            <a:tailEnd type="none" w="med" len="med"/>
+          </a:ln>
+          <a:effectLst/>
+        </p:spPr>
+      </p:cxnSp>
+      <p:cxnSp>
+        <p:nvCxnSpPr>
+          <p:cNvPr id="13" name="Straight Connector 12"/>
+          <p:cNvCxnSpPr/>
+          <p:nvPr/>
+        </p:nvCxnSpPr>
+        <p:spPr bwMode="auto">
+          <a:xfrm rot="16200000" flipV="1">
+            <a:off x="6434150" y="2781296"/>
+            <a:ext cx="1428760" cy="9524"/>
+          </a:xfrm>
+          <a:prstGeom prst="line">
+            <a:avLst/>
+          </a:prstGeom>
+          <a:solidFill>
+            <a:srgbClr val="FFFF99">
+              <a:alpha val="50000"/>
+            </a:srgbClr>
+          </a:solidFill>
+          <a:ln w="9525" cap="flat" cmpd="sng" algn="ctr">
+            <a:solidFill>
+              <a:srgbClr val="0000FF"/>
+            </a:solidFill>
+            <a:prstDash val="dash"/>
+            <a:round/>
+            <a:headEnd type="none" w="med" len="med"/>
+            <a:tailEnd type="none" w="med" len="med"/>
+          </a:ln>
+          <a:effectLst/>
+        </p:spPr>
+      </p:cxnSp>
+      <p:cxnSp>
+        <p:nvCxnSpPr>
+          <p:cNvPr id="15" name="Straight Connector 14"/>
+          <p:cNvCxnSpPr/>
+          <p:nvPr/>
+        </p:nvCxnSpPr>
+        <p:spPr bwMode="auto">
+          <a:xfrm rot="16200000" flipV="1">
+            <a:off x="6219836" y="3138486"/>
+            <a:ext cx="2714644" cy="9524"/>
+          </a:xfrm>
+          <a:prstGeom prst="line">
+            <a:avLst/>
+          </a:prstGeom>
+          <a:solidFill>
+            <a:srgbClr val="FFFF99">
+              <a:alpha val="50000"/>
+            </a:srgbClr>
+          </a:solidFill>
+          <a:ln w="9525" cap="flat" cmpd="sng" algn="ctr">
+            <a:solidFill>
+              <a:srgbClr val="0000FF"/>
+            </a:solidFill>
+            <a:prstDash val="dash"/>
+            <a:round/>
+            <a:headEnd type="none" w="med" len="med"/>
+            <a:tailEnd type="none" w="med" len="med"/>
+          </a:ln>
+          <a:effectLst/>
+        </p:spPr>
+      </p:cxnSp>
+      <p:cxnSp>
+        <p:nvCxnSpPr>
+          <p:cNvPr id="18" name="Straight Arrow Connector 17"/>
+          <p:cNvCxnSpPr/>
+          <p:nvPr/>
+        </p:nvCxnSpPr>
+        <p:spPr bwMode="auto">
+          <a:xfrm rot="10800000">
+            <a:off x="6786578" y="2714620"/>
+            <a:ext cx="214314" cy="1588"/>
+          </a:xfrm>
+          <a:prstGeom prst="straightConnector1">
+            <a:avLst/>
+          </a:prstGeom>
+          <a:solidFill>
+            <a:srgbClr val="FFFF99">
+              <a:alpha val="50000"/>
+            </a:srgbClr>
+          </a:solidFill>
+          <a:ln w="9525" cap="flat" cmpd="sng" algn="ctr">
+            <a:solidFill>
+              <a:srgbClr val="0000FF"/>
+            </a:solidFill>
+            <a:prstDash val="dash"/>
+            <a:round/>
+            <a:headEnd type="none" w="med" len="med"/>
+            <a:tailEnd type="arrow"/>
+          </a:ln>
+          <a:effectLst/>
+        </p:spPr>
+      </p:cxnSp>
+      <p:cxnSp>
+        <p:nvCxnSpPr>
+          <p:cNvPr id="22" name="Straight Arrow Connector 21"/>
+          <p:cNvCxnSpPr/>
+          <p:nvPr/>
+        </p:nvCxnSpPr>
+        <p:spPr bwMode="auto">
+          <a:xfrm rot="10800000">
+            <a:off x="6357950" y="2071678"/>
+            <a:ext cx="785818" cy="1588"/>
+          </a:xfrm>
+          <a:prstGeom prst="straightConnector1">
+            <a:avLst/>
+          </a:prstGeom>
+          <a:solidFill>
+            <a:srgbClr val="FFFF99">
+              <a:alpha val="50000"/>
+            </a:srgbClr>
+          </a:solidFill>
+          <a:ln w="9525" cap="flat" cmpd="sng" algn="ctr">
+            <a:solidFill>
+              <a:srgbClr val="0000FF"/>
+            </a:solidFill>
+            <a:prstDash val="dash"/>
+            <a:round/>
+            <a:headEnd type="none" w="med" len="med"/>
+            <a:tailEnd type="arrow"/>
+          </a:ln>
+          <a:effectLst/>
+        </p:spPr>
+      </p:cxnSp>
+      <p:cxnSp>
+        <p:nvCxnSpPr>
+          <p:cNvPr id="24" name="Straight Arrow Connector 23"/>
+          <p:cNvCxnSpPr/>
+          <p:nvPr/>
+        </p:nvCxnSpPr>
+        <p:spPr bwMode="auto">
+          <a:xfrm rot="10800000">
+            <a:off x="6357950" y="1785927"/>
+            <a:ext cx="1214446" cy="1589"/>
+          </a:xfrm>
+          <a:prstGeom prst="straightConnector1">
+            <a:avLst/>
+          </a:prstGeom>
+          <a:solidFill>
+            <a:srgbClr val="FFFF99">
+              <a:alpha val="50000"/>
+            </a:srgbClr>
+          </a:solidFill>
+          <a:ln w="9525" cap="flat" cmpd="sng" algn="ctr">
+            <a:solidFill>
+              <a:srgbClr val="0000FF"/>
+            </a:solidFill>
+            <a:prstDash val="dash"/>
+            <a:round/>
+            <a:headEnd type="none" w="med" len="med"/>
+            <a:tailEnd type="arrow"/>
+          </a:ln>
+          <a:effectLst/>
+        </p:spPr>
+      </p:cxnSp>
+    </p:spTree>
+    <p:extLst>
+      <p:ext uri="{BB962C8B-B14F-4D97-AF65-F5344CB8AC3E}">
+        <p14:creationId xmlns:p14="http://schemas.microsoft.com/office/powerpoint/2010/main" val="605663874"/>
+      </p:ext>
+    </p:extLst>
+  </p:cSld>
+  <p:clrMapOvr>
+    <a:masterClrMapping/>
+  </p:clrMapOvr>
+</p:sld>
+</file>
+
+<file path=ppt/slides/slide15.xml><?xml version="1.0" encoding="utf-8"?>
+<p:sld xmlns:a="http://schemas.openxmlformats.org/drawingml/2006/main" xmlns:r="http://schemas.openxmlformats.org/officeDocument/2006/relationships" xmlns:p="http://schemas.openxmlformats.org/presentationml/2006/main">
+  <p:cSld>
+    <p:spTree>
+      <p:nvGrpSpPr>
+        <p:cNvPr id="1" name=""/>
+        <p:cNvGrpSpPr/>
+        <p:nvPr/>
+      </p:nvGrpSpPr>
+      <p:grpSpPr>
+        <a:xfrm>
+          <a:off x="0" y="0"/>
+          <a:ext cx="0" cy="0"/>
+          <a:chOff x="0" y="0"/>
+          <a:chExt cx="0" cy="0"/>
+        </a:xfrm>
+      </p:grpSpPr>
+      <p:sp>
+        <p:nvSpPr>
+          <p:cNvPr id="2" name="Title 1"/>
+          <p:cNvSpPr>
+            <a:spLocks noGrp="1"/>
+          </p:cNvSpPr>
+          <p:nvPr>
+            <p:ph type="title"/>
+          </p:nvPr>
+        </p:nvSpPr>
+        <p:spPr/>
+        <p:txBody>
+          <a:bodyPr>
+            <a:normAutofit fontScale="90000"/>
+          </a:bodyPr>
+          <a:lstStyle/>
+          <a:p>
+            <a:r>
+              <a:rPr lang="en-US" dirty="0" smtClean="0"/>
+              <a:t>TDD starts</a:t>
+            </a:r>
+            <a:r>
+              <a:rPr lang="en-US" baseline="0" dirty="0" smtClean="0"/>
+              <a:t> with </a:t>
+            </a:r>
+            <a:r>
+              <a:rPr lang="en-US" sz="4400" kern="1200" dirty="0" err="1" smtClean="0">
+                <a:solidFill>
+                  <a:schemeClr val="tx1"/>
+                </a:solidFill>
+                <a:effectLst/>
+                <a:latin typeface="+mj-lt"/>
+                <a:ea typeface="+mj-ea"/>
+                <a:cs typeface="+mj-cs"/>
+              </a:rPr>
+              <a:t>eXtreme</a:t>
+            </a:r>
+            <a:r>
+              <a:rPr lang="en-US" sz="4400" kern="1200" dirty="0" smtClean="0">
+                <a:solidFill>
+                  <a:schemeClr val="tx1"/>
+                </a:solidFill>
+                <a:effectLst/>
+                <a:latin typeface="+mj-lt"/>
+                <a:ea typeface="+mj-ea"/>
+                <a:cs typeface="+mj-cs"/>
+              </a:rPr>
+              <a:t> Programming (XP) (Beck 2000), </a:t>
+            </a:r>
+            <a:endParaRPr lang="en-US" dirty="0"/>
+          </a:p>
+        </p:txBody>
+      </p:sp>
+      <p:graphicFrame>
+        <p:nvGraphicFramePr>
+          <p:cNvPr id="4" name="Content Placeholder 3"/>
+          <p:cNvGraphicFramePr>
+            <a:graphicFrameLocks noGrp="1"/>
+          </p:cNvGraphicFramePr>
+          <p:nvPr>
+            <p:ph idx="1"/>
+            <p:extLst>
+              <p:ext uri="{D42A27DB-BD31-4B8C-83A1-F6EECF244321}">
+                <p14:modId xmlns:p14="http://schemas.microsoft.com/office/powerpoint/2010/main" val="2054318953"/>
+              </p:ext>
+            </p:extLst>
+          </p:nvPr>
+        </p:nvGraphicFramePr>
+        <p:xfrm>
+          <a:off x="457200" y="1897221"/>
+          <a:ext cx="8229600" cy="365760"/>
+        </p:xfrm>
+        <a:graphic>
+          <a:graphicData uri="http://schemas.openxmlformats.org/drawingml/2006/table">
+            <a:tbl>
+              <a:tblPr/>
+              <a:tblGrid>
+                <a:gridCol w="8229600">
+                  <a:extLst>
+                    <a:ext uri="{9D8B030D-6E8A-4147-A177-3AD203B41FA5}">
+                      <a16:colId xmlns:a16="http://schemas.microsoft.com/office/drawing/2014/main" val="1486848273"/>
+                    </a:ext>
+                  </a:extLst>
+                </a:gridCol>
+              </a:tblGrid>
+              <a:tr h="0">
+                <a:tc>
+                  <a:txBody>
+                    <a:bodyPr/>
+                    <a:lstStyle/>
+                    <a:p>
+                      <a:endParaRPr lang="en-US" dirty="0"/>
+                    </a:p>
+                  </a:txBody>
+                  <a:tcPr anchor="ctr">
+                    <a:lnL>
+                      <a:noFill/>
+                    </a:lnL>
+                    <a:lnR>
+                      <a:noFill/>
+                    </a:lnR>
+                    <a:lnT>
+                      <a:noFill/>
+                    </a:lnT>
+                    <a:lnB>
+                      <a:noFill/>
+                    </a:lnB>
+                  </a:tcPr>
+                </a:tc>
+                <a:extLst>
+                  <a:ext uri="{0D108BD9-81ED-4DB2-BD59-A6C34878D82A}">
+                    <a16:rowId xmlns:a16="http://schemas.microsoft.com/office/drawing/2014/main" val="3901494721"/>
+                  </a:ext>
+                </a:extLst>
+              </a:tr>
+            </a:tbl>
+          </a:graphicData>
+        </a:graphic>
+      </p:graphicFrame>
+      <p:sp>
+        <p:nvSpPr>
+          <p:cNvPr id="3" name="Text Placeholder 2"/>
+          <p:cNvSpPr>
+            <a:spLocks noGrp="1"/>
+          </p:cNvSpPr>
+          <p:nvPr>
+            <p:ph type="body" idx="4294967295"/>
+          </p:nvPr>
+        </p:nvSpPr>
+        <p:spPr/>
+        <p:txBody>
+          <a:bodyPr>
+            <a:normAutofit/>
+          </a:bodyPr>
+          <a:lstStyle/>
+          <a:p>
+            <a:pPr rtl="0" eaLnBrk="1" latinLnBrk="0" hangingPunct="1"/>
+            <a:r>
+              <a:rPr lang="en-US" sz="3200" kern="1200" dirty="0" smtClean="0">
+                <a:solidFill>
+                  <a:schemeClr val="tx1"/>
+                </a:solidFill>
+                <a:effectLst/>
+                <a:latin typeface="+mn-lt"/>
+                <a:ea typeface="+mn-ea"/>
+                <a:cs typeface="+mn-cs"/>
+              </a:rPr>
+              <a:t>Two simple rules for TDD (Beck 2003).  </a:t>
+            </a:r>
+          </a:p>
+          <a:p>
+            <a:pPr lvl="1" rtl="0" eaLnBrk="1" latinLnBrk="0" hangingPunct="1"/>
+            <a:r>
+              <a:rPr lang="en-US" sz="2800" kern="1200" dirty="0" smtClean="0">
+                <a:solidFill>
+                  <a:schemeClr val="tx1"/>
+                </a:solidFill>
+                <a:effectLst/>
+                <a:latin typeface="+mn-lt"/>
+                <a:ea typeface="+mn-ea"/>
+                <a:cs typeface="+mn-cs"/>
+              </a:rPr>
+              <a:t>First, you should write new business code only when an automated test has failed. </a:t>
+            </a:r>
+          </a:p>
+          <a:p>
+            <a:pPr lvl="1" rtl="0" eaLnBrk="1" latinLnBrk="0" hangingPunct="1"/>
+            <a:r>
+              <a:rPr lang="en-US" sz="2800" kern="1200" dirty="0" smtClean="0">
+                <a:solidFill>
+                  <a:schemeClr val="tx1"/>
+                </a:solidFill>
+                <a:effectLst/>
+                <a:latin typeface="+mn-lt"/>
+                <a:ea typeface="+mn-ea"/>
+                <a:cs typeface="+mn-cs"/>
+              </a:rPr>
+              <a:t>Second, you should eliminate any duplication that you find. </a:t>
+            </a:r>
+          </a:p>
+          <a:p>
+            <a:pPr lvl="1" rtl="0" eaLnBrk="1" latinLnBrk="0" hangingPunct="1"/>
+            <a:endParaRPr lang="en-US" sz="2800" kern="1200" dirty="0" smtClean="0">
+              <a:solidFill>
+                <a:schemeClr val="tx1"/>
+              </a:solidFill>
+              <a:effectLst/>
+              <a:latin typeface="+mn-lt"/>
+              <a:ea typeface="+mn-ea"/>
+              <a:cs typeface="+mn-cs"/>
+            </a:endParaRPr>
+          </a:p>
+        </p:txBody>
+      </p:sp>
+    </p:spTree>
+    <p:extLst>
+      <p:ext uri="{BB962C8B-B14F-4D97-AF65-F5344CB8AC3E}">
+        <p14:creationId xmlns:p14="http://schemas.microsoft.com/office/powerpoint/2010/main" val="3763400442"/>
+      </p:ext>
+    </p:extLst>
+  </p:cSld>
+  <p:clrMapOvr>
+    <a:masterClrMapping/>
+  </p:clrMapOvr>
+</p:sld>
+</file>
+
+<file path=ppt/slides/slide16.xml><?xml version="1.0" encoding="utf-8"?>
+<p:sld xmlns:a="http://schemas.openxmlformats.org/drawingml/2006/main" xmlns:r="http://schemas.openxmlformats.org/officeDocument/2006/relationships" xmlns:p="http://schemas.openxmlformats.org/presentationml/2006/main">
+  <p:cSld>
+    <p:spTree>
+      <p:nvGrpSpPr>
+        <p:cNvPr id="1" name=""/>
+        <p:cNvGrpSpPr/>
+        <p:nvPr/>
+      </p:nvGrpSpPr>
+      <p:grpSpPr>
+        <a:xfrm>
+          <a:off x="0" y="0"/>
+          <a:ext cx="0" cy="0"/>
+          <a:chOff x="0" y="0"/>
+          <a:chExt cx="0" cy="0"/>
+        </a:xfrm>
+      </p:grpSpPr>
+      <p:sp>
+        <p:nvSpPr>
+          <p:cNvPr id="2" name="Title 1"/>
+          <p:cNvSpPr>
+            <a:spLocks noGrp="1"/>
+          </p:cNvSpPr>
+          <p:nvPr>
+            <p:ph type="title"/>
+          </p:nvPr>
+        </p:nvSpPr>
+        <p:spPr/>
+        <p:txBody>
+          <a:bodyPr/>
+          <a:lstStyle/>
+          <a:p>
+            <a:endParaRPr lang="en-US" dirty="0"/>
+          </a:p>
+        </p:txBody>
+      </p:sp>
+      <p:sp>
+        <p:nvSpPr>
+          <p:cNvPr id="3" name="Content Placeholder 2"/>
+          <p:cNvSpPr>
+            <a:spLocks noGrp="1"/>
+          </p:cNvSpPr>
+          <p:nvPr>
+            <p:ph idx="1"/>
+          </p:nvPr>
+        </p:nvSpPr>
+        <p:spPr/>
+        <p:txBody>
+          <a:bodyPr/>
+          <a:lstStyle/>
+          <a:p>
+            <a:endParaRPr lang="en-US"/>
+          </a:p>
+        </p:txBody>
+      </p:sp>
+      <p:pic>
+        <p:nvPicPr>
+          <p:cNvPr id="4" name="Picture 3"/>
+          <p:cNvPicPr>
+            <a:picLocks noChangeAspect="1"/>
+          </p:cNvPicPr>
+          <p:nvPr/>
+        </p:nvPicPr>
+        <p:blipFill rotWithShape="1">
+          <a:blip r:embed="rId2"/>
+          <a:srcRect l="25988" t="12500" r="40630" b="3739"/>
+          <a:stretch/>
+        </p:blipFill>
+        <p:spPr>
+          <a:xfrm>
+            <a:off x="2400300" y="274638"/>
+            <a:ext cx="4343400" cy="6127334"/>
+          </a:xfrm>
+          <a:prstGeom prst="rect">
+            <a:avLst/>
+          </a:prstGeom>
+        </p:spPr>
+      </p:pic>
+    </p:spTree>
+    <p:extLst>
+      <p:ext uri="{BB962C8B-B14F-4D97-AF65-F5344CB8AC3E}">
+        <p14:creationId xmlns:p14="http://schemas.microsoft.com/office/powerpoint/2010/main" val="3153835607"/>
+      </p:ext>
+    </p:extLst>
+  </p:cSld>
+  <p:clrMapOvr>
+    <a:masterClrMapping/>
+  </p:clrMapOvr>
+</p:sld>
+</file>
+
+<file path=ppt/slides/slide17.xml><?xml version="1.0" encoding="utf-8"?>
+<p:sld xmlns:a="http://schemas.openxmlformats.org/drawingml/2006/main" xmlns:r="http://schemas.openxmlformats.org/officeDocument/2006/relationships" xmlns:p="http://schemas.openxmlformats.org/presentationml/2006/main">
+  <p:cSld>
+    <p:spTree>
+      <p:nvGrpSpPr>
+        <p:cNvPr id="1" name=""/>
+        <p:cNvGrpSpPr/>
+        <p:nvPr/>
+      </p:nvGrpSpPr>
+      <p:grpSpPr>
+        <a:xfrm>
+          <a:off x="0" y="0"/>
+          <a:ext cx="0" cy="0"/>
+          <a:chOff x="0" y="0"/>
+          <a:chExt cx="0" cy="0"/>
+        </a:xfrm>
+      </p:grpSpPr>
+      <p:sp>
+        <p:nvSpPr>
+          <p:cNvPr id="2" name="Title 1"/>
+          <p:cNvSpPr>
+            <a:spLocks noGrp="1"/>
+          </p:cNvSpPr>
+          <p:nvPr>
+            <p:ph type="title"/>
+          </p:nvPr>
+        </p:nvSpPr>
+        <p:spPr/>
+        <p:txBody>
+          <a:bodyPr>
+            <a:normAutofit fontScale="90000"/>
+          </a:bodyPr>
+          <a:lstStyle/>
+          <a:p>
+            <a:pPr lvl="0" rtl="0" eaLnBrk="1" latinLnBrk="0" hangingPunct="1"/>
+            <a:r>
+              <a:rPr lang="en-US" sz="3200" kern="1200" dirty="0" smtClean="0">
+                <a:solidFill>
+                  <a:schemeClr val="tx1"/>
+                </a:solidFill>
+                <a:effectLst/>
+                <a:latin typeface="+mn-lt"/>
+                <a:ea typeface="+mn-ea"/>
+                <a:cs typeface="+mn-cs"/>
+              </a:rPr>
+              <a:t>Beck explains how these two simple rules generate complex individual and group behavior:</a:t>
+            </a:r>
+            <a:endParaRPr lang="en-US" dirty="0"/>
+          </a:p>
+        </p:txBody>
+      </p:sp>
+      <p:sp>
+        <p:nvSpPr>
+          <p:cNvPr id="3" name="Content Placeholder 2"/>
+          <p:cNvSpPr>
+            <a:spLocks noGrp="1"/>
+          </p:cNvSpPr>
+          <p:nvPr>
+            <p:ph idx="1"/>
+          </p:nvPr>
+        </p:nvSpPr>
+        <p:spPr/>
+        <p:txBody>
+          <a:bodyPr>
+            <a:normAutofit fontScale="85000" lnSpcReduction="10000"/>
+          </a:bodyPr>
+          <a:lstStyle/>
+          <a:p>
+            <a:pPr rtl="0" eaLnBrk="1" latinLnBrk="0" hangingPunct="1"/>
+            <a:r>
+              <a:rPr lang="en-US" sz="3200" kern="1200" dirty="0" smtClean="0">
+                <a:solidFill>
+                  <a:schemeClr val="tx1"/>
+                </a:solidFill>
+                <a:effectLst/>
+                <a:latin typeface="+mn-lt"/>
+                <a:ea typeface="+mn-ea"/>
+                <a:cs typeface="+mn-cs"/>
+              </a:rPr>
+              <a:t>You develop organically, with the running code providing feedback between decisions.</a:t>
+            </a:r>
+            <a:endParaRPr lang="en-US" dirty="0" smtClean="0">
+              <a:effectLst/>
+            </a:endParaRPr>
+          </a:p>
+          <a:p>
+            <a:pPr rtl="0" eaLnBrk="1" latinLnBrk="0" hangingPunct="1"/>
+            <a:r>
+              <a:rPr lang="en-US" sz="3200" kern="1200" dirty="0" smtClean="0">
+                <a:solidFill>
+                  <a:schemeClr val="tx1"/>
+                </a:solidFill>
+                <a:effectLst/>
+                <a:latin typeface="+mn-lt"/>
+                <a:ea typeface="+mn-ea"/>
+                <a:cs typeface="+mn-cs"/>
+              </a:rPr>
+              <a:t>You write your own tests because you can't wait 20 times per day for someone else to write them for you. </a:t>
+            </a:r>
+            <a:endParaRPr lang="en-US" dirty="0" smtClean="0">
+              <a:effectLst/>
+            </a:endParaRPr>
+          </a:p>
+          <a:p>
+            <a:pPr rtl="0" eaLnBrk="1" latinLnBrk="0" hangingPunct="1"/>
+            <a:r>
+              <a:rPr lang="en-US" sz="3200" kern="1200" dirty="0" smtClean="0">
+                <a:solidFill>
+                  <a:schemeClr val="tx1"/>
+                </a:solidFill>
+                <a:effectLst/>
+                <a:latin typeface="+mn-lt"/>
+                <a:ea typeface="+mn-ea"/>
+                <a:cs typeface="+mn-cs"/>
+              </a:rPr>
+              <a:t>Your development environment must provide rapid response to small changes (</a:t>
+            </a:r>
+            <a:r>
+              <a:rPr lang="en-US" sz="3200" kern="1200" dirty="0" err="1" smtClean="0">
+                <a:solidFill>
+                  <a:schemeClr val="tx1"/>
+                </a:solidFill>
+                <a:effectLst/>
+                <a:latin typeface="+mn-lt"/>
+                <a:ea typeface="+mn-ea"/>
+                <a:cs typeface="+mn-cs"/>
+              </a:rPr>
+              <a:t>e.g</a:t>
+            </a:r>
+            <a:r>
+              <a:rPr lang="en-US" sz="3200" kern="1200" dirty="0" smtClean="0">
+                <a:solidFill>
+                  <a:schemeClr val="tx1"/>
+                </a:solidFill>
+                <a:effectLst/>
+                <a:latin typeface="+mn-lt"/>
+                <a:ea typeface="+mn-ea"/>
+                <a:cs typeface="+mn-cs"/>
+              </a:rPr>
+              <a:t> you need a fast compiler and regression test suite).</a:t>
+            </a:r>
+            <a:endParaRPr lang="en-US" dirty="0" smtClean="0">
+              <a:effectLst/>
+            </a:endParaRPr>
+          </a:p>
+          <a:p>
+            <a:pPr rtl="0" eaLnBrk="1" latinLnBrk="0" hangingPunct="1"/>
+            <a:r>
+              <a:rPr lang="en-US" sz="3200" kern="1200" dirty="0" smtClean="0">
+                <a:solidFill>
+                  <a:schemeClr val="tx1"/>
+                </a:solidFill>
+                <a:effectLst/>
+                <a:latin typeface="+mn-lt"/>
+                <a:ea typeface="+mn-ea"/>
+                <a:cs typeface="+mn-cs"/>
+              </a:rPr>
+              <a:t>Your designs must consist of highly cohesive, loosely coupled components (e.g. your design is highly normalized) to make testing easier (this also makes evolution and maintenance of your system easier too).</a:t>
+            </a:r>
+          </a:p>
+        </p:txBody>
+      </p:sp>
+    </p:spTree>
+    <p:extLst>
+      <p:ext uri="{BB962C8B-B14F-4D97-AF65-F5344CB8AC3E}">
+        <p14:creationId xmlns:p14="http://schemas.microsoft.com/office/powerpoint/2010/main" val="1834770048"/>
+      </p:ext>
+    </p:extLst>
+  </p:cSld>
+  <p:clrMapOvr>
+    <a:masterClrMapping/>
+  </p:clrMapOvr>
+</p:sld>
+</file>
+
+<file path=ppt/slides/slide18.xml><?xml version="1.0" encoding="utf-8"?>
+<p:sld xmlns:a="http://schemas.openxmlformats.org/drawingml/2006/main" xmlns:r="http://schemas.openxmlformats.org/officeDocument/2006/relationships" xmlns:p="http://schemas.openxmlformats.org/presentationml/2006/main">
+  <p:cSld>
+    <p:spTree>
+      <p:nvGrpSpPr>
+        <p:cNvPr id="1" name=""/>
+        <p:cNvGrpSpPr/>
+        <p:nvPr/>
+      </p:nvGrpSpPr>
+      <p:grpSpPr>
+        <a:xfrm>
+          <a:off x="0" y="0"/>
+          <a:ext cx="0" cy="0"/>
+          <a:chOff x="0" y="0"/>
+          <a:chExt cx="0" cy="0"/>
+        </a:xfrm>
+      </p:grpSpPr>
+      <p:sp>
+        <p:nvSpPr>
+          <p:cNvPr id="2" name="Title 1"/>
+          <p:cNvSpPr>
+            <a:spLocks noGrp="1"/>
+          </p:cNvSpPr>
+          <p:nvPr>
+            <p:ph type="title"/>
+          </p:nvPr>
+        </p:nvSpPr>
+        <p:spPr/>
+        <p:txBody>
+          <a:bodyPr>
+            <a:normAutofit fontScale="90000"/>
+          </a:bodyPr>
+          <a:lstStyle/>
+          <a:p>
+            <a:r>
+              <a:rPr lang="en-US" dirty="0" smtClean="0"/>
+              <a:t>TDD –</a:t>
+            </a:r>
+            <a:r>
+              <a:rPr lang="en-US" baseline="0" dirty="0" smtClean="0"/>
+              <a:t> How to write good Test cases? </a:t>
+            </a:r>
+            <a:endParaRPr lang="en-US" dirty="0"/>
+          </a:p>
+        </p:txBody>
+      </p:sp>
+      <p:sp>
+        <p:nvSpPr>
+          <p:cNvPr id="3" name="Content Placeholder 2"/>
+          <p:cNvSpPr>
+            <a:spLocks noGrp="1"/>
+          </p:cNvSpPr>
+          <p:nvPr>
+            <p:ph idx="1"/>
+          </p:nvPr>
+        </p:nvSpPr>
+        <p:spPr/>
+        <p:txBody>
+          <a:bodyPr>
+            <a:normAutofit fontScale="85000" lnSpcReduction="10000"/>
+          </a:bodyPr>
+          <a:lstStyle/>
+          <a:p>
+            <a:pPr rtl="0" eaLnBrk="0" fontAlgn="base" latinLnBrk="0" hangingPunct="0"/>
+            <a:r>
+              <a:rPr lang="en-US" sz="3200" b="0" i="0" kern="1200" baseline="0" dirty="0" smtClean="0">
+                <a:solidFill>
+                  <a:schemeClr val="tx1"/>
+                </a:solidFill>
+                <a:effectLst/>
+                <a:latin typeface="+mn-lt"/>
+                <a:ea typeface="+mn-ea"/>
+                <a:cs typeface="+mn-cs"/>
+              </a:rPr>
+              <a:t>Effective short test cases written by developers themselves</a:t>
+            </a:r>
+          </a:p>
+          <a:p>
+            <a:pPr rtl="0" eaLnBrk="0" fontAlgn="base" latinLnBrk="0" hangingPunct="0"/>
+            <a:r>
+              <a:rPr lang="en-US" sz="3200" b="0" i="0" kern="1200" baseline="0" dirty="0" smtClean="0">
+                <a:solidFill>
+                  <a:schemeClr val="tx1"/>
+                </a:solidFill>
+                <a:effectLst/>
+                <a:latin typeface="+mn-lt"/>
+                <a:ea typeface="+mn-ea"/>
+                <a:cs typeface="+mn-cs"/>
+              </a:rPr>
+              <a:t>Run fast (they have short setups, run times, and break downs).</a:t>
+            </a:r>
+            <a:endParaRPr lang="en-US" dirty="0" smtClean="0">
+              <a:effectLst/>
+            </a:endParaRPr>
+          </a:p>
+          <a:p>
+            <a:pPr rtl="0" eaLnBrk="0" fontAlgn="base" latinLnBrk="0" hangingPunct="0"/>
+            <a:r>
+              <a:rPr lang="en-US" sz="3200" b="0" i="0" kern="1200" baseline="0" dirty="0" smtClean="0">
+                <a:solidFill>
+                  <a:schemeClr val="tx1"/>
+                </a:solidFill>
+                <a:effectLst/>
+                <a:latin typeface="+mn-lt"/>
+                <a:ea typeface="+mn-ea"/>
+                <a:cs typeface="+mn-cs"/>
+              </a:rPr>
+              <a:t>Run in isolation (you should be able to reorder them).</a:t>
+            </a:r>
+            <a:endParaRPr lang="en-US" dirty="0" smtClean="0">
+              <a:effectLst/>
+            </a:endParaRPr>
+          </a:p>
+          <a:p>
+            <a:pPr rtl="0" eaLnBrk="0" fontAlgn="base" latinLnBrk="0" hangingPunct="0"/>
+            <a:r>
+              <a:rPr lang="en-US" sz="3200" b="0" i="0" kern="1200" baseline="0" dirty="0" smtClean="0">
+                <a:solidFill>
+                  <a:schemeClr val="tx1"/>
+                </a:solidFill>
+                <a:effectLst/>
+                <a:latin typeface="+mn-lt"/>
+                <a:ea typeface="+mn-ea"/>
+                <a:cs typeface="+mn-cs"/>
+              </a:rPr>
+              <a:t>Use data that makes them easy to read and to understand.</a:t>
+            </a:r>
+            <a:endParaRPr lang="en-US" dirty="0" smtClean="0">
+              <a:effectLst/>
+            </a:endParaRPr>
+          </a:p>
+          <a:p>
+            <a:pPr rtl="0" eaLnBrk="0" fontAlgn="base" latinLnBrk="0" hangingPunct="0"/>
+            <a:r>
+              <a:rPr lang="en-US" sz="3200" b="0" i="0" kern="1200" baseline="0" dirty="0" smtClean="0">
+                <a:solidFill>
+                  <a:schemeClr val="tx1"/>
+                </a:solidFill>
+                <a:effectLst/>
+                <a:latin typeface="+mn-lt"/>
+                <a:ea typeface="+mn-ea"/>
+                <a:cs typeface="+mn-cs"/>
+              </a:rPr>
+              <a:t>Use real data (e.g. copies of production data) when they need to.</a:t>
+            </a:r>
+            <a:endParaRPr lang="en-US" dirty="0" smtClean="0">
+              <a:effectLst/>
+            </a:endParaRPr>
+          </a:p>
+          <a:p>
+            <a:pPr rtl="0" eaLnBrk="0" fontAlgn="base" latinLnBrk="0" hangingPunct="0"/>
+            <a:r>
+              <a:rPr lang="en-US" sz="3200" b="0" i="0" kern="1200" baseline="0" dirty="0" smtClean="0">
+                <a:solidFill>
+                  <a:schemeClr val="tx1"/>
+                </a:solidFill>
+                <a:effectLst/>
+                <a:latin typeface="+mn-lt"/>
+                <a:ea typeface="+mn-ea"/>
+                <a:cs typeface="+mn-cs"/>
+              </a:rPr>
+              <a:t>Represent one step towards your overall goal.</a:t>
+            </a:r>
+            <a:endParaRPr lang="en-US" dirty="0" smtClean="0">
+              <a:effectLst/>
+            </a:endParaRPr>
+          </a:p>
+          <a:p>
+            <a:pPr rtl="0" eaLnBrk="1" latinLnBrk="0" hangingPunct="1"/>
+            <a:endParaRPr lang="en-US" dirty="0" smtClean="0">
+              <a:effectLst/>
+            </a:endParaRPr>
+          </a:p>
+          <a:p>
+            <a:endParaRPr lang="en-US" dirty="0"/>
+          </a:p>
+        </p:txBody>
+      </p:sp>
+    </p:spTree>
+    <p:extLst>
+      <p:ext uri="{BB962C8B-B14F-4D97-AF65-F5344CB8AC3E}">
+        <p14:creationId xmlns:p14="http://schemas.microsoft.com/office/powerpoint/2010/main" val="686868675"/>
+      </p:ext>
+    </p:extLst>
+  </p:cSld>
+  <p:clrMapOvr>
+    <a:masterClrMapping/>
+  </p:clrMapOvr>
+</p:sld>
+</file>
+
+<file path=ppt/slides/slide19.xml><?xml version="1.0" encoding="utf-8"?>
+<p:sld xmlns:a="http://schemas.openxmlformats.org/drawingml/2006/main" xmlns:r="http://schemas.openxmlformats.org/officeDocument/2006/relationships" xmlns:p="http://schemas.openxmlformats.org/presentationml/2006/main">
+  <p:cSld>
+    <p:spTree>
+      <p:nvGrpSpPr>
+        <p:cNvPr id="1" name=""/>
+        <p:cNvGrpSpPr/>
+        <p:nvPr/>
+      </p:nvGrpSpPr>
+      <p:grpSpPr>
+        <a:xfrm>
+          <a:off x="0" y="0"/>
+          <a:ext cx="0" cy="0"/>
+          <a:chOff x="0" y="0"/>
+          <a:chExt cx="0" cy="0"/>
+        </a:xfrm>
+      </p:grpSpPr>
+      <p:sp>
+        <p:nvSpPr>
+          <p:cNvPr id="23554" name="Rectangle 2"/>
+          <p:cNvSpPr>
+            <a:spLocks noGrp="1" noChangeArrowheads="1"/>
+          </p:cNvSpPr>
+          <p:nvPr>
+            <p:ph type="ctrTitle"/>
+          </p:nvPr>
+        </p:nvSpPr>
+        <p:spPr>
+          <a:xfrm>
+            <a:off x="685800" y="2057400"/>
+            <a:ext cx="7772400" cy="1143000"/>
+          </a:xfrm>
+        </p:spPr>
+        <p:txBody>
+          <a:bodyPr>
+            <a:normAutofit fontScale="90000"/>
+          </a:bodyPr>
+          <a:lstStyle/>
+          <a:p>
+            <a:r>
+              <a:rPr lang="en-US" b="1" dirty="0" smtClean="0">
+                <a:solidFill>
+                  <a:srgbClr val="0033CC"/>
+                </a:solidFill>
+              </a:rPr>
+              <a:t>Sub-Module</a:t>
+            </a:r>
+            <a:br>
+              <a:rPr lang="en-US" b="1" dirty="0" smtClean="0">
+                <a:solidFill>
+                  <a:srgbClr val="0033CC"/>
+                </a:solidFill>
+              </a:rPr>
+            </a:br>
+            <a:r>
+              <a:rPr lang="en-US" b="1" dirty="0" smtClean="0">
+                <a:solidFill>
+                  <a:srgbClr val="0033CC"/>
+                </a:solidFill>
+                <a:latin typeface="Copperplate Gothic Bold" pitchFamily="34" charset="0"/>
+              </a:rPr>
+              <a:t/>
+            </a:r>
+            <a:br>
+              <a:rPr lang="en-US" b="1" dirty="0" smtClean="0">
+                <a:solidFill>
+                  <a:srgbClr val="0033CC"/>
+                </a:solidFill>
+                <a:latin typeface="Copperplate Gothic Bold" pitchFamily="34" charset="0"/>
+              </a:rPr>
+            </a:br>
+            <a:r>
+              <a:rPr lang="en-US" b="1" dirty="0" smtClean="0">
+                <a:solidFill>
+                  <a:srgbClr val="990000"/>
+                </a:solidFill>
+                <a:latin typeface="Copperplate Gothic Bold" pitchFamily="34" charset="0"/>
+              </a:rPr>
               <a:t>Analyzing Risks in Testing  </a:t>
             </a:r>
             <a:endParaRPr lang="en-US" dirty="0" smtClean="0">
@@ -21746,7 +29474,7 @@
 </p:sld>
 </file>
 
-<file path=ppt/slides/slide14.xml><?xml version="1.0" encoding="utf-8"?>
+<file path=ppt/slides/slide2.xml><?xml version="1.0" encoding="utf-8"?>
 <p:sld xmlns:a="http://schemas.openxmlformats.org/drawingml/2006/main" xmlns:r="http://schemas.openxmlformats.org/officeDocument/2006/relationships" xmlns:p="http://schemas.openxmlformats.org/presentationml/2006/main">
   <p:cSld>
     <p:spTree>
@@ -21780,6 +29508,201 @@
           <a:p>
             <a:r>
               <a:rPr lang="en-US" dirty="0" smtClean="0"/>
+              <a:t>Agenda</a:t>
+            </a:r>
+            <a:endParaRPr lang="en-US" dirty="0"/>
+          </a:p>
+        </p:txBody>
+      </p:sp>
+      <p:sp>
+        <p:nvSpPr>
+          <p:cNvPr id="3" name="Content Placeholder 2"/>
+          <p:cNvSpPr>
+            <a:spLocks noGrp="1"/>
+          </p:cNvSpPr>
+          <p:nvPr>
+            <p:ph idx="1"/>
+          </p:nvPr>
+        </p:nvSpPr>
+        <p:spPr/>
+        <p:txBody>
+          <a:bodyPr>
+            <a:normAutofit fontScale="92500"/>
+          </a:bodyPr>
+          <a:lstStyle/>
+          <a:p>
+            <a:r>
+              <a:rPr lang="en-US" dirty="0" smtClean="0"/>
+              <a:t>Composite Agile: Quality and Testing (Chapter 9)</a:t>
+            </a:r>
+          </a:p>
+          <a:p>
+            <a:pPr lvl="1"/>
+            <a:r>
+              <a:rPr lang="en-US" dirty="0" smtClean="0"/>
+              <a:t>Quality Context – (Pages 315 – 322); </a:t>
+            </a:r>
+          </a:p>
+          <a:p>
+            <a:pPr lvl="1"/>
+            <a:r>
+              <a:rPr lang="en-US" dirty="0" smtClean="0"/>
+              <a:t>Quality Techniques &amp; Agile Practice – (Pages 329 – 336) but NOT Table 9.4 </a:t>
+            </a:r>
+          </a:p>
+          <a:p>
+            <a:pPr lvl="1"/>
+            <a:r>
+              <a:rPr lang="en-US" dirty="0" smtClean="0"/>
+              <a:t>Analyzing Risks in Testing (Pages 346 – 348)</a:t>
+            </a:r>
+          </a:p>
+          <a:p>
+            <a:r>
+              <a:rPr lang="en-US" dirty="0" smtClean="0"/>
+              <a:t>"</a:t>
+            </a:r>
+            <a:r>
+              <a:rPr lang="en-US" dirty="0"/>
+              <a:t>Agile job aids" </a:t>
+            </a:r>
+            <a:r>
+              <a:rPr lang="en-US" dirty="0" smtClean="0"/>
+              <a:t>(Selected Agile Practices). </a:t>
+            </a:r>
+          </a:p>
+          <a:p>
+            <a:pPr lvl="1"/>
+            <a:r>
+              <a:rPr lang="en-US" dirty="0" smtClean="0"/>
+              <a:t>Study of Agile </a:t>
+            </a:r>
+            <a:r>
+              <a:rPr lang="en-US" dirty="0"/>
+              <a:t>Practice </a:t>
+            </a:r>
+            <a:r>
+              <a:rPr lang="en-US" dirty="0" smtClean="0"/>
+              <a:t>No 12 – Continuous Testing </a:t>
+            </a:r>
+            <a:r>
+              <a:rPr lang="en-US" dirty="0"/>
+              <a:t>   </a:t>
+            </a:r>
+          </a:p>
+          <a:p>
+            <a:r>
+              <a:rPr lang="en-US" dirty="0" smtClean="0"/>
+              <a:t>Summary &amp; Consolidation</a:t>
+            </a:r>
+          </a:p>
+        </p:txBody>
+      </p:sp>
+      <p:pic>
+        <p:nvPicPr>
+          <p:cNvPr id="5" name="Picture 4"/>
+          <p:cNvPicPr>
+            <a:picLocks noChangeAspect="1"/>
+          </p:cNvPicPr>
+          <p:nvPr/>
+        </p:nvPicPr>
+        <p:blipFill>
+          <a:blip r:embed="rId2" cstate="print">
+            <a:extLst>
+              <a:ext uri="{28A0092B-C50C-407E-A947-70E740481C1C}">
+                <a14:useLocalDpi xmlns:a14="http://schemas.microsoft.com/office/drawing/2010/main" val="0"/>
+              </a:ext>
+            </a:extLst>
+          </a:blip>
+          <a:stretch>
+            <a:fillRect/>
+          </a:stretch>
+        </p:blipFill>
+        <p:spPr>
+          <a:xfrm>
+            <a:off x="7383518" y="296918"/>
+            <a:ext cx="1303282" cy="1303282"/>
+          </a:xfrm>
+          <a:prstGeom prst="rect">
+            <a:avLst/>
+          </a:prstGeom>
+          <a:ln>
+            <a:noFill/>
+          </a:ln>
+          <a:effectLst>
+            <a:outerShdw blurRad="44450" dist="27940" dir="5400000" algn="ctr">
+              <a:srgbClr val="000000">
+                <a:alpha val="32000"/>
+              </a:srgbClr>
+            </a:outerShdw>
+          </a:effectLst>
+          <a:scene3d>
+            <a:camera prst="orthographicFront">
+              <a:rot lat="0" lon="0" rev="0"/>
+            </a:camera>
+            <a:lightRig rig="balanced" dir="t">
+              <a:rot lat="0" lon="0" rev="8700000"/>
+            </a:lightRig>
+          </a:scene3d>
+          <a:sp3d>
+            <a:bevelT w="190500" h="38100"/>
+          </a:sp3d>
+        </p:spPr>
+      </p:pic>
+    </p:spTree>
+    <p:extLst>
+      <p:ext uri="{BB962C8B-B14F-4D97-AF65-F5344CB8AC3E}">
+        <p14:creationId xmlns:p14="http://schemas.microsoft.com/office/powerpoint/2010/main" val="3112090266"/>
+      </p:ext>
+    </p:extLst>
+  </p:cSld>
+  <p:clrMapOvr>
+    <a:masterClrMapping/>
+  </p:clrMapOvr>
+  <p:timing>
+    <p:tnLst>
+      <p:par>
+        <p:cTn id="1" dur="indefinite" restart="never" nodeType="tmRoot"/>
+      </p:par>
+    </p:tnLst>
+  </p:timing>
+</p:sld>
+</file>
+
+<file path=ppt/slides/slide20.xml><?xml version="1.0" encoding="utf-8"?>
+<p:sld xmlns:a="http://schemas.openxmlformats.org/drawingml/2006/main" xmlns:r="http://schemas.openxmlformats.org/officeDocument/2006/relationships" xmlns:p="http://schemas.openxmlformats.org/presentationml/2006/main">
+  <p:cSld>
+    <p:spTree>
+      <p:nvGrpSpPr>
+        <p:cNvPr id="1" name=""/>
+        <p:cNvGrpSpPr/>
+        <p:nvPr/>
+      </p:nvGrpSpPr>
+      <p:grpSpPr>
+        <a:xfrm>
+          <a:off x="0" y="0"/>
+          <a:ext cx="0" cy="0"/>
+          <a:chOff x="0" y="0"/>
+          <a:chExt cx="0" cy="0"/>
+        </a:xfrm>
+      </p:grpSpPr>
+      <p:sp>
+        <p:nvSpPr>
+          <p:cNvPr id="2" name="Title 1"/>
+          <p:cNvSpPr>
+            <a:spLocks noGrp="1"/>
+          </p:cNvSpPr>
+          <p:nvPr>
+            <p:ph type="title"/>
+          </p:nvPr>
+        </p:nvSpPr>
+        <p:spPr/>
+        <p:txBody>
+          <a:bodyPr/>
+          <a:lstStyle/>
+          <a:p>
+            <a:r>
+              <a:rPr lang="en-US" dirty="0" smtClean="0"/>
               <a:t>Testing Risks (Page 347)</a:t>
             </a:r>
             <a:endParaRPr lang="en-US" dirty="0"/>
@@ -21866,7 +29789,7 @@
 </p:sld>
 </file>
 
-<file path=ppt/slides/slide15.xml><?xml version="1.0" encoding="utf-8"?>
+<file path=ppt/slides/slide21.xml><?xml version="1.0" encoding="utf-8"?>
 <p:sld xmlns:a="http://schemas.openxmlformats.org/drawingml/2006/main" xmlns:r="http://schemas.openxmlformats.org/officeDocument/2006/relationships" xmlns:p="http://schemas.openxmlformats.org/presentationml/2006/main">
   <p:cSld>
     <p:spTree>
@@ -22051,7 +29974,7 @@
 </p:sld>
 </file>
 
-<file path=ppt/slides/slide16.xml><?xml version="1.0" encoding="utf-8"?>
+<file path=ppt/slides/slide22.xml><?xml version="1.0" encoding="utf-8"?>
 <p:sld xmlns:a="http://schemas.openxmlformats.org/drawingml/2006/main" xmlns:r="http://schemas.openxmlformats.org/officeDocument/2006/relationships" xmlns:p="http://schemas.openxmlformats.org/presentationml/2006/main">
   <p:cSld>
     <p:spTree>
@@ -22160,7 +30083,7 @@
 </p:sld>
 </file>
 
-<file path=ppt/slides/slide17.xml><?xml version="1.0" encoding="utf-8"?>
+<file path=ppt/slides/slide23.xml><?xml version="1.0" encoding="utf-8"?>
 <p:sld xmlns:a="http://schemas.openxmlformats.org/drawingml/2006/main" xmlns:r="http://schemas.openxmlformats.org/officeDocument/2006/relationships" xmlns:p="http://schemas.openxmlformats.org/presentationml/2006/main">
   <p:cSld>
     <p:spTree>
@@ -22195,7 +30118,7 @@
             <a:fld id="{1A8A3A8F-BF3B-4F95-9652-FBD23CB6635E}" type="slidenum">
               <a:rPr lang="en-US"/>
               <a:pPr/>
-              <a:t>17</a:t>
+              <a:t>23</a:t>
             </a:fld>
             <a:endParaRPr lang="en-US" dirty="0"/>
           </a:p>
@@ -22293,7 +30216,7 @@
           <a:graphicData uri="http://schemas.openxmlformats.org/presentationml/2006/ole">
             <mc:AlternateContent xmlns:mc="http://schemas.openxmlformats.org/markup-compatibility/2006">
               <mc:Choice xmlns:v="urn:schemas-microsoft-com:vml" Requires="v">
-                <p:oleObj spid="_x0000_s1085" name="Clip" r:id="rId4" imgW="3946320" imgH="3970080" progId="">
+                <p:oleObj spid="_x0000_s1088" name="Clip" r:id="rId4" imgW="3946320" imgH="3970080" progId="">
                   <p:embed/>
                 </p:oleObj>
               </mc:Choice>
@@ -22457,201 +30380,6 @@
   <p:transition spd="med">
     <p:random/>
   </p:transition>
-  <p:timing>
-    <p:tnLst>
-      <p:par>
-        <p:cTn id="1" dur="indefinite" restart="never" nodeType="tmRoot"/>
-      </p:par>
-    </p:tnLst>
-  </p:timing>
-</p:sld>
-</file>
-
-<file path=ppt/slides/slide2.xml><?xml version="1.0" encoding="utf-8"?>
-<p:sld xmlns:a="http://schemas.openxmlformats.org/drawingml/2006/main" xmlns:r="http://schemas.openxmlformats.org/officeDocument/2006/relationships" xmlns:p="http://schemas.openxmlformats.org/presentationml/2006/main">
-  <p:cSld>
-    <p:spTree>
-      <p:nvGrpSpPr>
-        <p:cNvPr id="1" name=""/>
-        <p:cNvGrpSpPr/>
-        <p:nvPr/>
-      </p:nvGrpSpPr>
-      <p:grpSpPr>
-        <a:xfrm>
-          <a:off x="0" y="0"/>
-          <a:ext cx="0" cy="0"/>
-          <a:chOff x="0" y="0"/>
-          <a:chExt cx="0" cy="0"/>
-        </a:xfrm>
-      </p:grpSpPr>
-      <p:sp>
-        <p:nvSpPr>
-          <p:cNvPr id="2" name="Title 1"/>
-          <p:cNvSpPr>
-            <a:spLocks noGrp="1"/>
-          </p:cNvSpPr>
-          <p:nvPr>
-            <p:ph type="title"/>
-          </p:nvPr>
-        </p:nvSpPr>
-        <p:spPr/>
-        <p:txBody>
-          <a:bodyPr/>
-          <a:lstStyle/>
-          <a:p>
-            <a:r>
-              <a:rPr lang="en-US" dirty="0" smtClean="0"/>
-              <a:t>Agenda</a:t>
-            </a:r>
-            <a:endParaRPr lang="en-US" dirty="0"/>
-          </a:p>
-        </p:txBody>
-      </p:sp>
-      <p:sp>
-        <p:nvSpPr>
-          <p:cNvPr id="3" name="Content Placeholder 2"/>
-          <p:cNvSpPr>
-            <a:spLocks noGrp="1"/>
-          </p:cNvSpPr>
-          <p:nvPr>
-            <p:ph idx="1"/>
-          </p:nvPr>
-        </p:nvSpPr>
-        <p:spPr/>
-        <p:txBody>
-          <a:bodyPr>
-            <a:normAutofit fontScale="92500"/>
-          </a:bodyPr>
-          <a:lstStyle/>
-          <a:p>
-            <a:r>
-              <a:rPr lang="en-US" dirty="0" smtClean="0"/>
-              <a:t>Composite Agile: Quality and Testing (Chapter 9)</a:t>
-            </a:r>
-          </a:p>
-          <a:p>
-            <a:pPr lvl="1"/>
-            <a:r>
-              <a:rPr lang="en-US" dirty="0" smtClean="0"/>
-              <a:t>Quality Context – (Pages 315 – 322); </a:t>
-            </a:r>
-          </a:p>
-          <a:p>
-            <a:pPr lvl="1"/>
-            <a:r>
-              <a:rPr lang="en-US" dirty="0" smtClean="0"/>
-              <a:t>Quality Techniques &amp; Agile Practice – (Pages 329 – 336) but NOT Table 9.4 </a:t>
-            </a:r>
-          </a:p>
-          <a:p>
-            <a:pPr lvl="1"/>
-            <a:r>
-              <a:rPr lang="en-US" dirty="0" smtClean="0"/>
-              <a:t>Analyzing Risks in Testing (Pages 346 – 348)</a:t>
-            </a:r>
-          </a:p>
-          <a:p>
-            <a:r>
-              <a:rPr lang="en-US" dirty="0" smtClean="0"/>
-              <a:t>"</a:t>
-            </a:r>
-            <a:r>
-              <a:rPr lang="en-US" dirty="0"/>
-              <a:t>Agile job aids" </a:t>
-            </a:r>
-            <a:r>
-              <a:rPr lang="en-US" dirty="0" smtClean="0"/>
-              <a:t>(Selected Agile Practices). </a:t>
-            </a:r>
-          </a:p>
-          <a:p>
-            <a:pPr lvl="1"/>
-            <a:r>
-              <a:rPr lang="en-US" dirty="0" smtClean="0"/>
-              <a:t>Study of Agile </a:t>
-            </a:r>
-            <a:r>
-              <a:rPr lang="en-US" dirty="0"/>
-              <a:t>Practice </a:t>
-            </a:r>
-            <a:r>
-              <a:rPr lang="en-US" dirty="0" smtClean="0"/>
-              <a:t>No 12 – Continuous Testing </a:t>
-            </a:r>
-            <a:r>
-              <a:rPr lang="en-US" dirty="0"/>
-              <a:t>   </a:t>
-            </a:r>
-          </a:p>
-          <a:p>
-            <a:r>
-              <a:rPr lang="en-US" dirty="0" smtClean="0"/>
-              <a:t>Summary &amp; Consolidation</a:t>
-            </a:r>
-          </a:p>
-        </p:txBody>
-      </p:sp>
-      <p:pic>
-        <p:nvPicPr>
-          <p:cNvPr id="5" name="Picture 4"/>
-          <p:cNvPicPr>
-            <a:picLocks noChangeAspect="1"/>
-          </p:cNvPicPr>
-          <p:nvPr/>
-        </p:nvPicPr>
-        <p:blipFill>
-          <a:blip r:embed="rId2" cstate="print">
-            <a:extLst>
-              <a:ext uri="{28A0092B-C50C-407E-A947-70E740481C1C}">
-                <a14:useLocalDpi xmlns:a14="http://schemas.microsoft.com/office/drawing/2010/main" val="0"/>
-              </a:ext>
-            </a:extLst>
-          </a:blip>
-          <a:stretch>
-            <a:fillRect/>
-          </a:stretch>
-        </p:blipFill>
-        <p:spPr>
-          <a:xfrm>
-            <a:off x="7383518" y="296918"/>
-            <a:ext cx="1303282" cy="1303282"/>
-          </a:xfrm>
-          <a:prstGeom prst="rect">
-            <a:avLst/>
-          </a:prstGeom>
-          <a:ln>
-            <a:noFill/>
-          </a:ln>
-          <a:effectLst>
-            <a:outerShdw blurRad="44450" dist="27940" dir="5400000" algn="ctr">
-              <a:srgbClr val="000000">
-                <a:alpha val="32000"/>
-              </a:srgbClr>
-            </a:outerShdw>
-          </a:effectLst>
-          <a:scene3d>
-            <a:camera prst="orthographicFront">
-              <a:rot lat="0" lon="0" rev="0"/>
-            </a:camera>
-            <a:lightRig rig="balanced" dir="t">
-              <a:rot lat="0" lon="0" rev="8700000"/>
-            </a:lightRig>
-          </a:scene3d>
-          <a:sp3d>
-            <a:bevelT w="190500" h="38100"/>
-          </a:sp3d>
-        </p:spPr>
-      </p:pic>
-    </p:spTree>
-    <p:extLst>
-      <p:ext uri="{BB962C8B-B14F-4D97-AF65-F5344CB8AC3E}">
-        <p14:creationId xmlns:p14="http://schemas.microsoft.com/office/powerpoint/2010/main" val="3112090266"/>
-      </p:ext>
-    </p:extLst>
-  </p:cSld>
-  <p:clrMapOvr>
-    <a:masterClrMapping/>
-  </p:clrMapOvr>
   <p:timing>
     <p:tnLst>
       <p:par>
@@ -24684,12 +32412,22 @@
         </p:nvSpPr>
         <p:spPr/>
         <p:txBody>
-          <a:bodyPr/>
+          <a:bodyPr>
+            <a:normAutofit fontScale="90000"/>
+          </a:bodyPr>
           <a:lstStyle/>
           <a:p>
             <a:r>
               <a:rPr lang="en-US" dirty="0" smtClean="0"/>
-              <a:t>Table 9.1 : Quality Parameters</a:t>
+              <a:t>Table </a:t>
+            </a:r>
+            <a:r>
+              <a:rPr lang="en-US" dirty="0" smtClean="0"/>
+              <a:t>9.1 (Chapter 9 on Testing) </a:t>
+            </a:r>
+            <a:r>
+              <a:rPr lang="en-US" dirty="0" smtClean="0"/>
+              <a:t>: Quality Parameters</a:t>
             </a:r>
             <a:endParaRPr lang="en-US" dirty="0"/>
           </a:p>
